--- a/TP3/TP3_Moises_Santiago.pptx
+++ b/TP3/TP3_Moises_Santiago.pptx
@@ -16,12 +16,16 @@
     <p:sldId id="290" r:id="rId10"/>
     <p:sldId id="292" r:id="rId11"/>
     <p:sldId id="296" r:id="rId12"/>
-    <p:sldId id="297" r:id="rId13"/>
-    <p:sldId id="298" r:id="rId14"/>
-    <p:sldId id="300" r:id="rId15"/>
-    <p:sldId id="301" r:id="rId16"/>
-    <p:sldId id="303" r:id="rId17"/>
-    <p:sldId id="293" r:id="rId18"/>
+    <p:sldId id="304" r:id="rId13"/>
+    <p:sldId id="305" r:id="rId14"/>
+    <p:sldId id="306" r:id="rId15"/>
+    <p:sldId id="297" r:id="rId16"/>
+    <p:sldId id="298" r:id="rId17"/>
+    <p:sldId id="300" r:id="rId18"/>
+    <p:sldId id="301" r:id="rId19"/>
+    <p:sldId id="303" r:id="rId20"/>
+    <p:sldId id="307" r:id="rId21"/>
+    <p:sldId id="293" r:id="rId22"/>
   </p:sldIdLst>
   <p:sldSz cx="12192000" cy="6858000"/>
   <p:notesSz cx="6858000" cy="9144000"/>
@@ -131,6 +135,7 @@
 <file path=ppt/revisionInfo.xml><?xml version="1.0" encoding="utf-8"?>
 <p1510:revInfo xmlns:a="http://schemas.openxmlformats.org/drawingml/2006/main" xmlns:r="http://schemas.openxmlformats.org/officeDocument/2006/relationships" xmlns:p1510="http://schemas.microsoft.com/office/powerpoint/2015/10/main">
   <p1510:revLst>
+    <p1510:client id="{399F4D96-0FF0-45CC-89CC-9982CBE5BBE2}" v="46" dt="2023-01-12T10:06:28.551"/>
     <p1510:client id="{930E4540-302B-49A4-9330-3D1412466C29}" v="20" dt="2023-01-11T19:55:59.832"/>
   </p1510:revLst>
 </p1510:revInfo>
@@ -138,6 +143,1229 @@
 
 <file path=ppt/changesInfos/changesInfo1.xml><?xml version="1.0" encoding="utf-8"?>
 <pc:chgInfo xmlns:a="http://schemas.openxmlformats.org/drawingml/2006/main" xmlns:r="http://schemas.openxmlformats.org/officeDocument/2006/relationships" xmlns:ac="http://schemas.microsoft.com/office/drawing/2013/main/command" xmlns:pc="http://schemas.microsoft.com/office/powerpoint/2013/main/command">
+  <pc:docChgLst>
+    <pc:chgData name="Moises Pirela" userId="a07275d2963e6567" providerId="LiveId" clId="{7C1B36EE-C744-40C8-B6F7-C0715F002048}"/>
+    <pc:docChg chg="modSld">
+      <pc:chgData name="Moises Pirela" userId="a07275d2963e6567" providerId="LiveId" clId="{7C1B36EE-C744-40C8-B6F7-C0715F002048}" dt="2022-12-04T22:54:13.017" v="6" actId="1036"/>
+      <pc:docMkLst>
+        <pc:docMk/>
+      </pc:docMkLst>
+      <pc:sldChg chg="addSp modSp mod">
+        <pc:chgData name="Moises Pirela" userId="a07275d2963e6567" providerId="LiveId" clId="{7C1B36EE-C744-40C8-B6F7-C0715F002048}" dt="2022-12-04T22:54:13.017" v="6" actId="1036"/>
+        <pc:sldMkLst>
+          <pc:docMk/>
+          <pc:sldMk cId="3394526084" sldId="256"/>
+        </pc:sldMkLst>
+        <pc:spChg chg="add mod">
+          <ac:chgData name="Moises Pirela" userId="a07275d2963e6567" providerId="LiveId" clId="{7C1B36EE-C744-40C8-B6F7-C0715F002048}" dt="2022-12-04T22:54:13.017" v="6" actId="1036"/>
+          <ac:spMkLst>
+            <pc:docMk/>
+            <pc:sldMk cId="3394526084" sldId="256"/>
+            <ac:spMk id="5" creationId="{036B4F47-1C51-296F-1715-399BF0F7C0E1}"/>
+          </ac:spMkLst>
+        </pc:spChg>
+      </pc:sldChg>
+    </pc:docChg>
+  </pc:docChgLst>
+  <pc:docChgLst>
+    <pc:chgData name="Moises Pirela" userId="a07275d2963e6567" providerId="LiveId" clId="{930E4540-302B-49A4-9330-3D1412466C29}"/>
+    <pc:docChg chg="undo custSel addSld delSld modSld">
+      <pc:chgData name="Moises Pirela" userId="a07275d2963e6567" providerId="LiveId" clId="{930E4540-302B-49A4-9330-3D1412466C29}" dt="2023-01-11T19:56:02.841" v="1911" actId="6549"/>
+      <pc:docMkLst>
+        <pc:docMk/>
+      </pc:docMkLst>
+      <pc:sldChg chg="modSp mod">
+        <pc:chgData name="Moises Pirela" userId="a07275d2963e6567" providerId="LiveId" clId="{930E4540-302B-49A4-9330-3D1412466C29}" dt="2023-01-11T14:46:51.777" v="395" actId="20577"/>
+        <pc:sldMkLst>
+          <pc:docMk/>
+          <pc:sldMk cId="2662076897" sldId="285"/>
+        </pc:sldMkLst>
+        <pc:spChg chg="mod">
+          <ac:chgData name="Moises Pirela" userId="a07275d2963e6567" providerId="LiveId" clId="{930E4540-302B-49A4-9330-3D1412466C29}" dt="2023-01-11T14:46:51.777" v="395" actId="20577"/>
+          <ac:spMkLst>
+            <pc:docMk/>
+            <pc:sldMk cId="2662076897" sldId="285"/>
+            <ac:spMk id="3" creationId="{CFCC6FE4-5243-867B-D5F0-5EE6BFFE2A1F}"/>
+          </ac:spMkLst>
+        </pc:spChg>
+      </pc:sldChg>
+      <pc:sldChg chg="addSp delSp modSp mod">
+        <pc:chgData name="Moises Pirela" userId="a07275d2963e6567" providerId="LiveId" clId="{930E4540-302B-49A4-9330-3D1412466C29}" dt="2023-01-11T14:21:22.913" v="218" actId="207"/>
+        <pc:sldMkLst>
+          <pc:docMk/>
+          <pc:sldMk cId="647871747" sldId="287"/>
+        </pc:sldMkLst>
+        <pc:spChg chg="mod">
+          <ac:chgData name="Moises Pirela" userId="a07275d2963e6567" providerId="LiveId" clId="{930E4540-302B-49A4-9330-3D1412466C29}" dt="2023-01-11T14:11:05.145" v="48" actId="1076"/>
+          <ac:spMkLst>
+            <pc:docMk/>
+            <pc:sldMk cId="647871747" sldId="287"/>
+            <ac:spMk id="2" creationId="{937EEB7B-C38E-8305-1E7E-595D98C44355}"/>
+          </ac:spMkLst>
+        </pc:spChg>
+        <pc:spChg chg="mod">
+          <ac:chgData name="Moises Pirela" userId="a07275d2963e6567" providerId="LiveId" clId="{930E4540-302B-49A4-9330-3D1412466C29}" dt="2023-01-11T14:11:01.858" v="47" actId="1076"/>
+          <ac:spMkLst>
+            <pc:docMk/>
+            <pc:sldMk cId="647871747" sldId="287"/>
+            <ac:spMk id="3" creationId="{9AB16483-F8BA-85BA-FB6A-867F5703FF20}"/>
+          </ac:spMkLst>
+        </pc:spChg>
+        <pc:spChg chg="add mod">
+          <ac:chgData name="Moises Pirela" userId="a07275d2963e6567" providerId="LiveId" clId="{930E4540-302B-49A4-9330-3D1412466C29}" dt="2023-01-11T14:20:13.665" v="201" actId="20577"/>
+          <ac:spMkLst>
+            <pc:docMk/>
+            <pc:sldMk cId="647871747" sldId="287"/>
+            <ac:spMk id="4" creationId="{82859DE0-D9C8-8F8F-4197-C7D96F7F21DE}"/>
+          </ac:spMkLst>
+        </pc:spChg>
+        <pc:spChg chg="add del mod">
+          <ac:chgData name="Moises Pirela" userId="a07275d2963e6567" providerId="LiveId" clId="{930E4540-302B-49A4-9330-3D1412466C29}" dt="2023-01-11T14:18:30.301" v="155" actId="478"/>
+          <ac:spMkLst>
+            <pc:docMk/>
+            <pc:sldMk cId="647871747" sldId="287"/>
+            <ac:spMk id="5" creationId="{708AA500-5CB8-7DC1-FB29-892814D7BE76}"/>
+          </ac:spMkLst>
+        </pc:spChg>
+        <pc:spChg chg="add mod">
+          <ac:chgData name="Moises Pirela" userId="a07275d2963e6567" providerId="LiveId" clId="{930E4540-302B-49A4-9330-3D1412466C29}" dt="2023-01-11T14:21:22.913" v="218" actId="207"/>
+          <ac:spMkLst>
+            <pc:docMk/>
+            <pc:sldMk cId="647871747" sldId="287"/>
+            <ac:spMk id="11" creationId="{85E5FDC1-3C92-8D20-A397-F578CA57C2E5}"/>
+          </ac:spMkLst>
+        </pc:spChg>
+        <pc:spChg chg="add mod">
+          <ac:chgData name="Moises Pirela" userId="a07275d2963e6567" providerId="LiveId" clId="{930E4540-302B-49A4-9330-3D1412466C29}" dt="2023-01-11T14:21:06.115" v="216" actId="1076"/>
+          <ac:spMkLst>
+            <pc:docMk/>
+            <pc:sldMk cId="647871747" sldId="287"/>
+            <ac:spMk id="12" creationId="{CCE1449E-0747-6815-6190-2ECE26A0A879}"/>
+          </ac:spMkLst>
+        </pc:spChg>
+        <pc:graphicFrameChg chg="add mod modGraphic">
+          <ac:chgData name="Moises Pirela" userId="a07275d2963e6567" providerId="LiveId" clId="{930E4540-302B-49A4-9330-3D1412466C29}" dt="2023-01-11T14:19:41.315" v="159" actId="1076"/>
+          <ac:graphicFrameMkLst>
+            <pc:docMk/>
+            <pc:sldMk cId="647871747" sldId="287"/>
+            <ac:graphicFrameMk id="8" creationId="{73428903-5320-EE59-F329-ABF8381100CE}"/>
+          </ac:graphicFrameMkLst>
+        </pc:graphicFrameChg>
+        <pc:picChg chg="add mod modCrop">
+          <ac:chgData name="Moises Pirela" userId="a07275d2963e6567" providerId="LiveId" clId="{930E4540-302B-49A4-9330-3D1412466C29}" dt="2023-01-11T14:19:09.229" v="157" actId="1076"/>
+          <ac:picMkLst>
+            <pc:docMk/>
+            <pc:sldMk cId="647871747" sldId="287"/>
+            <ac:picMk id="7" creationId="{27D70D76-62C9-368C-23BA-1BEB2F96A6E9}"/>
+          </ac:picMkLst>
+        </pc:picChg>
+        <pc:picChg chg="add del mod">
+          <ac:chgData name="Moises Pirela" userId="a07275d2963e6567" providerId="LiveId" clId="{930E4540-302B-49A4-9330-3D1412466C29}" dt="2023-01-11T14:19:34.570" v="158" actId="478"/>
+          <ac:picMkLst>
+            <pc:docMk/>
+            <pc:sldMk cId="647871747" sldId="287"/>
+            <ac:picMk id="10" creationId="{59DD85FF-3EF8-D938-366E-3DA244CF9E23}"/>
+          </ac:picMkLst>
+        </pc:picChg>
+      </pc:sldChg>
+      <pc:sldChg chg="addSp delSp modSp new mod">
+        <pc:chgData name="Moises Pirela" userId="a07275d2963e6567" providerId="LiveId" clId="{930E4540-302B-49A4-9330-3D1412466C29}" dt="2023-01-11T18:07:32.345" v="1607" actId="20577"/>
+        <pc:sldMkLst>
+          <pc:docMk/>
+          <pc:sldMk cId="2857062487" sldId="290"/>
+        </pc:sldMkLst>
+        <pc:spChg chg="add del mod">
+          <ac:chgData name="Moises Pirela" userId="a07275d2963e6567" providerId="LiveId" clId="{930E4540-302B-49A4-9330-3D1412466C29}" dt="2023-01-11T14:47:42.440" v="403" actId="478"/>
+          <ac:spMkLst>
+            <pc:docMk/>
+            <pc:sldMk cId="2857062487" sldId="290"/>
+            <ac:spMk id="2" creationId="{F92C53CA-6D91-F65E-63B5-D8AC0B6BF352}"/>
+          </ac:spMkLst>
+        </pc:spChg>
+        <pc:spChg chg="add del mod">
+          <ac:chgData name="Moises Pirela" userId="a07275d2963e6567" providerId="LiveId" clId="{930E4540-302B-49A4-9330-3D1412466C29}" dt="2023-01-11T14:48:23.688" v="405" actId="478"/>
+          <ac:spMkLst>
+            <pc:docMk/>
+            <pc:sldMk cId="2857062487" sldId="290"/>
+            <ac:spMk id="4" creationId="{B1F21B6A-67E6-7D8C-EC91-BDDC41CA0A5A}"/>
+          </ac:spMkLst>
+        </pc:spChg>
+        <pc:spChg chg="add mod">
+          <ac:chgData name="Moises Pirela" userId="a07275d2963e6567" providerId="LiveId" clId="{930E4540-302B-49A4-9330-3D1412466C29}" dt="2023-01-11T14:49:02.950" v="408" actId="1076"/>
+          <ac:spMkLst>
+            <pc:docMk/>
+            <pc:sldMk cId="2857062487" sldId="290"/>
+            <ac:spMk id="5" creationId="{8A6020E7-C9E2-FC7F-7A7B-D27F9EC84911}"/>
+          </ac:spMkLst>
+        </pc:spChg>
+        <pc:spChg chg="add mod">
+          <ac:chgData name="Moises Pirela" userId="a07275d2963e6567" providerId="LiveId" clId="{930E4540-302B-49A4-9330-3D1412466C29}" dt="2023-01-11T15:19:01.196" v="1480" actId="255"/>
+          <ac:spMkLst>
+            <pc:docMk/>
+            <pc:sldMk cId="2857062487" sldId="290"/>
+            <ac:spMk id="9" creationId="{9A027A6F-0F3A-516B-58B8-3DD6E0B6031C}"/>
+          </ac:spMkLst>
+        </pc:spChg>
+        <pc:spChg chg="add mod">
+          <ac:chgData name="Moises Pirela" userId="a07275d2963e6567" providerId="LiveId" clId="{930E4540-302B-49A4-9330-3D1412466C29}" dt="2023-01-11T15:18:35.626" v="1475" actId="1076"/>
+          <ac:spMkLst>
+            <pc:docMk/>
+            <pc:sldMk cId="2857062487" sldId="290"/>
+            <ac:spMk id="10" creationId="{FC58630C-351D-E492-D442-3A2A6A762DD0}"/>
+          </ac:spMkLst>
+        </pc:spChg>
+        <pc:spChg chg="add mod">
+          <ac:chgData name="Moises Pirela" userId="a07275d2963e6567" providerId="LiveId" clId="{930E4540-302B-49A4-9330-3D1412466C29}" dt="2023-01-11T15:18:43.473" v="1476" actId="255"/>
+          <ac:spMkLst>
+            <pc:docMk/>
+            <pc:sldMk cId="2857062487" sldId="290"/>
+            <ac:spMk id="12" creationId="{C07239B1-5F15-E4ED-22F3-2BE02174312E}"/>
+          </ac:spMkLst>
+        </pc:spChg>
+        <pc:spChg chg="add mod">
+          <ac:chgData name="Moises Pirela" userId="a07275d2963e6567" providerId="LiveId" clId="{930E4540-302B-49A4-9330-3D1412466C29}" dt="2023-01-11T15:18:47.924" v="1477" actId="1076"/>
+          <ac:spMkLst>
+            <pc:docMk/>
+            <pc:sldMk cId="2857062487" sldId="290"/>
+            <ac:spMk id="13" creationId="{54A342DB-419D-410E-6174-311367379740}"/>
+          </ac:spMkLst>
+        </pc:spChg>
+        <pc:spChg chg="add mod">
+          <ac:chgData name="Moises Pirela" userId="a07275d2963e6567" providerId="LiveId" clId="{930E4540-302B-49A4-9330-3D1412466C29}" dt="2023-01-11T15:18:43.473" v="1476" actId="255"/>
+          <ac:spMkLst>
+            <pc:docMk/>
+            <pc:sldMk cId="2857062487" sldId="290"/>
+            <ac:spMk id="15" creationId="{6623946E-036B-1C32-B9D4-A602151D81AC}"/>
+          </ac:spMkLst>
+        </pc:spChg>
+        <pc:spChg chg="add mod">
+          <ac:chgData name="Moises Pirela" userId="a07275d2963e6567" providerId="LiveId" clId="{930E4540-302B-49A4-9330-3D1412466C29}" dt="2023-01-11T18:07:32.345" v="1607" actId="20577"/>
+          <ac:spMkLst>
+            <pc:docMk/>
+            <pc:sldMk cId="2857062487" sldId="290"/>
+            <ac:spMk id="16" creationId="{220ACDC1-5217-9DC5-1849-0215D6180D61}"/>
+          </ac:spMkLst>
+        </pc:spChg>
+        <pc:spChg chg="add mod">
+          <ac:chgData name="Moises Pirela" userId="a07275d2963e6567" providerId="LiveId" clId="{930E4540-302B-49A4-9330-3D1412466C29}" dt="2023-01-11T15:19:19.645" v="1495" actId="1035"/>
+          <ac:spMkLst>
+            <pc:docMk/>
+            <pc:sldMk cId="2857062487" sldId="290"/>
+            <ac:spMk id="17" creationId="{5ED49229-C0A6-02B9-8EEB-4ECDC3BD743E}"/>
+          </ac:spMkLst>
+        </pc:spChg>
+        <pc:spChg chg="add del mod">
+          <ac:chgData name="Moises Pirela" userId="a07275d2963e6567" providerId="LiveId" clId="{930E4540-302B-49A4-9330-3D1412466C29}" dt="2023-01-11T15:10:52.484" v="1093" actId="478"/>
+          <ac:spMkLst>
+            <pc:docMk/>
+            <pc:sldMk cId="2857062487" sldId="290"/>
+            <ac:spMk id="18" creationId="{96FC0ADC-E35C-6BFC-6F6B-7F85C7050FC4}"/>
+          </ac:spMkLst>
+        </pc:spChg>
+        <pc:spChg chg="add mod">
+          <ac:chgData name="Moises Pirela" userId="a07275d2963e6567" providerId="LiveId" clId="{930E4540-302B-49A4-9330-3D1412466C29}" dt="2023-01-11T15:19:19.645" v="1495" actId="1035"/>
+          <ac:spMkLst>
+            <pc:docMk/>
+            <pc:sldMk cId="2857062487" sldId="290"/>
+            <ac:spMk id="19" creationId="{4A842CFE-7465-77C3-36BD-69F485D89FBD}"/>
+          </ac:spMkLst>
+        </pc:spChg>
+        <pc:spChg chg="add mod">
+          <ac:chgData name="Moises Pirela" userId="a07275d2963e6567" providerId="LiveId" clId="{930E4540-302B-49A4-9330-3D1412466C29}" dt="2023-01-11T15:19:19.645" v="1495" actId="1035"/>
+          <ac:spMkLst>
+            <pc:docMk/>
+            <pc:sldMk cId="2857062487" sldId="290"/>
+            <ac:spMk id="20" creationId="{488BFCCA-1AFF-F2AC-7892-1D18CB211B96}"/>
+          </ac:spMkLst>
+        </pc:spChg>
+        <pc:spChg chg="add del mod">
+          <ac:chgData name="Moises Pirela" userId="a07275d2963e6567" providerId="LiveId" clId="{930E4540-302B-49A4-9330-3D1412466C29}" dt="2023-01-11T15:18:06.954" v="1472" actId="478"/>
+          <ac:spMkLst>
+            <pc:docMk/>
+            <pc:sldMk cId="2857062487" sldId="290"/>
+            <ac:spMk id="21" creationId="{CBF7BDA8-6E0E-D4A3-6F8C-57206524322E}"/>
+          </ac:spMkLst>
+        </pc:spChg>
+        <pc:spChg chg="add del mod">
+          <ac:chgData name="Moises Pirela" userId="a07275d2963e6567" providerId="LiveId" clId="{930E4540-302B-49A4-9330-3D1412466C29}" dt="2023-01-11T15:18:06.954" v="1472" actId="478"/>
+          <ac:spMkLst>
+            <pc:docMk/>
+            <pc:sldMk cId="2857062487" sldId="290"/>
+            <ac:spMk id="22" creationId="{CC2A067C-CBBE-5AB1-DCB5-3954B7A0803C}"/>
+          </ac:spMkLst>
+        </pc:spChg>
+        <pc:spChg chg="add del mod">
+          <ac:chgData name="Moises Pirela" userId="a07275d2963e6567" providerId="LiveId" clId="{930E4540-302B-49A4-9330-3D1412466C29}" dt="2023-01-11T15:18:06.954" v="1472" actId="478"/>
+          <ac:spMkLst>
+            <pc:docMk/>
+            <pc:sldMk cId="2857062487" sldId="290"/>
+            <ac:spMk id="23" creationId="{DE0C5B50-75AE-82A2-6ED3-59715019CFCB}"/>
+          </ac:spMkLst>
+        </pc:spChg>
+        <pc:spChg chg="add del mod">
+          <ac:chgData name="Moises Pirela" userId="a07275d2963e6567" providerId="LiveId" clId="{930E4540-302B-49A4-9330-3D1412466C29}" dt="2023-01-11T15:18:06.954" v="1472" actId="478"/>
+          <ac:spMkLst>
+            <pc:docMk/>
+            <pc:sldMk cId="2857062487" sldId="290"/>
+            <ac:spMk id="24" creationId="{1EF7D979-7053-7FB5-A8E6-886EEA764249}"/>
+          </ac:spMkLst>
+        </pc:spChg>
+        <pc:spChg chg="add del mod">
+          <ac:chgData name="Moises Pirela" userId="a07275d2963e6567" providerId="LiveId" clId="{930E4540-302B-49A4-9330-3D1412466C29}" dt="2023-01-11T15:18:06.954" v="1472" actId="478"/>
+          <ac:spMkLst>
+            <pc:docMk/>
+            <pc:sldMk cId="2857062487" sldId="290"/>
+            <ac:spMk id="25" creationId="{276EEBDD-B834-CBB3-1DC9-9D191A6DE242}"/>
+          </ac:spMkLst>
+        </pc:spChg>
+        <pc:picChg chg="add del mod">
+          <ac:chgData name="Moises Pirela" userId="a07275d2963e6567" providerId="LiveId" clId="{930E4540-302B-49A4-9330-3D1412466C29}" dt="2023-01-11T14:49:28.296" v="411" actId="478"/>
+          <ac:picMkLst>
+            <pc:docMk/>
+            <pc:sldMk cId="2857062487" sldId="290"/>
+            <ac:picMk id="7" creationId="{B6414473-E15C-14BC-8EA6-4E4D175D5E88}"/>
+          </ac:picMkLst>
+        </pc:picChg>
+      </pc:sldChg>
+      <pc:sldChg chg="addSp delSp modSp add del mod">
+        <pc:chgData name="Moises Pirela" userId="a07275d2963e6567" providerId="LiveId" clId="{930E4540-302B-49A4-9330-3D1412466C29}" dt="2023-01-11T17:58:27.381" v="1579" actId="47"/>
+        <pc:sldMkLst>
+          <pc:docMk/>
+          <pc:sldMk cId="394200718" sldId="291"/>
+        </pc:sldMkLst>
+        <pc:spChg chg="add mod">
+          <ac:chgData name="Moises Pirela" userId="a07275d2963e6567" providerId="LiveId" clId="{930E4540-302B-49A4-9330-3D1412466C29}" dt="2023-01-11T17:55:21.635" v="1497" actId="1076"/>
+          <ac:spMkLst>
+            <pc:docMk/>
+            <pc:sldMk cId="394200718" sldId="291"/>
+            <ac:spMk id="2" creationId="{F9AB9F8C-3D11-7835-6B25-83BD02172BB9}"/>
+          </ac:spMkLst>
+        </pc:spChg>
+        <pc:spChg chg="add mod">
+          <ac:chgData name="Moises Pirela" userId="a07275d2963e6567" providerId="LiveId" clId="{930E4540-302B-49A4-9330-3D1412466C29}" dt="2023-01-11T17:55:21.635" v="1497" actId="1076"/>
+          <ac:spMkLst>
+            <pc:docMk/>
+            <pc:sldMk cId="394200718" sldId="291"/>
+            <ac:spMk id="3" creationId="{07B48B74-AC34-7017-20C9-CCF6E525B1FF}"/>
+          </ac:spMkLst>
+        </pc:spChg>
+        <pc:spChg chg="add mod">
+          <ac:chgData name="Moises Pirela" userId="a07275d2963e6567" providerId="LiveId" clId="{930E4540-302B-49A4-9330-3D1412466C29}" dt="2023-01-11T17:55:21.635" v="1497" actId="1076"/>
+          <ac:spMkLst>
+            <pc:docMk/>
+            <pc:sldMk cId="394200718" sldId="291"/>
+            <ac:spMk id="4" creationId="{79CE3C7E-BA12-F2B6-AB5B-562D1399D8D1}"/>
+          </ac:spMkLst>
+        </pc:spChg>
+        <pc:spChg chg="add mod">
+          <ac:chgData name="Moises Pirela" userId="a07275d2963e6567" providerId="LiveId" clId="{930E4540-302B-49A4-9330-3D1412466C29}" dt="2023-01-11T17:55:21.635" v="1497" actId="1076"/>
+          <ac:spMkLst>
+            <pc:docMk/>
+            <pc:sldMk cId="394200718" sldId="291"/>
+            <ac:spMk id="6" creationId="{5036E941-E4FE-E1D8-CAB0-6A7DBE3BB7F7}"/>
+          </ac:spMkLst>
+        </pc:spChg>
+        <pc:spChg chg="add mod">
+          <ac:chgData name="Moises Pirela" userId="a07275d2963e6567" providerId="LiveId" clId="{930E4540-302B-49A4-9330-3D1412466C29}" dt="2023-01-11T17:55:21.635" v="1497" actId="1076"/>
+          <ac:spMkLst>
+            <pc:docMk/>
+            <pc:sldMk cId="394200718" sldId="291"/>
+            <ac:spMk id="7" creationId="{E4B335D1-FAE1-A540-9CE9-3248F0F3666F}"/>
+          </ac:spMkLst>
+        </pc:spChg>
+        <pc:spChg chg="del">
+          <ac:chgData name="Moises Pirela" userId="a07275d2963e6567" providerId="LiveId" clId="{930E4540-302B-49A4-9330-3D1412466C29}" dt="2023-01-11T15:17:49.918" v="1470" actId="478"/>
+          <ac:spMkLst>
+            <pc:docMk/>
+            <pc:sldMk cId="394200718" sldId="291"/>
+            <ac:spMk id="9" creationId="{9A027A6F-0F3A-516B-58B8-3DD6E0B6031C}"/>
+          </ac:spMkLst>
+        </pc:spChg>
+        <pc:spChg chg="del">
+          <ac:chgData name="Moises Pirela" userId="a07275d2963e6567" providerId="LiveId" clId="{930E4540-302B-49A4-9330-3D1412466C29}" dt="2023-01-11T15:17:49.918" v="1470" actId="478"/>
+          <ac:spMkLst>
+            <pc:docMk/>
+            <pc:sldMk cId="394200718" sldId="291"/>
+            <ac:spMk id="10" creationId="{FC58630C-351D-E492-D442-3A2A6A762DD0}"/>
+          </ac:spMkLst>
+        </pc:spChg>
+        <pc:spChg chg="del">
+          <ac:chgData name="Moises Pirela" userId="a07275d2963e6567" providerId="LiveId" clId="{930E4540-302B-49A4-9330-3D1412466C29}" dt="2023-01-11T15:17:49.918" v="1470" actId="478"/>
+          <ac:spMkLst>
+            <pc:docMk/>
+            <pc:sldMk cId="394200718" sldId="291"/>
+            <ac:spMk id="12" creationId="{C07239B1-5F15-E4ED-22F3-2BE02174312E}"/>
+          </ac:spMkLst>
+        </pc:spChg>
+        <pc:spChg chg="del">
+          <ac:chgData name="Moises Pirela" userId="a07275d2963e6567" providerId="LiveId" clId="{930E4540-302B-49A4-9330-3D1412466C29}" dt="2023-01-11T15:17:49.918" v="1470" actId="478"/>
+          <ac:spMkLst>
+            <pc:docMk/>
+            <pc:sldMk cId="394200718" sldId="291"/>
+            <ac:spMk id="13" creationId="{54A342DB-419D-410E-6174-311367379740}"/>
+          </ac:spMkLst>
+        </pc:spChg>
+        <pc:spChg chg="del">
+          <ac:chgData name="Moises Pirela" userId="a07275d2963e6567" providerId="LiveId" clId="{930E4540-302B-49A4-9330-3D1412466C29}" dt="2023-01-11T15:17:49.918" v="1470" actId="478"/>
+          <ac:spMkLst>
+            <pc:docMk/>
+            <pc:sldMk cId="394200718" sldId="291"/>
+            <ac:spMk id="15" creationId="{6623946E-036B-1C32-B9D4-A602151D81AC}"/>
+          </ac:spMkLst>
+        </pc:spChg>
+        <pc:spChg chg="del">
+          <ac:chgData name="Moises Pirela" userId="a07275d2963e6567" providerId="LiveId" clId="{930E4540-302B-49A4-9330-3D1412466C29}" dt="2023-01-11T15:17:49.918" v="1470" actId="478"/>
+          <ac:spMkLst>
+            <pc:docMk/>
+            <pc:sldMk cId="394200718" sldId="291"/>
+            <ac:spMk id="16" creationId="{220ACDC1-5217-9DC5-1849-0215D6180D61}"/>
+          </ac:spMkLst>
+        </pc:spChg>
+        <pc:spChg chg="del">
+          <ac:chgData name="Moises Pirela" userId="a07275d2963e6567" providerId="LiveId" clId="{930E4540-302B-49A4-9330-3D1412466C29}" dt="2023-01-11T15:17:49.918" v="1470" actId="478"/>
+          <ac:spMkLst>
+            <pc:docMk/>
+            <pc:sldMk cId="394200718" sldId="291"/>
+            <ac:spMk id="17" creationId="{5ED49229-C0A6-02B9-8EEB-4ECDC3BD743E}"/>
+          </ac:spMkLst>
+        </pc:spChg>
+        <pc:spChg chg="del">
+          <ac:chgData name="Moises Pirela" userId="a07275d2963e6567" providerId="LiveId" clId="{930E4540-302B-49A4-9330-3D1412466C29}" dt="2023-01-11T15:17:49.918" v="1470" actId="478"/>
+          <ac:spMkLst>
+            <pc:docMk/>
+            <pc:sldMk cId="394200718" sldId="291"/>
+            <ac:spMk id="19" creationId="{4A842CFE-7465-77C3-36BD-69F485D89FBD}"/>
+          </ac:spMkLst>
+        </pc:spChg>
+        <pc:spChg chg="del">
+          <ac:chgData name="Moises Pirela" userId="a07275d2963e6567" providerId="LiveId" clId="{930E4540-302B-49A4-9330-3D1412466C29}" dt="2023-01-11T15:17:49.918" v="1470" actId="478"/>
+          <ac:spMkLst>
+            <pc:docMk/>
+            <pc:sldMk cId="394200718" sldId="291"/>
+            <ac:spMk id="20" creationId="{488BFCCA-1AFF-F2AC-7892-1D18CB211B96}"/>
+          </ac:spMkLst>
+        </pc:spChg>
+        <pc:spChg chg="mod">
+          <ac:chgData name="Moises Pirela" userId="a07275d2963e6567" providerId="LiveId" clId="{930E4540-302B-49A4-9330-3D1412466C29}" dt="2023-01-11T17:55:29.602" v="1498" actId="1076"/>
+          <ac:spMkLst>
+            <pc:docMk/>
+            <pc:sldMk cId="394200718" sldId="291"/>
+            <ac:spMk id="21" creationId="{CBF7BDA8-6E0E-D4A3-6F8C-57206524322E}"/>
+          </ac:spMkLst>
+        </pc:spChg>
+        <pc:spChg chg="mod">
+          <ac:chgData name="Moises Pirela" userId="a07275d2963e6567" providerId="LiveId" clId="{930E4540-302B-49A4-9330-3D1412466C29}" dt="2023-01-11T17:55:29.602" v="1498" actId="1076"/>
+          <ac:spMkLst>
+            <pc:docMk/>
+            <pc:sldMk cId="394200718" sldId="291"/>
+            <ac:spMk id="22" creationId="{CC2A067C-CBBE-5AB1-DCB5-3954B7A0803C}"/>
+          </ac:spMkLst>
+        </pc:spChg>
+        <pc:spChg chg="mod">
+          <ac:chgData name="Moises Pirela" userId="a07275d2963e6567" providerId="LiveId" clId="{930E4540-302B-49A4-9330-3D1412466C29}" dt="2023-01-11T17:55:29.602" v="1498" actId="1076"/>
+          <ac:spMkLst>
+            <pc:docMk/>
+            <pc:sldMk cId="394200718" sldId="291"/>
+            <ac:spMk id="23" creationId="{DE0C5B50-75AE-82A2-6ED3-59715019CFCB}"/>
+          </ac:spMkLst>
+        </pc:spChg>
+        <pc:spChg chg="mod">
+          <ac:chgData name="Moises Pirela" userId="a07275d2963e6567" providerId="LiveId" clId="{930E4540-302B-49A4-9330-3D1412466C29}" dt="2023-01-11T17:55:29.602" v="1498" actId="1076"/>
+          <ac:spMkLst>
+            <pc:docMk/>
+            <pc:sldMk cId="394200718" sldId="291"/>
+            <ac:spMk id="24" creationId="{1EF7D979-7053-7FB5-A8E6-886EEA764249}"/>
+          </ac:spMkLst>
+        </pc:spChg>
+        <pc:spChg chg="mod">
+          <ac:chgData name="Moises Pirela" userId="a07275d2963e6567" providerId="LiveId" clId="{930E4540-302B-49A4-9330-3D1412466C29}" dt="2023-01-11T17:55:29.602" v="1498" actId="1076"/>
+          <ac:spMkLst>
+            <pc:docMk/>
+            <pc:sldMk cId="394200718" sldId="291"/>
+            <ac:spMk id="25" creationId="{276EEBDD-B834-CBB3-1DC9-9D191A6DE242}"/>
+          </ac:spMkLst>
+        </pc:spChg>
+      </pc:sldChg>
+      <pc:sldChg chg="addSp modSp add mod">
+        <pc:chgData name="Moises Pirela" userId="a07275d2963e6567" providerId="LiveId" clId="{930E4540-302B-49A4-9330-3D1412466C29}" dt="2023-01-11T19:54:31.683" v="1858" actId="20577"/>
+        <pc:sldMkLst>
+          <pc:docMk/>
+          <pc:sldMk cId="1302927980" sldId="292"/>
+        </pc:sldMkLst>
+        <pc:spChg chg="add mod">
+          <ac:chgData name="Moises Pirela" userId="a07275d2963e6567" providerId="LiveId" clId="{930E4540-302B-49A4-9330-3D1412466C29}" dt="2023-01-11T19:49:21.530" v="1800" actId="1076"/>
+          <ac:spMkLst>
+            <pc:docMk/>
+            <pc:sldMk cId="1302927980" sldId="292"/>
+            <ac:spMk id="2" creationId="{6D00B7A7-CE4D-F689-7AB8-EA5EAD6EBA0E}"/>
+          </ac:spMkLst>
+        </pc:spChg>
+        <pc:spChg chg="add mod">
+          <ac:chgData name="Moises Pirela" userId="a07275d2963e6567" providerId="LiveId" clId="{930E4540-302B-49A4-9330-3D1412466C29}" dt="2023-01-11T19:52:04.128" v="1833" actId="1076"/>
+          <ac:spMkLst>
+            <pc:docMk/>
+            <pc:sldMk cId="1302927980" sldId="292"/>
+            <ac:spMk id="3" creationId="{1293FA1F-D8E4-6B28-AD35-DBEF4249257B}"/>
+          </ac:spMkLst>
+        </pc:spChg>
+        <pc:spChg chg="mod">
+          <ac:chgData name="Moises Pirela" userId="a07275d2963e6567" providerId="LiveId" clId="{930E4540-302B-49A4-9330-3D1412466C29}" dt="2023-01-11T19:49:17.952" v="1799" actId="14100"/>
+          <ac:spMkLst>
+            <pc:docMk/>
+            <pc:sldMk cId="1302927980" sldId="292"/>
+            <ac:spMk id="9" creationId="{9A027A6F-0F3A-516B-58B8-3DD6E0B6031C}"/>
+          </ac:spMkLst>
+        </pc:spChg>
+        <pc:spChg chg="mod">
+          <ac:chgData name="Moises Pirela" userId="a07275d2963e6567" providerId="LiveId" clId="{930E4540-302B-49A4-9330-3D1412466C29}" dt="2023-01-11T19:51:27.793" v="1819" actId="14100"/>
+          <ac:spMkLst>
+            <pc:docMk/>
+            <pc:sldMk cId="1302927980" sldId="292"/>
+            <ac:spMk id="10" creationId="{FC58630C-351D-E492-D442-3A2A6A762DD0}"/>
+          </ac:spMkLst>
+        </pc:spChg>
+        <pc:spChg chg="mod">
+          <ac:chgData name="Moises Pirela" userId="a07275d2963e6567" providerId="LiveId" clId="{930E4540-302B-49A4-9330-3D1412466C29}" dt="2023-01-11T17:57:18.343" v="1573" actId="20577"/>
+          <ac:spMkLst>
+            <pc:docMk/>
+            <pc:sldMk cId="1302927980" sldId="292"/>
+            <ac:spMk id="12" creationId="{C07239B1-5F15-E4ED-22F3-2BE02174312E}"/>
+          </ac:spMkLst>
+        </pc:spChg>
+        <pc:spChg chg="mod">
+          <ac:chgData name="Moises Pirela" userId="a07275d2963e6567" providerId="LiveId" clId="{930E4540-302B-49A4-9330-3D1412466C29}" dt="2023-01-11T17:57:23.412" v="1574" actId="1076"/>
+          <ac:spMkLst>
+            <pc:docMk/>
+            <pc:sldMk cId="1302927980" sldId="292"/>
+            <ac:spMk id="13" creationId="{54A342DB-419D-410E-6174-311367379740}"/>
+          </ac:spMkLst>
+        </pc:spChg>
+        <pc:spChg chg="mod">
+          <ac:chgData name="Moises Pirela" userId="a07275d2963e6567" providerId="LiveId" clId="{930E4540-302B-49A4-9330-3D1412466C29}" dt="2023-01-11T19:54:31.683" v="1858" actId="20577"/>
+          <ac:spMkLst>
+            <pc:docMk/>
+            <pc:sldMk cId="1302927980" sldId="292"/>
+            <ac:spMk id="15" creationId="{6623946E-036B-1C32-B9D4-A602151D81AC}"/>
+          </ac:spMkLst>
+        </pc:spChg>
+        <pc:spChg chg="mod">
+          <ac:chgData name="Moises Pirela" userId="a07275d2963e6567" providerId="LiveId" clId="{930E4540-302B-49A4-9330-3D1412466C29}" dt="2023-01-11T19:49:05.799" v="1796" actId="14100"/>
+          <ac:spMkLst>
+            <pc:docMk/>
+            <pc:sldMk cId="1302927980" sldId="292"/>
+            <ac:spMk id="16" creationId="{220ACDC1-5217-9DC5-1849-0215D6180D61}"/>
+          </ac:spMkLst>
+        </pc:spChg>
+        <pc:spChg chg="mod">
+          <ac:chgData name="Moises Pirela" userId="a07275d2963e6567" providerId="LiveId" clId="{930E4540-302B-49A4-9330-3D1412466C29}" dt="2023-01-11T19:52:08.164" v="1834" actId="1076"/>
+          <ac:spMkLst>
+            <pc:docMk/>
+            <pc:sldMk cId="1302927980" sldId="292"/>
+            <ac:spMk id="17" creationId="{5ED49229-C0A6-02B9-8EEB-4ECDC3BD743E}"/>
+          </ac:spMkLst>
+        </pc:spChg>
+        <pc:spChg chg="mod">
+          <ac:chgData name="Moises Pirela" userId="a07275d2963e6567" providerId="LiveId" clId="{930E4540-302B-49A4-9330-3D1412466C29}" dt="2023-01-11T18:12:23.419" v="1697" actId="1076"/>
+          <ac:spMkLst>
+            <pc:docMk/>
+            <pc:sldMk cId="1302927980" sldId="292"/>
+            <ac:spMk id="19" creationId="{4A842CFE-7465-77C3-36BD-69F485D89FBD}"/>
+          </ac:spMkLst>
+        </pc:spChg>
+        <pc:spChg chg="mod">
+          <ac:chgData name="Moises Pirela" userId="a07275d2963e6567" providerId="LiveId" clId="{930E4540-302B-49A4-9330-3D1412466C29}" dt="2023-01-11T18:11:30.711" v="1686" actId="1076"/>
+          <ac:spMkLst>
+            <pc:docMk/>
+            <pc:sldMk cId="1302927980" sldId="292"/>
+            <ac:spMk id="20" creationId="{488BFCCA-1AFF-F2AC-7892-1D18CB211B96}"/>
+          </ac:spMkLst>
+        </pc:spChg>
+      </pc:sldChg>
+      <pc:sldChg chg="delSp modSp add mod">
+        <pc:chgData name="Moises Pirela" userId="a07275d2963e6567" providerId="LiveId" clId="{930E4540-302B-49A4-9330-3D1412466C29}" dt="2023-01-11T19:56:02.841" v="1911" actId="6549"/>
+        <pc:sldMkLst>
+          <pc:docMk/>
+          <pc:sldMk cId="2107819911" sldId="293"/>
+        </pc:sldMkLst>
+        <pc:spChg chg="del">
+          <ac:chgData name="Moises Pirela" userId="a07275d2963e6567" providerId="LiveId" clId="{930E4540-302B-49A4-9330-3D1412466C29}" dt="2023-01-11T18:14:52.376" v="1792" actId="478"/>
+          <ac:spMkLst>
+            <pc:docMk/>
+            <pc:sldMk cId="2107819911" sldId="293"/>
+            <ac:spMk id="2" creationId="{6D00B7A7-CE4D-F689-7AB8-EA5EAD6EBA0E}"/>
+          </ac:spMkLst>
+        </pc:spChg>
+        <pc:spChg chg="mod">
+          <ac:chgData name="Moises Pirela" userId="a07275d2963e6567" providerId="LiveId" clId="{930E4540-302B-49A4-9330-3D1412466C29}" dt="2023-01-11T18:12:50.120" v="1726" actId="20577"/>
+          <ac:spMkLst>
+            <pc:docMk/>
+            <pc:sldMk cId="2107819911" sldId="293"/>
+            <ac:spMk id="5" creationId="{8A6020E7-C9E2-FC7F-7A7B-D27F9EC84911}"/>
+          </ac:spMkLst>
+        </pc:spChg>
+        <pc:spChg chg="mod">
+          <ac:chgData name="Moises Pirela" userId="a07275d2963e6567" providerId="LiveId" clId="{930E4540-302B-49A4-9330-3D1412466C29}" dt="2023-01-11T19:56:02.841" v="1911" actId="6549"/>
+          <ac:spMkLst>
+            <pc:docMk/>
+            <pc:sldMk cId="2107819911" sldId="293"/>
+            <ac:spMk id="9" creationId="{9A027A6F-0F3A-516B-58B8-3DD6E0B6031C}"/>
+          </ac:spMkLst>
+        </pc:spChg>
+        <pc:spChg chg="del">
+          <ac:chgData name="Moises Pirela" userId="a07275d2963e6567" providerId="LiveId" clId="{930E4540-302B-49A4-9330-3D1412466C29}" dt="2023-01-11T18:14:52.376" v="1792" actId="478"/>
+          <ac:spMkLst>
+            <pc:docMk/>
+            <pc:sldMk cId="2107819911" sldId="293"/>
+            <ac:spMk id="10" creationId="{FC58630C-351D-E492-D442-3A2A6A762DD0}"/>
+          </ac:spMkLst>
+        </pc:spChg>
+        <pc:spChg chg="del">
+          <ac:chgData name="Moises Pirela" userId="a07275d2963e6567" providerId="LiveId" clId="{930E4540-302B-49A4-9330-3D1412466C29}" dt="2023-01-11T18:14:52.376" v="1792" actId="478"/>
+          <ac:spMkLst>
+            <pc:docMk/>
+            <pc:sldMk cId="2107819911" sldId="293"/>
+            <ac:spMk id="12" creationId="{C07239B1-5F15-E4ED-22F3-2BE02174312E}"/>
+          </ac:spMkLst>
+        </pc:spChg>
+        <pc:spChg chg="del">
+          <ac:chgData name="Moises Pirela" userId="a07275d2963e6567" providerId="LiveId" clId="{930E4540-302B-49A4-9330-3D1412466C29}" dt="2023-01-11T18:14:52.376" v="1792" actId="478"/>
+          <ac:spMkLst>
+            <pc:docMk/>
+            <pc:sldMk cId="2107819911" sldId="293"/>
+            <ac:spMk id="13" creationId="{54A342DB-419D-410E-6174-311367379740}"/>
+          </ac:spMkLst>
+        </pc:spChg>
+        <pc:spChg chg="del">
+          <ac:chgData name="Moises Pirela" userId="a07275d2963e6567" providerId="LiveId" clId="{930E4540-302B-49A4-9330-3D1412466C29}" dt="2023-01-11T18:14:52.376" v="1792" actId="478"/>
+          <ac:spMkLst>
+            <pc:docMk/>
+            <pc:sldMk cId="2107819911" sldId="293"/>
+            <ac:spMk id="15" creationId="{6623946E-036B-1C32-B9D4-A602151D81AC}"/>
+          </ac:spMkLst>
+        </pc:spChg>
+        <pc:spChg chg="del">
+          <ac:chgData name="Moises Pirela" userId="a07275d2963e6567" providerId="LiveId" clId="{930E4540-302B-49A4-9330-3D1412466C29}" dt="2023-01-11T18:15:02.488" v="1793" actId="478"/>
+          <ac:spMkLst>
+            <pc:docMk/>
+            <pc:sldMk cId="2107819911" sldId="293"/>
+            <ac:spMk id="16" creationId="{220ACDC1-5217-9DC5-1849-0215D6180D61}"/>
+          </ac:spMkLst>
+        </pc:spChg>
+        <pc:spChg chg="del">
+          <ac:chgData name="Moises Pirela" userId="a07275d2963e6567" providerId="LiveId" clId="{930E4540-302B-49A4-9330-3D1412466C29}" dt="2023-01-11T18:14:52.376" v="1792" actId="478"/>
+          <ac:spMkLst>
+            <pc:docMk/>
+            <pc:sldMk cId="2107819911" sldId="293"/>
+            <ac:spMk id="17" creationId="{5ED49229-C0A6-02B9-8EEB-4ECDC3BD743E}"/>
+          </ac:spMkLst>
+        </pc:spChg>
+        <pc:spChg chg="del">
+          <ac:chgData name="Moises Pirela" userId="a07275d2963e6567" providerId="LiveId" clId="{930E4540-302B-49A4-9330-3D1412466C29}" dt="2023-01-11T18:14:52.376" v="1792" actId="478"/>
+          <ac:spMkLst>
+            <pc:docMk/>
+            <pc:sldMk cId="2107819911" sldId="293"/>
+            <ac:spMk id="19" creationId="{4A842CFE-7465-77C3-36BD-69F485D89FBD}"/>
+          </ac:spMkLst>
+        </pc:spChg>
+        <pc:spChg chg="del">
+          <ac:chgData name="Moises Pirela" userId="a07275d2963e6567" providerId="LiveId" clId="{930E4540-302B-49A4-9330-3D1412466C29}" dt="2023-01-11T18:14:52.376" v="1792" actId="478"/>
+          <ac:spMkLst>
+            <pc:docMk/>
+            <pc:sldMk cId="2107819911" sldId="293"/>
+            <ac:spMk id="20" creationId="{488BFCCA-1AFF-F2AC-7892-1D18CB211B96}"/>
+          </ac:spMkLst>
+        </pc:spChg>
+      </pc:sldChg>
+    </pc:docChg>
+  </pc:docChgLst>
+  <pc:docChgLst>
+    <pc:chgData name="Moises Pirela" userId="a07275d2963e6567" providerId="LiveId" clId="{399F4D96-0FF0-45CC-89CC-9982CBE5BBE2}"/>
+    <pc:docChg chg="undo custSel addSld modSld">
+      <pc:chgData name="Moises Pirela" userId="a07275d2963e6567" providerId="LiveId" clId="{399F4D96-0FF0-45CC-89CC-9982CBE5BBE2}" dt="2023-01-12T10:09:53.064" v="2114" actId="20577"/>
+      <pc:docMkLst>
+        <pc:docMk/>
+      </pc:docMkLst>
+      <pc:sldChg chg="addSp delSp">
+        <pc:chgData name="Moises Pirela" userId="a07275d2963e6567" providerId="LiveId" clId="{399F4D96-0FF0-45CC-89CC-9982CBE5BBE2}" dt="2023-01-12T09:26:12.127" v="1318"/>
+        <pc:sldMkLst>
+          <pc:docMk/>
+          <pc:sldMk cId="3236428131" sldId="303"/>
+        </pc:sldMkLst>
+        <pc:graphicFrameChg chg="add del">
+          <ac:chgData name="Moises Pirela" userId="a07275d2963e6567" providerId="LiveId" clId="{399F4D96-0FF0-45CC-89CC-9982CBE5BBE2}" dt="2023-01-12T09:26:08.612" v="1316"/>
+          <ac:graphicFrameMkLst>
+            <pc:docMk/>
+            <pc:sldMk cId="3236428131" sldId="303"/>
+            <ac:graphicFrameMk id="6" creationId="{6775B4DC-1AB2-93B1-9F06-90ADF3E6A9FD}"/>
+          </ac:graphicFrameMkLst>
+        </pc:graphicFrameChg>
+        <pc:graphicFrameChg chg="add del">
+          <ac:chgData name="Moises Pirela" userId="a07275d2963e6567" providerId="LiveId" clId="{399F4D96-0FF0-45CC-89CC-9982CBE5BBE2}" dt="2023-01-12T09:26:12.127" v="1318"/>
+          <ac:graphicFrameMkLst>
+            <pc:docMk/>
+            <pc:sldMk cId="3236428131" sldId="303"/>
+            <ac:graphicFrameMk id="8" creationId="{42870FC2-F69E-2683-3BFC-20E697F55002}"/>
+          </ac:graphicFrameMkLst>
+        </pc:graphicFrameChg>
+      </pc:sldChg>
+      <pc:sldChg chg="addSp delSp modSp add mod">
+        <pc:chgData name="Moises Pirela" userId="a07275d2963e6567" providerId="LiveId" clId="{399F4D96-0FF0-45CC-89CC-9982CBE5BBE2}" dt="2023-01-12T09:52:33.012" v="1582" actId="20577"/>
+        <pc:sldMkLst>
+          <pc:docMk/>
+          <pc:sldMk cId="1978906024" sldId="304"/>
+        </pc:sldMkLst>
+        <pc:spChg chg="mod">
+          <ac:chgData name="Moises Pirela" userId="a07275d2963e6567" providerId="LiveId" clId="{399F4D96-0FF0-45CC-89CC-9982CBE5BBE2}" dt="2023-01-12T08:18:29.659" v="29" actId="20577"/>
+          <ac:spMkLst>
+            <pc:docMk/>
+            <pc:sldMk cId="1978906024" sldId="304"/>
+            <ac:spMk id="3" creationId="{7D47CF6A-AFB5-9B6D-F53B-F3CC537CB6C1}"/>
+          </ac:spMkLst>
+        </pc:spChg>
+        <pc:spChg chg="mod">
+          <ac:chgData name="Moises Pirela" userId="a07275d2963e6567" providerId="LiveId" clId="{399F4D96-0FF0-45CC-89CC-9982CBE5BBE2}" dt="2023-01-12T08:37:06.921" v="268" actId="115"/>
+          <ac:spMkLst>
+            <pc:docMk/>
+            <pc:sldMk cId="1978906024" sldId="304"/>
+            <ac:spMk id="4" creationId="{53A1716B-3977-2919-6710-44DBC7C30EA5}"/>
+          </ac:spMkLst>
+        </pc:spChg>
+        <pc:spChg chg="del mod">
+          <ac:chgData name="Moises Pirela" userId="a07275d2963e6567" providerId="LiveId" clId="{399F4D96-0FF0-45CC-89CC-9982CBE5BBE2}" dt="2023-01-12T08:30:31.855" v="127" actId="478"/>
+          <ac:spMkLst>
+            <pc:docMk/>
+            <pc:sldMk cId="1978906024" sldId="304"/>
+            <ac:spMk id="7" creationId="{05A50ED0-624D-0F8D-1916-BF617643BC0A}"/>
+          </ac:spMkLst>
+        </pc:spChg>
+        <pc:spChg chg="del">
+          <ac:chgData name="Moises Pirela" userId="a07275d2963e6567" providerId="LiveId" clId="{399F4D96-0FF0-45CC-89CC-9982CBE5BBE2}" dt="2023-01-12T08:27:54.513" v="108" actId="478"/>
+          <ac:spMkLst>
+            <pc:docMk/>
+            <pc:sldMk cId="1978906024" sldId="304"/>
+            <ac:spMk id="9" creationId="{F1ED5F1F-9E46-A2F8-944A-60A85552C4BD}"/>
+          </ac:spMkLst>
+        </pc:spChg>
+        <pc:spChg chg="add mod">
+          <ac:chgData name="Moises Pirela" userId="a07275d2963e6567" providerId="LiveId" clId="{399F4D96-0FF0-45CC-89CC-9982CBE5BBE2}" dt="2023-01-12T09:19:28.032" v="1039" actId="20577"/>
+          <ac:spMkLst>
+            <pc:docMk/>
+            <pc:sldMk cId="1978906024" sldId="304"/>
+            <ac:spMk id="11" creationId="{A6E57B31-226E-71D7-4F03-EE5E96B78CF3}"/>
+          </ac:spMkLst>
+        </pc:spChg>
+        <pc:spChg chg="add mod">
+          <ac:chgData name="Moises Pirela" userId="a07275d2963e6567" providerId="LiveId" clId="{399F4D96-0FF0-45CC-89CC-9982CBE5BBE2}" dt="2023-01-12T09:52:33.012" v="1582" actId="20577"/>
+          <ac:spMkLst>
+            <pc:docMk/>
+            <pc:sldMk cId="1978906024" sldId="304"/>
+            <ac:spMk id="15" creationId="{DD367D12-4192-9AC8-EF6C-6450CBCD2DB3}"/>
+          </ac:spMkLst>
+        </pc:spChg>
+        <pc:spChg chg="add mod">
+          <ac:chgData name="Moises Pirela" userId="a07275d2963e6567" providerId="LiveId" clId="{399F4D96-0FF0-45CC-89CC-9982CBE5BBE2}" dt="2023-01-12T09:49:54.604" v="1509" actId="20577"/>
+          <ac:spMkLst>
+            <pc:docMk/>
+            <pc:sldMk cId="1978906024" sldId="304"/>
+            <ac:spMk id="16" creationId="{B8DFCE2E-8947-69E3-4014-45983FFE2179}"/>
+          </ac:spMkLst>
+        </pc:spChg>
+        <pc:spChg chg="add mod">
+          <ac:chgData name="Moises Pirela" userId="a07275d2963e6567" providerId="LiveId" clId="{399F4D96-0FF0-45CC-89CC-9982CBE5BBE2}" dt="2023-01-12T08:33:48.995" v="176" actId="1076"/>
+          <ac:spMkLst>
+            <pc:docMk/>
+            <pc:sldMk cId="1978906024" sldId="304"/>
+            <ac:spMk id="18" creationId="{6349349E-3FFD-962D-D6FE-CEE2095ED33B}"/>
+          </ac:spMkLst>
+        </pc:spChg>
+        <pc:spChg chg="add del mod">
+          <ac:chgData name="Moises Pirela" userId="a07275d2963e6567" providerId="LiveId" clId="{399F4D96-0FF0-45CC-89CC-9982CBE5BBE2}" dt="2023-01-12T08:37:32.188" v="281" actId="478"/>
+          <ac:spMkLst>
+            <pc:docMk/>
+            <pc:sldMk cId="1978906024" sldId="304"/>
+            <ac:spMk id="19" creationId="{D087B577-9370-F87E-3588-8F5E7A6762E6}"/>
+          </ac:spMkLst>
+        </pc:spChg>
+        <pc:picChg chg="del">
+          <ac:chgData name="Moises Pirela" userId="a07275d2963e6567" providerId="LiveId" clId="{399F4D96-0FF0-45CC-89CC-9982CBE5BBE2}" dt="2023-01-12T08:18:47.547" v="32" actId="478"/>
+          <ac:picMkLst>
+            <pc:docMk/>
+            <pc:sldMk cId="1978906024" sldId="304"/>
+            <ac:picMk id="5" creationId="{78AB5BD0-56D4-D051-3D93-D0F6747B2FF9}"/>
+          </ac:picMkLst>
+        </pc:picChg>
+        <pc:picChg chg="add mod modCrop">
+          <ac:chgData name="Moises Pirela" userId="a07275d2963e6567" providerId="LiveId" clId="{399F4D96-0FF0-45CC-89CC-9982CBE5BBE2}" dt="2023-01-12T08:32:08.215" v="150" actId="1076"/>
+          <ac:picMkLst>
+            <pc:docMk/>
+            <pc:sldMk cId="1978906024" sldId="304"/>
+            <ac:picMk id="6" creationId="{9C62925D-192E-B6F9-1F7B-C9145FEAD61B}"/>
+          </ac:picMkLst>
+        </pc:picChg>
+        <pc:picChg chg="del">
+          <ac:chgData name="Moises Pirela" userId="a07275d2963e6567" providerId="LiveId" clId="{399F4D96-0FF0-45CC-89CC-9982CBE5BBE2}" dt="2023-01-12T08:28:21.495" v="109" actId="478"/>
+          <ac:picMkLst>
+            <pc:docMk/>
+            <pc:sldMk cId="1978906024" sldId="304"/>
+            <ac:picMk id="10" creationId="{04CFBAD0-9EDC-4ACC-F4A1-5C1EC23DB2FF}"/>
+          </ac:picMkLst>
+        </pc:picChg>
+        <pc:picChg chg="add mod modCrop">
+          <ac:chgData name="Moises Pirela" userId="a07275d2963e6567" providerId="LiveId" clId="{399F4D96-0FF0-45CC-89CC-9982CBE5BBE2}" dt="2023-01-12T08:35:40.365" v="188" actId="14100"/>
+          <ac:picMkLst>
+            <pc:docMk/>
+            <pc:sldMk cId="1978906024" sldId="304"/>
+            <ac:picMk id="13" creationId="{105970AE-8C95-6659-D8CD-F1E5C9E6D734}"/>
+          </ac:picMkLst>
+        </pc:picChg>
+      </pc:sldChg>
+      <pc:sldChg chg="addSp delSp modSp add mod">
+        <pc:chgData name="Moises Pirela" userId="a07275d2963e6567" providerId="LiveId" clId="{399F4D96-0FF0-45CC-89CC-9982CBE5BBE2}" dt="2023-01-12T09:50:33.918" v="1542" actId="20577"/>
+        <pc:sldMkLst>
+          <pc:docMk/>
+          <pc:sldMk cId="786615385" sldId="305"/>
+        </pc:sldMkLst>
+        <pc:spChg chg="mod">
+          <ac:chgData name="Moises Pirela" userId="a07275d2963e6567" providerId="LiveId" clId="{399F4D96-0FF0-45CC-89CC-9982CBE5BBE2}" dt="2023-01-12T08:55:43.643" v="770" actId="1035"/>
+          <ac:spMkLst>
+            <pc:docMk/>
+            <pc:sldMk cId="786615385" sldId="305"/>
+            <ac:spMk id="4" creationId="{53A1716B-3977-2919-6710-44DBC7C30EA5}"/>
+          </ac:spMkLst>
+        </pc:spChg>
+        <pc:spChg chg="add del mod">
+          <ac:chgData name="Moises Pirela" userId="a07275d2963e6567" providerId="LiveId" clId="{399F4D96-0FF0-45CC-89CC-9982CBE5BBE2}" dt="2023-01-12T08:48:08.186" v="674" actId="1076"/>
+          <ac:spMkLst>
+            <pc:docMk/>
+            <pc:sldMk cId="786615385" sldId="305"/>
+            <ac:spMk id="7" creationId="{C375985F-B6C7-769D-3E27-B526161EC283}"/>
+          </ac:spMkLst>
+        </pc:spChg>
+        <pc:spChg chg="add del mod ord">
+          <ac:chgData name="Moises Pirela" userId="a07275d2963e6567" providerId="LiveId" clId="{399F4D96-0FF0-45CC-89CC-9982CBE5BBE2}" dt="2023-01-12T08:48:00.042" v="671" actId="478"/>
+          <ac:spMkLst>
+            <pc:docMk/>
+            <pc:sldMk cId="786615385" sldId="305"/>
+            <ac:spMk id="10" creationId="{BB1B02C0-56CC-625C-B1A9-3A53D3155450}"/>
+          </ac:spMkLst>
+        </pc:spChg>
+        <pc:spChg chg="del">
+          <ac:chgData name="Moises Pirela" userId="a07275d2963e6567" providerId="LiveId" clId="{399F4D96-0FF0-45CC-89CC-9982CBE5BBE2}" dt="2023-01-12T08:49:18.987" v="685" actId="478"/>
+          <ac:spMkLst>
+            <pc:docMk/>
+            <pc:sldMk cId="786615385" sldId="305"/>
+            <ac:spMk id="11" creationId="{A6E57B31-226E-71D7-4F03-EE5E96B78CF3}"/>
+          </ac:spMkLst>
+        </pc:spChg>
+        <pc:spChg chg="add del mod">
+          <ac:chgData name="Moises Pirela" userId="a07275d2963e6567" providerId="LiveId" clId="{399F4D96-0FF0-45CC-89CC-9982CBE5BBE2}" dt="2023-01-12T08:48:12.817" v="676" actId="478"/>
+          <ac:spMkLst>
+            <pc:docMk/>
+            <pc:sldMk cId="786615385" sldId="305"/>
+            <ac:spMk id="12" creationId="{7181CDD5-3335-3EE4-36C8-3BAD4D83161B}"/>
+          </ac:spMkLst>
+        </pc:spChg>
+        <pc:spChg chg="add mod">
+          <ac:chgData name="Moises Pirela" userId="a07275d2963e6567" providerId="LiveId" clId="{399F4D96-0FF0-45CC-89CC-9982CBE5BBE2}" dt="2023-01-12T08:55:39.610" v="769" actId="1035"/>
+          <ac:spMkLst>
+            <pc:docMk/>
+            <pc:sldMk cId="786615385" sldId="305"/>
+            <ac:spMk id="14" creationId="{885280D4-0670-322E-480E-35F046110CE0}"/>
+          </ac:spMkLst>
+        </pc:spChg>
+        <pc:spChg chg="mod">
+          <ac:chgData name="Moises Pirela" userId="a07275d2963e6567" providerId="LiveId" clId="{399F4D96-0FF0-45CC-89CC-9982CBE5BBE2}" dt="2023-01-12T09:50:17.806" v="1524" actId="20577"/>
+          <ac:spMkLst>
+            <pc:docMk/>
+            <pc:sldMk cId="786615385" sldId="305"/>
+            <ac:spMk id="15" creationId="{DD367D12-4192-9AC8-EF6C-6450CBCD2DB3}"/>
+          </ac:spMkLst>
+        </pc:spChg>
+        <pc:spChg chg="del">
+          <ac:chgData name="Moises Pirela" userId="a07275d2963e6567" providerId="LiveId" clId="{399F4D96-0FF0-45CC-89CC-9982CBE5BBE2}" dt="2023-01-12T08:49:15.957" v="684" actId="478"/>
+          <ac:spMkLst>
+            <pc:docMk/>
+            <pc:sldMk cId="786615385" sldId="305"/>
+            <ac:spMk id="16" creationId="{B8DFCE2E-8947-69E3-4014-45983FFE2179}"/>
+          </ac:spMkLst>
+        </pc:spChg>
+        <pc:spChg chg="add mod">
+          <ac:chgData name="Moises Pirela" userId="a07275d2963e6567" providerId="LiveId" clId="{399F4D96-0FF0-45CC-89CC-9982CBE5BBE2}" dt="2023-01-12T09:50:33.918" v="1542" actId="20577"/>
+          <ac:spMkLst>
+            <pc:docMk/>
+            <pc:sldMk cId="786615385" sldId="305"/>
+            <ac:spMk id="17" creationId="{4D2C803C-D9CC-406A-79A4-C9985A614DA9}"/>
+          </ac:spMkLst>
+        </pc:spChg>
+        <pc:spChg chg="del mod">
+          <ac:chgData name="Moises Pirela" userId="a07275d2963e6567" providerId="LiveId" clId="{399F4D96-0FF0-45CC-89CC-9982CBE5BBE2}" dt="2023-01-12T08:49:15.957" v="684" actId="478"/>
+          <ac:spMkLst>
+            <pc:docMk/>
+            <pc:sldMk cId="786615385" sldId="305"/>
+            <ac:spMk id="18" creationId="{6349349E-3FFD-962D-D6FE-CEE2095ED33B}"/>
+          </ac:spMkLst>
+        </pc:spChg>
+        <pc:spChg chg="add mod">
+          <ac:chgData name="Moises Pirela" userId="a07275d2963e6567" providerId="LiveId" clId="{399F4D96-0FF0-45CC-89CC-9982CBE5BBE2}" dt="2023-01-12T08:53:08.002" v="759" actId="20577"/>
+          <ac:spMkLst>
+            <pc:docMk/>
+            <pc:sldMk cId="786615385" sldId="305"/>
+            <ac:spMk id="19" creationId="{177A9576-7541-D7E6-F6E4-7CB2528416B1}"/>
+          </ac:spMkLst>
+        </pc:spChg>
+        <pc:picChg chg="add del mod">
+          <ac:chgData name="Moises Pirela" userId="a07275d2963e6567" providerId="LiveId" clId="{399F4D96-0FF0-45CC-89CC-9982CBE5BBE2}" dt="2023-01-12T08:48:46.340" v="683" actId="478"/>
+          <ac:picMkLst>
+            <pc:docMk/>
+            <pc:sldMk cId="786615385" sldId="305"/>
+            <ac:picMk id="5" creationId="{F0CA20F5-E0A3-398D-FF88-B4A2FC846FBD}"/>
+          </ac:picMkLst>
+        </pc:picChg>
+        <pc:picChg chg="del mod">
+          <ac:chgData name="Moises Pirela" userId="a07275d2963e6567" providerId="LiveId" clId="{399F4D96-0FF0-45CC-89CC-9982CBE5BBE2}" dt="2023-01-12T08:45:07.741" v="637" actId="478"/>
+          <ac:picMkLst>
+            <pc:docMk/>
+            <pc:sldMk cId="786615385" sldId="305"/>
+            <ac:picMk id="6" creationId="{9C62925D-192E-B6F9-1F7B-C9145FEAD61B}"/>
+          </ac:picMkLst>
+        </pc:picChg>
+        <pc:picChg chg="add mod modCrop">
+          <ac:chgData name="Moises Pirela" userId="a07275d2963e6567" providerId="LiveId" clId="{399F4D96-0FF0-45CC-89CC-9982CBE5BBE2}" dt="2023-01-12T08:52:02.895" v="732" actId="1076"/>
+          <ac:picMkLst>
+            <pc:docMk/>
+            <pc:sldMk cId="786615385" sldId="305"/>
+            <ac:picMk id="9" creationId="{74C1CC44-559A-77B8-7695-3931AE0B7D3D}"/>
+          </ac:picMkLst>
+        </pc:picChg>
+        <pc:picChg chg="del">
+          <ac:chgData name="Moises Pirela" userId="a07275d2963e6567" providerId="LiveId" clId="{399F4D96-0FF0-45CC-89CC-9982CBE5BBE2}" dt="2023-01-12T08:49:15.957" v="684" actId="478"/>
+          <ac:picMkLst>
+            <pc:docMk/>
+            <pc:sldMk cId="786615385" sldId="305"/>
+            <ac:picMk id="13" creationId="{105970AE-8C95-6659-D8CD-F1E5C9E6D734}"/>
+          </ac:picMkLst>
+        </pc:picChg>
+        <pc:picChg chg="add del mod">
+          <ac:chgData name="Moises Pirela" userId="a07275d2963e6567" providerId="LiveId" clId="{399F4D96-0FF0-45CC-89CC-9982CBE5BBE2}" dt="2023-01-12T08:51:31.394" v="726" actId="478"/>
+          <ac:picMkLst>
+            <pc:docMk/>
+            <pc:sldMk cId="786615385" sldId="305"/>
+            <ac:picMk id="20" creationId="{5DF33E3B-01BE-21A7-2B73-A5F2291B601F}"/>
+          </ac:picMkLst>
+        </pc:picChg>
+        <pc:picChg chg="add del mod">
+          <ac:chgData name="Moises Pirela" userId="a07275d2963e6567" providerId="LiveId" clId="{399F4D96-0FF0-45CC-89CC-9982CBE5BBE2}" dt="2023-01-12T08:55:25.812" v="765" actId="478"/>
+          <ac:picMkLst>
+            <pc:docMk/>
+            <pc:sldMk cId="786615385" sldId="305"/>
+            <ac:picMk id="22" creationId="{BA7D4EE1-1E5E-EE25-8F78-B48699FD440A}"/>
+          </ac:picMkLst>
+        </pc:picChg>
+        <pc:picChg chg="add mod modCrop">
+          <ac:chgData name="Moises Pirela" userId="a07275d2963e6567" providerId="LiveId" clId="{399F4D96-0FF0-45CC-89CC-9982CBE5BBE2}" dt="2023-01-12T08:51:59.617" v="731" actId="1076"/>
+          <ac:picMkLst>
+            <pc:docMk/>
+            <pc:sldMk cId="786615385" sldId="305"/>
+            <ac:picMk id="24" creationId="{7D5DD99C-B09C-E897-D93F-1B48AC748E96}"/>
+          </ac:picMkLst>
+        </pc:picChg>
+        <pc:cxnChg chg="add del mod">
+          <ac:chgData name="Moises Pirela" userId="a07275d2963e6567" providerId="LiveId" clId="{399F4D96-0FF0-45CC-89CC-9982CBE5BBE2}" dt="2023-01-12T09:19:33.293" v="1040" actId="478"/>
+          <ac:cxnSpMkLst>
+            <pc:docMk/>
+            <pc:sldMk cId="786615385" sldId="305"/>
+            <ac:cxnSpMk id="26" creationId="{D7AC7BE3-56C5-A571-BF77-D7377DA126DB}"/>
+          </ac:cxnSpMkLst>
+        </pc:cxnChg>
+      </pc:sldChg>
+      <pc:sldChg chg="addSp delSp modSp add mod">
+        <pc:chgData name="Moises Pirela" userId="a07275d2963e6567" providerId="LiveId" clId="{399F4D96-0FF0-45CC-89CC-9982CBE5BBE2}" dt="2023-01-12T09:53:54.029" v="1628" actId="20577"/>
+        <pc:sldMkLst>
+          <pc:docMk/>
+          <pc:sldMk cId="4231680004" sldId="306"/>
+        </pc:sldMkLst>
+        <pc:spChg chg="mod">
+          <ac:chgData name="Moises Pirela" userId="a07275d2963e6567" providerId="LiveId" clId="{399F4D96-0FF0-45CC-89CC-9982CBE5BBE2}" dt="2023-01-12T09:25:25.299" v="1314" actId="20577"/>
+          <ac:spMkLst>
+            <pc:docMk/>
+            <pc:sldMk cId="4231680004" sldId="306"/>
+            <ac:spMk id="4" creationId="{53A1716B-3977-2919-6710-44DBC7C30EA5}"/>
+          </ac:spMkLst>
+        </pc:spChg>
+        <pc:spChg chg="add del mod">
+          <ac:chgData name="Moises Pirela" userId="a07275d2963e6567" providerId="LiveId" clId="{399F4D96-0FF0-45CC-89CC-9982CBE5BBE2}" dt="2023-01-12T09:00:13.344" v="834" actId="478"/>
+          <ac:spMkLst>
+            <pc:docMk/>
+            <pc:sldMk cId="4231680004" sldId="306"/>
+            <ac:spMk id="5" creationId="{F8517084-BA2A-0759-641A-6726570FEF57}"/>
+          </ac:spMkLst>
+        </pc:spChg>
+        <pc:spChg chg="mod">
+          <ac:chgData name="Moises Pirela" userId="a07275d2963e6567" providerId="LiveId" clId="{399F4D96-0FF0-45CC-89CC-9982CBE5BBE2}" dt="2023-01-12T09:00:45.932" v="846" actId="122"/>
+          <ac:spMkLst>
+            <pc:docMk/>
+            <pc:sldMk cId="4231680004" sldId="306"/>
+            <ac:spMk id="7" creationId="{C375985F-B6C7-769D-3E27-B526161EC283}"/>
+          </ac:spMkLst>
+        </pc:spChg>
+        <pc:spChg chg="add del mod">
+          <ac:chgData name="Moises Pirela" userId="a07275d2963e6567" providerId="LiveId" clId="{399F4D96-0FF0-45CC-89CC-9982CBE5BBE2}" dt="2023-01-12T09:19:09.524" v="1012" actId="478"/>
+          <ac:spMkLst>
+            <pc:docMk/>
+            <pc:sldMk cId="4231680004" sldId="306"/>
+            <ac:spMk id="11" creationId="{4FA60F78-82C4-30ED-54FE-47E822D1355B}"/>
+          </ac:spMkLst>
+        </pc:spChg>
+        <pc:spChg chg="add del mod">
+          <ac:chgData name="Moises Pirela" userId="a07275d2963e6567" providerId="LiveId" clId="{399F4D96-0FF0-45CC-89CC-9982CBE5BBE2}" dt="2023-01-12T09:19:10.738" v="1013" actId="478"/>
+          <ac:spMkLst>
+            <pc:docMk/>
+            <pc:sldMk cId="4231680004" sldId="306"/>
+            <ac:spMk id="12" creationId="{A792CF60-C30D-52B4-9AF1-2696A6E5C922}"/>
+          </ac:spMkLst>
+        </pc:spChg>
+        <pc:spChg chg="add del mod">
+          <ac:chgData name="Moises Pirela" userId="a07275d2963e6567" providerId="LiveId" clId="{399F4D96-0FF0-45CC-89CC-9982CBE5BBE2}" dt="2023-01-12T09:21:25.922" v="1139" actId="478"/>
+          <ac:spMkLst>
+            <pc:docMk/>
+            <pc:sldMk cId="4231680004" sldId="306"/>
+            <ac:spMk id="13" creationId="{60AE786F-3E5A-D4B2-07D2-CECDE3DAC690}"/>
+          </ac:spMkLst>
+        </pc:spChg>
+        <pc:spChg chg="del">
+          <ac:chgData name="Moises Pirela" userId="a07275d2963e6567" providerId="LiveId" clId="{399F4D96-0FF0-45CC-89CC-9982CBE5BBE2}" dt="2023-01-12T09:15:27.190" v="853" actId="478"/>
+          <ac:spMkLst>
+            <pc:docMk/>
+            <pc:sldMk cId="4231680004" sldId="306"/>
+            <ac:spMk id="14" creationId="{885280D4-0670-322E-480E-35F046110CE0}"/>
+          </ac:spMkLst>
+        </pc:spChg>
+        <pc:spChg chg="mod">
+          <ac:chgData name="Moises Pirela" userId="a07275d2963e6567" providerId="LiveId" clId="{399F4D96-0FF0-45CC-89CC-9982CBE5BBE2}" dt="2023-01-12T09:50:52.140" v="1567" actId="20577"/>
+          <ac:spMkLst>
+            <pc:docMk/>
+            <pc:sldMk cId="4231680004" sldId="306"/>
+            <ac:spMk id="15" creationId="{DD367D12-4192-9AC8-EF6C-6450CBCD2DB3}"/>
+          </ac:spMkLst>
+        </pc:spChg>
+        <pc:spChg chg="add del mod">
+          <ac:chgData name="Moises Pirela" userId="a07275d2963e6567" providerId="LiveId" clId="{399F4D96-0FF0-45CC-89CC-9982CBE5BBE2}" dt="2023-01-12T09:21:24.310" v="1138" actId="478"/>
+          <ac:spMkLst>
+            <pc:docMk/>
+            <pc:sldMk cId="4231680004" sldId="306"/>
+            <ac:spMk id="16" creationId="{6A42C914-7854-F21E-049F-3FC3B10FF572}"/>
+          </ac:spMkLst>
+        </pc:spChg>
+        <pc:spChg chg="del">
+          <ac:chgData name="Moises Pirela" userId="a07275d2963e6567" providerId="LiveId" clId="{399F4D96-0FF0-45CC-89CC-9982CBE5BBE2}" dt="2023-01-12T09:15:33.822" v="856" actId="478"/>
+          <ac:spMkLst>
+            <pc:docMk/>
+            <pc:sldMk cId="4231680004" sldId="306"/>
+            <ac:spMk id="17" creationId="{4D2C803C-D9CC-406A-79A4-C9985A614DA9}"/>
+          </ac:spMkLst>
+        </pc:spChg>
+        <pc:spChg chg="add del mod">
+          <ac:chgData name="Moises Pirela" userId="a07275d2963e6567" providerId="LiveId" clId="{399F4D96-0FF0-45CC-89CC-9982CBE5BBE2}" dt="2023-01-12T09:25:03.914" v="1302" actId="478"/>
+          <ac:spMkLst>
+            <pc:docMk/>
+            <pc:sldMk cId="4231680004" sldId="306"/>
+            <ac:spMk id="18" creationId="{85BF06C3-1FE6-66B5-C899-67154AB07EF5}"/>
+          </ac:spMkLst>
+        </pc:spChg>
+        <pc:spChg chg="del">
+          <ac:chgData name="Moises Pirela" userId="a07275d2963e6567" providerId="LiveId" clId="{399F4D96-0FF0-45CC-89CC-9982CBE5BBE2}" dt="2023-01-12T09:15:32.516" v="855" actId="478"/>
+          <ac:spMkLst>
+            <pc:docMk/>
+            <pc:sldMk cId="4231680004" sldId="306"/>
+            <ac:spMk id="19" creationId="{177A9576-7541-D7E6-F6E4-7CB2528416B1}"/>
+          </ac:spMkLst>
+        </pc:spChg>
+        <pc:spChg chg="add mod">
+          <ac:chgData name="Moises Pirela" userId="a07275d2963e6567" providerId="LiveId" clId="{399F4D96-0FF0-45CC-89CC-9982CBE5BBE2}" dt="2023-01-12T09:50:59.341" v="1569" actId="6549"/>
+          <ac:spMkLst>
+            <pc:docMk/>
+            <pc:sldMk cId="4231680004" sldId="306"/>
+            <ac:spMk id="20" creationId="{62A79072-34ED-BBCD-1DFC-046CE739ABA9}"/>
+          </ac:spMkLst>
+        </pc:spChg>
+        <pc:graphicFrameChg chg="add mod modGraphic">
+          <ac:chgData name="Moises Pirela" userId="a07275d2963e6567" providerId="LiveId" clId="{399F4D96-0FF0-45CC-89CC-9982CBE5BBE2}" dt="2023-01-12T09:53:54.029" v="1628" actId="20577"/>
+          <ac:graphicFrameMkLst>
+            <pc:docMk/>
+            <pc:sldMk cId="4231680004" sldId="306"/>
+            <ac:graphicFrameMk id="10" creationId="{A4D0B084-A786-9FBF-A6F6-1D57D2ED3B6A}"/>
+          </ac:graphicFrameMkLst>
+        </pc:graphicFrameChg>
+        <pc:picChg chg="add mod modCrop">
+          <ac:chgData name="Moises Pirela" userId="a07275d2963e6567" providerId="LiveId" clId="{399F4D96-0FF0-45CC-89CC-9982CBE5BBE2}" dt="2023-01-12T09:01:21.256" v="852" actId="14100"/>
+          <ac:picMkLst>
+            <pc:docMk/>
+            <pc:sldMk cId="4231680004" sldId="306"/>
+            <ac:picMk id="8" creationId="{3C8A6A50-B1C4-DFF5-AAFF-2D95863DF150}"/>
+          </ac:picMkLst>
+        </pc:picChg>
+        <pc:picChg chg="del">
+          <ac:chgData name="Moises Pirela" userId="a07275d2963e6567" providerId="LiveId" clId="{399F4D96-0FF0-45CC-89CC-9982CBE5BBE2}" dt="2023-01-12T09:01:05.036" v="847" actId="478"/>
+          <ac:picMkLst>
+            <pc:docMk/>
+            <pc:sldMk cId="4231680004" sldId="306"/>
+            <ac:picMk id="9" creationId="{74C1CC44-559A-77B8-7695-3931AE0B7D3D}"/>
+          </ac:picMkLst>
+        </pc:picChg>
+        <pc:picChg chg="del">
+          <ac:chgData name="Moises Pirela" userId="a07275d2963e6567" providerId="LiveId" clId="{399F4D96-0FF0-45CC-89CC-9982CBE5BBE2}" dt="2023-01-12T08:55:53.251" v="771" actId="478"/>
+          <ac:picMkLst>
+            <pc:docMk/>
+            <pc:sldMk cId="4231680004" sldId="306"/>
+            <ac:picMk id="22" creationId="{BA7D4EE1-1E5E-EE25-8F78-B48699FD440A}"/>
+          </ac:picMkLst>
+        </pc:picChg>
+        <pc:picChg chg="del">
+          <ac:chgData name="Moises Pirela" userId="a07275d2963e6567" providerId="LiveId" clId="{399F4D96-0FF0-45CC-89CC-9982CBE5BBE2}" dt="2023-01-12T09:15:34.398" v="857" actId="478"/>
+          <ac:picMkLst>
+            <pc:docMk/>
+            <pc:sldMk cId="4231680004" sldId="306"/>
+            <ac:picMk id="24" creationId="{7D5DD99C-B09C-E897-D93F-1B48AC748E96}"/>
+          </ac:picMkLst>
+        </pc:picChg>
+        <pc:cxnChg chg="del">
+          <ac:chgData name="Moises Pirela" userId="a07275d2963e6567" providerId="LiveId" clId="{399F4D96-0FF0-45CC-89CC-9982CBE5BBE2}" dt="2023-01-12T09:15:29.452" v="854" actId="478"/>
+          <ac:cxnSpMkLst>
+            <pc:docMk/>
+            <pc:sldMk cId="4231680004" sldId="306"/>
+            <ac:cxnSpMk id="26" creationId="{D7AC7BE3-56C5-A571-BF77-D7377DA126DB}"/>
+          </ac:cxnSpMkLst>
+        </pc:cxnChg>
+      </pc:sldChg>
+      <pc:sldChg chg="addSp delSp modSp add mod">
+        <pc:chgData name="Moises Pirela" userId="a07275d2963e6567" providerId="LiveId" clId="{399F4D96-0FF0-45CC-89CC-9982CBE5BBE2}" dt="2023-01-12T10:09:53.064" v="2114" actId="20577"/>
+        <pc:sldMkLst>
+          <pc:docMk/>
+          <pc:sldMk cId="1641530039" sldId="307"/>
+        </pc:sldMkLst>
+        <pc:spChg chg="mod">
+          <ac:chgData name="Moises Pirela" userId="a07275d2963e6567" providerId="LiveId" clId="{399F4D96-0FF0-45CC-89CC-9982CBE5BBE2}" dt="2023-01-12T09:57:03.748" v="1667" actId="14100"/>
+          <ac:spMkLst>
+            <pc:docMk/>
+            <pc:sldMk cId="1641530039" sldId="307"/>
+            <ac:spMk id="2" creationId="{937EEB7B-C38E-8305-1E7E-595D98C44355}"/>
+          </ac:spMkLst>
+        </pc:spChg>
+        <pc:spChg chg="del">
+          <ac:chgData name="Moises Pirela" userId="a07275d2963e6567" providerId="LiveId" clId="{399F4D96-0FF0-45CC-89CC-9982CBE5BBE2}" dt="2023-01-12T09:26:47.216" v="1342" actId="478"/>
+          <ac:spMkLst>
+            <pc:docMk/>
+            <pc:sldMk cId="1641530039" sldId="307"/>
+            <ac:spMk id="3" creationId="{9AB16483-F8BA-85BA-FB6A-867F5703FF20}"/>
+          </ac:spMkLst>
+        </pc:spChg>
+        <pc:spChg chg="mod">
+          <ac:chgData name="Moises Pirela" userId="a07275d2963e6567" providerId="LiveId" clId="{399F4D96-0FF0-45CC-89CC-9982CBE5BBE2}" dt="2023-01-12T10:09:53.064" v="2114" actId="20577"/>
+          <ac:spMkLst>
+            <pc:docMk/>
+            <pc:sldMk cId="1641530039" sldId="307"/>
+            <ac:spMk id="4" creationId="{82859DE0-D9C8-8F8F-4197-C7D96F7F21DE}"/>
+          </ac:spMkLst>
+        </pc:spChg>
+        <pc:spChg chg="add del mod">
+          <ac:chgData name="Moises Pirela" userId="a07275d2963e6567" providerId="LiveId" clId="{399F4D96-0FF0-45CC-89CC-9982CBE5BBE2}" dt="2023-01-12T09:26:55.954" v="1343" actId="478"/>
+          <ac:spMkLst>
+            <pc:docMk/>
+            <pc:sldMk cId="1641530039" sldId="307"/>
+            <ac:spMk id="6" creationId="{DA2B8EDD-CE57-314A-0BB8-0D1EFE8F4A25}"/>
+          </ac:spMkLst>
+        </pc:spChg>
+        <pc:spChg chg="mod">
+          <ac:chgData name="Moises Pirela" userId="a07275d2963e6567" providerId="LiveId" clId="{399F4D96-0FF0-45CC-89CC-9982CBE5BBE2}" dt="2023-01-12T09:27:20.592" v="1349" actId="1076"/>
+          <ac:spMkLst>
+            <pc:docMk/>
+            <pc:sldMk cId="1641530039" sldId="307"/>
+            <ac:spMk id="11" creationId="{85E5FDC1-3C92-8D20-A397-F578CA57C2E5}"/>
+          </ac:spMkLst>
+        </pc:spChg>
+        <pc:spChg chg="mod">
+          <ac:chgData name="Moises Pirela" userId="a07275d2963e6567" providerId="LiveId" clId="{399F4D96-0FF0-45CC-89CC-9982CBE5BBE2}" dt="2023-01-12T09:27:20.592" v="1349" actId="1076"/>
+          <ac:spMkLst>
+            <pc:docMk/>
+            <pc:sldMk cId="1641530039" sldId="307"/>
+            <ac:spMk id="12" creationId="{CCE1449E-0747-6815-6190-2ECE26A0A879}"/>
+          </ac:spMkLst>
+        </pc:spChg>
+        <pc:graphicFrameChg chg="del">
+          <ac:chgData name="Moises Pirela" userId="a07275d2963e6567" providerId="LiveId" clId="{399F4D96-0FF0-45CC-89CC-9982CBE5BBE2}" dt="2023-01-12T09:27:15.628" v="1348" actId="478"/>
+          <ac:graphicFrameMkLst>
+            <pc:docMk/>
+            <pc:sldMk cId="1641530039" sldId="307"/>
+            <ac:graphicFrameMk id="8" creationId="{73428903-5320-EE59-F329-ABF8381100CE}"/>
+          </ac:graphicFrameMkLst>
+        </pc:graphicFrameChg>
+        <pc:graphicFrameChg chg="add mod modGraphic">
+          <ac:chgData name="Moises Pirela" userId="a07275d2963e6567" providerId="LiveId" clId="{399F4D96-0FF0-45CC-89CC-9982CBE5BBE2}" dt="2023-01-12T10:09:16.147" v="2105" actId="14734"/>
+          <ac:graphicFrameMkLst>
+            <pc:docMk/>
+            <pc:sldMk cId="1641530039" sldId="307"/>
+            <ac:graphicFrameMk id="9" creationId="{0AF3F919-39E5-6B63-E026-18AED4F3B709}"/>
+          </ac:graphicFrameMkLst>
+        </pc:graphicFrameChg>
+        <pc:picChg chg="del">
+          <ac:chgData name="Moises Pirela" userId="a07275d2963e6567" providerId="LiveId" clId="{399F4D96-0FF0-45CC-89CC-9982CBE5BBE2}" dt="2023-01-12T09:27:13.609" v="1347" actId="478"/>
+          <ac:picMkLst>
+            <pc:docMk/>
+            <pc:sldMk cId="1641530039" sldId="307"/>
+            <ac:picMk id="7" creationId="{27D70D76-62C9-368C-23BA-1BEB2F96A6E9}"/>
+          </ac:picMkLst>
+        </pc:picChg>
+        <pc:picChg chg="add del mod">
+          <ac:chgData name="Moises Pirela" userId="a07275d2963e6567" providerId="LiveId" clId="{399F4D96-0FF0-45CC-89CC-9982CBE5BBE2}" dt="2023-01-12T09:56:20.931" v="1662" actId="478"/>
+          <ac:picMkLst>
+            <pc:docMk/>
+            <pc:sldMk cId="1641530039" sldId="307"/>
+            <ac:picMk id="13" creationId="{8BDB6109-48D6-D955-BB77-8C915FAD5FB0}"/>
+          </ac:picMkLst>
+        </pc:picChg>
+        <pc:picChg chg="add del mod">
+          <ac:chgData name="Moises Pirela" userId="a07275d2963e6567" providerId="LiveId" clId="{399F4D96-0FF0-45CC-89CC-9982CBE5BBE2}" dt="2023-01-12T10:01:48.114" v="1799" actId="478"/>
+          <ac:picMkLst>
+            <pc:docMk/>
+            <pc:sldMk cId="1641530039" sldId="307"/>
+            <ac:picMk id="15" creationId="{FE06148D-931F-36FE-1026-6DDFBD6D18B9}"/>
+          </ac:picMkLst>
+        </pc:picChg>
+        <pc:picChg chg="add del mod">
+          <ac:chgData name="Moises Pirela" userId="a07275d2963e6567" providerId="LiveId" clId="{399F4D96-0FF0-45CC-89CC-9982CBE5BBE2}" dt="2023-01-12T10:04:10.122" v="1858" actId="478"/>
+          <ac:picMkLst>
+            <pc:docMk/>
+            <pc:sldMk cId="1641530039" sldId="307"/>
+            <ac:picMk id="17" creationId="{E4F630DA-C8DC-F221-55EC-9EDAEC39ABFE}"/>
+          </ac:picMkLst>
+        </pc:picChg>
+        <pc:picChg chg="add del mod">
+          <ac:chgData name="Moises Pirela" userId="a07275d2963e6567" providerId="LiveId" clId="{399F4D96-0FF0-45CC-89CC-9982CBE5BBE2}" dt="2023-01-12T10:06:47.362" v="1995" actId="478"/>
+          <ac:picMkLst>
+            <pc:docMk/>
+            <pc:sldMk cId="1641530039" sldId="307"/>
+            <ac:picMk id="19" creationId="{D54EACBA-7BC2-E0D7-85DD-711F19799E6A}"/>
+          </ac:picMkLst>
+        </pc:picChg>
+        <pc:picChg chg="add del mod">
+          <ac:chgData name="Moises Pirela" userId="a07275d2963e6567" providerId="LiveId" clId="{399F4D96-0FF0-45CC-89CC-9982CBE5BBE2}" dt="2023-01-12T10:07:52.632" v="2081" actId="478"/>
+          <ac:picMkLst>
+            <pc:docMk/>
+            <pc:sldMk cId="1641530039" sldId="307"/>
+            <ac:picMk id="21" creationId="{EBE0C8A7-CB28-6A9F-4426-B8F2B3D774CA}"/>
+          </ac:picMkLst>
+        </pc:picChg>
+        <pc:picChg chg="add del mod">
+          <ac:chgData name="Moises Pirela" userId="a07275d2963e6567" providerId="LiveId" clId="{399F4D96-0FF0-45CC-89CC-9982CBE5BBE2}" dt="2023-01-12T10:09:23.882" v="2106" actId="478"/>
+          <ac:picMkLst>
+            <pc:docMk/>
+            <pc:sldMk cId="1641530039" sldId="307"/>
+            <ac:picMk id="23" creationId="{0CCE82B1-81D0-642C-F20A-3A24B95BF725}"/>
+          </ac:picMkLst>
+        </pc:picChg>
+      </pc:sldChg>
+    </pc:docChg>
+  </pc:docChgLst>
   <pc:docChgLst>
     <pc:chgData name="Carlos Mario Muñoz Parra" userId="ac57450a-23e8-4885-8c6a-f8ec61971376" providerId="ADAL" clId="{268DD805-343B-4488-9F1E-28820E88BC9C}"/>
     <pc:docChg chg="undo redo custSel addSld delSld modSld">
@@ -400,641 +1628,6 @@
       </pc:sldChg>
     </pc:docChg>
   </pc:docChgLst>
-  <pc:docChgLst>
-    <pc:chgData name="Moises Pirela" userId="a07275d2963e6567" providerId="LiveId" clId="{7C1B36EE-C744-40C8-B6F7-C0715F002048}"/>
-    <pc:docChg chg="modSld">
-      <pc:chgData name="Moises Pirela" userId="a07275d2963e6567" providerId="LiveId" clId="{7C1B36EE-C744-40C8-B6F7-C0715F002048}" dt="2022-12-04T22:54:13.017" v="6" actId="1036"/>
-      <pc:docMkLst>
-        <pc:docMk/>
-      </pc:docMkLst>
-      <pc:sldChg chg="addSp modSp mod">
-        <pc:chgData name="Moises Pirela" userId="a07275d2963e6567" providerId="LiveId" clId="{7C1B36EE-C744-40C8-B6F7-C0715F002048}" dt="2022-12-04T22:54:13.017" v="6" actId="1036"/>
-        <pc:sldMkLst>
-          <pc:docMk/>
-          <pc:sldMk cId="3394526084" sldId="256"/>
-        </pc:sldMkLst>
-        <pc:spChg chg="add mod">
-          <ac:chgData name="Moises Pirela" userId="a07275d2963e6567" providerId="LiveId" clId="{7C1B36EE-C744-40C8-B6F7-C0715F002048}" dt="2022-12-04T22:54:13.017" v="6" actId="1036"/>
-          <ac:spMkLst>
-            <pc:docMk/>
-            <pc:sldMk cId="3394526084" sldId="256"/>
-            <ac:spMk id="5" creationId="{036B4F47-1C51-296F-1715-399BF0F7C0E1}"/>
-          </ac:spMkLst>
-        </pc:spChg>
-      </pc:sldChg>
-    </pc:docChg>
-  </pc:docChgLst>
-  <pc:docChgLst>
-    <pc:chgData name="Moises Pirela" userId="a07275d2963e6567" providerId="LiveId" clId="{930E4540-302B-49A4-9330-3D1412466C29}"/>
-    <pc:docChg chg="undo custSel addSld delSld modSld">
-      <pc:chgData name="Moises Pirela" userId="a07275d2963e6567" providerId="LiveId" clId="{930E4540-302B-49A4-9330-3D1412466C29}" dt="2023-01-11T19:56:02.841" v="1911" actId="6549"/>
-      <pc:docMkLst>
-        <pc:docMk/>
-      </pc:docMkLst>
-      <pc:sldChg chg="modSp mod">
-        <pc:chgData name="Moises Pirela" userId="a07275d2963e6567" providerId="LiveId" clId="{930E4540-302B-49A4-9330-3D1412466C29}" dt="2023-01-11T14:46:51.777" v="395" actId="20577"/>
-        <pc:sldMkLst>
-          <pc:docMk/>
-          <pc:sldMk cId="2662076897" sldId="285"/>
-        </pc:sldMkLst>
-        <pc:spChg chg="mod">
-          <ac:chgData name="Moises Pirela" userId="a07275d2963e6567" providerId="LiveId" clId="{930E4540-302B-49A4-9330-3D1412466C29}" dt="2023-01-11T14:46:51.777" v="395" actId="20577"/>
-          <ac:spMkLst>
-            <pc:docMk/>
-            <pc:sldMk cId="2662076897" sldId="285"/>
-            <ac:spMk id="3" creationId="{CFCC6FE4-5243-867B-D5F0-5EE6BFFE2A1F}"/>
-          </ac:spMkLst>
-        </pc:spChg>
-      </pc:sldChg>
-      <pc:sldChg chg="addSp delSp modSp mod">
-        <pc:chgData name="Moises Pirela" userId="a07275d2963e6567" providerId="LiveId" clId="{930E4540-302B-49A4-9330-3D1412466C29}" dt="2023-01-11T14:21:22.913" v="218" actId="207"/>
-        <pc:sldMkLst>
-          <pc:docMk/>
-          <pc:sldMk cId="647871747" sldId="287"/>
-        </pc:sldMkLst>
-        <pc:spChg chg="mod">
-          <ac:chgData name="Moises Pirela" userId="a07275d2963e6567" providerId="LiveId" clId="{930E4540-302B-49A4-9330-3D1412466C29}" dt="2023-01-11T14:11:05.145" v="48" actId="1076"/>
-          <ac:spMkLst>
-            <pc:docMk/>
-            <pc:sldMk cId="647871747" sldId="287"/>
-            <ac:spMk id="2" creationId="{937EEB7B-C38E-8305-1E7E-595D98C44355}"/>
-          </ac:spMkLst>
-        </pc:spChg>
-        <pc:spChg chg="mod">
-          <ac:chgData name="Moises Pirela" userId="a07275d2963e6567" providerId="LiveId" clId="{930E4540-302B-49A4-9330-3D1412466C29}" dt="2023-01-11T14:11:01.858" v="47" actId="1076"/>
-          <ac:spMkLst>
-            <pc:docMk/>
-            <pc:sldMk cId="647871747" sldId="287"/>
-            <ac:spMk id="3" creationId="{9AB16483-F8BA-85BA-FB6A-867F5703FF20}"/>
-          </ac:spMkLst>
-        </pc:spChg>
-        <pc:spChg chg="add mod">
-          <ac:chgData name="Moises Pirela" userId="a07275d2963e6567" providerId="LiveId" clId="{930E4540-302B-49A4-9330-3D1412466C29}" dt="2023-01-11T14:20:13.665" v="201" actId="20577"/>
-          <ac:spMkLst>
-            <pc:docMk/>
-            <pc:sldMk cId="647871747" sldId="287"/>
-            <ac:spMk id="4" creationId="{82859DE0-D9C8-8F8F-4197-C7D96F7F21DE}"/>
-          </ac:spMkLst>
-        </pc:spChg>
-        <pc:spChg chg="add del mod">
-          <ac:chgData name="Moises Pirela" userId="a07275d2963e6567" providerId="LiveId" clId="{930E4540-302B-49A4-9330-3D1412466C29}" dt="2023-01-11T14:18:30.301" v="155" actId="478"/>
-          <ac:spMkLst>
-            <pc:docMk/>
-            <pc:sldMk cId="647871747" sldId="287"/>
-            <ac:spMk id="5" creationId="{708AA500-5CB8-7DC1-FB29-892814D7BE76}"/>
-          </ac:spMkLst>
-        </pc:spChg>
-        <pc:spChg chg="add mod">
-          <ac:chgData name="Moises Pirela" userId="a07275d2963e6567" providerId="LiveId" clId="{930E4540-302B-49A4-9330-3D1412466C29}" dt="2023-01-11T14:21:22.913" v="218" actId="207"/>
-          <ac:spMkLst>
-            <pc:docMk/>
-            <pc:sldMk cId="647871747" sldId="287"/>
-            <ac:spMk id="11" creationId="{85E5FDC1-3C92-8D20-A397-F578CA57C2E5}"/>
-          </ac:spMkLst>
-        </pc:spChg>
-        <pc:spChg chg="add mod">
-          <ac:chgData name="Moises Pirela" userId="a07275d2963e6567" providerId="LiveId" clId="{930E4540-302B-49A4-9330-3D1412466C29}" dt="2023-01-11T14:21:06.115" v="216" actId="1076"/>
-          <ac:spMkLst>
-            <pc:docMk/>
-            <pc:sldMk cId="647871747" sldId="287"/>
-            <ac:spMk id="12" creationId="{CCE1449E-0747-6815-6190-2ECE26A0A879}"/>
-          </ac:spMkLst>
-        </pc:spChg>
-        <pc:graphicFrameChg chg="add mod modGraphic">
-          <ac:chgData name="Moises Pirela" userId="a07275d2963e6567" providerId="LiveId" clId="{930E4540-302B-49A4-9330-3D1412466C29}" dt="2023-01-11T14:19:41.315" v="159" actId="1076"/>
-          <ac:graphicFrameMkLst>
-            <pc:docMk/>
-            <pc:sldMk cId="647871747" sldId="287"/>
-            <ac:graphicFrameMk id="8" creationId="{73428903-5320-EE59-F329-ABF8381100CE}"/>
-          </ac:graphicFrameMkLst>
-        </pc:graphicFrameChg>
-        <pc:picChg chg="add mod modCrop">
-          <ac:chgData name="Moises Pirela" userId="a07275d2963e6567" providerId="LiveId" clId="{930E4540-302B-49A4-9330-3D1412466C29}" dt="2023-01-11T14:19:09.229" v="157" actId="1076"/>
-          <ac:picMkLst>
-            <pc:docMk/>
-            <pc:sldMk cId="647871747" sldId="287"/>
-            <ac:picMk id="7" creationId="{27D70D76-62C9-368C-23BA-1BEB2F96A6E9}"/>
-          </ac:picMkLst>
-        </pc:picChg>
-        <pc:picChg chg="add del mod">
-          <ac:chgData name="Moises Pirela" userId="a07275d2963e6567" providerId="LiveId" clId="{930E4540-302B-49A4-9330-3D1412466C29}" dt="2023-01-11T14:19:34.570" v="158" actId="478"/>
-          <ac:picMkLst>
-            <pc:docMk/>
-            <pc:sldMk cId="647871747" sldId="287"/>
-            <ac:picMk id="10" creationId="{59DD85FF-3EF8-D938-366E-3DA244CF9E23}"/>
-          </ac:picMkLst>
-        </pc:picChg>
-      </pc:sldChg>
-      <pc:sldChg chg="addSp delSp modSp new mod">
-        <pc:chgData name="Moises Pirela" userId="a07275d2963e6567" providerId="LiveId" clId="{930E4540-302B-49A4-9330-3D1412466C29}" dt="2023-01-11T18:07:32.345" v="1607" actId="20577"/>
-        <pc:sldMkLst>
-          <pc:docMk/>
-          <pc:sldMk cId="2857062487" sldId="290"/>
-        </pc:sldMkLst>
-        <pc:spChg chg="add del mod">
-          <ac:chgData name="Moises Pirela" userId="a07275d2963e6567" providerId="LiveId" clId="{930E4540-302B-49A4-9330-3D1412466C29}" dt="2023-01-11T14:47:42.440" v="403" actId="478"/>
-          <ac:spMkLst>
-            <pc:docMk/>
-            <pc:sldMk cId="2857062487" sldId="290"/>
-            <ac:spMk id="2" creationId="{F92C53CA-6D91-F65E-63B5-D8AC0B6BF352}"/>
-          </ac:spMkLst>
-        </pc:spChg>
-        <pc:spChg chg="add del mod">
-          <ac:chgData name="Moises Pirela" userId="a07275d2963e6567" providerId="LiveId" clId="{930E4540-302B-49A4-9330-3D1412466C29}" dt="2023-01-11T14:48:23.688" v="405" actId="478"/>
-          <ac:spMkLst>
-            <pc:docMk/>
-            <pc:sldMk cId="2857062487" sldId="290"/>
-            <ac:spMk id="4" creationId="{B1F21B6A-67E6-7D8C-EC91-BDDC41CA0A5A}"/>
-          </ac:spMkLst>
-        </pc:spChg>
-        <pc:spChg chg="add mod">
-          <ac:chgData name="Moises Pirela" userId="a07275d2963e6567" providerId="LiveId" clId="{930E4540-302B-49A4-9330-3D1412466C29}" dt="2023-01-11T14:49:02.950" v="408" actId="1076"/>
-          <ac:spMkLst>
-            <pc:docMk/>
-            <pc:sldMk cId="2857062487" sldId="290"/>
-            <ac:spMk id="5" creationId="{8A6020E7-C9E2-FC7F-7A7B-D27F9EC84911}"/>
-          </ac:spMkLst>
-        </pc:spChg>
-        <pc:spChg chg="add mod">
-          <ac:chgData name="Moises Pirela" userId="a07275d2963e6567" providerId="LiveId" clId="{930E4540-302B-49A4-9330-3D1412466C29}" dt="2023-01-11T15:19:01.196" v="1480" actId="255"/>
-          <ac:spMkLst>
-            <pc:docMk/>
-            <pc:sldMk cId="2857062487" sldId="290"/>
-            <ac:spMk id="9" creationId="{9A027A6F-0F3A-516B-58B8-3DD6E0B6031C}"/>
-          </ac:spMkLst>
-        </pc:spChg>
-        <pc:spChg chg="add mod">
-          <ac:chgData name="Moises Pirela" userId="a07275d2963e6567" providerId="LiveId" clId="{930E4540-302B-49A4-9330-3D1412466C29}" dt="2023-01-11T15:18:35.626" v="1475" actId="1076"/>
-          <ac:spMkLst>
-            <pc:docMk/>
-            <pc:sldMk cId="2857062487" sldId="290"/>
-            <ac:spMk id="10" creationId="{FC58630C-351D-E492-D442-3A2A6A762DD0}"/>
-          </ac:spMkLst>
-        </pc:spChg>
-        <pc:spChg chg="add mod">
-          <ac:chgData name="Moises Pirela" userId="a07275d2963e6567" providerId="LiveId" clId="{930E4540-302B-49A4-9330-3D1412466C29}" dt="2023-01-11T15:18:43.473" v="1476" actId="255"/>
-          <ac:spMkLst>
-            <pc:docMk/>
-            <pc:sldMk cId="2857062487" sldId="290"/>
-            <ac:spMk id="12" creationId="{C07239B1-5F15-E4ED-22F3-2BE02174312E}"/>
-          </ac:spMkLst>
-        </pc:spChg>
-        <pc:spChg chg="add mod">
-          <ac:chgData name="Moises Pirela" userId="a07275d2963e6567" providerId="LiveId" clId="{930E4540-302B-49A4-9330-3D1412466C29}" dt="2023-01-11T15:18:47.924" v="1477" actId="1076"/>
-          <ac:spMkLst>
-            <pc:docMk/>
-            <pc:sldMk cId="2857062487" sldId="290"/>
-            <ac:spMk id="13" creationId="{54A342DB-419D-410E-6174-311367379740}"/>
-          </ac:spMkLst>
-        </pc:spChg>
-        <pc:spChg chg="add mod">
-          <ac:chgData name="Moises Pirela" userId="a07275d2963e6567" providerId="LiveId" clId="{930E4540-302B-49A4-9330-3D1412466C29}" dt="2023-01-11T15:18:43.473" v="1476" actId="255"/>
-          <ac:spMkLst>
-            <pc:docMk/>
-            <pc:sldMk cId="2857062487" sldId="290"/>
-            <ac:spMk id="15" creationId="{6623946E-036B-1C32-B9D4-A602151D81AC}"/>
-          </ac:spMkLst>
-        </pc:spChg>
-        <pc:spChg chg="add mod">
-          <ac:chgData name="Moises Pirela" userId="a07275d2963e6567" providerId="LiveId" clId="{930E4540-302B-49A4-9330-3D1412466C29}" dt="2023-01-11T18:07:32.345" v="1607" actId="20577"/>
-          <ac:spMkLst>
-            <pc:docMk/>
-            <pc:sldMk cId="2857062487" sldId="290"/>
-            <ac:spMk id="16" creationId="{220ACDC1-5217-9DC5-1849-0215D6180D61}"/>
-          </ac:spMkLst>
-        </pc:spChg>
-        <pc:spChg chg="add mod">
-          <ac:chgData name="Moises Pirela" userId="a07275d2963e6567" providerId="LiveId" clId="{930E4540-302B-49A4-9330-3D1412466C29}" dt="2023-01-11T15:19:19.645" v="1495" actId="1035"/>
-          <ac:spMkLst>
-            <pc:docMk/>
-            <pc:sldMk cId="2857062487" sldId="290"/>
-            <ac:spMk id="17" creationId="{5ED49229-C0A6-02B9-8EEB-4ECDC3BD743E}"/>
-          </ac:spMkLst>
-        </pc:spChg>
-        <pc:spChg chg="add del mod">
-          <ac:chgData name="Moises Pirela" userId="a07275d2963e6567" providerId="LiveId" clId="{930E4540-302B-49A4-9330-3D1412466C29}" dt="2023-01-11T15:10:52.484" v="1093" actId="478"/>
-          <ac:spMkLst>
-            <pc:docMk/>
-            <pc:sldMk cId="2857062487" sldId="290"/>
-            <ac:spMk id="18" creationId="{96FC0ADC-E35C-6BFC-6F6B-7F85C7050FC4}"/>
-          </ac:spMkLst>
-        </pc:spChg>
-        <pc:spChg chg="add mod">
-          <ac:chgData name="Moises Pirela" userId="a07275d2963e6567" providerId="LiveId" clId="{930E4540-302B-49A4-9330-3D1412466C29}" dt="2023-01-11T15:19:19.645" v="1495" actId="1035"/>
-          <ac:spMkLst>
-            <pc:docMk/>
-            <pc:sldMk cId="2857062487" sldId="290"/>
-            <ac:spMk id="19" creationId="{4A842CFE-7465-77C3-36BD-69F485D89FBD}"/>
-          </ac:spMkLst>
-        </pc:spChg>
-        <pc:spChg chg="add mod">
-          <ac:chgData name="Moises Pirela" userId="a07275d2963e6567" providerId="LiveId" clId="{930E4540-302B-49A4-9330-3D1412466C29}" dt="2023-01-11T15:19:19.645" v="1495" actId="1035"/>
-          <ac:spMkLst>
-            <pc:docMk/>
-            <pc:sldMk cId="2857062487" sldId="290"/>
-            <ac:spMk id="20" creationId="{488BFCCA-1AFF-F2AC-7892-1D18CB211B96}"/>
-          </ac:spMkLst>
-        </pc:spChg>
-        <pc:spChg chg="add del mod">
-          <ac:chgData name="Moises Pirela" userId="a07275d2963e6567" providerId="LiveId" clId="{930E4540-302B-49A4-9330-3D1412466C29}" dt="2023-01-11T15:18:06.954" v="1472" actId="478"/>
-          <ac:spMkLst>
-            <pc:docMk/>
-            <pc:sldMk cId="2857062487" sldId="290"/>
-            <ac:spMk id="21" creationId="{CBF7BDA8-6E0E-D4A3-6F8C-57206524322E}"/>
-          </ac:spMkLst>
-        </pc:spChg>
-        <pc:spChg chg="add del mod">
-          <ac:chgData name="Moises Pirela" userId="a07275d2963e6567" providerId="LiveId" clId="{930E4540-302B-49A4-9330-3D1412466C29}" dt="2023-01-11T15:18:06.954" v="1472" actId="478"/>
-          <ac:spMkLst>
-            <pc:docMk/>
-            <pc:sldMk cId="2857062487" sldId="290"/>
-            <ac:spMk id="22" creationId="{CC2A067C-CBBE-5AB1-DCB5-3954B7A0803C}"/>
-          </ac:spMkLst>
-        </pc:spChg>
-        <pc:spChg chg="add del mod">
-          <ac:chgData name="Moises Pirela" userId="a07275d2963e6567" providerId="LiveId" clId="{930E4540-302B-49A4-9330-3D1412466C29}" dt="2023-01-11T15:18:06.954" v="1472" actId="478"/>
-          <ac:spMkLst>
-            <pc:docMk/>
-            <pc:sldMk cId="2857062487" sldId="290"/>
-            <ac:spMk id="23" creationId="{DE0C5B50-75AE-82A2-6ED3-59715019CFCB}"/>
-          </ac:spMkLst>
-        </pc:spChg>
-        <pc:spChg chg="add del mod">
-          <ac:chgData name="Moises Pirela" userId="a07275d2963e6567" providerId="LiveId" clId="{930E4540-302B-49A4-9330-3D1412466C29}" dt="2023-01-11T15:18:06.954" v="1472" actId="478"/>
-          <ac:spMkLst>
-            <pc:docMk/>
-            <pc:sldMk cId="2857062487" sldId="290"/>
-            <ac:spMk id="24" creationId="{1EF7D979-7053-7FB5-A8E6-886EEA764249}"/>
-          </ac:spMkLst>
-        </pc:spChg>
-        <pc:spChg chg="add del mod">
-          <ac:chgData name="Moises Pirela" userId="a07275d2963e6567" providerId="LiveId" clId="{930E4540-302B-49A4-9330-3D1412466C29}" dt="2023-01-11T15:18:06.954" v="1472" actId="478"/>
-          <ac:spMkLst>
-            <pc:docMk/>
-            <pc:sldMk cId="2857062487" sldId="290"/>
-            <ac:spMk id="25" creationId="{276EEBDD-B834-CBB3-1DC9-9D191A6DE242}"/>
-          </ac:spMkLst>
-        </pc:spChg>
-        <pc:picChg chg="add del mod">
-          <ac:chgData name="Moises Pirela" userId="a07275d2963e6567" providerId="LiveId" clId="{930E4540-302B-49A4-9330-3D1412466C29}" dt="2023-01-11T14:49:28.296" v="411" actId="478"/>
-          <ac:picMkLst>
-            <pc:docMk/>
-            <pc:sldMk cId="2857062487" sldId="290"/>
-            <ac:picMk id="7" creationId="{B6414473-E15C-14BC-8EA6-4E4D175D5E88}"/>
-          </ac:picMkLst>
-        </pc:picChg>
-      </pc:sldChg>
-      <pc:sldChg chg="addSp delSp modSp add del mod">
-        <pc:chgData name="Moises Pirela" userId="a07275d2963e6567" providerId="LiveId" clId="{930E4540-302B-49A4-9330-3D1412466C29}" dt="2023-01-11T17:58:27.381" v="1579" actId="47"/>
-        <pc:sldMkLst>
-          <pc:docMk/>
-          <pc:sldMk cId="394200718" sldId="291"/>
-        </pc:sldMkLst>
-        <pc:spChg chg="add mod">
-          <ac:chgData name="Moises Pirela" userId="a07275d2963e6567" providerId="LiveId" clId="{930E4540-302B-49A4-9330-3D1412466C29}" dt="2023-01-11T17:55:21.635" v="1497" actId="1076"/>
-          <ac:spMkLst>
-            <pc:docMk/>
-            <pc:sldMk cId="394200718" sldId="291"/>
-            <ac:spMk id="2" creationId="{F9AB9F8C-3D11-7835-6B25-83BD02172BB9}"/>
-          </ac:spMkLst>
-        </pc:spChg>
-        <pc:spChg chg="add mod">
-          <ac:chgData name="Moises Pirela" userId="a07275d2963e6567" providerId="LiveId" clId="{930E4540-302B-49A4-9330-3D1412466C29}" dt="2023-01-11T17:55:21.635" v="1497" actId="1076"/>
-          <ac:spMkLst>
-            <pc:docMk/>
-            <pc:sldMk cId="394200718" sldId="291"/>
-            <ac:spMk id="3" creationId="{07B48B74-AC34-7017-20C9-CCF6E525B1FF}"/>
-          </ac:spMkLst>
-        </pc:spChg>
-        <pc:spChg chg="add mod">
-          <ac:chgData name="Moises Pirela" userId="a07275d2963e6567" providerId="LiveId" clId="{930E4540-302B-49A4-9330-3D1412466C29}" dt="2023-01-11T17:55:21.635" v="1497" actId="1076"/>
-          <ac:spMkLst>
-            <pc:docMk/>
-            <pc:sldMk cId="394200718" sldId="291"/>
-            <ac:spMk id="4" creationId="{79CE3C7E-BA12-F2B6-AB5B-562D1399D8D1}"/>
-          </ac:spMkLst>
-        </pc:spChg>
-        <pc:spChg chg="add mod">
-          <ac:chgData name="Moises Pirela" userId="a07275d2963e6567" providerId="LiveId" clId="{930E4540-302B-49A4-9330-3D1412466C29}" dt="2023-01-11T17:55:21.635" v="1497" actId="1076"/>
-          <ac:spMkLst>
-            <pc:docMk/>
-            <pc:sldMk cId="394200718" sldId="291"/>
-            <ac:spMk id="6" creationId="{5036E941-E4FE-E1D8-CAB0-6A7DBE3BB7F7}"/>
-          </ac:spMkLst>
-        </pc:spChg>
-        <pc:spChg chg="add mod">
-          <ac:chgData name="Moises Pirela" userId="a07275d2963e6567" providerId="LiveId" clId="{930E4540-302B-49A4-9330-3D1412466C29}" dt="2023-01-11T17:55:21.635" v="1497" actId="1076"/>
-          <ac:spMkLst>
-            <pc:docMk/>
-            <pc:sldMk cId="394200718" sldId="291"/>
-            <ac:spMk id="7" creationId="{E4B335D1-FAE1-A540-9CE9-3248F0F3666F}"/>
-          </ac:spMkLst>
-        </pc:spChg>
-        <pc:spChg chg="del">
-          <ac:chgData name="Moises Pirela" userId="a07275d2963e6567" providerId="LiveId" clId="{930E4540-302B-49A4-9330-3D1412466C29}" dt="2023-01-11T15:17:49.918" v="1470" actId="478"/>
-          <ac:spMkLst>
-            <pc:docMk/>
-            <pc:sldMk cId="394200718" sldId="291"/>
-            <ac:spMk id="9" creationId="{9A027A6F-0F3A-516B-58B8-3DD6E0B6031C}"/>
-          </ac:spMkLst>
-        </pc:spChg>
-        <pc:spChg chg="del">
-          <ac:chgData name="Moises Pirela" userId="a07275d2963e6567" providerId="LiveId" clId="{930E4540-302B-49A4-9330-3D1412466C29}" dt="2023-01-11T15:17:49.918" v="1470" actId="478"/>
-          <ac:spMkLst>
-            <pc:docMk/>
-            <pc:sldMk cId="394200718" sldId="291"/>
-            <ac:spMk id="10" creationId="{FC58630C-351D-E492-D442-3A2A6A762DD0}"/>
-          </ac:spMkLst>
-        </pc:spChg>
-        <pc:spChg chg="del">
-          <ac:chgData name="Moises Pirela" userId="a07275d2963e6567" providerId="LiveId" clId="{930E4540-302B-49A4-9330-3D1412466C29}" dt="2023-01-11T15:17:49.918" v="1470" actId="478"/>
-          <ac:spMkLst>
-            <pc:docMk/>
-            <pc:sldMk cId="394200718" sldId="291"/>
-            <ac:spMk id="12" creationId="{C07239B1-5F15-E4ED-22F3-2BE02174312E}"/>
-          </ac:spMkLst>
-        </pc:spChg>
-        <pc:spChg chg="del">
-          <ac:chgData name="Moises Pirela" userId="a07275d2963e6567" providerId="LiveId" clId="{930E4540-302B-49A4-9330-3D1412466C29}" dt="2023-01-11T15:17:49.918" v="1470" actId="478"/>
-          <ac:spMkLst>
-            <pc:docMk/>
-            <pc:sldMk cId="394200718" sldId="291"/>
-            <ac:spMk id="13" creationId="{54A342DB-419D-410E-6174-311367379740}"/>
-          </ac:spMkLst>
-        </pc:spChg>
-        <pc:spChg chg="del">
-          <ac:chgData name="Moises Pirela" userId="a07275d2963e6567" providerId="LiveId" clId="{930E4540-302B-49A4-9330-3D1412466C29}" dt="2023-01-11T15:17:49.918" v="1470" actId="478"/>
-          <ac:spMkLst>
-            <pc:docMk/>
-            <pc:sldMk cId="394200718" sldId="291"/>
-            <ac:spMk id="15" creationId="{6623946E-036B-1C32-B9D4-A602151D81AC}"/>
-          </ac:spMkLst>
-        </pc:spChg>
-        <pc:spChg chg="del">
-          <ac:chgData name="Moises Pirela" userId="a07275d2963e6567" providerId="LiveId" clId="{930E4540-302B-49A4-9330-3D1412466C29}" dt="2023-01-11T15:17:49.918" v="1470" actId="478"/>
-          <ac:spMkLst>
-            <pc:docMk/>
-            <pc:sldMk cId="394200718" sldId="291"/>
-            <ac:spMk id="16" creationId="{220ACDC1-5217-9DC5-1849-0215D6180D61}"/>
-          </ac:spMkLst>
-        </pc:spChg>
-        <pc:spChg chg="del">
-          <ac:chgData name="Moises Pirela" userId="a07275d2963e6567" providerId="LiveId" clId="{930E4540-302B-49A4-9330-3D1412466C29}" dt="2023-01-11T15:17:49.918" v="1470" actId="478"/>
-          <ac:spMkLst>
-            <pc:docMk/>
-            <pc:sldMk cId="394200718" sldId="291"/>
-            <ac:spMk id="17" creationId="{5ED49229-C0A6-02B9-8EEB-4ECDC3BD743E}"/>
-          </ac:spMkLst>
-        </pc:spChg>
-        <pc:spChg chg="del">
-          <ac:chgData name="Moises Pirela" userId="a07275d2963e6567" providerId="LiveId" clId="{930E4540-302B-49A4-9330-3D1412466C29}" dt="2023-01-11T15:17:49.918" v="1470" actId="478"/>
-          <ac:spMkLst>
-            <pc:docMk/>
-            <pc:sldMk cId="394200718" sldId="291"/>
-            <ac:spMk id="19" creationId="{4A842CFE-7465-77C3-36BD-69F485D89FBD}"/>
-          </ac:spMkLst>
-        </pc:spChg>
-        <pc:spChg chg="del">
-          <ac:chgData name="Moises Pirela" userId="a07275d2963e6567" providerId="LiveId" clId="{930E4540-302B-49A4-9330-3D1412466C29}" dt="2023-01-11T15:17:49.918" v="1470" actId="478"/>
-          <ac:spMkLst>
-            <pc:docMk/>
-            <pc:sldMk cId="394200718" sldId="291"/>
-            <ac:spMk id="20" creationId="{488BFCCA-1AFF-F2AC-7892-1D18CB211B96}"/>
-          </ac:spMkLst>
-        </pc:spChg>
-        <pc:spChg chg="mod">
-          <ac:chgData name="Moises Pirela" userId="a07275d2963e6567" providerId="LiveId" clId="{930E4540-302B-49A4-9330-3D1412466C29}" dt="2023-01-11T17:55:29.602" v="1498" actId="1076"/>
-          <ac:spMkLst>
-            <pc:docMk/>
-            <pc:sldMk cId="394200718" sldId="291"/>
-            <ac:spMk id="21" creationId="{CBF7BDA8-6E0E-D4A3-6F8C-57206524322E}"/>
-          </ac:spMkLst>
-        </pc:spChg>
-        <pc:spChg chg="mod">
-          <ac:chgData name="Moises Pirela" userId="a07275d2963e6567" providerId="LiveId" clId="{930E4540-302B-49A4-9330-3D1412466C29}" dt="2023-01-11T17:55:29.602" v="1498" actId="1076"/>
-          <ac:spMkLst>
-            <pc:docMk/>
-            <pc:sldMk cId="394200718" sldId="291"/>
-            <ac:spMk id="22" creationId="{CC2A067C-CBBE-5AB1-DCB5-3954B7A0803C}"/>
-          </ac:spMkLst>
-        </pc:spChg>
-        <pc:spChg chg="mod">
-          <ac:chgData name="Moises Pirela" userId="a07275d2963e6567" providerId="LiveId" clId="{930E4540-302B-49A4-9330-3D1412466C29}" dt="2023-01-11T17:55:29.602" v="1498" actId="1076"/>
-          <ac:spMkLst>
-            <pc:docMk/>
-            <pc:sldMk cId="394200718" sldId="291"/>
-            <ac:spMk id="23" creationId="{DE0C5B50-75AE-82A2-6ED3-59715019CFCB}"/>
-          </ac:spMkLst>
-        </pc:spChg>
-        <pc:spChg chg="mod">
-          <ac:chgData name="Moises Pirela" userId="a07275d2963e6567" providerId="LiveId" clId="{930E4540-302B-49A4-9330-3D1412466C29}" dt="2023-01-11T17:55:29.602" v="1498" actId="1076"/>
-          <ac:spMkLst>
-            <pc:docMk/>
-            <pc:sldMk cId="394200718" sldId="291"/>
-            <ac:spMk id="24" creationId="{1EF7D979-7053-7FB5-A8E6-886EEA764249}"/>
-          </ac:spMkLst>
-        </pc:spChg>
-        <pc:spChg chg="mod">
-          <ac:chgData name="Moises Pirela" userId="a07275d2963e6567" providerId="LiveId" clId="{930E4540-302B-49A4-9330-3D1412466C29}" dt="2023-01-11T17:55:29.602" v="1498" actId="1076"/>
-          <ac:spMkLst>
-            <pc:docMk/>
-            <pc:sldMk cId="394200718" sldId="291"/>
-            <ac:spMk id="25" creationId="{276EEBDD-B834-CBB3-1DC9-9D191A6DE242}"/>
-          </ac:spMkLst>
-        </pc:spChg>
-      </pc:sldChg>
-      <pc:sldChg chg="addSp modSp add mod">
-        <pc:chgData name="Moises Pirela" userId="a07275d2963e6567" providerId="LiveId" clId="{930E4540-302B-49A4-9330-3D1412466C29}" dt="2023-01-11T19:54:31.683" v="1858" actId="20577"/>
-        <pc:sldMkLst>
-          <pc:docMk/>
-          <pc:sldMk cId="1302927980" sldId="292"/>
-        </pc:sldMkLst>
-        <pc:spChg chg="add mod">
-          <ac:chgData name="Moises Pirela" userId="a07275d2963e6567" providerId="LiveId" clId="{930E4540-302B-49A4-9330-3D1412466C29}" dt="2023-01-11T19:49:21.530" v="1800" actId="1076"/>
-          <ac:spMkLst>
-            <pc:docMk/>
-            <pc:sldMk cId="1302927980" sldId="292"/>
-            <ac:spMk id="2" creationId="{6D00B7A7-CE4D-F689-7AB8-EA5EAD6EBA0E}"/>
-          </ac:spMkLst>
-        </pc:spChg>
-        <pc:spChg chg="add mod">
-          <ac:chgData name="Moises Pirela" userId="a07275d2963e6567" providerId="LiveId" clId="{930E4540-302B-49A4-9330-3D1412466C29}" dt="2023-01-11T19:52:04.128" v="1833" actId="1076"/>
-          <ac:spMkLst>
-            <pc:docMk/>
-            <pc:sldMk cId="1302927980" sldId="292"/>
-            <ac:spMk id="3" creationId="{1293FA1F-D8E4-6B28-AD35-DBEF4249257B}"/>
-          </ac:spMkLst>
-        </pc:spChg>
-        <pc:spChg chg="mod">
-          <ac:chgData name="Moises Pirela" userId="a07275d2963e6567" providerId="LiveId" clId="{930E4540-302B-49A4-9330-3D1412466C29}" dt="2023-01-11T19:49:17.952" v="1799" actId="14100"/>
-          <ac:spMkLst>
-            <pc:docMk/>
-            <pc:sldMk cId="1302927980" sldId="292"/>
-            <ac:spMk id="9" creationId="{9A027A6F-0F3A-516B-58B8-3DD6E0B6031C}"/>
-          </ac:spMkLst>
-        </pc:spChg>
-        <pc:spChg chg="mod">
-          <ac:chgData name="Moises Pirela" userId="a07275d2963e6567" providerId="LiveId" clId="{930E4540-302B-49A4-9330-3D1412466C29}" dt="2023-01-11T19:51:27.793" v="1819" actId="14100"/>
-          <ac:spMkLst>
-            <pc:docMk/>
-            <pc:sldMk cId="1302927980" sldId="292"/>
-            <ac:spMk id="10" creationId="{FC58630C-351D-E492-D442-3A2A6A762DD0}"/>
-          </ac:spMkLst>
-        </pc:spChg>
-        <pc:spChg chg="mod">
-          <ac:chgData name="Moises Pirela" userId="a07275d2963e6567" providerId="LiveId" clId="{930E4540-302B-49A4-9330-3D1412466C29}" dt="2023-01-11T17:57:18.343" v="1573" actId="20577"/>
-          <ac:spMkLst>
-            <pc:docMk/>
-            <pc:sldMk cId="1302927980" sldId="292"/>
-            <ac:spMk id="12" creationId="{C07239B1-5F15-E4ED-22F3-2BE02174312E}"/>
-          </ac:spMkLst>
-        </pc:spChg>
-        <pc:spChg chg="mod">
-          <ac:chgData name="Moises Pirela" userId="a07275d2963e6567" providerId="LiveId" clId="{930E4540-302B-49A4-9330-3D1412466C29}" dt="2023-01-11T17:57:23.412" v="1574" actId="1076"/>
-          <ac:spMkLst>
-            <pc:docMk/>
-            <pc:sldMk cId="1302927980" sldId="292"/>
-            <ac:spMk id="13" creationId="{54A342DB-419D-410E-6174-311367379740}"/>
-          </ac:spMkLst>
-        </pc:spChg>
-        <pc:spChg chg="mod">
-          <ac:chgData name="Moises Pirela" userId="a07275d2963e6567" providerId="LiveId" clId="{930E4540-302B-49A4-9330-3D1412466C29}" dt="2023-01-11T19:54:31.683" v="1858" actId="20577"/>
-          <ac:spMkLst>
-            <pc:docMk/>
-            <pc:sldMk cId="1302927980" sldId="292"/>
-            <ac:spMk id="15" creationId="{6623946E-036B-1C32-B9D4-A602151D81AC}"/>
-          </ac:spMkLst>
-        </pc:spChg>
-        <pc:spChg chg="mod">
-          <ac:chgData name="Moises Pirela" userId="a07275d2963e6567" providerId="LiveId" clId="{930E4540-302B-49A4-9330-3D1412466C29}" dt="2023-01-11T19:49:05.799" v="1796" actId="14100"/>
-          <ac:spMkLst>
-            <pc:docMk/>
-            <pc:sldMk cId="1302927980" sldId="292"/>
-            <ac:spMk id="16" creationId="{220ACDC1-5217-9DC5-1849-0215D6180D61}"/>
-          </ac:spMkLst>
-        </pc:spChg>
-        <pc:spChg chg="mod">
-          <ac:chgData name="Moises Pirela" userId="a07275d2963e6567" providerId="LiveId" clId="{930E4540-302B-49A4-9330-3D1412466C29}" dt="2023-01-11T19:52:08.164" v="1834" actId="1076"/>
-          <ac:spMkLst>
-            <pc:docMk/>
-            <pc:sldMk cId="1302927980" sldId="292"/>
-            <ac:spMk id="17" creationId="{5ED49229-C0A6-02B9-8EEB-4ECDC3BD743E}"/>
-          </ac:spMkLst>
-        </pc:spChg>
-        <pc:spChg chg="mod">
-          <ac:chgData name="Moises Pirela" userId="a07275d2963e6567" providerId="LiveId" clId="{930E4540-302B-49A4-9330-3D1412466C29}" dt="2023-01-11T18:12:23.419" v="1697" actId="1076"/>
-          <ac:spMkLst>
-            <pc:docMk/>
-            <pc:sldMk cId="1302927980" sldId="292"/>
-            <ac:spMk id="19" creationId="{4A842CFE-7465-77C3-36BD-69F485D89FBD}"/>
-          </ac:spMkLst>
-        </pc:spChg>
-        <pc:spChg chg="mod">
-          <ac:chgData name="Moises Pirela" userId="a07275d2963e6567" providerId="LiveId" clId="{930E4540-302B-49A4-9330-3D1412466C29}" dt="2023-01-11T18:11:30.711" v="1686" actId="1076"/>
-          <ac:spMkLst>
-            <pc:docMk/>
-            <pc:sldMk cId="1302927980" sldId="292"/>
-            <ac:spMk id="20" creationId="{488BFCCA-1AFF-F2AC-7892-1D18CB211B96}"/>
-          </ac:spMkLst>
-        </pc:spChg>
-      </pc:sldChg>
-      <pc:sldChg chg="delSp modSp add mod">
-        <pc:chgData name="Moises Pirela" userId="a07275d2963e6567" providerId="LiveId" clId="{930E4540-302B-49A4-9330-3D1412466C29}" dt="2023-01-11T19:56:02.841" v="1911" actId="6549"/>
-        <pc:sldMkLst>
-          <pc:docMk/>
-          <pc:sldMk cId="2107819911" sldId="293"/>
-        </pc:sldMkLst>
-        <pc:spChg chg="del">
-          <ac:chgData name="Moises Pirela" userId="a07275d2963e6567" providerId="LiveId" clId="{930E4540-302B-49A4-9330-3D1412466C29}" dt="2023-01-11T18:14:52.376" v="1792" actId="478"/>
-          <ac:spMkLst>
-            <pc:docMk/>
-            <pc:sldMk cId="2107819911" sldId="293"/>
-            <ac:spMk id="2" creationId="{6D00B7A7-CE4D-F689-7AB8-EA5EAD6EBA0E}"/>
-          </ac:spMkLst>
-        </pc:spChg>
-        <pc:spChg chg="mod">
-          <ac:chgData name="Moises Pirela" userId="a07275d2963e6567" providerId="LiveId" clId="{930E4540-302B-49A4-9330-3D1412466C29}" dt="2023-01-11T18:12:50.120" v="1726" actId="20577"/>
-          <ac:spMkLst>
-            <pc:docMk/>
-            <pc:sldMk cId="2107819911" sldId="293"/>
-            <ac:spMk id="5" creationId="{8A6020E7-C9E2-FC7F-7A7B-D27F9EC84911}"/>
-          </ac:spMkLst>
-        </pc:spChg>
-        <pc:spChg chg="mod">
-          <ac:chgData name="Moises Pirela" userId="a07275d2963e6567" providerId="LiveId" clId="{930E4540-302B-49A4-9330-3D1412466C29}" dt="2023-01-11T19:56:02.841" v="1911" actId="6549"/>
-          <ac:spMkLst>
-            <pc:docMk/>
-            <pc:sldMk cId="2107819911" sldId="293"/>
-            <ac:spMk id="9" creationId="{9A027A6F-0F3A-516B-58B8-3DD6E0B6031C}"/>
-          </ac:spMkLst>
-        </pc:spChg>
-        <pc:spChg chg="del">
-          <ac:chgData name="Moises Pirela" userId="a07275d2963e6567" providerId="LiveId" clId="{930E4540-302B-49A4-9330-3D1412466C29}" dt="2023-01-11T18:14:52.376" v="1792" actId="478"/>
-          <ac:spMkLst>
-            <pc:docMk/>
-            <pc:sldMk cId="2107819911" sldId="293"/>
-            <ac:spMk id="10" creationId="{FC58630C-351D-E492-D442-3A2A6A762DD0}"/>
-          </ac:spMkLst>
-        </pc:spChg>
-        <pc:spChg chg="del">
-          <ac:chgData name="Moises Pirela" userId="a07275d2963e6567" providerId="LiveId" clId="{930E4540-302B-49A4-9330-3D1412466C29}" dt="2023-01-11T18:14:52.376" v="1792" actId="478"/>
-          <ac:spMkLst>
-            <pc:docMk/>
-            <pc:sldMk cId="2107819911" sldId="293"/>
-            <ac:spMk id="12" creationId="{C07239B1-5F15-E4ED-22F3-2BE02174312E}"/>
-          </ac:spMkLst>
-        </pc:spChg>
-        <pc:spChg chg="del">
-          <ac:chgData name="Moises Pirela" userId="a07275d2963e6567" providerId="LiveId" clId="{930E4540-302B-49A4-9330-3D1412466C29}" dt="2023-01-11T18:14:52.376" v="1792" actId="478"/>
-          <ac:spMkLst>
-            <pc:docMk/>
-            <pc:sldMk cId="2107819911" sldId="293"/>
-            <ac:spMk id="13" creationId="{54A342DB-419D-410E-6174-311367379740}"/>
-          </ac:spMkLst>
-        </pc:spChg>
-        <pc:spChg chg="del">
-          <ac:chgData name="Moises Pirela" userId="a07275d2963e6567" providerId="LiveId" clId="{930E4540-302B-49A4-9330-3D1412466C29}" dt="2023-01-11T18:14:52.376" v="1792" actId="478"/>
-          <ac:spMkLst>
-            <pc:docMk/>
-            <pc:sldMk cId="2107819911" sldId="293"/>
-            <ac:spMk id="15" creationId="{6623946E-036B-1C32-B9D4-A602151D81AC}"/>
-          </ac:spMkLst>
-        </pc:spChg>
-        <pc:spChg chg="del">
-          <ac:chgData name="Moises Pirela" userId="a07275d2963e6567" providerId="LiveId" clId="{930E4540-302B-49A4-9330-3D1412466C29}" dt="2023-01-11T18:15:02.488" v="1793" actId="478"/>
-          <ac:spMkLst>
-            <pc:docMk/>
-            <pc:sldMk cId="2107819911" sldId="293"/>
-            <ac:spMk id="16" creationId="{220ACDC1-5217-9DC5-1849-0215D6180D61}"/>
-          </ac:spMkLst>
-        </pc:spChg>
-        <pc:spChg chg="del">
-          <ac:chgData name="Moises Pirela" userId="a07275d2963e6567" providerId="LiveId" clId="{930E4540-302B-49A4-9330-3D1412466C29}" dt="2023-01-11T18:14:52.376" v="1792" actId="478"/>
-          <ac:spMkLst>
-            <pc:docMk/>
-            <pc:sldMk cId="2107819911" sldId="293"/>
-            <ac:spMk id="17" creationId="{5ED49229-C0A6-02B9-8EEB-4ECDC3BD743E}"/>
-          </ac:spMkLst>
-        </pc:spChg>
-        <pc:spChg chg="del">
-          <ac:chgData name="Moises Pirela" userId="a07275d2963e6567" providerId="LiveId" clId="{930E4540-302B-49A4-9330-3D1412466C29}" dt="2023-01-11T18:14:52.376" v="1792" actId="478"/>
-          <ac:spMkLst>
-            <pc:docMk/>
-            <pc:sldMk cId="2107819911" sldId="293"/>
-            <ac:spMk id="19" creationId="{4A842CFE-7465-77C3-36BD-69F485D89FBD}"/>
-          </ac:spMkLst>
-        </pc:spChg>
-        <pc:spChg chg="del">
-          <ac:chgData name="Moises Pirela" userId="a07275d2963e6567" providerId="LiveId" clId="{930E4540-302B-49A4-9330-3D1412466C29}" dt="2023-01-11T18:14:52.376" v="1792" actId="478"/>
-          <ac:spMkLst>
-            <pc:docMk/>
-            <pc:sldMk cId="2107819911" sldId="293"/>
-            <ac:spMk id="20" creationId="{488BFCCA-1AFF-F2AC-7892-1D18CB211B96}"/>
-          </ac:spMkLst>
-        </pc:spChg>
-      </pc:sldChg>
-    </pc:docChg>
-  </pc:docChgLst>
 </pc:chgInfo>
 </file>
 
@@ -1187,7 +1780,7 @@
           <a:p>
             <a:fld id="{CA218992-CE1E-4FD4-8CA1-6F205C6489CA}" type="datetimeFigureOut">
               <a:rPr lang="en-US" smtClean="0"/>
-              <a:t>1/11/23</a:t>
+              <a:t>1/12/2023</a:t>
             </a:fld>
             <a:endParaRPr lang="en-US"/>
           </a:p>
@@ -1241,7 +1834,7 @@
           <a:p>
             <a:fld id="{C75835AB-D194-43C6-8FDD-8435366FFCE3}" type="slidenum">
               <a:rPr lang="en-US" smtClean="0"/>
-              <a:t>‹#›</a:t>
+              <a:t>‹Nº›</a:t>
             </a:fld>
             <a:endParaRPr lang="en-US"/>
           </a:p>
@@ -1387,7 +1980,7 @@
           <a:p>
             <a:fld id="{CA218992-CE1E-4FD4-8CA1-6F205C6489CA}" type="datetimeFigureOut">
               <a:rPr lang="en-US" smtClean="0"/>
-              <a:t>1/11/23</a:t>
+              <a:t>1/12/2023</a:t>
             </a:fld>
             <a:endParaRPr lang="en-US"/>
           </a:p>
@@ -1441,7 +2034,7 @@
           <a:p>
             <a:fld id="{C75835AB-D194-43C6-8FDD-8435366FFCE3}" type="slidenum">
               <a:rPr lang="en-US" smtClean="0"/>
-              <a:t>‹#›</a:t>
+              <a:t>‹Nº›</a:t>
             </a:fld>
             <a:endParaRPr lang="en-US"/>
           </a:p>
@@ -1597,7 +2190,7 @@
           <a:p>
             <a:fld id="{CA218992-CE1E-4FD4-8CA1-6F205C6489CA}" type="datetimeFigureOut">
               <a:rPr lang="en-US" smtClean="0"/>
-              <a:t>1/11/23</a:t>
+              <a:t>1/12/2023</a:t>
             </a:fld>
             <a:endParaRPr lang="en-US"/>
           </a:p>
@@ -1651,7 +2244,7 @@
           <a:p>
             <a:fld id="{C75835AB-D194-43C6-8FDD-8435366FFCE3}" type="slidenum">
               <a:rPr lang="en-US" smtClean="0"/>
-              <a:t>‹#›</a:t>
+              <a:t>‹Nº›</a:t>
             </a:fld>
             <a:endParaRPr lang="en-US"/>
           </a:p>
@@ -1797,7 +2390,7 @@
           <a:p>
             <a:fld id="{CA218992-CE1E-4FD4-8CA1-6F205C6489CA}" type="datetimeFigureOut">
               <a:rPr lang="en-US" smtClean="0"/>
-              <a:t>1/11/23</a:t>
+              <a:t>1/12/2023</a:t>
             </a:fld>
             <a:endParaRPr lang="en-US"/>
           </a:p>
@@ -1851,7 +2444,7 @@
           <a:p>
             <a:fld id="{C75835AB-D194-43C6-8FDD-8435366FFCE3}" type="slidenum">
               <a:rPr lang="en-US" smtClean="0"/>
-              <a:t>‹#›</a:t>
+              <a:t>‹Nº›</a:t>
             </a:fld>
             <a:endParaRPr lang="en-US"/>
           </a:p>
@@ -2073,7 +2666,7 @@
           <a:p>
             <a:fld id="{CA218992-CE1E-4FD4-8CA1-6F205C6489CA}" type="datetimeFigureOut">
               <a:rPr lang="en-US" smtClean="0"/>
-              <a:t>1/11/23</a:t>
+              <a:t>1/12/2023</a:t>
             </a:fld>
             <a:endParaRPr lang="en-US"/>
           </a:p>
@@ -2127,7 +2720,7 @@
           <a:p>
             <a:fld id="{C75835AB-D194-43C6-8FDD-8435366FFCE3}" type="slidenum">
               <a:rPr lang="en-US" smtClean="0"/>
-              <a:t>‹#›</a:t>
+              <a:t>‹Nº›</a:t>
             </a:fld>
             <a:endParaRPr lang="en-US"/>
           </a:p>
@@ -2341,7 +2934,7 @@
           <a:p>
             <a:fld id="{CA218992-CE1E-4FD4-8CA1-6F205C6489CA}" type="datetimeFigureOut">
               <a:rPr lang="en-US" smtClean="0"/>
-              <a:t>1/11/23</a:t>
+              <a:t>1/12/2023</a:t>
             </a:fld>
             <a:endParaRPr lang="en-US"/>
           </a:p>
@@ -2395,7 +2988,7 @@
           <a:p>
             <a:fld id="{C75835AB-D194-43C6-8FDD-8435366FFCE3}" type="slidenum">
               <a:rPr lang="en-US" smtClean="0"/>
-              <a:t>‹#›</a:t>
+              <a:t>‹Nº›</a:t>
             </a:fld>
             <a:endParaRPr lang="en-US"/>
           </a:p>
@@ -2756,7 +3349,7 @@
           <a:p>
             <a:fld id="{CA218992-CE1E-4FD4-8CA1-6F205C6489CA}" type="datetimeFigureOut">
               <a:rPr lang="en-US" smtClean="0"/>
-              <a:t>1/11/23</a:t>
+              <a:t>1/12/2023</a:t>
             </a:fld>
             <a:endParaRPr lang="en-US"/>
           </a:p>
@@ -2810,7 +3403,7 @@
           <a:p>
             <a:fld id="{C75835AB-D194-43C6-8FDD-8435366FFCE3}" type="slidenum">
               <a:rPr lang="en-US" smtClean="0"/>
-              <a:t>‹#›</a:t>
+              <a:t>‹Nº›</a:t>
             </a:fld>
             <a:endParaRPr lang="en-US"/>
           </a:p>
@@ -2898,7 +3491,7 @@
           <a:p>
             <a:fld id="{CA218992-CE1E-4FD4-8CA1-6F205C6489CA}" type="datetimeFigureOut">
               <a:rPr lang="en-US" smtClean="0"/>
-              <a:t>1/11/23</a:t>
+              <a:t>1/12/2023</a:t>
             </a:fld>
             <a:endParaRPr lang="en-US"/>
           </a:p>
@@ -2952,7 +3545,7 @@
           <a:p>
             <a:fld id="{C75835AB-D194-43C6-8FDD-8435366FFCE3}" type="slidenum">
               <a:rPr lang="en-US" smtClean="0"/>
-              <a:t>‹#›</a:t>
+              <a:t>‹Nº›</a:t>
             </a:fld>
             <a:endParaRPr lang="en-US"/>
           </a:p>
@@ -3011,7 +3604,7 @@
           <a:p>
             <a:fld id="{CA218992-CE1E-4FD4-8CA1-6F205C6489CA}" type="datetimeFigureOut">
               <a:rPr lang="en-US" smtClean="0"/>
-              <a:t>1/11/23</a:t>
+              <a:t>1/12/2023</a:t>
             </a:fld>
             <a:endParaRPr lang="en-US"/>
           </a:p>
@@ -3065,7 +3658,7 @@
           <a:p>
             <a:fld id="{C75835AB-D194-43C6-8FDD-8435366FFCE3}" type="slidenum">
               <a:rPr lang="en-US" smtClean="0"/>
-              <a:t>‹#›</a:t>
+              <a:t>‹Nº›</a:t>
             </a:fld>
             <a:endParaRPr lang="en-US"/>
           </a:p>
@@ -3324,7 +3917,7 @@
           <a:p>
             <a:fld id="{CA218992-CE1E-4FD4-8CA1-6F205C6489CA}" type="datetimeFigureOut">
               <a:rPr lang="en-US" smtClean="0"/>
-              <a:t>1/11/23</a:t>
+              <a:t>1/12/2023</a:t>
             </a:fld>
             <a:endParaRPr lang="en-US"/>
           </a:p>
@@ -3378,7 +3971,7 @@
           <a:p>
             <a:fld id="{C75835AB-D194-43C6-8FDD-8435366FFCE3}" type="slidenum">
               <a:rPr lang="en-US" smtClean="0"/>
-              <a:t>‹#›</a:t>
+              <a:t>‹Nº›</a:t>
             </a:fld>
             <a:endParaRPr lang="en-US"/>
           </a:p>
@@ -3613,7 +4206,7 @@
           <a:p>
             <a:fld id="{CA218992-CE1E-4FD4-8CA1-6F205C6489CA}" type="datetimeFigureOut">
               <a:rPr lang="en-US" smtClean="0"/>
-              <a:t>1/11/23</a:t>
+              <a:t>1/12/2023</a:t>
             </a:fld>
             <a:endParaRPr lang="en-US"/>
           </a:p>
@@ -3667,7 +4260,7 @@
           <a:p>
             <a:fld id="{C75835AB-D194-43C6-8FDD-8435366FFCE3}" type="slidenum">
               <a:rPr lang="en-US" smtClean="0"/>
-              <a:t>‹#›</a:t>
+              <a:t>‹Nº›</a:t>
             </a:fld>
             <a:endParaRPr lang="en-US"/>
           </a:p>
@@ -3856,7 +4449,7 @@
           <a:p>
             <a:fld id="{CA218992-CE1E-4FD4-8CA1-6F205C6489CA}" type="datetimeFigureOut">
               <a:rPr lang="en-US" smtClean="0"/>
-              <a:t>1/11/23</a:t>
+              <a:t>1/12/2023</a:t>
             </a:fld>
             <a:endParaRPr lang="en-US"/>
           </a:p>
@@ -3946,7 +4539,7 @@
           <a:p>
             <a:fld id="{C75835AB-D194-43C6-8FDD-8435366FFCE3}" type="slidenum">
               <a:rPr lang="en-US" smtClean="0"/>
-              <a:t>‹#›</a:t>
+              <a:t>‹Nº›</a:t>
             </a:fld>
             <a:endParaRPr lang="en-US"/>
           </a:p>
@@ -5795,6 +6388,1626 @@
           <a:p>
             <a:r>
               <a:rPr lang="es-CO" sz="4000" dirty="0"/>
+              <a:t>REGRESION LOGISTICA</a:t>
+            </a:r>
+          </a:p>
+        </p:txBody>
+      </p:sp>
+      <p:sp>
+        <p:nvSpPr>
+          <p:cNvPr id="4" name="TextBox 3">
+            <a:extLst>
+              <a:ext uri="{FF2B5EF4-FFF2-40B4-BE49-F238E27FC236}">
+                <a16:creationId xmlns:a16="http://schemas.microsoft.com/office/drawing/2014/main" id="{53A1716B-3977-2919-6710-44DBC7C30EA5}"/>
+              </a:ext>
+            </a:extLst>
+          </p:cNvPr>
+          <p:cNvSpPr txBox="1"/>
+          <p:nvPr/>
+        </p:nvSpPr>
+        <p:spPr>
+          <a:xfrm>
+            <a:off x="547924" y="855370"/>
+            <a:ext cx="5088380" cy="646331"/>
+          </a:xfrm>
+          <a:prstGeom prst="rect">
+            <a:avLst/>
+          </a:prstGeom>
+          <a:noFill/>
+        </p:spPr>
+        <p:txBody>
+          <a:bodyPr wrap="square" rtlCol="0">
+            <a:spAutoFit/>
+          </a:bodyPr>
+          <a:lstStyle/>
+          <a:p>
+            <a:r>
+              <a:rPr lang="en-US" b="1" dirty="0"/>
+              <a:t>      </a:t>
+            </a:r>
+            <a:r>
+              <a:rPr lang="en-US" b="1" u="sng" dirty="0"/>
+              <a:t>TODOS LOS DATOS (Sin </a:t>
+            </a:r>
+            <a:r>
+              <a:rPr lang="en-US" b="1" u="sng" dirty="0" err="1"/>
+              <a:t>Tratamiento</a:t>
+            </a:r>
+            <a:r>
+              <a:rPr lang="en-US" b="1" u="sng" dirty="0"/>
+              <a:t> de </a:t>
+            </a:r>
+            <a:r>
+              <a:rPr lang="en-US" b="1" u="sng" dirty="0" err="1"/>
+              <a:t>datos</a:t>
+            </a:r>
+            <a:r>
+              <a:rPr lang="en-US" b="1" u="sng" dirty="0"/>
+              <a:t>)</a:t>
+            </a:r>
+          </a:p>
+          <a:p>
+            <a:endParaRPr lang="en-US" b="1" dirty="0"/>
+          </a:p>
+        </p:txBody>
+      </p:sp>
+      <p:pic>
+        <p:nvPicPr>
+          <p:cNvPr id="6" name="Imagen 5">
+            <a:extLst>
+              <a:ext uri="{FF2B5EF4-FFF2-40B4-BE49-F238E27FC236}">
+                <a16:creationId xmlns:a16="http://schemas.microsoft.com/office/drawing/2014/main" id="{9C62925D-192E-B6F9-1F7B-C9145FEAD61B}"/>
+              </a:ext>
+            </a:extLst>
+          </p:cNvPr>
+          <p:cNvPicPr>
+            <a:picLocks noChangeAspect="1"/>
+          </p:cNvPicPr>
+          <p:nvPr/>
+        </p:nvPicPr>
+        <p:blipFill rotWithShape="1">
+          <a:blip r:embed="rId2"/>
+          <a:srcRect b="2340"/>
+          <a:stretch/>
+        </p:blipFill>
+        <p:spPr>
+          <a:xfrm>
+            <a:off x="316476" y="2314414"/>
+            <a:ext cx="5441087" cy="4075897"/>
+          </a:xfrm>
+          <a:prstGeom prst="rect">
+            <a:avLst/>
+          </a:prstGeom>
+        </p:spPr>
+      </p:pic>
+      <p:sp>
+        <p:nvSpPr>
+          <p:cNvPr id="11" name="CuadroTexto 10">
+            <a:extLst>
+              <a:ext uri="{FF2B5EF4-FFF2-40B4-BE49-F238E27FC236}">
+                <a16:creationId xmlns:a16="http://schemas.microsoft.com/office/drawing/2014/main" id="{A6E57B31-226E-71D7-4F03-EE5E96B78CF3}"/>
+              </a:ext>
+            </a:extLst>
+          </p:cNvPr>
+          <p:cNvSpPr txBox="1"/>
+          <p:nvPr/>
+        </p:nvSpPr>
+        <p:spPr>
+          <a:xfrm>
+            <a:off x="6505571" y="859050"/>
+            <a:ext cx="5588203" cy="369332"/>
+          </a:xfrm>
+          <a:prstGeom prst="rect">
+            <a:avLst/>
+          </a:prstGeom>
+          <a:noFill/>
+        </p:spPr>
+        <p:txBody>
+          <a:bodyPr wrap="square">
+            <a:spAutoFit/>
+          </a:bodyPr>
+          <a:lstStyle/>
+          <a:p>
+            <a:r>
+              <a:rPr lang="en-US" b="1" u="sng" dirty="0"/>
+              <a:t>TODOS LOS DATOS (</a:t>
+            </a:r>
+            <a:r>
+              <a:rPr lang="en-US" b="1" u="sng" dirty="0" err="1"/>
+              <a:t>Penalización</a:t>
+            </a:r>
+            <a:r>
+              <a:rPr lang="en-US" b="1" u="sng" dirty="0"/>
+              <a:t> de </a:t>
+            </a:r>
+            <a:r>
+              <a:rPr lang="en-US" b="1" u="sng" dirty="0" err="1"/>
+              <a:t>clase</a:t>
+            </a:r>
+            <a:r>
+              <a:rPr lang="en-US" b="1" u="sng" dirty="0"/>
+              <a:t> </a:t>
+            </a:r>
+            <a:r>
+              <a:rPr lang="en-US" b="1" u="sng" dirty="0" err="1"/>
+              <a:t>mayoritaria</a:t>
+            </a:r>
+            <a:r>
+              <a:rPr lang="en-US" b="1" u="sng" dirty="0"/>
+              <a:t>)</a:t>
+            </a:r>
+          </a:p>
+        </p:txBody>
+      </p:sp>
+      <p:pic>
+        <p:nvPicPr>
+          <p:cNvPr id="13" name="Imagen 12">
+            <a:extLst>
+              <a:ext uri="{FF2B5EF4-FFF2-40B4-BE49-F238E27FC236}">
+                <a16:creationId xmlns:a16="http://schemas.microsoft.com/office/drawing/2014/main" id="{105970AE-8C95-6659-D8CD-F1E5C9E6D734}"/>
+              </a:ext>
+            </a:extLst>
+          </p:cNvPr>
+          <p:cNvPicPr>
+            <a:picLocks noChangeAspect="1"/>
+          </p:cNvPicPr>
+          <p:nvPr/>
+        </p:nvPicPr>
+        <p:blipFill rotWithShape="1">
+          <a:blip r:embed="rId3"/>
+          <a:srcRect t="6332"/>
+          <a:stretch/>
+        </p:blipFill>
+        <p:spPr>
+          <a:xfrm>
+            <a:off x="6414716" y="2314414"/>
+            <a:ext cx="5441087" cy="4133744"/>
+          </a:xfrm>
+          <a:prstGeom prst="rect">
+            <a:avLst/>
+          </a:prstGeom>
+        </p:spPr>
+      </p:pic>
+      <p:sp>
+        <p:nvSpPr>
+          <p:cNvPr id="15" name="CuadroTexto 14">
+            <a:extLst>
+              <a:ext uri="{FF2B5EF4-FFF2-40B4-BE49-F238E27FC236}">
+                <a16:creationId xmlns:a16="http://schemas.microsoft.com/office/drawing/2014/main" id="{DD367D12-4192-9AC8-EF6C-6450CBCD2DB3}"/>
+              </a:ext>
+            </a:extLst>
+          </p:cNvPr>
+          <p:cNvSpPr txBox="1"/>
+          <p:nvPr/>
+        </p:nvSpPr>
+        <p:spPr>
+          <a:xfrm>
+            <a:off x="2074424" y="1464927"/>
+            <a:ext cx="1777729" cy="646331"/>
+          </a:xfrm>
+          <a:prstGeom prst="rect">
+            <a:avLst/>
+          </a:prstGeom>
+          <a:noFill/>
+        </p:spPr>
+        <p:txBody>
+          <a:bodyPr wrap="square">
+            <a:spAutoFit/>
+          </a:bodyPr>
+          <a:lstStyle/>
+          <a:p>
+            <a:pPr algn="ctr"/>
+            <a:r>
+              <a:rPr lang="en-US" dirty="0"/>
+              <a:t>Precision : 0.96 </a:t>
+            </a:r>
+          </a:p>
+          <a:p>
+            <a:pPr algn="ctr"/>
+            <a:r>
+              <a:rPr lang="en-US" dirty="0"/>
+              <a:t>Recall: 0.60</a:t>
+            </a:r>
+          </a:p>
+        </p:txBody>
+      </p:sp>
+      <p:sp>
+        <p:nvSpPr>
+          <p:cNvPr id="16" name="CuadroTexto 15">
+            <a:extLst>
+              <a:ext uri="{FF2B5EF4-FFF2-40B4-BE49-F238E27FC236}">
+                <a16:creationId xmlns:a16="http://schemas.microsoft.com/office/drawing/2014/main" id="{B8DFCE2E-8947-69E3-4014-45983FFE2179}"/>
+              </a:ext>
+            </a:extLst>
+          </p:cNvPr>
+          <p:cNvSpPr txBox="1"/>
+          <p:nvPr/>
+        </p:nvSpPr>
+        <p:spPr>
+          <a:xfrm>
+            <a:off x="10001932" y="1453614"/>
+            <a:ext cx="1777729" cy="646331"/>
+          </a:xfrm>
+          <a:prstGeom prst="rect">
+            <a:avLst/>
+          </a:prstGeom>
+          <a:noFill/>
+        </p:spPr>
+        <p:txBody>
+          <a:bodyPr wrap="square">
+            <a:spAutoFit/>
+          </a:bodyPr>
+          <a:lstStyle/>
+          <a:p>
+            <a:pPr algn="ctr"/>
+            <a:r>
+              <a:rPr lang="en-US" dirty="0"/>
+              <a:t>Precision : 0.99 </a:t>
+            </a:r>
+          </a:p>
+          <a:p>
+            <a:pPr algn="ctr"/>
+            <a:r>
+              <a:rPr lang="en-US" dirty="0"/>
+              <a:t>Recall: 0.95</a:t>
+            </a:r>
+          </a:p>
+        </p:txBody>
+      </p:sp>
+      <p:sp>
+        <p:nvSpPr>
+          <p:cNvPr id="18" name="CuadroTexto 17">
+            <a:extLst>
+              <a:ext uri="{FF2B5EF4-FFF2-40B4-BE49-F238E27FC236}">
+                <a16:creationId xmlns:a16="http://schemas.microsoft.com/office/drawing/2014/main" id="{6349349E-3FFD-962D-D6FE-CEE2095ED33B}"/>
+              </a:ext>
+            </a:extLst>
+          </p:cNvPr>
+          <p:cNvSpPr txBox="1"/>
+          <p:nvPr/>
+        </p:nvSpPr>
+        <p:spPr>
+          <a:xfrm>
+            <a:off x="6776842" y="1453614"/>
+            <a:ext cx="2705501" cy="646331"/>
+          </a:xfrm>
+          <a:prstGeom prst="rect">
+            <a:avLst/>
+          </a:prstGeom>
+          <a:noFill/>
+        </p:spPr>
+        <p:txBody>
+          <a:bodyPr wrap="square">
+            <a:spAutoFit/>
+          </a:bodyPr>
+          <a:lstStyle/>
+          <a:p>
+            <a:r>
+              <a:rPr lang="en-US" dirty="0"/>
+              <a:t>solver="newton-</a:t>
+            </a:r>
+            <a:r>
+              <a:rPr lang="en-US" dirty="0" err="1"/>
+              <a:t>cholesky</a:t>
+            </a:r>
+            <a:r>
+              <a:rPr lang="en-US" dirty="0"/>
+              <a:t>"</a:t>
+            </a:r>
+          </a:p>
+          <a:p>
+            <a:r>
+              <a:rPr lang="en-US" dirty="0" err="1"/>
+              <a:t>class_weight</a:t>
+            </a:r>
+            <a:r>
+              <a:rPr lang="en-US" dirty="0"/>
+              <a:t>="balanced”</a:t>
+            </a:r>
+            <a:endParaRPr lang="en-US" b="0" dirty="0">
+              <a:solidFill>
+                <a:srgbClr val="D4D4D4"/>
+              </a:solidFill>
+              <a:effectLst/>
+              <a:latin typeface="Consolas" panose="020B0609020204030204" pitchFamily="49" charset="0"/>
+            </a:endParaRPr>
+          </a:p>
+        </p:txBody>
+      </p:sp>
+    </p:spTree>
+    <p:extLst>
+      <p:ext uri="{BB962C8B-B14F-4D97-AF65-F5344CB8AC3E}">
+        <p14:creationId xmlns:p14="http://schemas.microsoft.com/office/powerpoint/2010/main" val="1978906024"/>
+      </p:ext>
+    </p:extLst>
+  </p:cSld>
+  <p:clrMapOvr>
+    <a:masterClrMapping/>
+  </p:clrMapOvr>
+</p:sld>
+</file>
+
+<file path=ppt/slides/slide13.xml><?xml version="1.0" encoding="utf-8"?>
+<p:sld xmlns:a="http://schemas.openxmlformats.org/drawingml/2006/main" xmlns:r="http://schemas.openxmlformats.org/officeDocument/2006/relationships" xmlns:p="http://schemas.openxmlformats.org/presentationml/2006/main">
+  <p:cSld>
+    <p:spTree>
+      <p:nvGrpSpPr>
+        <p:cNvPr id="1" name=""/>
+        <p:cNvGrpSpPr/>
+        <p:nvPr/>
+      </p:nvGrpSpPr>
+      <p:grpSpPr>
+        <a:xfrm>
+          <a:off x="0" y="0"/>
+          <a:ext cx="0" cy="0"/>
+          <a:chOff x="0" y="0"/>
+          <a:chExt cx="0" cy="0"/>
+        </a:xfrm>
+      </p:grpSpPr>
+      <p:sp>
+        <p:nvSpPr>
+          <p:cNvPr id="3" name="Título 1">
+            <a:extLst>
+              <a:ext uri="{FF2B5EF4-FFF2-40B4-BE49-F238E27FC236}">
+                <a16:creationId xmlns:a16="http://schemas.microsoft.com/office/drawing/2014/main" id="{7D47CF6A-AFB5-9B6D-F53B-F3CC537CB6C1}"/>
+              </a:ext>
+            </a:extLst>
+          </p:cNvPr>
+          <p:cNvSpPr txBox="1">
+            <a:spLocks/>
+          </p:cNvSpPr>
+          <p:nvPr/>
+        </p:nvSpPr>
+        <p:spPr>
+          <a:xfrm>
+            <a:off x="222922" y="229856"/>
+            <a:ext cx="11252200" cy="640715"/>
+          </a:xfrm>
+          <a:prstGeom prst="rect">
+            <a:avLst/>
+          </a:prstGeom>
+        </p:spPr>
+        <p:txBody>
+          <a:bodyPr/>
+          <a:lstStyle>
+            <a:lvl1pPr algn="l" defTabSz="914400" rtl="0" eaLnBrk="1" latinLnBrk="0" hangingPunct="1">
+              <a:lnSpc>
+                <a:spcPct val="90000"/>
+              </a:lnSpc>
+              <a:spcBef>
+                <a:spcPct val="0"/>
+              </a:spcBef>
+              <a:buNone/>
+              <a:defRPr sz="4400" kern="1200">
+                <a:solidFill>
+                  <a:schemeClr val="tx1"/>
+                </a:solidFill>
+                <a:latin typeface="+mj-lt"/>
+                <a:ea typeface="+mj-ea"/>
+                <a:cs typeface="+mj-cs"/>
+              </a:defRPr>
+            </a:lvl1pPr>
+          </a:lstStyle>
+          <a:p>
+            <a:r>
+              <a:rPr lang="es-CO" sz="4000" dirty="0"/>
+              <a:t>REGRESION LOGISTICA</a:t>
+            </a:r>
+          </a:p>
+        </p:txBody>
+      </p:sp>
+      <p:sp>
+        <p:nvSpPr>
+          <p:cNvPr id="4" name="TextBox 3">
+            <a:extLst>
+              <a:ext uri="{FF2B5EF4-FFF2-40B4-BE49-F238E27FC236}">
+                <a16:creationId xmlns:a16="http://schemas.microsoft.com/office/drawing/2014/main" id="{53A1716B-3977-2919-6710-44DBC7C30EA5}"/>
+              </a:ext>
+            </a:extLst>
+          </p:cNvPr>
+          <p:cNvSpPr txBox="1"/>
+          <p:nvPr/>
+        </p:nvSpPr>
+        <p:spPr>
+          <a:xfrm>
+            <a:off x="343072" y="873242"/>
+            <a:ext cx="5088380" cy="646331"/>
+          </a:xfrm>
+          <a:prstGeom prst="rect">
+            <a:avLst/>
+          </a:prstGeom>
+          <a:noFill/>
+        </p:spPr>
+        <p:txBody>
+          <a:bodyPr wrap="square" rtlCol="0">
+            <a:spAutoFit/>
+          </a:bodyPr>
+          <a:lstStyle/>
+          <a:p>
+            <a:r>
+              <a:rPr lang="en-US" b="1" dirty="0"/>
+              <a:t>      </a:t>
+            </a:r>
+            <a:r>
+              <a:rPr lang="en-US" b="1" dirty="0" err="1"/>
+              <a:t>UnderSampling</a:t>
+            </a:r>
+            <a:r>
+              <a:rPr lang="en-US" b="1" dirty="0"/>
+              <a:t>(No </a:t>
+            </a:r>
+            <a:r>
+              <a:rPr lang="en-US" b="1" dirty="0" err="1"/>
+              <a:t>Fraude</a:t>
+            </a:r>
+            <a:r>
+              <a:rPr lang="en-US" b="1" dirty="0"/>
+              <a:t>, </a:t>
+            </a:r>
+            <a:r>
+              <a:rPr lang="en-US" b="1" dirty="0" err="1"/>
+              <a:t>NearMiss</a:t>
+            </a:r>
+            <a:r>
+              <a:rPr lang="en-US" b="1" dirty="0"/>
+              <a:t>)</a:t>
+            </a:r>
+          </a:p>
+          <a:p>
+            <a:endParaRPr lang="en-US" b="1" dirty="0"/>
+          </a:p>
+        </p:txBody>
+      </p:sp>
+      <p:sp>
+        <p:nvSpPr>
+          <p:cNvPr id="15" name="CuadroTexto 14">
+            <a:extLst>
+              <a:ext uri="{FF2B5EF4-FFF2-40B4-BE49-F238E27FC236}">
+                <a16:creationId xmlns:a16="http://schemas.microsoft.com/office/drawing/2014/main" id="{DD367D12-4192-9AC8-EF6C-6450CBCD2DB3}"/>
+              </a:ext>
+            </a:extLst>
+          </p:cNvPr>
+          <p:cNvSpPr txBox="1"/>
+          <p:nvPr/>
+        </p:nvSpPr>
+        <p:spPr>
+          <a:xfrm>
+            <a:off x="3437554" y="1557109"/>
+            <a:ext cx="1669467" cy="646331"/>
+          </a:xfrm>
+          <a:prstGeom prst="rect">
+            <a:avLst/>
+          </a:prstGeom>
+          <a:noFill/>
+        </p:spPr>
+        <p:txBody>
+          <a:bodyPr wrap="square">
+            <a:spAutoFit/>
+          </a:bodyPr>
+          <a:lstStyle/>
+          <a:p>
+            <a:pPr algn="ctr"/>
+            <a:r>
+              <a:rPr lang="en-US" dirty="0"/>
+              <a:t>Precision : 1.00 </a:t>
+            </a:r>
+          </a:p>
+          <a:p>
+            <a:pPr algn="ctr"/>
+            <a:r>
+              <a:rPr lang="en-US" dirty="0"/>
+              <a:t>Recall: 1.00</a:t>
+            </a:r>
+          </a:p>
+        </p:txBody>
+      </p:sp>
+      <p:sp>
+        <p:nvSpPr>
+          <p:cNvPr id="7" name="CuadroTexto 6">
+            <a:extLst>
+              <a:ext uri="{FF2B5EF4-FFF2-40B4-BE49-F238E27FC236}">
+                <a16:creationId xmlns:a16="http://schemas.microsoft.com/office/drawing/2014/main" id="{C375985F-B6C7-769D-3E27-B526161EC283}"/>
+              </a:ext>
+            </a:extLst>
+          </p:cNvPr>
+          <p:cNvSpPr txBox="1"/>
+          <p:nvPr/>
+        </p:nvSpPr>
+        <p:spPr>
+          <a:xfrm>
+            <a:off x="412339" y="1453614"/>
+            <a:ext cx="2664044" cy="923330"/>
+          </a:xfrm>
+          <a:prstGeom prst="rect">
+            <a:avLst/>
+          </a:prstGeom>
+          <a:noFill/>
+          <a:ln>
+            <a:solidFill>
+              <a:schemeClr val="tx1"/>
+            </a:solidFill>
+          </a:ln>
+        </p:spPr>
+        <p:txBody>
+          <a:bodyPr wrap="square">
+            <a:spAutoFit/>
+          </a:bodyPr>
+          <a:lstStyle/>
+          <a:p>
+            <a:pPr algn="ctr"/>
+            <a:r>
+              <a:rPr lang="en-US" dirty="0"/>
+              <a:t>     </a:t>
+            </a:r>
+            <a:r>
+              <a:rPr lang="en-US" u="sng" dirty="0"/>
+              <a:t>Train</a:t>
+            </a:r>
+          </a:p>
+          <a:p>
+            <a:r>
+              <a:rPr lang="en-US" dirty="0" err="1"/>
+              <a:t>Inicio</a:t>
+            </a:r>
+            <a:r>
+              <a:rPr lang="en-US" dirty="0"/>
+              <a:t>: 0: 730078;  1:69922</a:t>
+            </a:r>
+          </a:p>
+          <a:p>
+            <a:r>
+              <a:rPr lang="en-US" dirty="0"/>
+              <a:t>Fin (us): 0: 69922; 1:69922</a:t>
+            </a:r>
+          </a:p>
+        </p:txBody>
+      </p:sp>
+      <p:pic>
+        <p:nvPicPr>
+          <p:cNvPr id="9" name="Imagen 8">
+            <a:extLst>
+              <a:ext uri="{FF2B5EF4-FFF2-40B4-BE49-F238E27FC236}">
+                <a16:creationId xmlns:a16="http://schemas.microsoft.com/office/drawing/2014/main" id="{74C1CC44-559A-77B8-7695-3931AE0B7D3D}"/>
+              </a:ext>
+            </a:extLst>
+          </p:cNvPr>
+          <p:cNvPicPr>
+            <a:picLocks noChangeAspect="1"/>
+          </p:cNvPicPr>
+          <p:nvPr/>
+        </p:nvPicPr>
+        <p:blipFill rotWithShape="1">
+          <a:blip r:embed="rId2"/>
+          <a:srcRect t="5531" r="677" b="-1"/>
+          <a:stretch/>
+        </p:blipFill>
+        <p:spPr>
+          <a:xfrm>
+            <a:off x="268385" y="2694648"/>
+            <a:ext cx="5237753" cy="4089139"/>
+          </a:xfrm>
+          <a:prstGeom prst="rect">
+            <a:avLst/>
+          </a:prstGeom>
+        </p:spPr>
+      </p:pic>
+      <p:sp>
+        <p:nvSpPr>
+          <p:cNvPr id="14" name="TextBox 3">
+            <a:extLst>
+              <a:ext uri="{FF2B5EF4-FFF2-40B4-BE49-F238E27FC236}">
+                <a16:creationId xmlns:a16="http://schemas.microsoft.com/office/drawing/2014/main" id="{885280D4-0670-322E-480E-35F046110CE0}"/>
+              </a:ext>
+            </a:extLst>
+          </p:cNvPr>
+          <p:cNvSpPr txBox="1"/>
+          <p:nvPr/>
+        </p:nvSpPr>
+        <p:spPr>
+          <a:xfrm>
+            <a:off x="6244244" y="873242"/>
+            <a:ext cx="5088380" cy="646331"/>
+          </a:xfrm>
+          <a:prstGeom prst="rect">
+            <a:avLst/>
+          </a:prstGeom>
+          <a:noFill/>
+        </p:spPr>
+        <p:txBody>
+          <a:bodyPr wrap="square" rtlCol="0">
+            <a:spAutoFit/>
+          </a:bodyPr>
+          <a:lstStyle/>
+          <a:p>
+            <a:r>
+              <a:rPr lang="en-US" b="1" dirty="0"/>
+              <a:t>      </a:t>
+            </a:r>
+            <a:r>
+              <a:rPr lang="en-US" b="1" dirty="0" err="1"/>
+              <a:t>OverSampling</a:t>
+            </a:r>
+            <a:r>
+              <a:rPr lang="en-US" b="1" dirty="0"/>
+              <a:t>(</a:t>
+            </a:r>
+            <a:r>
+              <a:rPr lang="en-US" b="1" dirty="0" err="1"/>
+              <a:t>Fraude</a:t>
+            </a:r>
+            <a:r>
+              <a:rPr lang="en-US" b="1" dirty="0"/>
+              <a:t>, </a:t>
+            </a:r>
+            <a:r>
+              <a:rPr lang="en-US" b="1" dirty="0" err="1"/>
+              <a:t>RandomOverSampler</a:t>
+            </a:r>
+            <a:r>
+              <a:rPr lang="en-US" b="1" dirty="0"/>
+              <a:t>)</a:t>
+            </a:r>
+          </a:p>
+          <a:p>
+            <a:endParaRPr lang="en-US" b="1" dirty="0"/>
+          </a:p>
+        </p:txBody>
+      </p:sp>
+      <p:sp>
+        <p:nvSpPr>
+          <p:cNvPr id="17" name="CuadroTexto 16">
+            <a:extLst>
+              <a:ext uri="{FF2B5EF4-FFF2-40B4-BE49-F238E27FC236}">
+                <a16:creationId xmlns:a16="http://schemas.microsoft.com/office/drawing/2014/main" id="{4D2C803C-D9CC-406A-79A4-C9985A614DA9}"/>
+              </a:ext>
+            </a:extLst>
+          </p:cNvPr>
+          <p:cNvSpPr txBox="1"/>
+          <p:nvPr/>
+        </p:nvSpPr>
+        <p:spPr>
+          <a:xfrm>
+            <a:off x="9338726" y="1557109"/>
+            <a:ext cx="1669467" cy="646331"/>
+          </a:xfrm>
+          <a:prstGeom prst="rect">
+            <a:avLst/>
+          </a:prstGeom>
+          <a:noFill/>
+        </p:spPr>
+        <p:txBody>
+          <a:bodyPr wrap="square">
+            <a:spAutoFit/>
+          </a:bodyPr>
+          <a:lstStyle/>
+          <a:p>
+            <a:pPr algn="ctr"/>
+            <a:r>
+              <a:rPr lang="en-US" dirty="0"/>
+              <a:t>Precision : 1.00 </a:t>
+            </a:r>
+          </a:p>
+          <a:p>
+            <a:pPr algn="ctr"/>
+            <a:r>
+              <a:rPr lang="en-US" dirty="0"/>
+              <a:t>Recall: 1.00</a:t>
+            </a:r>
+          </a:p>
+        </p:txBody>
+      </p:sp>
+      <p:sp>
+        <p:nvSpPr>
+          <p:cNvPr id="19" name="CuadroTexto 18">
+            <a:extLst>
+              <a:ext uri="{FF2B5EF4-FFF2-40B4-BE49-F238E27FC236}">
+                <a16:creationId xmlns:a16="http://schemas.microsoft.com/office/drawing/2014/main" id="{177A9576-7541-D7E6-F6E4-7CB2528416B1}"/>
+              </a:ext>
+            </a:extLst>
+          </p:cNvPr>
+          <p:cNvSpPr txBox="1"/>
+          <p:nvPr/>
+        </p:nvSpPr>
+        <p:spPr>
+          <a:xfrm>
+            <a:off x="6313511" y="1453614"/>
+            <a:ext cx="2947221" cy="923330"/>
+          </a:xfrm>
+          <a:prstGeom prst="rect">
+            <a:avLst/>
+          </a:prstGeom>
+          <a:noFill/>
+          <a:ln>
+            <a:solidFill>
+              <a:schemeClr val="tx1"/>
+            </a:solidFill>
+          </a:ln>
+        </p:spPr>
+        <p:txBody>
+          <a:bodyPr wrap="square">
+            <a:spAutoFit/>
+          </a:bodyPr>
+          <a:lstStyle/>
+          <a:p>
+            <a:pPr algn="ctr"/>
+            <a:r>
+              <a:rPr lang="en-US" dirty="0"/>
+              <a:t>     </a:t>
+            </a:r>
+            <a:r>
+              <a:rPr lang="en-US" u="sng" dirty="0"/>
+              <a:t>Train</a:t>
+            </a:r>
+          </a:p>
+          <a:p>
+            <a:r>
+              <a:rPr lang="en-US" dirty="0" err="1"/>
+              <a:t>Inicio</a:t>
+            </a:r>
+            <a:r>
+              <a:rPr lang="en-US" dirty="0"/>
+              <a:t>: 0: 730078;  1:69922</a:t>
+            </a:r>
+          </a:p>
+          <a:p>
+            <a:r>
+              <a:rPr lang="en-US" dirty="0"/>
+              <a:t>Fin (</a:t>
+            </a:r>
+            <a:r>
+              <a:rPr lang="en-US" dirty="0" err="1"/>
+              <a:t>os</a:t>
+            </a:r>
+            <a:r>
+              <a:rPr lang="en-US" dirty="0"/>
+              <a:t>): 0: 730078; 1:365039</a:t>
+            </a:r>
+          </a:p>
+        </p:txBody>
+      </p:sp>
+      <p:pic>
+        <p:nvPicPr>
+          <p:cNvPr id="24" name="Imagen 23">
+            <a:extLst>
+              <a:ext uri="{FF2B5EF4-FFF2-40B4-BE49-F238E27FC236}">
+                <a16:creationId xmlns:a16="http://schemas.microsoft.com/office/drawing/2014/main" id="{7D5DD99C-B09C-E897-D93F-1B48AC748E96}"/>
+              </a:ext>
+            </a:extLst>
+          </p:cNvPr>
+          <p:cNvPicPr>
+            <a:picLocks noChangeAspect="1"/>
+          </p:cNvPicPr>
+          <p:nvPr/>
+        </p:nvPicPr>
+        <p:blipFill rotWithShape="1">
+          <a:blip r:embed="rId3"/>
+          <a:srcRect t="6038"/>
+          <a:stretch/>
+        </p:blipFill>
+        <p:spPr>
+          <a:xfrm>
+            <a:off x="5967679" y="2694648"/>
+            <a:ext cx="5364945" cy="4060042"/>
+          </a:xfrm>
+          <a:prstGeom prst="rect">
+            <a:avLst/>
+          </a:prstGeom>
+        </p:spPr>
+      </p:pic>
+    </p:spTree>
+    <p:extLst>
+      <p:ext uri="{BB962C8B-B14F-4D97-AF65-F5344CB8AC3E}">
+        <p14:creationId xmlns:p14="http://schemas.microsoft.com/office/powerpoint/2010/main" val="786615385"/>
+      </p:ext>
+    </p:extLst>
+  </p:cSld>
+  <p:clrMapOvr>
+    <a:masterClrMapping/>
+  </p:clrMapOvr>
+</p:sld>
+</file>
+
+<file path=ppt/slides/slide14.xml><?xml version="1.0" encoding="utf-8"?>
+<p:sld xmlns:a="http://schemas.openxmlformats.org/drawingml/2006/main" xmlns:r="http://schemas.openxmlformats.org/officeDocument/2006/relationships" xmlns:p="http://schemas.openxmlformats.org/presentationml/2006/main">
+  <p:cSld>
+    <p:spTree>
+      <p:nvGrpSpPr>
+        <p:cNvPr id="1" name=""/>
+        <p:cNvGrpSpPr/>
+        <p:nvPr/>
+      </p:nvGrpSpPr>
+      <p:grpSpPr>
+        <a:xfrm>
+          <a:off x="0" y="0"/>
+          <a:ext cx="0" cy="0"/>
+          <a:chOff x="0" y="0"/>
+          <a:chExt cx="0" cy="0"/>
+        </a:xfrm>
+      </p:grpSpPr>
+      <p:sp>
+        <p:nvSpPr>
+          <p:cNvPr id="3" name="Título 1">
+            <a:extLst>
+              <a:ext uri="{FF2B5EF4-FFF2-40B4-BE49-F238E27FC236}">
+                <a16:creationId xmlns:a16="http://schemas.microsoft.com/office/drawing/2014/main" id="{7D47CF6A-AFB5-9B6D-F53B-F3CC537CB6C1}"/>
+              </a:ext>
+            </a:extLst>
+          </p:cNvPr>
+          <p:cNvSpPr txBox="1">
+            <a:spLocks/>
+          </p:cNvSpPr>
+          <p:nvPr/>
+        </p:nvSpPr>
+        <p:spPr>
+          <a:xfrm>
+            <a:off x="222922" y="229856"/>
+            <a:ext cx="11252200" cy="640715"/>
+          </a:xfrm>
+          <a:prstGeom prst="rect">
+            <a:avLst/>
+          </a:prstGeom>
+        </p:spPr>
+        <p:txBody>
+          <a:bodyPr/>
+          <a:lstStyle>
+            <a:lvl1pPr algn="l" defTabSz="914400" rtl="0" eaLnBrk="1" latinLnBrk="0" hangingPunct="1">
+              <a:lnSpc>
+                <a:spcPct val="90000"/>
+              </a:lnSpc>
+              <a:spcBef>
+                <a:spcPct val="0"/>
+              </a:spcBef>
+              <a:buNone/>
+              <a:defRPr sz="4400" kern="1200">
+                <a:solidFill>
+                  <a:schemeClr val="tx1"/>
+                </a:solidFill>
+                <a:latin typeface="+mj-lt"/>
+                <a:ea typeface="+mj-ea"/>
+                <a:cs typeface="+mj-cs"/>
+              </a:defRPr>
+            </a:lvl1pPr>
+          </a:lstStyle>
+          <a:p>
+            <a:r>
+              <a:rPr lang="es-CO" sz="4000" dirty="0"/>
+              <a:t>REGRESION LOGISTICA</a:t>
+            </a:r>
+          </a:p>
+        </p:txBody>
+      </p:sp>
+      <p:sp>
+        <p:nvSpPr>
+          <p:cNvPr id="4" name="TextBox 3">
+            <a:extLst>
+              <a:ext uri="{FF2B5EF4-FFF2-40B4-BE49-F238E27FC236}">
+                <a16:creationId xmlns:a16="http://schemas.microsoft.com/office/drawing/2014/main" id="{53A1716B-3977-2919-6710-44DBC7C30EA5}"/>
+              </a:ext>
+            </a:extLst>
+          </p:cNvPr>
+          <p:cNvSpPr txBox="1"/>
+          <p:nvPr/>
+        </p:nvSpPr>
+        <p:spPr>
+          <a:xfrm>
+            <a:off x="343072" y="882970"/>
+            <a:ext cx="5088380" cy="646331"/>
+          </a:xfrm>
+          <a:prstGeom prst="rect">
+            <a:avLst/>
+          </a:prstGeom>
+          <a:noFill/>
+        </p:spPr>
+        <p:txBody>
+          <a:bodyPr wrap="square" rtlCol="0">
+            <a:spAutoFit/>
+          </a:bodyPr>
+          <a:lstStyle/>
+          <a:p>
+            <a:r>
+              <a:rPr lang="en-US" b="1" dirty="0"/>
+              <a:t>      SMOTE-Tomek (</a:t>
+            </a:r>
+            <a:r>
+              <a:rPr lang="en-US" b="1" dirty="0" err="1"/>
+              <a:t>os</a:t>
+            </a:r>
+            <a:r>
+              <a:rPr lang="en-US" b="1" dirty="0"/>
+              <a:t>, us)</a:t>
+            </a:r>
+          </a:p>
+          <a:p>
+            <a:endParaRPr lang="en-US" b="1" dirty="0"/>
+          </a:p>
+        </p:txBody>
+      </p:sp>
+      <p:sp>
+        <p:nvSpPr>
+          <p:cNvPr id="15" name="CuadroTexto 14">
+            <a:extLst>
+              <a:ext uri="{FF2B5EF4-FFF2-40B4-BE49-F238E27FC236}">
+                <a16:creationId xmlns:a16="http://schemas.microsoft.com/office/drawing/2014/main" id="{DD367D12-4192-9AC8-EF6C-6450CBCD2DB3}"/>
+              </a:ext>
+            </a:extLst>
+          </p:cNvPr>
+          <p:cNvSpPr txBox="1"/>
+          <p:nvPr/>
+        </p:nvSpPr>
+        <p:spPr>
+          <a:xfrm>
+            <a:off x="3680918" y="1629957"/>
+            <a:ext cx="1669467" cy="646331"/>
+          </a:xfrm>
+          <a:prstGeom prst="rect">
+            <a:avLst/>
+          </a:prstGeom>
+          <a:noFill/>
+        </p:spPr>
+        <p:txBody>
+          <a:bodyPr wrap="square">
+            <a:spAutoFit/>
+          </a:bodyPr>
+          <a:lstStyle/>
+          <a:p>
+            <a:pPr algn="ctr"/>
+            <a:r>
+              <a:rPr lang="en-US" dirty="0"/>
+              <a:t>Precision : 1.00</a:t>
+            </a:r>
+          </a:p>
+          <a:p>
+            <a:pPr algn="ctr"/>
+            <a:r>
+              <a:rPr lang="en-US" dirty="0"/>
+              <a:t>Recall: 1.00</a:t>
+            </a:r>
+          </a:p>
+        </p:txBody>
+      </p:sp>
+      <p:sp>
+        <p:nvSpPr>
+          <p:cNvPr id="7" name="CuadroTexto 6">
+            <a:extLst>
+              <a:ext uri="{FF2B5EF4-FFF2-40B4-BE49-F238E27FC236}">
+                <a16:creationId xmlns:a16="http://schemas.microsoft.com/office/drawing/2014/main" id="{C375985F-B6C7-769D-3E27-B526161EC283}"/>
+              </a:ext>
+            </a:extLst>
+          </p:cNvPr>
+          <p:cNvSpPr txBox="1"/>
+          <p:nvPr/>
+        </p:nvSpPr>
+        <p:spPr>
+          <a:xfrm>
+            <a:off x="412339" y="1453614"/>
+            <a:ext cx="3190585" cy="923330"/>
+          </a:xfrm>
+          <a:prstGeom prst="rect">
+            <a:avLst/>
+          </a:prstGeom>
+          <a:noFill/>
+          <a:ln>
+            <a:solidFill>
+              <a:schemeClr val="tx1"/>
+            </a:solidFill>
+          </a:ln>
+        </p:spPr>
+        <p:txBody>
+          <a:bodyPr wrap="square">
+            <a:spAutoFit/>
+          </a:bodyPr>
+          <a:lstStyle/>
+          <a:p>
+            <a:pPr algn="ctr"/>
+            <a:r>
+              <a:rPr lang="en-US" dirty="0"/>
+              <a:t>     </a:t>
+            </a:r>
+            <a:r>
+              <a:rPr lang="en-US" u="sng" dirty="0"/>
+              <a:t>Train</a:t>
+            </a:r>
+          </a:p>
+          <a:p>
+            <a:pPr algn="ctr"/>
+            <a:r>
+              <a:rPr lang="en-US" dirty="0" err="1"/>
+              <a:t>Inicio</a:t>
+            </a:r>
+            <a:r>
+              <a:rPr lang="en-US" dirty="0"/>
+              <a:t>: 0: 730078;  1:69922</a:t>
+            </a:r>
+          </a:p>
+          <a:p>
+            <a:pPr algn="ctr"/>
+            <a:r>
+              <a:rPr lang="en-US" dirty="0"/>
+              <a:t>Fin (</a:t>
+            </a:r>
+            <a:r>
+              <a:rPr lang="en-US" dirty="0" err="1"/>
+              <a:t>os</a:t>
+            </a:r>
+            <a:r>
+              <a:rPr lang="en-US" dirty="0"/>
+              <a:t>-us): 0: 729719; 1:364680</a:t>
+            </a:r>
+          </a:p>
+        </p:txBody>
+      </p:sp>
+      <p:pic>
+        <p:nvPicPr>
+          <p:cNvPr id="8" name="Imagen 7">
+            <a:extLst>
+              <a:ext uri="{FF2B5EF4-FFF2-40B4-BE49-F238E27FC236}">
+                <a16:creationId xmlns:a16="http://schemas.microsoft.com/office/drawing/2014/main" id="{3C8A6A50-B1C4-DFF5-AAFF-2D95863DF150}"/>
+              </a:ext>
+            </a:extLst>
+          </p:cNvPr>
+          <p:cNvPicPr>
+            <a:picLocks noChangeAspect="1"/>
+          </p:cNvPicPr>
+          <p:nvPr/>
+        </p:nvPicPr>
+        <p:blipFill rotWithShape="1">
+          <a:blip r:embed="rId2"/>
+          <a:srcRect b="2632"/>
+          <a:stretch/>
+        </p:blipFill>
+        <p:spPr>
+          <a:xfrm>
+            <a:off x="200978" y="2665818"/>
+            <a:ext cx="5450791" cy="4020018"/>
+          </a:xfrm>
+          <a:prstGeom prst="rect">
+            <a:avLst/>
+          </a:prstGeom>
+        </p:spPr>
+      </p:pic>
+      <p:graphicFrame>
+        <p:nvGraphicFramePr>
+          <p:cNvPr id="10" name="Tabla 8">
+            <a:extLst>
+              <a:ext uri="{FF2B5EF4-FFF2-40B4-BE49-F238E27FC236}">
+                <a16:creationId xmlns:a16="http://schemas.microsoft.com/office/drawing/2014/main" id="{A4D0B084-A786-9FBF-A6F6-1D57D2ED3B6A}"/>
+              </a:ext>
+            </a:extLst>
+          </p:cNvPr>
+          <p:cNvGraphicFramePr>
+            <a:graphicFrameLocks noGrp="1"/>
+          </p:cNvGraphicFramePr>
+          <p:nvPr>
+            <p:extLst>
+              <p:ext uri="{D42A27DB-BD31-4B8C-83A1-F6EECF244321}">
+                <p14:modId xmlns:p14="http://schemas.microsoft.com/office/powerpoint/2010/main" val="1417020162"/>
+              </p:ext>
+            </p:extLst>
+          </p:nvPr>
+        </p:nvGraphicFramePr>
+        <p:xfrm>
+          <a:off x="6283873" y="3011376"/>
+          <a:ext cx="5626049" cy="2561176"/>
+        </p:xfrm>
+        <a:graphic>
+          <a:graphicData uri="http://schemas.openxmlformats.org/drawingml/2006/table">
+            <a:tbl>
+              <a:tblPr firstRow="1" bandRow="1">
+                <a:tableStyleId>{5C22544A-7EE6-4342-B048-85BDC9FD1C3A}</a:tableStyleId>
+              </a:tblPr>
+              <a:tblGrid>
+                <a:gridCol w="2842235">
+                  <a:extLst>
+                    <a:ext uri="{9D8B030D-6E8A-4147-A177-3AD203B41FA5}">
+                      <a16:colId xmlns:a16="http://schemas.microsoft.com/office/drawing/2014/main" val="3074199161"/>
+                    </a:ext>
+                  </a:extLst>
+                </a:gridCol>
+                <a:gridCol w="1421117">
+                  <a:extLst>
+                    <a:ext uri="{9D8B030D-6E8A-4147-A177-3AD203B41FA5}">
+                      <a16:colId xmlns:a16="http://schemas.microsoft.com/office/drawing/2014/main" val="4293726470"/>
+                    </a:ext>
+                  </a:extLst>
+                </a:gridCol>
+                <a:gridCol w="1362697">
+                  <a:extLst>
+                    <a:ext uri="{9D8B030D-6E8A-4147-A177-3AD203B41FA5}">
+                      <a16:colId xmlns:a16="http://schemas.microsoft.com/office/drawing/2014/main" val="1499204196"/>
+                    </a:ext>
+                  </a:extLst>
+                </a:gridCol>
+              </a:tblGrid>
+              <a:tr h="338482">
+                <a:tc>
+                  <a:txBody>
+                    <a:bodyPr/>
+                    <a:lstStyle/>
+                    <a:p>
+                      <a:pPr algn="ctr"/>
+                      <a:r>
+                        <a:rPr lang="es-AR" b="1" dirty="0"/>
+                        <a:t>Técnica</a:t>
+                      </a:r>
+                    </a:p>
+                  </a:txBody>
+                  <a:tcPr/>
+                </a:tc>
+                <a:tc>
+                  <a:txBody>
+                    <a:bodyPr/>
+                    <a:lstStyle/>
+                    <a:p>
+                      <a:pPr algn="ctr"/>
+                      <a:r>
+                        <a:rPr lang="es-AR" b="1" dirty="0" err="1"/>
+                        <a:t>Precision</a:t>
+                      </a:r>
+                      <a:endParaRPr lang="es-AR" b="1" dirty="0"/>
+                    </a:p>
+                  </a:txBody>
+                  <a:tcPr/>
+                </a:tc>
+                <a:tc>
+                  <a:txBody>
+                    <a:bodyPr/>
+                    <a:lstStyle/>
+                    <a:p>
+                      <a:pPr algn="ctr"/>
+                      <a:r>
+                        <a:rPr lang="es-AR" b="1" dirty="0" err="1"/>
+                        <a:t>Recall</a:t>
+                      </a:r>
+                      <a:endParaRPr lang="es-AR" b="1" dirty="0"/>
+                    </a:p>
+                  </a:txBody>
+                  <a:tcPr/>
+                </a:tc>
+                <a:extLst>
+                  <a:ext uri="{0D108BD9-81ED-4DB2-BD59-A6C34878D82A}">
+                    <a16:rowId xmlns:a16="http://schemas.microsoft.com/office/drawing/2014/main" val="1036990516"/>
+                  </a:ext>
+                </a:extLst>
+              </a:tr>
+              <a:tr h="338482">
+                <a:tc>
+                  <a:txBody>
+                    <a:bodyPr/>
+                    <a:lstStyle/>
+                    <a:p>
+                      <a:pPr algn="ctr"/>
+                      <a:r>
+                        <a:rPr lang="es-AR" dirty="0"/>
+                        <a:t>Regresión Logística</a:t>
+                      </a:r>
+                    </a:p>
+                  </a:txBody>
+                  <a:tcPr/>
+                </a:tc>
+                <a:tc>
+                  <a:txBody>
+                    <a:bodyPr/>
+                    <a:lstStyle/>
+                    <a:p>
+                      <a:pPr algn="ctr"/>
+                      <a:r>
+                        <a:rPr lang="es-AR" dirty="0"/>
+                        <a:t>0.96 </a:t>
+                      </a:r>
+                    </a:p>
+                  </a:txBody>
+                  <a:tcPr/>
+                </a:tc>
+                <a:tc>
+                  <a:txBody>
+                    <a:bodyPr/>
+                    <a:lstStyle/>
+                    <a:p>
+                      <a:pPr algn="ctr"/>
+                      <a:r>
+                        <a:rPr lang="es-AR" dirty="0"/>
+                        <a:t>0.60</a:t>
+                      </a:r>
+                    </a:p>
+                  </a:txBody>
+                  <a:tcPr/>
+                </a:tc>
+                <a:extLst>
+                  <a:ext uri="{0D108BD9-81ED-4DB2-BD59-A6C34878D82A}">
+                    <a16:rowId xmlns:a16="http://schemas.microsoft.com/office/drawing/2014/main" val="3769152824"/>
+                  </a:ext>
+                </a:extLst>
+              </a:tr>
+              <a:tr h="457414">
+                <a:tc>
+                  <a:txBody>
+                    <a:bodyPr/>
+                    <a:lstStyle/>
+                    <a:p>
+                      <a:pPr algn="ctr"/>
+                      <a:r>
+                        <a:rPr lang="es-AR" dirty="0"/>
+                        <a:t>Penalidad (No Fraude)</a:t>
+                      </a:r>
+                    </a:p>
+                  </a:txBody>
+                  <a:tcPr/>
+                </a:tc>
+                <a:tc>
+                  <a:txBody>
+                    <a:bodyPr/>
+                    <a:lstStyle/>
+                    <a:p>
+                      <a:pPr algn="ctr"/>
+                      <a:r>
+                        <a:rPr lang="es-AR" dirty="0"/>
+                        <a:t>0.99</a:t>
+                      </a:r>
+                    </a:p>
+                  </a:txBody>
+                  <a:tcPr/>
+                </a:tc>
+                <a:tc>
+                  <a:txBody>
+                    <a:bodyPr/>
+                    <a:lstStyle/>
+                    <a:p>
+                      <a:pPr algn="ctr"/>
+                      <a:r>
+                        <a:rPr lang="es-AR" dirty="0"/>
+                        <a:t>0.95</a:t>
+                      </a:r>
+                    </a:p>
+                  </a:txBody>
+                  <a:tcPr/>
+                </a:tc>
+                <a:extLst>
+                  <a:ext uri="{0D108BD9-81ED-4DB2-BD59-A6C34878D82A}">
+                    <a16:rowId xmlns:a16="http://schemas.microsoft.com/office/drawing/2014/main" val="1575729682"/>
+                  </a:ext>
+                </a:extLst>
+              </a:tr>
+              <a:tr h="457414">
+                <a:tc>
+                  <a:txBody>
+                    <a:bodyPr/>
+                    <a:lstStyle/>
+                    <a:p>
+                      <a:pPr algn="ctr"/>
+                      <a:r>
+                        <a:rPr lang="es-AR" dirty="0" err="1"/>
+                        <a:t>NearMiss</a:t>
+                      </a:r>
+                      <a:r>
+                        <a:rPr lang="es-AR" dirty="0"/>
+                        <a:t> (</a:t>
+                      </a:r>
+                      <a:r>
+                        <a:rPr lang="es-AR" dirty="0" err="1"/>
+                        <a:t>us</a:t>
+                      </a:r>
+                      <a:r>
+                        <a:rPr lang="es-AR" dirty="0"/>
+                        <a:t>)</a:t>
+                      </a:r>
+                    </a:p>
+                  </a:txBody>
+                  <a:tcPr/>
+                </a:tc>
+                <a:tc>
+                  <a:txBody>
+                    <a:bodyPr/>
+                    <a:lstStyle/>
+                    <a:p>
+                      <a:pPr algn="ctr"/>
+                      <a:r>
+                        <a:rPr lang="es-AR" dirty="0"/>
+                        <a:t>1.00</a:t>
+                      </a:r>
+                    </a:p>
+                  </a:txBody>
+                  <a:tcPr/>
+                </a:tc>
+                <a:tc>
+                  <a:txBody>
+                    <a:bodyPr/>
+                    <a:lstStyle/>
+                    <a:p>
+                      <a:pPr algn="ctr"/>
+                      <a:r>
+                        <a:rPr lang="es-AR" dirty="0"/>
+                        <a:t>1.00</a:t>
+                      </a:r>
+                    </a:p>
+                  </a:txBody>
+                  <a:tcPr/>
+                </a:tc>
+                <a:extLst>
+                  <a:ext uri="{0D108BD9-81ED-4DB2-BD59-A6C34878D82A}">
+                    <a16:rowId xmlns:a16="http://schemas.microsoft.com/office/drawing/2014/main" val="1344668001"/>
+                  </a:ext>
+                </a:extLst>
+              </a:tr>
+              <a:tr h="457414">
+                <a:tc>
+                  <a:txBody>
+                    <a:bodyPr/>
+                    <a:lstStyle/>
+                    <a:p>
+                      <a:pPr algn="ctr"/>
+                      <a:r>
+                        <a:rPr lang="es-AR" dirty="0" err="1"/>
+                        <a:t>RandomOverSampler</a:t>
+                      </a:r>
+                      <a:r>
+                        <a:rPr lang="es-AR" dirty="0"/>
+                        <a:t> (os)</a:t>
+                      </a:r>
+                    </a:p>
+                  </a:txBody>
+                  <a:tcPr/>
+                </a:tc>
+                <a:tc>
+                  <a:txBody>
+                    <a:bodyPr/>
+                    <a:lstStyle/>
+                    <a:p>
+                      <a:pPr algn="ctr"/>
+                      <a:r>
+                        <a:rPr lang="es-AR" dirty="0"/>
+                        <a:t>1.00</a:t>
+                      </a:r>
+                    </a:p>
+                  </a:txBody>
+                  <a:tcPr/>
+                </a:tc>
+                <a:tc>
+                  <a:txBody>
+                    <a:bodyPr/>
+                    <a:lstStyle/>
+                    <a:p>
+                      <a:pPr algn="ctr"/>
+                      <a:r>
+                        <a:rPr lang="es-AR" dirty="0"/>
+                        <a:t>1.00</a:t>
+                      </a:r>
+                    </a:p>
+                  </a:txBody>
+                  <a:tcPr/>
+                </a:tc>
+                <a:extLst>
+                  <a:ext uri="{0D108BD9-81ED-4DB2-BD59-A6C34878D82A}">
+                    <a16:rowId xmlns:a16="http://schemas.microsoft.com/office/drawing/2014/main" val="482500767"/>
+                  </a:ext>
+                </a:extLst>
+              </a:tr>
+              <a:tr h="457414">
+                <a:tc>
+                  <a:txBody>
+                    <a:bodyPr/>
+                    <a:lstStyle/>
+                    <a:p>
+                      <a:pPr algn="ctr"/>
+                      <a:r>
+                        <a:rPr lang="es-AR" dirty="0"/>
+                        <a:t>SMOTE-</a:t>
+                      </a:r>
+                      <a:r>
+                        <a:rPr lang="es-AR" dirty="0" err="1"/>
+                        <a:t>Tomek</a:t>
+                      </a:r>
+                      <a:endParaRPr lang="es-AR" dirty="0"/>
+                    </a:p>
+                  </a:txBody>
+                  <a:tcPr/>
+                </a:tc>
+                <a:tc>
+                  <a:txBody>
+                    <a:bodyPr/>
+                    <a:lstStyle/>
+                    <a:p>
+                      <a:pPr algn="ctr"/>
+                      <a:r>
+                        <a:rPr lang="es-AR" dirty="0"/>
+                        <a:t>1.00</a:t>
+                      </a:r>
+                    </a:p>
+                  </a:txBody>
+                  <a:tcPr/>
+                </a:tc>
+                <a:tc>
+                  <a:txBody>
+                    <a:bodyPr/>
+                    <a:lstStyle/>
+                    <a:p>
+                      <a:pPr algn="ctr"/>
+                      <a:r>
+                        <a:rPr lang="es-AR" dirty="0"/>
+                        <a:t>1.00</a:t>
+                      </a:r>
+                    </a:p>
+                  </a:txBody>
+                  <a:tcPr/>
+                </a:tc>
+                <a:extLst>
+                  <a:ext uri="{0D108BD9-81ED-4DB2-BD59-A6C34878D82A}">
+                    <a16:rowId xmlns:a16="http://schemas.microsoft.com/office/drawing/2014/main" val="939904746"/>
+                  </a:ext>
+                </a:extLst>
+              </a:tr>
+            </a:tbl>
+          </a:graphicData>
+        </a:graphic>
+      </p:graphicFrame>
+      <p:sp>
+        <p:nvSpPr>
+          <p:cNvPr id="20" name="TextBox 3">
+            <a:extLst>
+              <a:ext uri="{FF2B5EF4-FFF2-40B4-BE49-F238E27FC236}">
+                <a16:creationId xmlns:a16="http://schemas.microsoft.com/office/drawing/2014/main" id="{62A79072-34ED-BBCD-1DFC-046CE739ABA9}"/>
+              </a:ext>
+            </a:extLst>
+          </p:cNvPr>
+          <p:cNvSpPr txBox="1"/>
+          <p:nvPr/>
+        </p:nvSpPr>
+        <p:spPr>
+          <a:xfrm>
+            <a:off x="6841616" y="2376944"/>
+            <a:ext cx="4510562" cy="646331"/>
+          </a:xfrm>
+          <a:prstGeom prst="rect">
+            <a:avLst/>
+          </a:prstGeom>
+          <a:noFill/>
+        </p:spPr>
+        <p:txBody>
+          <a:bodyPr wrap="square" rtlCol="0">
+            <a:spAutoFit/>
+          </a:bodyPr>
+          <a:lstStyle/>
+          <a:p>
+            <a:pPr algn="ctr"/>
+            <a:r>
+              <a:rPr lang="en-US" b="1" u="sng" dirty="0" err="1"/>
+              <a:t>Resumen</a:t>
+            </a:r>
+            <a:r>
+              <a:rPr lang="en-US" b="1" u="sng" dirty="0"/>
+              <a:t> </a:t>
+            </a:r>
+            <a:r>
+              <a:rPr lang="en-US" b="1" u="sng" dirty="0" err="1"/>
+              <a:t>métricas</a:t>
+            </a:r>
+            <a:r>
+              <a:rPr lang="en-US" b="1" u="sng" dirty="0"/>
+              <a:t> </a:t>
+            </a:r>
+            <a:r>
+              <a:rPr lang="en-US" b="1" u="sng" dirty="0" err="1"/>
+              <a:t>según</a:t>
+            </a:r>
+            <a:r>
+              <a:rPr lang="en-US" b="1" u="sng" dirty="0"/>
+              <a:t> </a:t>
+            </a:r>
+            <a:r>
+              <a:rPr lang="en-US" b="1" u="sng" dirty="0" err="1"/>
+              <a:t>técnica</a:t>
+            </a:r>
+            <a:r>
+              <a:rPr lang="en-US" b="1" u="sng" dirty="0"/>
+              <a:t> </a:t>
+            </a:r>
+            <a:r>
+              <a:rPr lang="en-US" b="1" u="sng" dirty="0" err="1"/>
+              <a:t>aplicada</a:t>
+            </a:r>
+            <a:r>
+              <a:rPr lang="en-US" b="1" u="sng" dirty="0"/>
+              <a:t> </a:t>
+            </a:r>
+          </a:p>
+          <a:p>
+            <a:pPr algn="ctr"/>
+            <a:r>
+              <a:rPr lang="en-US" b="1" u="sng" dirty="0"/>
+              <a:t>para </a:t>
+            </a:r>
+            <a:r>
+              <a:rPr lang="en-US" b="1" u="sng" dirty="0" err="1"/>
+              <a:t>Regresión</a:t>
+            </a:r>
+            <a:r>
+              <a:rPr lang="en-US" b="1" u="sng" dirty="0"/>
+              <a:t> </a:t>
+            </a:r>
+            <a:r>
+              <a:rPr lang="en-US" b="1" u="sng" dirty="0" err="1"/>
+              <a:t>Logística</a:t>
+            </a:r>
+            <a:endParaRPr lang="en-US" b="1" u="sng" dirty="0"/>
+          </a:p>
+        </p:txBody>
+      </p:sp>
+    </p:spTree>
+    <p:extLst>
+      <p:ext uri="{BB962C8B-B14F-4D97-AF65-F5344CB8AC3E}">
+        <p14:creationId xmlns:p14="http://schemas.microsoft.com/office/powerpoint/2010/main" val="4231680004"/>
+      </p:ext>
+    </p:extLst>
+  </p:cSld>
+  <p:clrMapOvr>
+    <a:masterClrMapping/>
+  </p:clrMapOvr>
+</p:sld>
+</file>
+
+<file path=ppt/slides/slide15.xml><?xml version="1.0" encoding="utf-8"?>
+<p:sld xmlns:a="http://schemas.openxmlformats.org/drawingml/2006/main" xmlns:r="http://schemas.openxmlformats.org/officeDocument/2006/relationships" xmlns:p="http://schemas.openxmlformats.org/presentationml/2006/main">
+  <p:cSld>
+    <p:spTree>
+      <p:nvGrpSpPr>
+        <p:cNvPr id="1" name=""/>
+        <p:cNvGrpSpPr/>
+        <p:nvPr/>
+      </p:nvGrpSpPr>
+      <p:grpSpPr>
+        <a:xfrm>
+          <a:off x="0" y="0"/>
+          <a:ext cx="0" cy="0"/>
+          <a:chOff x="0" y="0"/>
+          <a:chExt cx="0" cy="0"/>
+        </a:xfrm>
+      </p:grpSpPr>
+      <p:sp>
+        <p:nvSpPr>
+          <p:cNvPr id="3" name="Título 1">
+            <a:extLst>
+              <a:ext uri="{FF2B5EF4-FFF2-40B4-BE49-F238E27FC236}">
+                <a16:creationId xmlns:a16="http://schemas.microsoft.com/office/drawing/2014/main" id="{7D47CF6A-AFB5-9B6D-F53B-F3CC537CB6C1}"/>
+              </a:ext>
+            </a:extLst>
+          </p:cNvPr>
+          <p:cNvSpPr txBox="1">
+            <a:spLocks/>
+          </p:cNvSpPr>
+          <p:nvPr/>
+        </p:nvSpPr>
+        <p:spPr>
+          <a:xfrm>
+            <a:off x="222922" y="229856"/>
+            <a:ext cx="11252200" cy="640715"/>
+          </a:xfrm>
+          <a:prstGeom prst="rect">
+            <a:avLst/>
+          </a:prstGeom>
+        </p:spPr>
+        <p:txBody>
+          <a:bodyPr/>
+          <a:lstStyle>
+            <a:lvl1pPr algn="l" defTabSz="914400" rtl="0" eaLnBrk="1" latinLnBrk="0" hangingPunct="1">
+              <a:lnSpc>
+                <a:spcPct val="90000"/>
+              </a:lnSpc>
+              <a:spcBef>
+                <a:spcPct val="0"/>
+              </a:spcBef>
+              <a:buNone/>
+              <a:defRPr sz="4400" kern="1200">
+                <a:solidFill>
+                  <a:schemeClr val="tx1"/>
+                </a:solidFill>
+                <a:latin typeface="+mj-lt"/>
+                <a:ea typeface="+mj-ea"/>
+                <a:cs typeface="+mj-cs"/>
+              </a:defRPr>
+            </a:lvl1pPr>
+          </a:lstStyle>
+          <a:p>
+            <a:r>
+              <a:rPr lang="es-CO" sz="4000" dirty="0"/>
               <a:t>NAIVE BAYES (GAUSSIANO Y MULTINOMIAL)</a:t>
             </a:r>
           </a:p>
@@ -6092,7 +8305,7 @@
 </p:sld>
 </file>
 
-<file path=ppt/slides/slide13.xml><?xml version="1.0" encoding="utf-8"?>
+<file path=ppt/slides/slide16.xml><?xml version="1.0" encoding="utf-8"?>
 <p:sld xmlns:a="http://schemas.openxmlformats.org/drawingml/2006/main" xmlns:r="http://schemas.openxmlformats.org/officeDocument/2006/relationships" xmlns:p="http://schemas.openxmlformats.org/presentationml/2006/main">
   <p:cSld>
     <p:spTree>
@@ -6454,7 +8667,7 @@
 </p:sld>
 </file>
 
-<file path=ppt/slides/slide14.xml><?xml version="1.0" encoding="utf-8"?>
+<file path=ppt/slides/slide17.xml><?xml version="1.0" encoding="utf-8"?>
 <p:sld xmlns:a="http://schemas.openxmlformats.org/drawingml/2006/main" xmlns:r="http://schemas.openxmlformats.org/officeDocument/2006/relationships" xmlns:p="http://schemas.openxmlformats.org/presentationml/2006/main">
   <p:cSld>
     <p:spTree>
@@ -6816,7 +9029,7 @@
 </p:sld>
 </file>
 
-<file path=ppt/slides/slide15.xml><?xml version="1.0" encoding="utf-8"?>
+<file path=ppt/slides/slide18.xml><?xml version="1.0" encoding="utf-8"?>
 <p:sld xmlns:a="http://schemas.openxmlformats.org/drawingml/2006/main" xmlns:r="http://schemas.openxmlformats.org/officeDocument/2006/relationships" xmlns:p="http://schemas.openxmlformats.org/presentationml/2006/main">
   <p:cSld>
     <p:spTree>
@@ -7178,7 +9391,7 @@
 </p:sld>
 </file>
 
-<file path=ppt/slides/slide16.xml><?xml version="1.0" encoding="utf-8"?>
+<file path=ppt/slides/slide19.xml><?xml version="1.0" encoding="utf-8"?>
 <p:sld xmlns:a="http://schemas.openxmlformats.org/drawingml/2006/main" xmlns:r="http://schemas.openxmlformats.org/officeDocument/2006/relationships" xmlns:p="http://schemas.openxmlformats.org/presentationml/2006/main">
   <p:cSld>
     <p:spTree>
@@ -7540,7 +9753,1525 @@
 </p:sld>
 </file>
 
-<file path=ppt/slides/slide17.xml><?xml version="1.0" encoding="utf-8"?>
+<file path=ppt/slides/slide2.xml><?xml version="1.0" encoding="utf-8"?>
+<p:sld xmlns:a="http://schemas.openxmlformats.org/drawingml/2006/main" xmlns:r="http://schemas.openxmlformats.org/officeDocument/2006/relationships" xmlns:p="http://schemas.openxmlformats.org/presentationml/2006/main">
+  <p:cSld>
+    <p:spTree>
+      <p:nvGrpSpPr>
+        <p:cNvPr id="1" name=""/>
+        <p:cNvGrpSpPr/>
+        <p:nvPr/>
+      </p:nvGrpSpPr>
+      <p:grpSpPr>
+        <a:xfrm>
+          <a:off x="0" y="0"/>
+          <a:ext cx="0" cy="0"/>
+          <a:chOff x="0" y="0"/>
+          <a:chExt cx="0" cy="0"/>
+        </a:xfrm>
+      </p:grpSpPr>
+      <p:sp>
+        <p:nvSpPr>
+          <p:cNvPr id="2" name="Título 1">
+            <a:extLst>
+              <a:ext uri="{FF2B5EF4-FFF2-40B4-BE49-F238E27FC236}">
+                <a16:creationId xmlns:a16="http://schemas.microsoft.com/office/drawing/2014/main" id="{73F3311F-A671-8467-425C-FCEBF60DB983}"/>
+              </a:ext>
+            </a:extLst>
+          </p:cNvPr>
+          <p:cNvSpPr>
+            <a:spLocks noGrp="1"/>
+          </p:cNvSpPr>
+          <p:nvPr>
+            <p:ph type="title"/>
+          </p:nvPr>
+        </p:nvSpPr>
+        <p:spPr/>
+        <p:txBody>
+          <a:bodyPr/>
+          <a:lstStyle/>
+          <a:p>
+            <a:r>
+              <a:rPr lang="es-CO" dirty="0"/>
+              <a:t>Contenido</a:t>
+            </a:r>
+          </a:p>
+        </p:txBody>
+      </p:sp>
+      <p:sp>
+        <p:nvSpPr>
+          <p:cNvPr id="3" name="Marcador de contenido 2">
+            <a:extLst>
+              <a:ext uri="{FF2B5EF4-FFF2-40B4-BE49-F238E27FC236}">
+                <a16:creationId xmlns:a16="http://schemas.microsoft.com/office/drawing/2014/main" id="{CFCC6FE4-5243-867B-D5F0-5EE6BFFE2A1F}"/>
+              </a:ext>
+            </a:extLst>
+          </p:cNvPr>
+          <p:cNvSpPr>
+            <a:spLocks noGrp="1"/>
+          </p:cNvSpPr>
+          <p:nvPr>
+            <p:ph idx="1"/>
+          </p:nvPr>
+        </p:nvSpPr>
+        <p:spPr/>
+        <p:txBody>
+          <a:bodyPr>
+            <a:normAutofit/>
+          </a:bodyPr>
+          <a:lstStyle/>
+          <a:p>
+            <a:r>
+              <a:rPr lang="es-CO" dirty="0"/>
+              <a:t>Objetivo e Hipótesis nula William</a:t>
+            </a:r>
+          </a:p>
+          <a:p>
+            <a:r>
+              <a:rPr lang="es-CO" dirty="0"/>
+              <a:t>Descripción de </a:t>
+            </a:r>
+            <a:r>
+              <a:rPr lang="es-CO" dirty="0" err="1"/>
+              <a:t>Dataset</a:t>
+            </a:r>
+            <a:r>
+              <a:rPr lang="es-CO" dirty="0"/>
+              <a:t> Carlos</a:t>
+            </a:r>
+          </a:p>
+          <a:p>
+            <a:r>
+              <a:rPr lang="es-CO" dirty="0"/>
+              <a:t>Análisis y Limpieza Santiago</a:t>
+            </a:r>
+          </a:p>
+          <a:p>
+            <a:r>
+              <a:rPr lang="es-CO" dirty="0"/>
+              <a:t>Estrategias para “combatir” clases desbalanceadas</a:t>
+            </a:r>
+          </a:p>
+          <a:p>
+            <a:r>
+              <a:rPr lang="es-CO" dirty="0"/>
+              <a:t>Aplicación de modelos:</a:t>
+            </a:r>
+          </a:p>
+          <a:p>
+            <a:pPr lvl="1"/>
+            <a:r>
+              <a:rPr lang="es-CO" dirty="0"/>
+              <a:t>Regresión Logística </a:t>
+            </a:r>
+            <a:r>
+              <a:rPr lang="es-CO" dirty="0" err="1"/>
+              <a:t>Moises</a:t>
+            </a:r>
+            <a:endParaRPr lang="es-CO" dirty="0"/>
+          </a:p>
+          <a:p>
+            <a:pPr lvl="1"/>
+            <a:r>
+              <a:rPr lang="es-CO" dirty="0" err="1"/>
+              <a:t>Naives</a:t>
+            </a:r>
+            <a:r>
+              <a:rPr lang="es-CO" dirty="0"/>
+              <a:t> Bayes Santiago</a:t>
+            </a:r>
+          </a:p>
+          <a:p>
+            <a:pPr lvl="1"/>
+            <a:r>
+              <a:rPr lang="es-CO" dirty="0"/>
+              <a:t>KNN William Carlos </a:t>
+            </a:r>
+            <a:r>
+              <a:rPr lang="es-CO" dirty="0" err="1"/>
+              <a:t>Oversampling</a:t>
+            </a:r>
+            <a:r>
+              <a:rPr lang="es-CO" dirty="0"/>
+              <a:t> y </a:t>
+            </a:r>
+            <a:r>
+              <a:rPr lang="es-CO" dirty="0" err="1"/>
+              <a:t>subsampling</a:t>
+            </a:r>
+            <a:endParaRPr lang="es-CO" dirty="0"/>
+          </a:p>
+          <a:p>
+            <a:r>
+              <a:rPr lang="es-CO" dirty="0"/>
+              <a:t>Conclusiones </a:t>
+            </a:r>
+            <a:r>
+              <a:rPr lang="es-CO" dirty="0" err="1"/>
+              <a:t>Moises</a:t>
+            </a:r>
+            <a:endParaRPr lang="es-CO" dirty="0"/>
+          </a:p>
+          <a:p>
+            <a:endParaRPr lang="es-CO" dirty="0"/>
+          </a:p>
+        </p:txBody>
+      </p:sp>
+    </p:spTree>
+    <p:extLst>
+      <p:ext uri="{BB962C8B-B14F-4D97-AF65-F5344CB8AC3E}">
+        <p14:creationId xmlns:p14="http://schemas.microsoft.com/office/powerpoint/2010/main" val="2662076897"/>
+      </p:ext>
+    </p:extLst>
+  </p:cSld>
+  <p:clrMapOvr>
+    <a:masterClrMapping/>
+  </p:clrMapOvr>
+</p:sld>
+</file>
+
+<file path=ppt/slides/slide20.xml><?xml version="1.0" encoding="utf-8"?>
+<p:sld xmlns:a="http://schemas.openxmlformats.org/drawingml/2006/main" xmlns:r="http://schemas.openxmlformats.org/officeDocument/2006/relationships" xmlns:p="http://schemas.openxmlformats.org/presentationml/2006/main">
+  <p:cSld>
+    <p:spTree>
+      <p:nvGrpSpPr>
+        <p:cNvPr id="1" name=""/>
+        <p:cNvGrpSpPr/>
+        <p:nvPr/>
+      </p:nvGrpSpPr>
+      <p:grpSpPr>
+        <a:xfrm>
+          <a:off x="0" y="0"/>
+          <a:ext cx="0" cy="0"/>
+          <a:chOff x="0" y="0"/>
+          <a:chExt cx="0" cy="0"/>
+        </a:xfrm>
+      </p:grpSpPr>
+      <p:sp>
+        <p:nvSpPr>
+          <p:cNvPr id="2" name="Título 1">
+            <a:extLst>
+              <a:ext uri="{FF2B5EF4-FFF2-40B4-BE49-F238E27FC236}">
+                <a16:creationId xmlns:a16="http://schemas.microsoft.com/office/drawing/2014/main" id="{937EEB7B-C38E-8305-1E7E-595D98C44355}"/>
+              </a:ext>
+            </a:extLst>
+          </p:cNvPr>
+          <p:cNvSpPr>
+            <a:spLocks noGrp="1"/>
+          </p:cNvSpPr>
+          <p:nvPr>
+            <p:ph type="title"/>
+          </p:nvPr>
+        </p:nvSpPr>
+        <p:spPr>
+          <a:xfrm>
+            <a:off x="4067783" y="1"/>
+            <a:ext cx="3772711" cy="913726"/>
+          </a:xfrm>
+        </p:spPr>
+        <p:txBody>
+          <a:bodyPr/>
+          <a:lstStyle/>
+          <a:p>
+            <a:r>
+              <a:rPr lang="es-CO" dirty="0"/>
+              <a:t>CONCLUSIONES</a:t>
+            </a:r>
+          </a:p>
+        </p:txBody>
+      </p:sp>
+      <p:sp>
+        <p:nvSpPr>
+          <p:cNvPr id="4" name="Título 1">
+            <a:extLst>
+              <a:ext uri="{FF2B5EF4-FFF2-40B4-BE49-F238E27FC236}">
+                <a16:creationId xmlns:a16="http://schemas.microsoft.com/office/drawing/2014/main" id="{82859DE0-D9C8-8F8F-4197-C7D96F7F21DE}"/>
+              </a:ext>
+            </a:extLst>
+          </p:cNvPr>
+          <p:cNvSpPr txBox="1">
+            <a:spLocks/>
+          </p:cNvSpPr>
+          <p:nvPr/>
+        </p:nvSpPr>
+        <p:spPr>
+          <a:xfrm>
+            <a:off x="125470" y="5756174"/>
+            <a:ext cx="4602173" cy="683538"/>
+          </a:xfrm>
+          <a:prstGeom prst="rect">
+            <a:avLst/>
+          </a:prstGeom>
+        </p:spPr>
+        <p:txBody>
+          <a:bodyPr vert="horz" lIns="91440" tIns="45720" rIns="91440" bIns="45720" rtlCol="0" anchor="ctr">
+            <a:normAutofit lnSpcReduction="10000"/>
+          </a:bodyPr>
+          <a:lstStyle>
+            <a:lvl1pPr algn="l" defTabSz="914400" rtl="0" eaLnBrk="1" latinLnBrk="0" hangingPunct="1">
+              <a:lnSpc>
+                <a:spcPct val="90000"/>
+              </a:lnSpc>
+              <a:spcBef>
+                <a:spcPct val="0"/>
+              </a:spcBef>
+              <a:buNone/>
+              <a:defRPr sz="4400" kern="1200">
+                <a:solidFill>
+                  <a:schemeClr val="tx1"/>
+                </a:solidFill>
+                <a:latin typeface="+mj-lt"/>
+                <a:ea typeface="+mj-ea"/>
+                <a:cs typeface="+mj-cs"/>
+              </a:defRPr>
+            </a:lvl1pPr>
+          </a:lstStyle>
+          <a:p>
+            <a:r>
+              <a:rPr lang="es-CO"/>
+              <a:t>HN</a:t>
+            </a:r>
+            <a:endParaRPr lang="es-CO" dirty="0"/>
+          </a:p>
+        </p:txBody>
+      </p:sp>
+      <p:sp>
+        <p:nvSpPr>
+          <p:cNvPr id="11" name="CuadroTexto 10">
+            <a:extLst>
+              <a:ext uri="{FF2B5EF4-FFF2-40B4-BE49-F238E27FC236}">
+                <a16:creationId xmlns:a16="http://schemas.microsoft.com/office/drawing/2014/main" id="{85E5FDC1-3C92-8D20-A397-F578CA57C2E5}"/>
+              </a:ext>
+            </a:extLst>
+          </p:cNvPr>
+          <p:cNvSpPr txBox="1"/>
+          <p:nvPr/>
+        </p:nvSpPr>
+        <p:spPr>
+          <a:xfrm>
+            <a:off x="8020618" y="544394"/>
+            <a:ext cx="2263140" cy="369332"/>
+          </a:xfrm>
+          <a:prstGeom prst="rect">
+            <a:avLst/>
+          </a:prstGeom>
+          <a:solidFill>
+            <a:schemeClr val="tx1"/>
+          </a:solidFill>
+        </p:spPr>
+        <p:txBody>
+          <a:bodyPr wrap="square" rtlCol="0">
+            <a:spAutoFit/>
+          </a:bodyPr>
+          <a:lstStyle/>
+          <a:p>
+            <a:r>
+              <a:rPr lang="es-AR" dirty="0">
+                <a:solidFill>
+                  <a:schemeClr val="bg1"/>
+                </a:solidFill>
+              </a:rPr>
+              <a:t>Valor a mejorar (HN) =  </a:t>
+            </a:r>
+          </a:p>
+        </p:txBody>
+      </p:sp>
+      <p:sp>
+        <p:nvSpPr>
+          <p:cNvPr id="12" name="CuadroTexto 11">
+            <a:extLst>
+              <a:ext uri="{FF2B5EF4-FFF2-40B4-BE49-F238E27FC236}">
+                <a16:creationId xmlns:a16="http://schemas.microsoft.com/office/drawing/2014/main" id="{CCE1449E-0747-6815-6190-2ECE26A0A879}"/>
+              </a:ext>
+            </a:extLst>
+          </p:cNvPr>
+          <p:cNvSpPr txBox="1"/>
+          <p:nvPr/>
+        </p:nvSpPr>
+        <p:spPr>
+          <a:xfrm>
+            <a:off x="10558079" y="544394"/>
+            <a:ext cx="699230" cy="369332"/>
+          </a:xfrm>
+          <a:prstGeom prst="rect">
+            <a:avLst/>
+          </a:prstGeom>
+          <a:solidFill>
+            <a:srgbClr val="FF0000"/>
+          </a:solidFill>
+        </p:spPr>
+        <p:txBody>
+          <a:bodyPr wrap="none" rtlCol="0">
+            <a:spAutoFit/>
+          </a:bodyPr>
+          <a:lstStyle/>
+          <a:p>
+            <a:r>
+              <a:rPr lang="es-AR" dirty="0">
+                <a:solidFill>
+                  <a:schemeClr val="bg1"/>
+                </a:solidFill>
+              </a:rPr>
+              <a:t>0,91  </a:t>
+            </a:r>
+          </a:p>
+        </p:txBody>
+      </p:sp>
+      <p:graphicFrame>
+        <p:nvGraphicFramePr>
+          <p:cNvPr id="9" name="Tabla 8">
+            <a:extLst>
+              <a:ext uri="{FF2B5EF4-FFF2-40B4-BE49-F238E27FC236}">
+                <a16:creationId xmlns:a16="http://schemas.microsoft.com/office/drawing/2014/main" id="{0AF3F919-39E5-6B63-E026-18AED4F3B709}"/>
+              </a:ext>
+            </a:extLst>
+          </p:cNvPr>
+          <p:cNvGraphicFramePr>
+            <a:graphicFrameLocks noGrp="1"/>
+          </p:cNvGraphicFramePr>
+          <p:nvPr>
+            <p:extLst>
+              <p:ext uri="{D42A27DB-BD31-4B8C-83A1-F6EECF244321}">
+                <p14:modId xmlns:p14="http://schemas.microsoft.com/office/powerpoint/2010/main" val="2431135213"/>
+              </p:ext>
+            </p:extLst>
+          </p:nvPr>
+        </p:nvGraphicFramePr>
+        <p:xfrm>
+          <a:off x="1366104" y="903484"/>
+          <a:ext cx="8761660" cy="4147117"/>
+        </p:xfrm>
+        <a:graphic>
+          <a:graphicData uri="http://schemas.openxmlformats.org/drawingml/2006/table">
+            <a:tbl>
+              <a:tblPr firstRow="1" bandRow="1">
+                <a:tableStyleId>{5C22544A-7EE6-4342-B048-85BDC9FD1C3A}</a:tableStyleId>
+              </a:tblPr>
+              <a:tblGrid>
+                <a:gridCol w="2012989">
+                  <a:extLst>
+                    <a:ext uri="{9D8B030D-6E8A-4147-A177-3AD203B41FA5}">
+                      <a16:colId xmlns:a16="http://schemas.microsoft.com/office/drawing/2014/main" val="3074199161"/>
+                    </a:ext>
+                  </a:extLst>
+                </a:gridCol>
+                <a:gridCol w="3284354">
+                  <a:extLst>
+                    <a:ext uri="{9D8B030D-6E8A-4147-A177-3AD203B41FA5}">
+                      <a16:colId xmlns:a16="http://schemas.microsoft.com/office/drawing/2014/main" val="3292511074"/>
+                    </a:ext>
+                  </a:extLst>
+                </a:gridCol>
+                <a:gridCol w="1274323">
+                  <a:extLst>
+                    <a:ext uri="{9D8B030D-6E8A-4147-A177-3AD203B41FA5}">
+                      <a16:colId xmlns:a16="http://schemas.microsoft.com/office/drawing/2014/main" val="4293726470"/>
+                    </a:ext>
+                  </a:extLst>
+                </a:gridCol>
+                <a:gridCol w="1021404">
+                  <a:extLst>
+                    <a:ext uri="{9D8B030D-6E8A-4147-A177-3AD203B41FA5}">
+                      <a16:colId xmlns:a16="http://schemas.microsoft.com/office/drawing/2014/main" val="1499204196"/>
+                    </a:ext>
+                  </a:extLst>
+                </a:gridCol>
+                <a:gridCol w="1168590">
+                  <a:extLst>
+                    <a:ext uri="{9D8B030D-6E8A-4147-A177-3AD203B41FA5}">
+                      <a16:colId xmlns:a16="http://schemas.microsoft.com/office/drawing/2014/main" val="2235512358"/>
+                    </a:ext>
+                  </a:extLst>
+                </a:gridCol>
+              </a:tblGrid>
+              <a:tr h="0">
+                <a:tc>
+                  <a:txBody>
+                    <a:bodyPr/>
+                    <a:lstStyle/>
+                    <a:p>
+                      <a:pPr algn="ctr"/>
+                      <a:r>
+                        <a:rPr lang="es-AR" b="1" dirty="0"/>
+                        <a:t>Algoritmo</a:t>
+                      </a:r>
+                    </a:p>
+                  </a:txBody>
+                  <a:tcPr/>
+                </a:tc>
+                <a:tc>
+                  <a:txBody>
+                    <a:bodyPr/>
+                    <a:lstStyle/>
+                    <a:p>
+                      <a:pPr marL="0" marR="0" lvl="0" indent="0" algn="ctr" defTabSz="914400" rtl="0" eaLnBrk="1" fontAlgn="auto" latinLnBrk="0" hangingPunct="1">
+                        <a:lnSpc>
+                          <a:spcPct val="100000"/>
+                        </a:lnSpc>
+                        <a:spcBef>
+                          <a:spcPts val="0"/>
+                        </a:spcBef>
+                        <a:spcAft>
+                          <a:spcPts val="0"/>
+                        </a:spcAft>
+                        <a:buClrTx/>
+                        <a:buSzTx/>
+                        <a:buFontTx/>
+                        <a:buNone/>
+                        <a:tabLst/>
+                        <a:defRPr/>
+                      </a:pPr>
+                      <a:r>
+                        <a:rPr lang="es-AR" b="1" dirty="0"/>
+                        <a:t>Técnica</a:t>
+                      </a:r>
+                    </a:p>
+                  </a:txBody>
+                  <a:tcPr/>
+                </a:tc>
+                <a:tc>
+                  <a:txBody>
+                    <a:bodyPr/>
+                    <a:lstStyle/>
+                    <a:p>
+                      <a:pPr algn="ctr"/>
+                      <a:r>
+                        <a:rPr lang="es-AR" b="1" dirty="0" err="1"/>
+                        <a:t>Precision</a:t>
+                      </a:r>
+                      <a:endParaRPr lang="es-AR" b="1" dirty="0"/>
+                    </a:p>
+                  </a:txBody>
+                  <a:tcPr/>
+                </a:tc>
+                <a:tc>
+                  <a:txBody>
+                    <a:bodyPr/>
+                    <a:lstStyle/>
+                    <a:p>
+                      <a:pPr algn="ctr"/>
+                      <a:r>
+                        <a:rPr lang="es-AR" b="1" dirty="0" err="1"/>
+                        <a:t>Recall</a:t>
+                      </a:r>
+                      <a:endParaRPr lang="es-AR" b="1" dirty="0"/>
+                    </a:p>
+                  </a:txBody>
+                  <a:tcPr/>
+                </a:tc>
+                <a:tc>
+                  <a:txBody>
+                    <a:bodyPr/>
+                    <a:lstStyle/>
+                    <a:p>
+                      <a:pPr algn="ctr"/>
+                      <a:r>
+                        <a:rPr lang="es-AR" b="1" dirty="0" err="1"/>
+                        <a:t>Overall</a:t>
+                      </a:r>
+                      <a:endParaRPr lang="es-AR" b="1" dirty="0"/>
+                    </a:p>
+                  </a:txBody>
+                  <a:tcPr/>
+                </a:tc>
+                <a:extLst>
+                  <a:ext uri="{0D108BD9-81ED-4DB2-BD59-A6C34878D82A}">
+                    <a16:rowId xmlns:a16="http://schemas.microsoft.com/office/drawing/2014/main" val="1036990516"/>
+                  </a:ext>
+                </a:extLst>
+              </a:tr>
+              <a:tr h="338482">
+                <a:tc rowSpan="5">
+                  <a:txBody>
+                    <a:bodyPr/>
+                    <a:lstStyle/>
+                    <a:p>
+                      <a:pPr algn="ctr"/>
+                      <a:r>
+                        <a:rPr lang="es-AR" sz="2800" dirty="0"/>
+                        <a:t>REGRESIÓN</a:t>
+                      </a:r>
+                    </a:p>
+                    <a:p>
+                      <a:pPr algn="ctr"/>
+                      <a:r>
+                        <a:rPr lang="es-AR" sz="2800" dirty="0"/>
+                        <a:t> LOGÍSTICA</a:t>
+                      </a:r>
+                    </a:p>
+                  </a:txBody>
+                  <a:tcPr anchor="ctr" anchorCtr="1"/>
+                </a:tc>
+                <a:tc>
+                  <a:txBody>
+                    <a:bodyPr/>
+                    <a:lstStyle/>
+                    <a:p>
+                      <a:pPr algn="ctr"/>
+                      <a:r>
+                        <a:rPr lang="es-AR" sz="1200" dirty="0"/>
+                        <a:t>Regresión Logística</a:t>
+                      </a:r>
+                    </a:p>
+                  </a:txBody>
+                  <a:tcPr/>
+                </a:tc>
+                <a:tc>
+                  <a:txBody>
+                    <a:bodyPr/>
+                    <a:lstStyle/>
+                    <a:p>
+                      <a:pPr algn="ctr"/>
+                      <a:r>
+                        <a:rPr lang="es-AR" sz="1200" dirty="0"/>
+                        <a:t>0.96 </a:t>
+                      </a:r>
+                    </a:p>
+                  </a:txBody>
+                  <a:tcPr/>
+                </a:tc>
+                <a:tc>
+                  <a:txBody>
+                    <a:bodyPr/>
+                    <a:lstStyle/>
+                    <a:p>
+                      <a:pPr algn="ctr"/>
+                      <a:r>
+                        <a:rPr lang="es-AR" sz="1200" dirty="0"/>
+                        <a:t>0.60</a:t>
+                      </a:r>
+                    </a:p>
+                  </a:txBody>
+                  <a:tcPr/>
+                </a:tc>
+                <a:tc>
+                  <a:txBody>
+                    <a:bodyPr/>
+                    <a:lstStyle/>
+                    <a:p>
+                      <a:pPr algn="ctr"/>
+                      <a:r>
+                        <a:rPr lang="es-AR" sz="1200" dirty="0"/>
+                        <a:t>0.78</a:t>
+                      </a:r>
+                    </a:p>
+                  </a:txBody>
+                  <a:tcPr/>
+                </a:tc>
+                <a:extLst>
+                  <a:ext uri="{0D108BD9-81ED-4DB2-BD59-A6C34878D82A}">
+                    <a16:rowId xmlns:a16="http://schemas.microsoft.com/office/drawing/2014/main" val="3769152824"/>
+                  </a:ext>
+                </a:extLst>
+              </a:tr>
+              <a:tr h="269712">
+                <a:tc vMerge="1">
+                  <a:txBody>
+                    <a:bodyPr/>
+                    <a:lstStyle/>
+                    <a:p>
+                      <a:endParaRPr lang="es-AR"/>
+                    </a:p>
+                  </a:txBody>
+                  <a:tcPr/>
+                </a:tc>
+                <a:tc>
+                  <a:txBody>
+                    <a:bodyPr/>
+                    <a:lstStyle/>
+                    <a:p>
+                      <a:pPr algn="ctr"/>
+                      <a:r>
+                        <a:rPr lang="es-AR" sz="1200" dirty="0"/>
+                        <a:t>Penalidad (No Fraude)</a:t>
+                      </a:r>
+                    </a:p>
+                  </a:txBody>
+                  <a:tcPr/>
+                </a:tc>
+                <a:tc>
+                  <a:txBody>
+                    <a:bodyPr/>
+                    <a:lstStyle/>
+                    <a:p>
+                      <a:pPr algn="ctr"/>
+                      <a:r>
+                        <a:rPr lang="es-AR" sz="1200" dirty="0"/>
+                        <a:t>0.99</a:t>
+                      </a:r>
+                    </a:p>
+                  </a:txBody>
+                  <a:tcPr/>
+                </a:tc>
+                <a:tc>
+                  <a:txBody>
+                    <a:bodyPr/>
+                    <a:lstStyle/>
+                    <a:p>
+                      <a:pPr algn="ctr"/>
+                      <a:r>
+                        <a:rPr lang="es-AR" sz="1200" dirty="0"/>
+                        <a:t>0.95</a:t>
+                      </a:r>
+                    </a:p>
+                  </a:txBody>
+                  <a:tcPr/>
+                </a:tc>
+                <a:tc>
+                  <a:txBody>
+                    <a:bodyPr/>
+                    <a:lstStyle/>
+                    <a:p>
+                      <a:pPr algn="ctr"/>
+                      <a:r>
+                        <a:rPr lang="es-AR" sz="1200" dirty="0"/>
+                        <a:t>0.97</a:t>
+                      </a:r>
+                    </a:p>
+                  </a:txBody>
+                  <a:tcPr/>
+                </a:tc>
+                <a:extLst>
+                  <a:ext uri="{0D108BD9-81ED-4DB2-BD59-A6C34878D82A}">
+                    <a16:rowId xmlns:a16="http://schemas.microsoft.com/office/drawing/2014/main" val="1575729682"/>
+                  </a:ext>
+                </a:extLst>
+              </a:tr>
+              <a:tr h="316405">
+                <a:tc vMerge="1">
+                  <a:txBody>
+                    <a:bodyPr/>
+                    <a:lstStyle/>
+                    <a:p>
+                      <a:endParaRPr lang="es-AR"/>
+                    </a:p>
+                  </a:txBody>
+                  <a:tcPr/>
+                </a:tc>
+                <a:tc>
+                  <a:txBody>
+                    <a:bodyPr/>
+                    <a:lstStyle/>
+                    <a:p>
+                      <a:pPr algn="ctr"/>
+                      <a:r>
+                        <a:rPr lang="es-AR" sz="1200" dirty="0" err="1"/>
+                        <a:t>NearMiss</a:t>
+                      </a:r>
+                      <a:r>
+                        <a:rPr lang="es-AR" sz="1200" dirty="0"/>
+                        <a:t> (</a:t>
+                      </a:r>
+                      <a:r>
+                        <a:rPr lang="es-AR" sz="1200" dirty="0" err="1"/>
+                        <a:t>us</a:t>
+                      </a:r>
+                      <a:r>
+                        <a:rPr lang="es-AR" sz="1200" dirty="0"/>
+                        <a:t>)</a:t>
+                      </a:r>
+                    </a:p>
+                  </a:txBody>
+                  <a:tcPr/>
+                </a:tc>
+                <a:tc>
+                  <a:txBody>
+                    <a:bodyPr/>
+                    <a:lstStyle/>
+                    <a:p>
+                      <a:pPr algn="ctr"/>
+                      <a:r>
+                        <a:rPr lang="es-AR" sz="1200" dirty="0"/>
+                        <a:t>1.00</a:t>
+                      </a:r>
+                    </a:p>
+                  </a:txBody>
+                  <a:tcPr/>
+                </a:tc>
+                <a:tc>
+                  <a:txBody>
+                    <a:bodyPr/>
+                    <a:lstStyle/>
+                    <a:p>
+                      <a:pPr algn="ctr"/>
+                      <a:r>
+                        <a:rPr lang="es-AR" sz="1200" dirty="0"/>
+                        <a:t>1.00</a:t>
+                      </a:r>
+                    </a:p>
+                  </a:txBody>
+                  <a:tcPr/>
+                </a:tc>
+                <a:tc>
+                  <a:txBody>
+                    <a:bodyPr/>
+                    <a:lstStyle/>
+                    <a:p>
+                      <a:pPr algn="ctr"/>
+                      <a:r>
+                        <a:rPr lang="es-AR" sz="1200" dirty="0"/>
+                        <a:t>1.00</a:t>
+                      </a:r>
+                    </a:p>
+                  </a:txBody>
+                  <a:tcPr/>
+                </a:tc>
+                <a:extLst>
+                  <a:ext uri="{0D108BD9-81ED-4DB2-BD59-A6C34878D82A}">
+                    <a16:rowId xmlns:a16="http://schemas.microsoft.com/office/drawing/2014/main" val="1344668001"/>
+                  </a:ext>
+                </a:extLst>
+              </a:tr>
+              <a:tr h="291830">
+                <a:tc vMerge="1">
+                  <a:txBody>
+                    <a:bodyPr/>
+                    <a:lstStyle/>
+                    <a:p>
+                      <a:endParaRPr lang="es-AR"/>
+                    </a:p>
+                  </a:txBody>
+                  <a:tcPr/>
+                </a:tc>
+                <a:tc>
+                  <a:txBody>
+                    <a:bodyPr/>
+                    <a:lstStyle/>
+                    <a:p>
+                      <a:pPr algn="ctr"/>
+                      <a:r>
+                        <a:rPr lang="es-AR" sz="1200" dirty="0" err="1"/>
+                        <a:t>RandomOverSampler</a:t>
+                      </a:r>
+                      <a:r>
+                        <a:rPr lang="es-AR" sz="1200" dirty="0"/>
+                        <a:t> (os)</a:t>
+                      </a:r>
+                    </a:p>
+                  </a:txBody>
+                  <a:tcPr/>
+                </a:tc>
+                <a:tc>
+                  <a:txBody>
+                    <a:bodyPr/>
+                    <a:lstStyle/>
+                    <a:p>
+                      <a:pPr algn="ctr"/>
+                      <a:r>
+                        <a:rPr lang="es-AR" sz="1200" dirty="0"/>
+                        <a:t>1.00</a:t>
+                      </a:r>
+                    </a:p>
+                  </a:txBody>
+                  <a:tcPr/>
+                </a:tc>
+                <a:tc>
+                  <a:txBody>
+                    <a:bodyPr/>
+                    <a:lstStyle/>
+                    <a:p>
+                      <a:pPr algn="ctr"/>
+                      <a:r>
+                        <a:rPr lang="es-AR" sz="1200" dirty="0"/>
+                        <a:t>1.00</a:t>
+                      </a:r>
+                    </a:p>
+                  </a:txBody>
+                  <a:tcPr/>
+                </a:tc>
+                <a:tc>
+                  <a:txBody>
+                    <a:bodyPr/>
+                    <a:lstStyle/>
+                    <a:p>
+                      <a:pPr algn="ctr"/>
+                      <a:r>
+                        <a:rPr lang="es-AR" sz="1200" dirty="0"/>
+                        <a:t>1.00</a:t>
+                      </a:r>
+                    </a:p>
+                  </a:txBody>
+                  <a:tcPr/>
+                </a:tc>
+                <a:extLst>
+                  <a:ext uri="{0D108BD9-81ED-4DB2-BD59-A6C34878D82A}">
+                    <a16:rowId xmlns:a16="http://schemas.microsoft.com/office/drawing/2014/main" val="482500767"/>
+                  </a:ext>
+                </a:extLst>
+              </a:tr>
+              <a:tr h="0">
+                <a:tc vMerge="1">
+                  <a:txBody>
+                    <a:bodyPr/>
+                    <a:lstStyle/>
+                    <a:p>
+                      <a:endParaRPr lang="es-AR" dirty="0"/>
+                    </a:p>
+                  </a:txBody>
+                  <a:tcPr/>
+                </a:tc>
+                <a:tc>
+                  <a:txBody>
+                    <a:bodyPr/>
+                    <a:lstStyle/>
+                    <a:p>
+                      <a:pPr algn="ctr"/>
+                      <a:r>
+                        <a:rPr lang="es-AR" sz="1200" dirty="0"/>
+                        <a:t>SMOTE-</a:t>
+                      </a:r>
+                      <a:r>
+                        <a:rPr lang="es-AR" sz="1200" dirty="0" err="1"/>
+                        <a:t>Tomek</a:t>
+                      </a:r>
+                      <a:endParaRPr lang="es-AR" sz="1200" dirty="0"/>
+                    </a:p>
+                  </a:txBody>
+                  <a:tcPr/>
+                </a:tc>
+                <a:tc>
+                  <a:txBody>
+                    <a:bodyPr/>
+                    <a:lstStyle/>
+                    <a:p>
+                      <a:pPr algn="ctr"/>
+                      <a:r>
+                        <a:rPr lang="es-AR" sz="1200" dirty="0"/>
+                        <a:t>1.00</a:t>
+                      </a:r>
+                    </a:p>
+                  </a:txBody>
+                  <a:tcPr/>
+                </a:tc>
+                <a:tc>
+                  <a:txBody>
+                    <a:bodyPr/>
+                    <a:lstStyle/>
+                    <a:p>
+                      <a:pPr algn="ctr"/>
+                      <a:r>
+                        <a:rPr lang="es-AR" sz="1200" dirty="0"/>
+                        <a:t>1.00</a:t>
+                      </a:r>
+                    </a:p>
+                  </a:txBody>
+                  <a:tcPr/>
+                </a:tc>
+                <a:tc>
+                  <a:txBody>
+                    <a:bodyPr/>
+                    <a:lstStyle/>
+                    <a:p>
+                      <a:pPr algn="ctr"/>
+                      <a:r>
+                        <a:rPr lang="es-AR" sz="1200" dirty="0"/>
+                        <a:t>1.00</a:t>
+                      </a:r>
+                    </a:p>
+                  </a:txBody>
+                  <a:tcPr/>
+                </a:tc>
+                <a:extLst>
+                  <a:ext uri="{0D108BD9-81ED-4DB2-BD59-A6C34878D82A}">
+                    <a16:rowId xmlns:a16="http://schemas.microsoft.com/office/drawing/2014/main" val="939904746"/>
+                  </a:ext>
+                </a:extLst>
+              </a:tr>
+              <a:tr h="188976">
+                <a:tc rowSpan="5">
+                  <a:txBody>
+                    <a:bodyPr/>
+                    <a:lstStyle/>
+                    <a:p>
+                      <a:pPr algn="ctr"/>
+                      <a:r>
+                        <a:rPr lang="es-AR" sz="2800" dirty="0"/>
+                        <a:t>NAIVE BAYES</a:t>
+                      </a:r>
+                    </a:p>
+                  </a:txBody>
+                  <a:tcPr anchor="ctr" anchorCtr="1"/>
+                </a:tc>
+                <a:tc>
+                  <a:txBody>
+                    <a:bodyPr/>
+                    <a:lstStyle/>
+                    <a:p>
+                      <a:pPr algn="ctr"/>
+                      <a:r>
+                        <a:rPr lang="es-AR" sz="1200" dirty="0" err="1"/>
+                        <a:t>Naive</a:t>
+                      </a:r>
+                      <a:r>
+                        <a:rPr lang="es-AR" sz="1200" dirty="0"/>
+                        <a:t> Bayes (Gaussiano) </a:t>
+                      </a:r>
+                    </a:p>
+                    <a:p>
+                      <a:pPr marL="0" marR="0" lvl="0" indent="0" algn="ctr" defTabSz="914400" rtl="0" eaLnBrk="1" fontAlgn="auto" latinLnBrk="0" hangingPunct="1">
+                        <a:lnSpc>
+                          <a:spcPct val="100000"/>
+                        </a:lnSpc>
+                        <a:spcBef>
+                          <a:spcPts val="0"/>
+                        </a:spcBef>
+                        <a:spcAft>
+                          <a:spcPts val="0"/>
+                        </a:spcAft>
+                        <a:buClrTx/>
+                        <a:buSzTx/>
+                        <a:buFontTx/>
+                        <a:buNone/>
+                        <a:tabLst/>
+                        <a:defRPr/>
+                      </a:pPr>
+                      <a:r>
+                        <a:rPr lang="es-AR" sz="1200" dirty="0" err="1"/>
+                        <a:t>Naive</a:t>
+                      </a:r>
+                      <a:r>
+                        <a:rPr lang="es-AR" sz="1200" dirty="0"/>
+                        <a:t> Bayes (Multinomial)</a:t>
+                      </a:r>
+                    </a:p>
+                  </a:txBody>
+                  <a:tcPr/>
+                </a:tc>
+                <a:tc>
+                  <a:txBody>
+                    <a:bodyPr/>
+                    <a:lstStyle/>
+                    <a:p>
+                      <a:pPr algn="ctr"/>
+                      <a:endParaRPr lang="es-AR" sz="1200" dirty="0"/>
+                    </a:p>
+                  </a:txBody>
+                  <a:tcPr/>
+                </a:tc>
+                <a:tc>
+                  <a:txBody>
+                    <a:bodyPr/>
+                    <a:lstStyle/>
+                    <a:p>
+                      <a:pPr algn="ctr"/>
+                      <a:r>
+                        <a:rPr lang="es-AR" sz="1200" dirty="0"/>
+                        <a:t>0.59</a:t>
+                      </a:r>
+                    </a:p>
+                    <a:p>
+                      <a:pPr algn="ctr"/>
+                      <a:r>
+                        <a:rPr lang="es-AR" sz="1200" dirty="0"/>
+                        <a:t>0.29</a:t>
+                      </a:r>
+                    </a:p>
+                  </a:txBody>
+                  <a:tcPr/>
+                </a:tc>
+                <a:tc>
+                  <a:txBody>
+                    <a:bodyPr/>
+                    <a:lstStyle/>
+                    <a:p>
+                      <a:pPr algn="ctr"/>
+                      <a:endParaRPr lang="es-AR" sz="1200" dirty="0"/>
+                    </a:p>
+                  </a:txBody>
+                  <a:tcPr/>
+                </a:tc>
+                <a:extLst>
+                  <a:ext uri="{0D108BD9-81ED-4DB2-BD59-A6C34878D82A}">
+                    <a16:rowId xmlns:a16="http://schemas.microsoft.com/office/drawing/2014/main" val="519594794"/>
+                  </a:ext>
+                </a:extLst>
+              </a:tr>
+              <a:tr h="188976">
+                <a:tc vMerge="1">
+                  <a:txBody>
+                    <a:bodyPr/>
+                    <a:lstStyle/>
+                    <a:p>
+                      <a:endParaRPr lang="es-AR"/>
+                    </a:p>
+                  </a:txBody>
+                  <a:tcPr/>
+                </a:tc>
+                <a:tc>
+                  <a:txBody>
+                    <a:bodyPr/>
+                    <a:lstStyle/>
+                    <a:p>
+                      <a:pPr marL="0" marR="0" lvl="0" indent="0" algn="ctr" defTabSz="914400" rtl="0" eaLnBrk="1" fontAlgn="auto" latinLnBrk="0" hangingPunct="1">
+                        <a:lnSpc>
+                          <a:spcPct val="100000"/>
+                        </a:lnSpc>
+                        <a:spcBef>
+                          <a:spcPts val="0"/>
+                        </a:spcBef>
+                        <a:spcAft>
+                          <a:spcPts val="0"/>
+                        </a:spcAft>
+                        <a:buClrTx/>
+                        <a:buSzTx/>
+                        <a:buFontTx/>
+                        <a:buNone/>
+                        <a:tabLst/>
+                        <a:defRPr/>
+                      </a:pPr>
+                      <a:r>
+                        <a:rPr lang="es-AR" sz="1200" dirty="0" err="1"/>
+                        <a:t>NearMiss</a:t>
+                      </a:r>
+                      <a:r>
+                        <a:rPr lang="es-AR" sz="1200" dirty="0"/>
+                        <a:t> (</a:t>
+                      </a:r>
+                      <a:r>
+                        <a:rPr lang="es-AR" sz="1200" dirty="0" err="1"/>
+                        <a:t>us</a:t>
+                      </a:r>
+                      <a:r>
+                        <a:rPr lang="es-AR" sz="1200" dirty="0"/>
+                        <a:t> - Gaussiano)</a:t>
+                      </a:r>
+                    </a:p>
+                    <a:p>
+                      <a:pPr marL="0" marR="0" lvl="0" indent="0" algn="ctr" defTabSz="914400" rtl="0" eaLnBrk="1" fontAlgn="auto" latinLnBrk="0" hangingPunct="1">
+                        <a:lnSpc>
+                          <a:spcPct val="100000"/>
+                        </a:lnSpc>
+                        <a:spcBef>
+                          <a:spcPts val="0"/>
+                        </a:spcBef>
+                        <a:spcAft>
+                          <a:spcPts val="0"/>
+                        </a:spcAft>
+                        <a:buClrTx/>
+                        <a:buSzTx/>
+                        <a:buFontTx/>
+                        <a:buNone/>
+                        <a:tabLst/>
+                        <a:defRPr/>
+                      </a:pPr>
+                      <a:r>
+                        <a:rPr lang="es-AR" sz="1200" dirty="0" err="1"/>
+                        <a:t>NearMiss</a:t>
+                      </a:r>
+                      <a:r>
+                        <a:rPr lang="es-AR" sz="1200" dirty="0"/>
+                        <a:t> (</a:t>
+                      </a:r>
+                      <a:r>
+                        <a:rPr lang="es-AR" sz="1200" dirty="0" err="1"/>
+                        <a:t>us</a:t>
+                      </a:r>
+                      <a:r>
+                        <a:rPr lang="es-AR" sz="1200" dirty="0"/>
+                        <a:t> - Multinomial)</a:t>
+                      </a:r>
+                    </a:p>
+                  </a:txBody>
+                  <a:tcPr/>
+                </a:tc>
+                <a:tc>
+                  <a:txBody>
+                    <a:bodyPr/>
+                    <a:lstStyle/>
+                    <a:p>
+                      <a:pPr algn="ctr"/>
+                      <a:endParaRPr lang="es-AR" sz="1200" dirty="0"/>
+                    </a:p>
+                  </a:txBody>
+                  <a:tcPr/>
+                </a:tc>
+                <a:tc>
+                  <a:txBody>
+                    <a:bodyPr/>
+                    <a:lstStyle/>
+                    <a:p>
+                      <a:pPr algn="ctr"/>
+                      <a:r>
+                        <a:rPr lang="es-AR" sz="1200" dirty="0"/>
+                        <a:t>0.67</a:t>
+                      </a:r>
+                    </a:p>
+                    <a:p>
+                      <a:pPr algn="ctr"/>
+                      <a:r>
+                        <a:rPr lang="es-AR" sz="1200" dirty="0"/>
+                        <a:t>0.24</a:t>
+                      </a:r>
+                    </a:p>
+                  </a:txBody>
+                  <a:tcPr/>
+                </a:tc>
+                <a:tc>
+                  <a:txBody>
+                    <a:bodyPr/>
+                    <a:lstStyle/>
+                    <a:p>
+                      <a:pPr algn="ctr"/>
+                      <a:endParaRPr lang="es-AR" sz="1200" dirty="0"/>
+                    </a:p>
+                  </a:txBody>
+                  <a:tcPr/>
+                </a:tc>
+                <a:extLst>
+                  <a:ext uri="{0D108BD9-81ED-4DB2-BD59-A6C34878D82A}">
+                    <a16:rowId xmlns:a16="http://schemas.microsoft.com/office/drawing/2014/main" val="1762432869"/>
+                  </a:ext>
+                </a:extLst>
+              </a:tr>
+              <a:tr h="188976">
+                <a:tc vMerge="1">
+                  <a:txBody>
+                    <a:bodyPr/>
+                    <a:lstStyle/>
+                    <a:p>
+                      <a:endParaRPr lang="es-AR"/>
+                    </a:p>
+                  </a:txBody>
+                  <a:tcPr/>
+                </a:tc>
+                <a:tc>
+                  <a:txBody>
+                    <a:bodyPr/>
+                    <a:lstStyle/>
+                    <a:p>
+                      <a:pPr marL="0" marR="0" lvl="0" indent="0" algn="ctr" defTabSz="914400" rtl="0" eaLnBrk="1" fontAlgn="auto" latinLnBrk="0" hangingPunct="1">
+                        <a:lnSpc>
+                          <a:spcPct val="100000"/>
+                        </a:lnSpc>
+                        <a:spcBef>
+                          <a:spcPts val="0"/>
+                        </a:spcBef>
+                        <a:spcAft>
+                          <a:spcPts val="0"/>
+                        </a:spcAft>
+                        <a:buClrTx/>
+                        <a:buSzTx/>
+                        <a:buFontTx/>
+                        <a:buNone/>
+                        <a:tabLst/>
+                        <a:defRPr/>
+                      </a:pPr>
+                      <a:r>
+                        <a:rPr lang="es-AR" sz="1200" dirty="0" err="1"/>
+                        <a:t>RandomOverSampler</a:t>
+                      </a:r>
+                      <a:r>
+                        <a:rPr lang="es-AR" sz="1200" dirty="0"/>
+                        <a:t> (os - Gaussiano)</a:t>
+                      </a:r>
+                    </a:p>
+                    <a:p>
+                      <a:pPr marL="0" marR="0" lvl="0" indent="0" algn="ctr" defTabSz="914400" rtl="0" eaLnBrk="1" fontAlgn="auto" latinLnBrk="0" hangingPunct="1">
+                        <a:lnSpc>
+                          <a:spcPct val="100000"/>
+                        </a:lnSpc>
+                        <a:spcBef>
+                          <a:spcPts val="0"/>
+                        </a:spcBef>
+                        <a:spcAft>
+                          <a:spcPts val="0"/>
+                        </a:spcAft>
+                        <a:buClrTx/>
+                        <a:buSzTx/>
+                        <a:buFontTx/>
+                        <a:buNone/>
+                        <a:tabLst/>
+                        <a:defRPr/>
+                      </a:pPr>
+                      <a:r>
+                        <a:rPr lang="es-AR" sz="1200" dirty="0" err="1"/>
+                        <a:t>RandomOverSampler</a:t>
+                      </a:r>
+                      <a:r>
+                        <a:rPr lang="es-AR" sz="1200" dirty="0"/>
+                        <a:t> (os - Multinomial)</a:t>
+                      </a:r>
+                    </a:p>
+                  </a:txBody>
+                  <a:tcPr/>
+                </a:tc>
+                <a:tc>
+                  <a:txBody>
+                    <a:bodyPr/>
+                    <a:lstStyle/>
+                    <a:p>
+                      <a:pPr algn="ctr"/>
+                      <a:endParaRPr lang="es-AR" sz="1200" dirty="0"/>
+                    </a:p>
+                  </a:txBody>
+                  <a:tcPr/>
+                </a:tc>
+                <a:tc>
+                  <a:txBody>
+                    <a:bodyPr/>
+                    <a:lstStyle/>
+                    <a:p>
+                      <a:pPr algn="ctr"/>
+                      <a:r>
+                        <a:rPr lang="es-AR" sz="1200" dirty="0"/>
+                        <a:t>0.93</a:t>
+                      </a:r>
+                    </a:p>
+                    <a:p>
+                      <a:pPr algn="ctr"/>
+                      <a:r>
+                        <a:rPr lang="es-AR" sz="1200" dirty="0"/>
+                        <a:t>0.68</a:t>
+                      </a:r>
+                    </a:p>
+                  </a:txBody>
+                  <a:tcPr/>
+                </a:tc>
+                <a:tc>
+                  <a:txBody>
+                    <a:bodyPr/>
+                    <a:lstStyle/>
+                    <a:p>
+                      <a:pPr algn="ctr"/>
+                      <a:endParaRPr lang="es-AR" sz="1200" dirty="0"/>
+                    </a:p>
+                  </a:txBody>
+                  <a:tcPr/>
+                </a:tc>
+                <a:extLst>
+                  <a:ext uri="{0D108BD9-81ED-4DB2-BD59-A6C34878D82A}">
+                    <a16:rowId xmlns:a16="http://schemas.microsoft.com/office/drawing/2014/main" val="3708566701"/>
+                  </a:ext>
+                </a:extLst>
+              </a:tr>
+              <a:tr h="188976">
+                <a:tc vMerge="1">
+                  <a:txBody>
+                    <a:bodyPr/>
+                    <a:lstStyle/>
+                    <a:p>
+                      <a:endParaRPr lang="es-AR"/>
+                    </a:p>
+                  </a:txBody>
+                  <a:tcPr/>
+                </a:tc>
+                <a:tc>
+                  <a:txBody>
+                    <a:bodyPr/>
+                    <a:lstStyle/>
+                    <a:p>
+                      <a:pPr marL="0" marR="0" lvl="0" indent="0" algn="ctr" defTabSz="914400" rtl="0" eaLnBrk="1" fontAlgn="auto" latinLnBrk="0" hangingPunct="1">
+                        <a:lnSpc>
+                          <a:spcPct val="100000"/>
+                        </a:lnSpc>
+                        <a:spcBef>
+                          <a:spcPts val="0"/>
+                        </a:spcBef>
+                        <a:spcAft>
+                          <a:spcPts val="0"/>
+                        </a:spcAft>
+                        <a:buClrTx/>
+                        <a:buSzTx/>
+                        <a:buFontTx/>
+                        <a:buNone/>
+                        <a:tabLst/>
+                        <a:defRPr/>
+                      </a:pPr>
+                      <a:r>
+                        <a:rPr lang="es-AR" sz="1200" dirty="0"/>
+                        <a:t>SMOTE-</a:t>
+                      </a:r>
+                      <a:r>
+                        <a:rPr lang="es-AR" sz="1200" dirty="0" err="1"/>
+                        <a:t>Tomek</a:t>
+                      </a:r>
+                      <a:r>
+                        <a:rPr lang="es-AR" sz="1200" dirty="0"/>
+                        <a:t> (Gaussiano)</a:t>
+                      </a:r>
+                    </a:p>
+                    <a:p>
+                      <a:pPr marL="0" marR="0" lvl="0" indent="0" algn="ctr" defTabSz="914400" rtl="0" eaLnBrk="1" fontAlgn="auto" latinLnBrk="0" hangingPunct="1">
+                        <a:lnSpc>
+                          <a:spcPct val="100000"/>
+                        </a:lnSpc>
+                        <a:spcBef>
+                          <a:spcPts val="0"/>
+                        </a:spcBef>
+                        <a:spcAft>
+                          <a:spcPts val="0"/>
+                        </a:spcAft>
+                        <a:buClrTx/>
+                        <a:buSzTx/>
+                        <a:buFontTx/>
+                        <a:buNone/>
+                        <a:tabLst/>
+                        <a:defRPr/>
+                      </a:pPr>
+                      <a:r>
+                        <a:rPr lang="es-AR" sz="1200" dirty="0"/>
+                        <a:t>SMOTE-</a:t>
+                      </a:r>
+                      <a:r>
+                        <a:rPr lang="es-AR" sz="1200" dirty="0" err="1"/>
+                        <a:t>Tomek</a:t>
+                      </a:r>
+                      <a:r>
+                        <a:rPr lang="es-AR" sz="1200" dirty="0"/>
+                        <a:t> (Multinomial)</a:t>
+                      </a:r>
+                    </a:p>
+                  </a:txBody>
+                  <a:tcPr/>
+                </a:tc>
+                <a:tc>
+                  <a:txBody>
+                    <a:bodyPr/>
+                    <a:lstStyle/>
+                    <a:p>
+                      <a:pPr algn="ctr"/>
+                      <a:endParaRPr lang="es-AR" sz="1200" dirty="0"/>
+                    </a:p>
+                  </a:txBody>
+                  <a:tcPr/>
+                </a:tc>
+                <a:tc>
+                  <a:txBody>
+                    <a:bodyPr/>
+                    <a:lstStyle/>
+                    <a:p>
+                      <a:pPr algn="ctr"/>
+                      <a:r>
+                        <a:rPr lang="es-AR" sz="1200" dirty="0"/>
+                        <a:t>0.95</a:t>
+                      </a:r>
+                    </a:p>
+                    <a:p>
+                      <a:pPr algn="ctr"/>
+                      <a:r>
+                        <a:rPr lang="es-AR" sz="1200" dirty="0"/>
+                        <a:t>0.69</a:t>
+                      </a:r>
+                    </a:p>
+                  </a:txBody>
+                  <a:tcPr/>
+                </a:tc>
+                <a:tc>
+                  <a:txBody>
+                    <a:bodyPr/>
+                    <a:lstStyle/>
+                    <a:p>
+                      <a:pPr algn="ctr"/>
+                      <a:endParaRPr lang="es-AR" sz="1200" dirty="0"/>
+                    </a:p>
+                  </a:txBody>
+                  <a:tcPr/>
+                </a:tc>
+                <a:extLst>
+                  <a:ext uri="{0D108BD9-81ED-4DB2-BD59-A6C34878D82A}">
+                    <a16:rowId xmlns:a16="http://schemas.microsoft.com/office/drawing/2014/main" val="2392217876"/>
+                  </a:ext>
+                </a:extLst>
+              </a:tr>
+              <a:tr h="188976">
+                <a:tc vMerge="1">
+                  <a:txBody>
+                    <a:bodyPr/>
+                    <a:lstStyle/>
+                    <a:p>
+                      <a:endParaRPr lang="es-AR"/>
+                    </a:p>
+                  </a:txBody>
+                  <a:tcPr/>
+                </a:tc>
+                <a:tc>
+                  <a:txBody>
+                    <a:bodyPr/>
+                    <a:lstStyle/>
+                    <a:p>
+                      <a:pPr algn="ctr"/>
+                      <a:r>
+                        <a:rPr lang="es-AR" sz="1200" dirty="0"/>
+                        <a:t>Balanceado Manual (Gaussiano)</a:t>
+                      </a:r>
+                    </a:p>
+                    <a:p>
+                      <a:pPr algn="ctr"/>
+                      <a:r>
+                        <a:rPr lang="es-AR" sz="1200" dirty="0"/>
+                        <a:t>Balanceado Manual (Multinomial) </a:t>
+                      </a:r>
+                    </a:p>
+                  </a:txBody>
+                  <a:tcPr/>
+                </a:tc>
+                <a:tc>
+                  <a:txBody>
+                    <a:bodyPr/>
+                    <a:lstStyle/>
+                    <a:p>
+                      <a:pPr algn="ctr"/>
+                      <a:endParaRPr lang="es-AR" sz="1200" dirty="0"/>
+                    </a:p>
+                  </a:txBody>
+                  <a:tcPr/>
+                </a:tc>
+                <a:tc>
+                  <a:txBody>
+                    <a:bodyPr/>
+                    <a:lstStyle/>
+                    <a:p>
+                      <a:pPr algn="ctr"/>
+                      <a:r>
+                        <a:rPr lang="es-AR" sz="1200" dirty="0"/>
+                        <a:t>0.91</a:t>
+                      </a:r>
+                    </a:p>
+                    <a:p>
+                      <a:pPr algn="ctr"/>
+                      <a:r>
+                        <a:rPr lang="es-AR" sz="1200" dirty="0"/>
+                        <a:t>0.64</a:t>
+                      </a:r>
+                    </a:p>
+                  </a:txBody>
+                  <a:tcPr/>
+                </a:tc>
+                <a:tc>
+                  <a:txBody>
+                    <a:bodyPr/>
+                    <a:lstStyle/>
+                    <a:p>
+                      <a:pPr algn="ctr"/>
+                      <a:endParaRPr lang="es-AR" sz="1200" dirty="0"/>
+                    </a:p>
+                  </a:txBody>
+                  <a:tcPr/>
+                </a:tc>
+                <a:extLst>
+                  <a:ext uri="{0D108BD9-81ED-4DB2-BD59-A6C34878D82A}">
+                    <a16:rowId xmlns:a16="http://schemas.microsoft.com/office/drawing/2014/main" val="673502910"/>
+                  </a:ext>
+                </a:extLst>
+              </a:tr>
+            </a:tbl>
+          </a:graphicData>
+        </a:graphic>
+      </p:graphicFrame>
+    </p:spTree>
+    <p:extLst>
+      <p:ext uri="{BB962C8B-B14F-4D97-AF65-F5344CB8AC3E}">
+        <p14:creationId xmlns:p14="http://schemas.microsoft.com/office/powerpoint/2010/main" val="1641530039"/>
+      </p:ext>
+    </p:extLst>
+  </p:cSld>
+  <p:clrMapOvr>
+    <a:masterClrMapping/>
+  </p:clrMapOvr>
+</p:sld>
+</file>
+
+<file path=ppt/slides/slide21.xml><?xml version="1.0" encoding="utf-8"?>
 <p:sld xmlns:a="http://schemas.openxmlformats.org/drawingml/2006/main" xmlns:r="http://schemas.openxmlformats.org/officeDocument/2006/relationships" xmlns:p="http://schemas.openxmlformats.org/presentationml/2006/main">
   <p:cSld>
     <p:spTree>
@@ -7766,183 +11497,6 @@
     <p:extLst>
       <p:ext uri="{BB962C8B-B14F-4D97-AF65-F5344CB8AC3E}">
         <p14:creationId xmlns:p14="http://schemas.microsoft.com/office/powerpoint/2010/main" val="2107819911"/>
-      </p:ext>
-    </p:extLst>
-  </p:cSld>
-  <p:clrMapOvr>
-    <a:masterClrMapping/>
-  </p:clrMapOvr>
-</p:sld>
-</file>
-
-<file path=ppt/slides/slide2.xml><?xml version="1.0" encoding="utf-8"?>
-<p:sld xmlns:a="http://schemas.openxmlformats.org/drawingml/2006/main" xmlns:r="http://schemas.openxmlformats.org/officeDocument/2006/relationships" xmlns:p="http://schemas.openxmlformats.org/presentationml/2006/main">
-  <p:cSld>
-    <p:spTree>
-      <p:nvGrpSpPr>
-        <p:cNvPr id="1" name=""/>
-        <p:cNvGrpSpPr/>
-        <p:nvPr/>
-      </p:nvGrpSpPr>
-      <p:grpSpPr>
-        <a:xfrm>
-          <a:off x="0" y="0"/>
-          <a:ext cx="0" cy="0"/>
-          <a:chOff x="0" y="0"/>
-          <a:chExt cx="0" cy="0"/>
-        </a:xfrm>
-      </p:grpSpPr>
-      <p:sp>
-        <p:nvSpPr>
-          <p:cNvPr id="2" name="Título 1">
-            <a:extLst>
-              <a:ext uri="{FF2B5EF4-FFF2-40B4-BE49-F238E27FC236}">
-                <a16:creationId xmlns:a16="http://schemas.microsoft.com/office/drawing/2014/main" id="{73F3311F-A671-8467-425C-FCEBF60DB983}"/>
-              </a:ext>
-            </a:extLst>
-          </p:cNvPr>
-          <p:cNvSpPr>
-            <a:spLocks noGrp="1"/>
-          </p:cNvSpPr>
-          <p:nvPr>
-            <p:ph type="title"/>
-          </p:nvPr>
-        </p:nvSpPr>
-        <p:spPr/>
-        <p:txBody>
-          <a:bodyPr/>
-          <a:lstStyle/>
-          <a:p>
-            <a:r>
-              <a:rPr lang="es-CO" dirty="0"/>
-              <a:t>Contenido</a:t>
-            </a:r>
-          </a:p>
-        </p:txBody>
-      </p:sp>
-      <p:sp>
-        <p:nvSpPr>
-          <p:cNvPr id="3" name="Marcador de contenido 2">
-            <a:extLst>
-              <a:ext uri="{FF2B5EF4-FFF2-40B4-BE49-F238E27FC236}">
-                <a16:creationId xmlns:a16="http://schemas.microsoft.com/office/drawing/2014/main" id="{CFCC6FE4-5243-867B-D5F0-5EE6BFFE2A1F}"/>
-              </a:ext>
-            </a:extLst>
-          </p:cNvPr>
-          <p:cNvSpPr>
-            <a:spLocks noGrp="1"/>
-          </p:cNvSpPr>
-          <p:nvPr>
-            <p:ph idx="1"/>
-          </p:nvPr>
-        </p:nvSpPr>
-        <p:spPr/>
-        <p:txBody>
-          <a:bodyPr>
-            <a:normAutofit/>
-          </a:bodyPr>
-          <a:lstStyle/>
-          <a:p>
-            <a:r>
-              <a:rPr lang="es-CO" dirty="0"/>
-              <a:t>Objetivo e Hipótesis nula William</a:t>
-            </a:r>
-          </a:p>
-          <a:p>
-            <a:r>
-              <a:rPr lang="es-CO" dirty="0"/>
-              <a:t>Descripción de </a:t>
-            </a:r>
-            <a:r>
-              <a:rPr lang="es-CO" dirty="0" err="1"/>
-              <a:t>Dataset</a:t>
-            </a:r>
-            <a:r>
-              <a:rPr lang="es-CO" dirty="0"/>
-              <a:t> Carlos</a:t>
-            </a:r>
-          </a:p>
-          <a:p>
-            <a:r>
-              <a:rPr lang="es-CO" dirty="0"/>
-              <a:t>Análisis y Limpieza Santiago</a:t>
-            </a:r>
-          </a:p>
-          <a:p>
-            <a:r>
-              <a:rPr lang="es-CO" dirty="0"/>
-              <a:t>Estrategias para “combatir” clases desbalanceadas</a:t>
-            </a:r>
-          </a:p>
-          <a:p>
-            <a:r>
-              <a:rPr lang="es-CO" dirty="0"/>
-              <a:t>Aplicación de modelos:</a:t>
-            </a:r>
-          </a:p>
-          <a:p>
-            <a:pPr lvl="1"/>
-            <a:r>
-              <a:rPr lang="es-CO" dirty="0"/>
-              <a:t>Regresión Logística </a:t>
-            </a:r>
-            <a:r>
-              <a:rPr lang="es-CO" dirty="0" err="1"/>
-              <a:t>Moises</a:t>
-            </a:r>
-            <a:endParaRPr lang="es-CO" dirty="0"/>
-          </a:p>
-          <a:p>
-            <a:pPr lvl="1"/>
-            <a:r>
-              <a:rPr lang="es-CO" dirty="0" err="1"/>
-              <a:t>Naives</a:t>
-            </a:r>
-            <a:r>
-              <a:rPr lang="es-CO" dirty="0"/>
-              <a:t> Bayes Santiago</a:t>
-            </a:r>
-          </a:p>
-          <a:p>
-            <a:pPr lvl="1"/>
-            <a:r>
-              <a:rPr lang="es-CO" dirty="0"/>
-              <a:t>KNN William Carlos </a:t>
-            </a:r>
-            <a:r>
-              <a:rPr lang="es-CO" dirty="0" err="1"/>
-              <a:t>Oversampling</a:t>
-            </a:r>
-            <a:r>
-              <a:rPr lang="es-CO" dirty="0"/>
-              <a:t> y </a:t>
-            </a:r>
-            <a:r>
-              <a:rPr lang="es-CO" dirty="0" err="1"/>
-              <a:t>subsampling</a:t>
-            </a:r>
-            <a:endParaRPr lang="es-CO" dirty="0"/>
-          </a:p>
-          <a:p>
-            <a:r>
-              <a:rPr lang="es-CO" dirty="0"/>
-              <a:t>Conclusiones </a:t>
-            </a:r>
-            <a:r>
-              <a:rPr lang="es-CO" dirty="0" err="1"/>
-              <a:t>Moises</a:t>
-            </a:r>
-            <a:endParaRPr lang="es-CO" dirty="0"/>
-          </a:p>
-          <a:p>
-            <a:endParaRPr lang="es-CO" dirty="0"/>
-          </a:p>
-        </p:txBody>
-      </p:sp>
-    </p:spTree>
-    <p:extLst>
-      <p:ext uri="{BB962C8B-B14F-4D97-AF65-F5344CB8AC3E}">
-        <p14:creationId xmlns:p14="http://schemas.microsoft.com/office/powerpoint/2010/main" val="2662076897"/>
       </p:ext>
     </p:extLst>
   </p:cSld>

--- a/TP3/TP3_Moises_Santiago.pptx
+++ b/TP3/TP3_Moises_Santiago.pptx
@@ -8,8 +8,8 @@
     <p:sldId id="256" r:id="rId2"/>
     <p:sldId id="285" r:id="rId3"/>
     <p:sldId id="287" r:id="rId4"/>
-    <p:sldId id="286" r:id="rId5"/>
-    <p:sldId id="288" r:id="rId6"/>
+    <p:sldId id="308" r:id="rId5"/>
+    <p:sldId id="309" r:id="rId6"/>
     <p:sldId id="289" r:id="rId7"/>
     <p:sldId id="294" r:id="rId8"/>
     <p:sldId id="295" r:id="rId9"/>
@@ -24,8 +24,11 @@
     <p:sldId id="300" r:id="rId18"/>
     <p:sldId id="301" r:id="rId19"/>
     <p:sldId id="303" r:id="rId20"/>
-    <p:sldId id="307" r:id="rId21"/>
-    <p:sldId id="293" r:id="rId22"/>
+    <p:sldId id="291" r:id="rId21"/>
+    <p:sldId id="310" r:id="rId22"/>
+    <p:sldId id="311" r:id="rId23"/>
+    <p:sldId id="307" r:id="rId24"/>
+    <p:sldId id="293" r:id="rId25"/>
   </p:sldIdLst>
   <p:sldSz cx="12192000" cy="6858000"/>
   <p:notesSz cx="6858000" cy="9144000"/>
@@ -135,7 +138,7 @@
 <file path=ppt/revisionInfo.xml><?xml version="1.0" encoding="utf-8"?>
 <p1510:revInfo xmlns:a="http://schemas.openxmlformats.org/drawingml/2006/main" xmlns:r="http://schemas.openxmlformats.org/officeDocument/2006/relationships" xmlns:p1510="http://schemas.microsoft.com/office/powerpoint/2015/10/main">
   <p1510:revLst>
-    <p1510:client id="{399F4D96-0FF0-45CC-89CC-9982CBE5BBE2}" v="46" dt="2023-01-12T10:06:28.551"/>
+    <p1510:client id="{399F4D96-0FF0-45CC-89CC-9982CBE5BBE2}" v="70" dt="2023-01-12T19:02:20.203"/>
     <p1510:client id="{930E4540-302B-49A4-9330-3D1412466C29}" v="20" dt="2023-01-11T19:55:59.832"/>
   </p1510:revLst>
 </p1510:revInfo>
@@ -780,11 +783,124 @@
   </pc:docChgLst>
   <pc:docChgLst>
     <pc:chgData name="Moises Pirela" userId="a07275d2963e6567" providerId="LiveId" clId="{399F4D96-0FF0-45CC-89CC-9982CBE5BBE2}"/>
-    <pc:docChg chg="undo custSel addSld modSld">
-      <pc:chgData name="Moises Pirela" userId="a07275d2963e6567" providerId="LiveId" clId="{399F4D96-0FF0-45CC-89CC-9982CBE5BBE2}" dt="2023-01-12T10:09:53.064" v="2114" actId="20577"/>
+    <pc:docChg chg="undo custSel addSld delSld modSld">
+      <pc:chgData name="Moises Pirela" userId="a07275d2963e6567" providerId="LiveId" clId="{399F4D96-0FF0-45CC-89CC-9982CBE5BBE2}" dt="2023-01-12T19:03:17.960" v="2826" actId="1076"/>
       <pc:docMkLst>
         <pc:docMk/>
       </pc:docMkLst>
+      <pc:sldChg chg="modSp mod">
+        <pc:chgData name="Moises Pirela" userId="a07275d2963e6567" providerId="LiveId" clId="{399F4D96-0FF0-45CC-89CC-9982CBE5BBE2}" dt="2023-01-12T18:45:29.602" v="2773" actId="6549"/>
+        <pc:sldMkLst>
+          <pc:docMk/>
+          <pc:sldMk cId="2662076897" sldId="285"/>
+        </pc:sldMkLst>
+        <pc:spChg chg="mod">
+          <ac:chgData name="Moises Pirela" userId="a07275d2963e6567" providerId="LiveId" clId="{399F4D96-0FF0-45CC-89CC-9982CBE5BBE2}" dt="2023-01-12T18:45:29.602" v="2773" actId="6549"/>
+          <ac:spMkLst>
+            <pc:docMk/>
+            <pc:sldMk cId="2662076897" sldId="285"/>
+            <ac:spMk id="3" creationId="{CFCC6FE4-5243-867B-D5F0-5EE6BFFE2A1F}"/>
+          </ac:spMkLst>
+        </pc:spChg>
+      </pc:sldChg>
+      <pc:sldChg chg="del">
+        <pc:chgData name="Moises Pirela" userId="a07275d2963e6567" providerId="LiveId" clId="{399F4D96-0FF0-45CC-89CC-9982CBE5BBE2}" dt="2023-01-12T17:15:01.986" v="2116" actId="47"/>
+        <pc:sldMkLst>
+          <pc:docMk/>
+          <pc:sldMk cId="712385808" sldId="286"/>
+        </pc:sldMkLst>
+      </pc:sldChg>
+      <pc:sldChg chg="del">
+        <pc:chgData name="Moises Pirela" userId="a07275d2963e6567" providerId="LiveId" clId="{399F4D96-0FF0-45CC-89CC-9982CBE5BBE2}" dt="2023-01-12T17:15:07.058" v="2117" actId="47"/>
+        <pc:sldMkLst>
+          <pc:docMk/>
+          <pc:sldMk cId="1363672492" sldId="288"/>
+        </pc:sldMkLst>
+      </pc:sldChg>
+      <pc:sldChg chg="modSp add del mod">
+        <pc:chgData name="Moises Pirela" userId="a07275d2963e6567" providerId="LiveId" clId="{399F4D96-0FF0-45CC-89CC-9982CBE5BBE2}" dt="2023-01-12T17:18:11.119" v="2219" actId="1076"/>
+        <pc:sldMkLst>
+          <pc:docMk/>
+          <pc:sldMk cId="1798495155" sldId="289"/>
+        </pc:sldMkLst>
+        <pc:spChg chg="mod">
+          <ac:chgData name="Moises Pirela" userId="a07275d2963e6567" providerId="LiveId" clId="{399F4D96-0FF0-45CC-89CC-9982CBE5BBE2}" dt="2023-01-12T17:18:01.258" v="2216" actId="27636"/>
+          <ac:spMkLst>
+            <pc:docMk/>
+            <pc:sldMk cId="1798495155" sldId="289"/>
+            <ac:spMk id="3" creationId="{C0702C1E-6BA9-4332-1040-8624BF0266AA}"/>
+          </ac:spMkLst>
+        </pc:spChg>
+        <pc:spChg chg="mod">
+          <ac:chgData name="Moises Pirela" userId="a07275d2963e6567" providerId="LiveId" clId="{399F4D96-0FF0-45CC-89CC-9982CBE5BBE2}" dt="2023-01-12T17:17:47.601" v="2210" actId="1076"/>
+          <ac:spMkLst>
+            <pc:docMk/>
+            <pc:sldMk cId="1798495155" sldId="289"/>
+            <ac:spMk id="12" creationId="{6D987308-CA07-B2B6-34E3-F1E34459540F}"/>
+          </ac:spMkLst>
+        </pc:spChg>
+        <pc:picChg chg="mod">
+          <ac:chgData name="Moises Pirela" userId="a07275d2963e6567" providerId="LiveId" clId="{399F4D96-0FF0-45CC-89CC-9982CBE5BBE2}" dt="2023-01-12T17:18:11.119" v="2219" actId="1076"/>
+          <ac:picMkLst>
+            <pc:docMk/>
+            <pc:sldMk cId="1798495155" sldId="289"/>
+            <ac:picMk id="11" creationId="{872F65E2-48DF-855A-45DD-D448ED4C8C76}"/>
+          </ac:picMkLst>
+        </pc:picChg>
+      </pc:sldChg>
+      <pc:sldChg chg="add">
+        <pc:chgData name="Moises Pirela" userId="a07275d2963e6567" providerId="LiveId" clId="{399F4D96-0FF0-45CC-89CC-9982CBE5BBE2}" dt="2023-01-12T17:22:23.086" v="2266"/>
+        <pc:sldMkLst>
+          <pc:docMk/>
+          <pc:sldMk cId="3670527930" sldId="291"/>
+        </pc:sldMkLst>
+      </pc:sldChg>
+      <pc:sldChg chg="addSp modSp mod">
+        <pc:chgData name="Moises Pirela" userId="a07275d2963e6567" providerId="LiveId" clId="{399F4D96-0FF0-45CC-89CC-9982CBE5BBE2}" dt="2023-01-12T17:20:53.790" v="2265" actId="14100"/>
+        <pc:sldMkLst>
+          <pc:docMk/>
+          <pc:sldMk cId="410600532" sldId="294"/>
+        </pc:sldMkLst>
+        <pc:spChg chg="mod">
+          <ac:chgData name="Moises Pirela" userId="a07275d2963e6567" providerId="LiveId" clId="{399F4D96-0FF0-45CC-89CC-9982CBE5BBE2}" dt="2023-01-12T17:19:51.708" v="2250" actId="1076"/>
+          <ac:spMkLst>
+            <pc:docMk/>
+            <pc:sldMk cId="410600532" sldId="294"/>
+            <ac:spMk id="8" creationId="{A6513775-CE9C-F935-991B-68B1355E6D09}"/>
+          </ac:spMkLst>
+        </pc:spChg>
+        <pc:picChg chg="add mod ord modCrop">
+          <ac:chgData name="Moises Pirela" userId="a07275d2963e6567" providerId="LiveId" clId="{399F4D96-0FF0-45CC-89CC-9982CBE5BBE2}" dt="2023-01-12T17:20:20.544" v="2260" actId="1035"/>
+          <ac:picMkLst>
+            <pc:docMk/>
+            <pc:sldMk cId="410600532" sldId="294"/>
+            <ac:picMk id="3" creationId="{1A088D11-2554-BABE-793A-49F065063C64}"/>
+          </ac:picMkLst>
+        </pc:picChg>
+        <pc:picChg chg="mod ord">
+          <ac:chgData name="Moises Pirela" userId="a07275d2963e6567" providerId="LiveId" clId="{399F4D96-0FF0-45CC-89CC-9982CBE5BBE2}" dt="2023-01-12T17:20:53.790" v="2265" actId="14100"/>
+          <ac:picMkLst>
+            <pc:docMk/>
+            <pc:sldMk cId="410600532" sldId="294"/>
+            <ac:picMk id="5" creationId="{DD62FDDE-8CE3-E844-BD54-954A6F1FB3E5}"/>
+          </ac:picMkLst>
+        </pc:picChg>
+      </pc:sldChg>
+      <pc:sldChg chg="modSp mod">
+        <pc:chgData name="Moises Pirela" userId="a07275d2963e6567" providerId="LiveId" clId="{399F4D96-0FF0-45CC-89CC-9982CBE5BBE2}" dt="2023-01-12T17:20:44.853" v="2263" actId="14100"/>
+        <pc:sldMkLst>
+          <pc:docMk/>
+          <pc:sldMk cId="3979766818" sldId="295"/>
+        </pc:sldMkLst>
+        <pc:picChg chg="mod modCrop">
+          <ac:chgData name="Moises Pirela" userId="a07275d2963e6567" providerId="LiveId" clId="{399F4D96-0FF0-45CC-89CC-9982CBE5BBE2}" dt="2023-01-12T17:20:44.853" v="2263" actId="14100"/>
+          <ac:picMkLst>
+            <pc:docMk/>
+            <pc:sldMk cId="3979766818" sldId="295"/>
+            <ac:picMk id="5" creationId="{8D7A610C-44B4-FF28-DF83-7B29BCFCBF20}"/>
+          </ac:picMkLst>
+        </pc:picChg>
+      </pc:sldChg>
       <pc:sldChg chg="addSp delSp">
         <pc:chgData name="Moises Pirela" userId="a07275d2963e6567" providerId="LiveId" clId="{399F4D96-0FF0-45CC-89CC-9982CBE5BBE2}" dt="2023-01-12T09:26:12.127" v="1318"/>
         <pc:sldMkLst>
@@ -1237,14 +1353,14 @@
           </ac:cxnSpMkLst>
         </pc:cxnChg>
       </pc:sldChg>
-      <pc:sldChg chg="addSp delSp modSp add mod">
-        <pc:chgData name="Moises Pirela" userId="a07275d2963e6567" providerId="LiveId" clId="{399F4D96-0FF0-45CC-89CC-9982CBE5BBE2}" dt="2023-01-12T10:09:53.064" v="2114" actId="20577"/>
+      <pc:sldChg chg="addSp delSp modSp add mod modTransition modAnim">
+        <pc:chgData name="Moises Pirela" userId="a07275d2963e6567" providerId="LiveId" clId="{399F4D96-0FF0-45CC-89CC-9982CBE5BBE2}" dt="2023-01-12T19:03:17.960" v="2826" actId="1076"/>
         <pc:sldMkLst>
           <pc:docMk/>
           <pc:sldMk cId="1641530039" sldId="307"/>
         </pc:sldMkLst>
         <pc:spChg chg="mod">
-          <ac:chgData name="Moises Pirela" userId="a07275d2963e6567" providerId="LiveId" clId="{399F4D96-0FF0-45CC-89CC-9982CBE5BBE2}" dt="2023-01-12T09:57:03.748" v="1667" actId="14100"/>
+          <ac:chgData name="Moises Pirela" userId="a07275d2963e6567" providerId="LiveId" clId="{399F4D96-0FF0-45CC-89CC-9982CBE5BBE2}" dt="2023-01-12T19:03:10.030" v="2825" actId="1076"/>
           <ac:spMkLst>
             <pc:docMk/>
             <pc:sldMk cId="1641530039" sldId="307"/>
@@ -1259,12 +1375,36 @@
             <ac:spMk id="3" creationId="{9AB16483-F8BA-85BA-FB6A-867F5703FF20}"/>
           </ac:spMkLst>
         </pc:spChg>
-        <pc:spChg chg="mod">
-          <ac:chgData name="Moises Pirela" userId="a07275d2963e6567" providerId="LiveId" clId="{399F4D96-0FF0-45CC-89CC-9982CBE5BBE2}" dt="2023-01-12T10:09:53.064" v="2114" actId="20577"/>
+        <pc:spChg chg="add mod">
+          <ac:chgData name="Moises Pirela" userId="a07275d2963e6567" providerId="LiveId" clId="{399F4D96-0FF0-45CC-89CC-9982CBE5BBE2}" dt="2023-01-12T19:03:17.960" v="2826" actId="1076"/>
+          <ac:spMkLst>
+            <pc:docMk/>
+            <pc:sldMk cId="1641530039" sldId="307"/>
+            <ac:spMk id="3" creationId="{C9D7587E-B7A6-ECB9-DABD-42F6A9610325}"/>
+          </ac:spMkLst>
+        </pc:spChg>
+        <pc:spChg chg="del mod">
+          <ac:chgData name="Moises Pirela" userId="a07275d2963e6567" providerId="LiveId" clId="{399F4D96-0FF0-45CC-89CC-9982CBE5BBE2}" dt="2023-01-12T18:39:38.191" v="2657" actId="478"/>
           <ac:spMkLst>
             <pc:docMk/>
             <pc:sldMk cId="1641530039" sldId="307"/>
             <ac:spMk id="4" creationId="{82859DE0-D9C8-8F8F-4197-C7D96F7F21DE}"/>
+          </ac:spMkLst>
+        </pc:spChg>
+        <pc:spChg chg="add mod">
+          <ac:chgData name="Moises Pirela" userId="a07275d2963e6567" providerId="LiveId" clId="{399F4D96-0FF0-45CC-89CC-9982CBE5BBE2}" dt="2023-01-12T19:03:17.960" v="2826" actId="1076"/>
+          <ac:spMkLst>
+            <pc:docMk/>
+            <pc:sldMk cId="1641530039" sldId="307"/>
+            <ac:spMk id="5" creationId="{142E1F83-8773-7676-B50A-A4BB7206826E}"/>
+          </ac:spMkLst>
+        </pc:spChg>
+        <pc:spChg chg="add mod">
+          <ac:chgData name="Moises Pirela" userId="a07275d2963e6567" providerId="LiveId" clId="{399F4D96-0FF0-45CC-89CC-9982CBE5BBE2}" dt="2023-01-12T19:03:17.960" v="2826" actId="1076"/>
+          <ac:spMkLst>
+            <pc:docMk/>
+            <pc:sldMk cId="1641530039" sldId="307"/>
+            <ac:spMk id="6" creationId="{67889469-8D08-AA7B-E247-91CDD260C1B5}"/>
           </ac:spMkLst>
         </pc:spChg>
         <pc:spChg chg="add del mod">
@@ -1275,8 +1415,24 @@
             <ac:spMk id="6" creationId="{DA2B8EDD-CE57-314A-0BB8-0D1EFE8F4A25}"/>
           </ac:spMkLst>
         </pc:spChg>
+        <pc:spChg chg="add mod">
+          <ac:chgData name="Moises Pirela" userId="a07275d2963e6567" providerId="LiveId" clId="{399F4D96-0FF0-45CC-89CC-9982CBE5BBE2}" dt="2023-01-12T19:03:17.960" v="2826" actId="1076"/>
+          <ac:spMkLst>
+            <pc:docMk/>
+            <pc:sldMk cId="1641530039" sldId="307"/>
+            <ac:spMk id="7" creationId="{2DACEA2A-5358-6CDE-A568-D83C702F4C1D}"/>
+          </ac:spMkLst>
+        </pc:spChg>
+        <pc:spChg chg="add mod">
+          <ac:chgData name="Moises Pirela" userId="a07275d2963e6567" providerId="LiveId" clId="{399F4D96-0FF0-45CC-89CC-9982CBE5BBE2}" dt="2023-01-12T19:03:17.960" v="2826" actId="1076"/>
+          <ac:spMkLst>
+            <pc:docMk/>
+            <pc:sldMk cId="1641530039" sldId="307"/>
+            <ac:spMk id="8" creationId="{C4B2F73E-0DAE-F631-0229-1D9F72A91D47}"/>
+          </ac:spMkLst>
+        </pc:spChg>
         <pc:spChg chg="mod">
-          <ac:chgData name="Moises Pirela" userId="a07275d2963e6567" providerId="LiveId" clId="{399F4D96-0FF0-45CC-89CC-9982CBE5BBE2}" dt="2023-01-12T09:27:20.592" v="1349" actId="1076"/>
+          <ac:chgData name="Moises Pirela" userId="a07275d2963e6567" providerId="LiveId" clId="{399F4D96-0FF0-45CC-89CC-9982CBE5BBE2}" dt="2023-01-12T19:02:51.652" v="2823" actId="1037"/>
           <ac:spMkLst>
             <pc:docMk/>
             <pc:sldMk cId="1641530039" sldId="307"/>
@@ -1284,7 +1440,7 @@
           </ac:spMkLst>
         </pc:spChg>
         <pc:spChg chg="mod">
-          <ac:chgData name="Moises Pirela" userId="a07275d2963e6567" providerId="LiveId" clId="{399F4D96-0FF0-45CC-89CC-9982CBE5BBE2}" dt="2023-01-12T09:27:20.592" v="1349" actId="1076"/>
+          <ac:chgData name="Moises Pirela" userId="a07275d2963e6567" providerId="LiveId" clId="{399F4D96-0FF0-45CC-89CC-9982CBE5BBE2}" dt="2023-01-12T19:02:51.652" v="2823" actId="1037"/>
           <ac:spMkLst>
             <pc:docMk/>
             <pc:sldMk cId="1641530039" sldId="307"/>
@@ -1300,7 +1456,7 @@
           </ac:graphicFrameMkLst>
         </pc:graphicFrameChg>
         <pc:graphicFrameChg chg="add mod modGraphic">
-          <ac:chgData name="Moises Pirela" userId="a07275d2963e6567" providerId="LiveId" clId="{399F4D96-0FF0-45CC-89CC-9982CBE5BBE2}" dt="2023-01-12T10:09:16.147" v="2105" actId="14734"/>
+          <ac:chgData name="Moises Pirela" userId="a07275d2963e6567" providerId="LiveId" clId="{399F4D96-0FF0-45CC-89CC-9982CBE5BBE2}" dt="2023-01-12T19:03:17.960" v="2826" actId="1076"/>
           <ac:graphicFrameMkLst>
             <pc:docMk/>
             <pc:sldMk cId="1641530039" sldId="307"/>
@@ -1363,6 +1519,58 @@
             <ac:picMk id="23" creationId="{0CCE82B1-81D0-642C-F20A-3A24B95BF725}"/>
           </ac:picMkLst>
         </pc:picChg>
+      </pc:sldChg>
+      <pc:sldChg chg="modSp add mod">
+        <pc:chgData name="Moises Pirela" userId="a07275d2963e6567" providerId="LiveId" clId="{399F4D96-0FF0-45CC-89CC-9982CBE5BBE2}" dt="2023-01-12T17:16:10.239" v="2195" actId="20577"/>
+        <pc:sldMkLst>
+          <pc:docMk/>
+          <pc:sldMk cId="1143637942" sldId="308"/>
+        </pc:sldMkLst>
+        <pc:spChg chg="mod">
+          <ac:chgData name="Moises Pirela" userId="a07275d2963e6567" providerId="LiveId" clId="{399F4D96-0FF0-45CC-89CC-9982CBE5BBE2}" dt="2023-01-12T17:16:10.239" v="2195" actId="20577"/>
+          <ac:spMkLst>
+            <pc:docMk/>
+            <pc:sldMk cId="1143637942" sldId="308"/>
+            <ac:spMk id="3" creationId="{99EB4567-989C-143E-BD64-3DE71E4E5473}"/>
+          </ac:spMkLst>
+        </pc:spChg>
+      </pc:sldChg>
+      <pc:sldChg chg="add">
+        <pc:chgData name="Moises Pirela" userId="a07275d2963e6567" providerId="LiveId" clId="{399F4D96-0FF0-45CC-89CC-9982CBE5BBE2}" dt="2023-01-12T17:14:58.433" v="2115"/>
+        <pc:sldMkLst>
+          <pc:docMk/>
+          <pc:sldMk cId="2546340724" sldId="309"/>
+        </pc:sldMkLst>
+      </pc:sldChg>
+      <pc:sldChg chg="modSp add mod">
+        <pc:chgData name="Moises Pirela" userId="a07275d2963e6567" providerId="LiveId" clId="{399F4D96-0FF0-45CC-89CC-9982CBE5BBE2}" dt="2023-01-12T17:24:03.647" v="2296" actId="20577"/>
+        <pc:sldMkLst>
+          <pc:docMk/>
+          <pc:sldMk cId="980289329" sldId="310"/>
+        </pc:sldMkLst>
+        <pc:spChg chg="mod">
+          <ac:chgData name="Moises Pirela" userId="a07275d2963e6567" providerId="LiveId" clId="{399F4D96-0FF0-45CC-89CC-9982CBE5BBE2}" dt="2023-01-12T17:24:03.647" v="2296" actId="20577"/>
+          <ac:spMkLst>
+            <pc:docMk/>
+            <pc:sldMk cId="980289329" sldId="310"/>
+            <ac:spMk id="3" creationId="{251B6C55-A0C1-6AA5-CB13-41A67BF71D6B}"/>
+          </ac:spMkLst>
+        </pc:spChg>
+      </pc:sldChg>
+      <pc:sldChg chg="modSp add mod">
+        <pc:chgData name="Moises Pirela" userId="a07275d2963e6567" providerId="LiveId" clId="{399F4D96-0FF0-45CC-89CC-9982CBE5BBE2}" dt="2023-01-12T17:23:42.712" v="2295" actId="6549"/>
+        <pc:sldMkLst>
+          <pc:docMk/>
+          <pc:sldMk cId="3408325409" sldId="311"/>
+        </pc:sldMkLst>
+        <pc:spChg chg="mod">
+          <ac:chgData name="Moises Pirela" userId="a07275d2963e6567" providerId="LiveId" clId="{399F4D96-0FF0-45CC-89CC-9982CBE5BBE2}" dt="2023-01-12T17:23:42.712" v="2295" actId="6549"/>
+          <ac:spMkLst>
+            <pc:docMk/>
+            <pc:sldMk cId="3408325409" sldId="311"/>
+            <ac:spMk id="3" creationId="{F69A258A-BA10-AE9F-2F53-5783A8682EC3}"/>
+          </ac:spMkLst>
+        </pc:spChg>
       </pc:sldChg>
     </pc:docChg>
   </pc:docChgLst>
@@ -9823,7 +10031,7 @@
           <a:p>
             <a:r>
               <a:rPr lang="es-CO" dirty="0"/>
-              <a:t>Objetivo e Hipótesis nula William</a:t>
+              <a:t>Objetivo e Hipótesis nula</a:t>
             </a:r>
           </a:p>
           <a:p>
@@ -9835,15 +10043,12 @@
               <a:rPr lang="es-CO" dirty="0" err="1"/>
               <a:t>Dataset</a:t>
             </a:r>
+            <a:endParaRPr lang="es-CO" dirty="0"/>
+          </a:p>
+          <a:p>
             <a:r>
               <a:rPr lang="es-CO" dirty="0"/>
-              <a:t> Carlos</a:t>
-            </a:r>
-          </a:p>
-          <a:p>
-            <a:r>
-              <a:rPr lang="es-CO" dirty="0"/>
-              <a:t>Análisis y Limpieza Santiago</a:t>
+              <a:t>Análisis y Limpieza</a:t>
             </a:r>
           </a:p>
           <a:p>
@@ -9862,13 +10067,8 @@
             <a:pPr lvl="1"/>
             <a:r>
               <a:rPr lang="es-CO" dirty="0"/>
-              <a:t>Regresión Logística </a:t>
-            </a:r>
-            <a:r>
-              <a:rPr lang="es-CO" dirty="0" err="1"/>
-              <a:t>Moises</a:t>
-            </a:r>
-            <a:endParaRPr lang="es-CO" dirty="0"/>
+              <a:t>Regresión Logística</a:t>
+            </a:r>
           </a:p>
           <a:p>
             <a:pPr lvl="1"/>
@@ -9878,39 +10078,21 @@
             </a:r>
             <a:r>
               <a:rPr lang="es-CO" dirty="0"/>
-              <a:t> Bayes Santiago</a:t>
+              <a:t> Bayes</a:t>
             </a:r>
           </a:p>
           <a:p>
             <a:pPr lvl="1"/>
             <a:r>
               <a:rPr lang="es-CO" dirty="0"/>
-              <a:t>KNN William Carlos </a:t>
-            </a:r>
-            <a:r>
-              <a:rPr lang="es-CO" dirty="0" err="1"/>
-              <a:t>Oversampling</a:t>
-            </a:r>
+              <a:t>KNN </a:t>
+            </a:r>
+          </a:p>
+          <a:p>
             <a:r>
               <a:rPr lang="es-CO" dirty="0"/>
-              <a:t> y </a:t>
-            </a:r>
-            <a:r>
-              <a:rPr lang="es-CO" dirty="0" err="1"/>
-              <a:t>subsampling</a:t>
-            </a:r>
-            <a:endParaRPr lang="es-CO" dirty="0"/>
-          </a:p>
-          <a:p>
-            <a:r>
-              <a:rPr lang="es-CO" dirty="0"/>
-              <a:t>Conclusiones </a:t>
-            </a:r>
-            <a:r>
-              <a:rPr lang="es-CO" dirty="0" err="1"/>
-              <a:t>Moises</a:t>
-            </a:r>
-            <a:endParaRPr lang="es-CO" dirty="0"/>
+              <a:t>Conclusiones Moises</a:t>
+            </a:r>
           </a:p>
           <a:p>
             <a:endParaRPr lang="es-CO" dirty="0"/>
@@ -9952,7 +10134,7 @@
           <p:cNvPr id="2" name="Título 1">
             <a:extLst>
               <a:ext uri="{FF2B5EF4-FFF2-40B4-BE49-F238E27FC236}">
-                <a16:creationId xmlns:a16="http://schemas.microsoft.com/office/drawing/2014/main" id="{937EEB7B-C38E-8305-1E7E-595D98C44355}"/>
+                <a16:creationId xmlns:a16="http://schemas.microsoft.com/office/drawing/2014/main" id="{71AE33B3-9753-2C8A-582C-4A33894CBFDB}"/>
               </a:ext>
             </a:extLst>
           </p:cNvPr>
@@ -9965,8 +10147,8 @@
         </p:nvSpPr>
         <p:spPr>
           <a:xfrm>
-            <a:off x="4067783" y="1"/>
-            <a:ext cx="3772711" cy="913726"/>
+            <a:off x="728870" y="0"/>
+            <a:ext cx="10515600" cy="1325563"/>
           </a:xfrm>
         </p:spPr>
         <p:txBody>
@@ -9975,17 +10157,106 @@
           <a:p>
             <a:r>
               <a:rPr lang="es-CO" dirty="0"/>
-              <a:t>CONCLUSIONES</a:t>
+              <a:t>Modelo KNN Balanceado</a:t>
             </a:r>
           </a:p>
         </p:txBody>
       </p:sp>
       <p:sp>
         <p:nvSpPr>
-          <p:cNvPr id="4" name="Título 1">
-            <a:extLst>
-              <a:ext uri="{FF2B5EF4-FFF2-40B4-BE49-F238E27FC236}">
-                <a16:creationId xmlns:a16="http://schemas.microsoft.com/office/drawing/2014/main" id="{82859DE0-D9C8-8F8F-4197-C7D96F7F21DE}"/>
+          <p:cNvPr id="3" name="Marcador de contenido 2">
+            <a:extLst>
+              <a:ext uri="{FF2B5EF4-FFF2-40B4-BE49-F238E27FC236}">
+                <a16:creationId xmlns:a16="http://schemas.microsoft.com/office/drawing/2014/main" id="{FFD309B4-FF65-EEFF-93EB-FA10616CE4ED}"/>
+              </a:ext>
+            </a:extLst>
+          </p:cNvPr>
+          <p:cNvSpPr>
+            <a:spLocks noGrp="1"/>
+          </p:cNvSpPr>
+          <p:nvPr>
+            <p:ph idx="1"/>
+          </p:nvPr>
+        </p:nvSpPr>
+        <p:spPr>
+          <a:xfrm>
+            <a:off x="677103" y="1447938"/>
+            <a:ext cx="5418897" cy="4351338"/>
+          </a:xfrm>
+        </p:spPr>
+        <p:txBody>
+          <a:bodyPr/>
+          <a:lstStyle/>
+          <a:p>
+            <a:r>
+              <a:rPr lang="es-CO" dirty="0" err="1"/>
+              <a:t>Dataset</a:t>
+            </a:r>
+            <a:r>
+              <a:rPr lang="es-CO" dirty="0"/>
+              <a:t> inicial:</a:t>
+            </a:r>
+          </a:p>
+          <a:p>
+            <a:pPr lvl="1"/>
+            <a:r>
+              <a:rPr lang="es-CO" dirty="0"/>
+              <a:t>91% NO fraude</a:t>
+            </a:r>
+          </a:p>
+          <a:p>
+            <a:pPr lvl="1"/>
+            <a:r>
+              <a:rPr lang="es-CO" dirty="0"/>
+              <a:t>9 % fraude</a:t>
+            </a:r>
+          </a:p>
+          <a:p>
+            <a:pPr lvl="1"/>
+            <a:endParaRPr lang="es-CO" dirty="0"/>
+          </a:p>
+          <a:p>
+            <a:pPr lvl="1"/>
+            <a:endParaRPr lang="es-CO" dirty="0"/>
+          </a:p>
+        </p:txBody>
+      </p:sp>
+      <p:pic>
+        <p:nvPicPr>
+          <p:cNvPr id="5" name="Imagen 4">
+            <a:extLst>
+              <a:ext uri="{FF2B5EF4-FFF2-40B4-BE49-F238E27FC236}">
+                <a16:creationId xmlns:a16="http://schemas.microsoft.com/office/drawing/2014/main" id="{C355B7AF-9A07-0BA5-7F78-51244C165C54}"/>
+              </a:ext>
+            </a:extLst>
+          </p:cNvPr>
+          <p:cNvPicPr>
+            <a:picLocks noChangeAspect="1"/>
+          </p:cNvPicPr>
+          <p:nvPr/>
+        </p:nvPicPr>
+        <p:blipFill>
+          <a:blip r:embed="rId2"/>
+          <a:stretch>
+            <a:fillRect/>
+          </a:stretch>
+        </p:blipFill>
+        <p:spPr>
+          <a:xfrm>
+            <a:off x="320538" y="2613370"/>
+            <a:ext cx="5695950" cy="4314825"/>
+          </a:xfrm>
+          <a:prstGeom prst="rect">
+            <a:avLst/>
+          </a:prstGeom>
+        </p:spPr>
+      </p:pic>
+      <p:sp>
+        <p:nvSpPr>
+          <p:cNvPr id="6" name="Marcador de contenido 2">
+            <a:extLst>
+              <a:ext uri="{FF2B5EF4-FFF2-40B4-BE49-F238E27FC236}">
+                <a16:creationId xmlns:a16="http://schemas.microsoft.com/office/drawing/2014/main" id="{522419B2-9EEC-7FAA-E2B4-78EBFF64799A}"/>
               </a:ext>
             </a:extLst>
           </p:cNvPr>
@@ -9996,42 +10267,683 @@
         </p:nvSpPr>
         <p:spPr>
           <a:xfrm>
-            <a:off x="125470" y="5756174"/>
-            <a:ext cx="4602173" cy="683538"/>
+            <a:off x="6574307" y="1431374"/>
+            <a:ext cx="5418897" cy="4351338"/>
           </a:xfrm>
           <a:prstGeom prst="rect">
             <a:avLst/>
           </a:prstGeom>
         </p:spPr>
         <p:txBody>
-          <a:bodyPr vert="horz" lIns="91440" tIns="45720" rIns="91440" bIns="45720" rtlCol="0" anchor="ctr">
-            <a:normAutofit lnSpcReduction="10000"/>
+          <a:bodyPr vert="horz" lIns="91440" tIns="45720" rIns="91440" bIns="45720" rtlCol="0">
+            <a:normAutofit/>
           </a:bodyPr>
           <a:lstStyle>
-            <a:lvl1pPr algn="l" defTabSz="914400" rtl="0" eaLnBrk="1" latinLnBrk="0" hangingPunct="1">
+            <a:lvl1pPr marL="228600" indent="-228600" algn="l" defTabSz="914400" rtl="0" eaLnBrk="1" latinLnBrk="0" hangingPunct="1">
               <a:lnSpc>
                 <a:spcPct val="90000"/>
               </a:lnSpc>
               <a:spcBef>
-                <a:spcPct val="0"/>
+                <a:spcPts val="1000"/>
               </a:spcBef>
-              <a:buNone/>
-              <a:defRPr sz="4400" kern="1200">
+              <a:buFont typeface="Arial" panose="020B0604020202020204" pitchFamily="34" charset="0"/>
+              <a:buChar char="•"/>
+              <a:defRPr sz="2800" kern="1200">
                 <a:solidFill>
                   <a:schemeClr val="tx1"/>
                 </a:solidFill>
-                <a:latin typeface="+mj-lt"/>
-                <a:ea typeface="+mj-ea"/>
-                <a:cs typeface="+mj-cs"/>
+                <a:latin typeface="+mn-lt"/>
+                <a:ea typeface="+mn-ea"/>
+                <a:cs typeface="+mn-cs"/>
               </a:defRPr>
             </a:lvl1pPr>
+            <a:lvl2pPr marL="685800" indent="-228600" algn="l" defTabSz="914400" rtl="0" eaLnBrk="1" latinLnBrk="0" hangingPunct="1">
+              <a:lnSpc>
+                <a:spcPct val="90000"/>
+              </a:lnSpc>
+              <a:spcBef>
+                <a:spcPts val="500"/>
+              </a:spcBef>
+              <a:buFont typeface="Arial" panose="020B0604020202020204" pitchFamily="34" charset="0"/>
+              <a:buChar char="•"/>
+              <a:defRPr sz="2400" kern="1200">
+                <a:solidFill>
+                  <a:schemeClr val="tx1"/>
+                </a:solidFill>
+                <a:latin typeface="+mn-lt"/>
+                <a:ea typeface="+mn-ea"/>
+                <a:cs typeface="+mn-cs"/>
+              </a:defRPr>
+            </a:lvl2pPr>
+            <a:lvl3pPr marL="1143000" indent="-228600" algn="l" defTabSz="914400" rtl="0" eaLnBrk="1" latinLnBrk="0" hangingPunct="1">
+              <a:lnSpc>
+                <a:spcPct val="90000"/>
+              </a:lnSpc>
+              <a:spcBef>
+                <a:spcPts val="500"/>
+              </a:spcBef>
+              <a:buFont typeface="Arial" panose="020B0604020202020204" pitchFamily="34" charset="0"/>
+              <a:buChar char="•"/>
+              <a:defRPr sz="2000" kern="1200">
+                <a:solidFill>
+                  <a:schemeClr val="tx1"/>
+                </a:solidFill>
+                <a:latin typeface="+mn-lt"/>
+                <a:ea typeface="+mn-ea"/>
+                <a:cs typeface="+mn-cs"/>
+              </a:defRPr>
+            </a:lvl3pPr>
+            <a:lvl4pPr marL="1600200" indent="-228600" algn="l" defTabSz="914400" rtl="0" eaLnBrk="1" latinLnBrk="0" hangingPunct="1">
+              <a:lnSpc>
+                <a:spcPct val="90000"/>
+              </a:lnSpc>
+              <a:spcBef>
+                <a:spcPts val="500"/>
+              </a:spcBef>
+              <a:buFont typeface="Arial" panose="020B0604020202020204" pitchFamily="34" charset="0"/>
+              <a:buChar char="•"/>
+              <a:defRPr sz="1800" kern="1200">
+                <a:solidFill>
+                  <a:schemeClr val="tx1"/>
+                </a:solidFill>
+                <a:latin typeface="+mn-lt"/>
+                <a:ea typeface="+mn-ea"/>
+                <a:cs typeface="+mn-cs"/>
+              </a:defRPr>
+            </a:lvl4pPr>
+            <a:lvl5pPr marL="2057400" indent="-228600" algn="l" defTabSz="914400" rtl="0" eaLnBrk="1" latinLnBrk="0" hangingPunct="1">
+              <a:lnSpc>
+                <a:spcPct val="90000"/>
+              </a:lnSpc>
+              <a:spcBef>
+                <a:spcPts val="500"/>
+              </a:spcBef>
+              <a:buFont typeface="Arial" panose="020B0604020202020204" pitchFamily="34" charset="0"/>
+              <a:buChar char="•"/>
+              <a:defRPr sz="1800" kern="1200">
+                <a:solidFill>
+                  <a:schemeClr val="tx1"/>
+                </a:solidFill>
+                <a:latin typeface="+mn-lt"/>
+                <a:ea typeface="+mn-ea"/>
+                <a:cs typeface="+mn-cs"/>
+              </a:defRPr>
+            </a:lvl5pPr>
+            <a:lvl6pPr marL="2514600" indent="-228600" algn="l" defTabSz="914400" rtl="0" eaLnBrk="1" latinLnBrk="0" hangingPunct="1">
+              <a:lnSpc>
+                <a:spcPct val="90000"/>
+              </a:lnSpc>
+              <a:spcBef>
+                <a:spcPts val="500"/>
+              </a:spcBef>
+              <a:buFont typeface="Arial" panose="020B0604020202020204" pitchFamily="34" charset="0"/>
+              <a:buChar char="•"/>
+              <a:defRPr sz="1800" kern="1200">
+                <a:solidFill>
+                  <a:schemeClr val="tx1"/>
+                </a:solidFill>
+                <a:latin typeface="+mn-lt"/>
+                <a:ea typeface="+mn-ea"/>
+                <a:cs typeface="+mn-cs"/>
+              </a:defRPr>
+            </a:lvl6pPr>
+            <a:lvl7pPr marL="2971800" indent="-228600" algn="l" defTabSz="914400" rtl="0" eaLnBrk="1" latinLnBrk="0" hangingPunct="1">
+              <a:lnSpc>
+                <a:spcPct val="90000"/>
+              </a:lnSpc>
+              <a:spcBef>
+                <a:spcPts val="500"/>
+              </a:spcBef>
+              <a:buFont typeface="Arial" panose="020B0604020202020204" pitchFamily="34" charset="0"/>
+              <a:buChar char="•"/>
+              <a:defRPr sz="1800" kern="1200">
+                <a:solidFill>
+                  <a:schemeClr val="tx1"/>
+                </a:solidFill>
+                <a:latin typeface="+mn-lt"/>
+                <a:ea typeface="+mn-ea"/>
+                <a:cs typeface="+mn-cs"/>
+              </a:defRPr>
+            </a:lvl7pPr>
+            <a:lvl8pPr marL="3429000" indent="-228600" algn="l" defTabSz="914400" rtl="0" eaLnBrk="1" latinLnBrk="0" hangingPunct="1">
+              <a:lnSpc>
+                <a:spcPct val="90000"/>
+              </a:lnSpc>
+              <a:spcBef>
+                <a:spcPts val="500"/>
+              </a:spcBef>
+              <a:buFont typeface="Arial" panose="020B0604020202020204" pitchFamily="34" charset="0"/>
+              <a:buChar char="•"/>
+              <a:defRPr sz="1800" kern="1200">
+                <a:solidFill>
+                  <a:schemeClr val="tx1"/>
+                </a:solidFill>
+                <a:latin typeface="+mn-lt"/>
+                <a:ea typeface="+mn-ea"/>
+                <a:cs typeface="+mn-cs"/>
+              </a:defRPr>
+            </a:lvl8pPr>
+            <a:lvl9pPr marL="3886200" indent="-228600" algn="l" defTabSz="914400" rtl="0" eaLnBrk="1" latinLnBrk="0" hangingPunct="1">
+              <a:lnSpc>
+                <a:spcPct val="90000"/>
+              </a:lnSpc>
+              <a:spcBef>
+                <a:spcPts val="500"/>
+              </a:spcBef>
+              <a:buFont typeface="Arial" panose="020B0604020202020204" pitchFamily="34" charset="0"/>
+              <a:buChar char="•"/>
+              <a:defRPr sz="1800" kern="1200">
+                <a:solidFill>
+                  <a:schemeClr val="tx1"/>
+                </a:solidFill>
+                <a:latin typeface="+mn-lt"/>
+                <a:ea typeface="+mn-ea"/>
+                <a:cs typeface="+mn-cs"/>
+              </a:defRPr>
+            </a:lvl9pPr>
           </a:lstStyle>
           <a:p>
             <a:r>
-              <a:rPr lang="es-CO"/>
-              <a:t>HN</a:t>
-            </a:r>
+              <a:rPr lang="es-CO" dirty="0" err="1"/>
+              <a:t>Dataset</a:t>
+            </a:r>
+            <a:r>
+              <a:rPr lang="es-CO" dirty="0"/>
+              <a:t> Balanceado:</a:t>
+            </a:r>
+          </a:p>
+          <a:p>
+            <a:pPr lvl="1"/>
+            <a:r>
+              <a:rPr lang="es-CO" dirty="0"/>
+              <a:t>70% NO fraude</a:t>
+            </a:r>
+          </a:p>
+          <a:p>
+            <a:pPr lvl="1"/>
+            <a:r>
+              <a:rPr lang="es-CO" dirty="0"/>
+              <a:t>30% fraude</a:t>
+            </a:r>
+          </a:p>
+          <a:p>
+            <a:pPr lvl="1"/>
             <a:endParaRPr lang="es-CO" dirty="0"/>
+          </a:p>
+          <a:p>
+            <a:pPr lvl="1"/>
+            <a:endParaRPr lang="es-CO" dirty="0"/>
+          </a:p>
+        </p:txBody>
+      </p:sp>
+      <p:pic>
+        <p:nvPicPr>
+          <p:cNvPr id="8" name="Imagen 7">
+            <a:extLst>
+              <a:ext uri="{FF2B5EF4-FFF2-40B4-BE49-F238E27FC236}">
+                <a16:creationId xmlns:a16="http://schemas.microsoft.com/office/drawing/2014/main" id="{D6FC7B32-8AF9-CD75-6258-60080A633BB0}"/>
+              </a:ext>
+            </a:extLst>
+          </p:cNvPr>
+          <p:cNvPicPr>
+            <a:picLocks noChangeAspect="1"/>
+          </p:cNvPicPr>
+          <p:nvPr/>
+        </p:nvPicPr>
+        <p:blipFill>
+          <a:blip r:embed="rId3"/>
+          <a:stretch>
+            <a:fillRect/>
+          </a:stretch>
+        </p:blipFill>
+        <p:spPr>
+          <a:xfrm>
+            <a:off x="6304719" y="2622827"/>
+            <a:ext cx="5695950" cy="4314825"/>
+          </a:xfrm>
+          <a:prstGeom prst="rect">
+            <a:avLst/>
+          </a:prstGeom>
+        </p:spPr>
+      </p:pic>
+    </p:spTree>
+    <p:extLst>
+      <p:ext uri="{BB962C8B-B14F-4D97-AF65-F5344CB8AC3E}">
+        <p14:creationId xmlns:p14="http://schemas.microsoft.com/office/powerpoint/2010/main" val="3670527930"/>
+      </p:ext>
+    </p:extLst>
+  </p:cSld>
+  <p:clrMapOvr>
+    <a:masterClrMapping/>
+  </p:clrMapOvr>
+</p:sld>
+</file>
+
+<file path=ppt/slides/slide21.xml><?xml version="1.0" encoding="utf-8"?>
+<p:sld xmlns:a="http://schemas.openxmlformats.org/drawingml/2006/main" xmlns:r="http://schemas.openxmlformats.org/officeDocument/2006/relationships" xmlns:p="http://schemas.openxmlformats.org/presentationml/2006/main">
+  <p:cSld>
+    <p:spTree>
+      <p:nvGrpSpPr>
+        <p:cNvPr id="1" name=""/>
+        <p:cNvGrpSpPr/>
+        <p:nvPr/>
+      </p:nvGrpSpPr>
+      <p:grpSpPr>
+        <a:xfrm>
+          <a:off x="0" y="0"/>
+          <a:ext cx="0" cy="0"/>
+          <a:chOff x="0" y="0"/>
+          <a:chExt cx="0" cy="0"/>
+        </a:xfrm>
+      </p:grpSpPr>
+      <p:sp>
+        <p:nvSpPr>
+          <p:cNvPr id="3" name="Marcador de contenido 2">
+            <a:extLst>
+              <a:ext uri="{FF2B5EF4-FFF2-40B4-BE49-F238E27FC236}">
+                <a16:creationId xmlns:a16="http://schemas.microsoft.com/office/drawing/2014/main" id="{251B6C55-A0C1-6AA5-CB13-41A67BF71D6B}"/>
+              </a:ext>
+            </a:extLst>
+          </p:cNvPr>
+          <p:cNvSpPr>
+            <a:spLocks noGrp="1"/>
+          </p:cNvSpPr>
+          <p:nvPr>
+            <p:ph idx="1"/>
+          </p:nvPr>
+        </p:nvSpPr>
+        <p:spPr>
+          <a:xfrm>
+            <a:off x="838200" y="980798"/>
+            <a:ext cx="5029200" cy="4351338"/>
+          </a:xfrm>
+        </p:spPr>
+        <p:txBody>
+          <a:bodyPr>
+            <a:normAutofit/>
+          </a:bodyPr>
+          <a:lstStyle/>
+          <a:p>
+            <a:r>
+              <a:rPr lang="es-CO" sz="3200" dirty="0"/>
+              <a:t>Balanceo Manual:</a:t>
+            </a:r>
+          </a:p>
+          <a:p>
+            <a:endParaRPr lang="es-CO" sz="3200" dirty="0"/>
+          </a:p>
+          <a:p>
+            <a:pPr lvl="1"/>
+            <a:r>
+              <a:rPr lang="es-CO" sz="2800" dirty="0" err="1"/>
+              <a:t>Accuracy_score</a:t>
+            </a:r>
+            <a:r>
+              <a:rPr lang="es-CO" sz="2800" dirty="0"/>
+              <a:t>: 0.97</a:t>
+            </a:r>
+          </a:p>
+          <a:p>
+            <a:pPr lvl="1"/>
+            <a:endParaRPr lang="es-CO" sz="2800" dirty="0"/>
+          </a:p>
+          <a:p>
+            <a:pPr lvl="1"/>
+            <a:r>
+              <a:rPr lang="es-CO" sz="2800" dirty="0" err="1"/>
+              <a:t>Recall_score</a:t>
+            </a:r>
+            <a:r>
+              <a:rPr lang="es-CO" sz="2800" dirty="0"/>
+              <a:t>: 0.99</a:t>
+            </a:r>
+          </a:p>
+          <a:p>
+            <a:pPr lvl="1"/>
+            <a:endParaRPr lang="es-CO" sz="2800" dirty="0"/>
+          </a:p>
+          <a:p>
+            <a:pPr lvl="1"/>
+            <a:r>
+              <a:rPr lang="es-CO" sz="2800" dirty="0" err="1"/>
+              <a:t>Hiperparámetro</a:t>
+            </a:r>
+            <a:r>
+              <a:rPr lang="es-CO" sz="2800" dirty="0"/>
+              <a:t> </a:t>
+            </a:r>
+            <a:r>
+              <a:rPr lang="es-CO" sz="2800" dirty="0" err="1"/>
+              <a:t>ópitmo</a:t>
+            </a:r>
+            <a:r>
+              <a:rPr lang="es-CO" sz="2800" dirty="0"/>
+              <a:t>: 19 </a:t>
+            </a:r>
+            <a:r>
+              <a:rPr lang="es-CO" sz="2800" dirty="0" err="1"/>
+              <a:t>n_neighbors</a:t>
+            </a:r>
+            <a:endParaRPr lang="es-CO" sz="2800" dirty="0"/>
+          </a:p>
+        </p:txBody>
+      </p:sp>
+      <p:pic>
+        <p:nvPicPr>
+          <p:cNvPr id="5" name="Imagen 4">
+            <a:extLst>
+              <a:ext uri="{FF2B5EF4-FFF2-40B4-BE49-F238E27FC236}">
+                <a16:creationId xmlns:a16="http://schemas.microsoft.com/office/drawing/2014/main" id="{9D796ADA-4F2F-7723-FCB4-91675D8DB6E7}"/>
+              </a:ext>
+            </a:extLst>
+          </p:cNvPr>
+          <p:cNvPicPr>
+            <a:picLocks noChangeAspect="1"/>
+          </p:cNvPicPr>
+          <p:nvPr/>
+        </p:nvPicPr>
+        <p:blipFill>
+          <a:blip r:embed="rId2"/>
+          <a:stretch>
+            <a:fillRect/>
+          </a:stretch>
+        </p:blipFill>
+        <p:spPr>
+          <a:xfrm>
+            <a:off x="5867400" y="1785868"/>
+            <a:ext cx="5486400" cy="4114800"/>
+          </a:xfrm>
+          <a:prstGeom prst="rect">
+            <a:avLst/>
+          </a:prstGeom>
+        </p:spPr>
+      </p:pic>
+    </p:spTree>
+    <p:extLst>
+      <p:ext uri="{BB962C8B-B14F-4D97-AF65-F5344CB8AC3E}">
+        <p14:creationId xmlns:p14="http://schemas.microsoft.com/office/powerpoint/2010/main" val="980289329"/>
+      </p:ext>
+    </p:extLst>
+  </p:cSld>
+  <p:clrMapOvr>
+    <a:masterClrMapping/>
+  </p:clrMapOvr>
+</p:sld>
+</file>
+
+<file path=ppt/slides/slide22.xml><?xml version="1.0" encoding="utf-8"?>
+<p:sld xmlns:a="http://schemas.openxmlformats.org/drawingml/2006/main" xmlns:r="http://schemas.openxmlformats.org/officeDocument/2006/relationships" xmlns:p="http://schemas.openxmlformats.org/presentationml/2006/main">
+  <p:cSld>
+    <p:spTree>
+      <p:nvGrpSpPr>
+        <p:cNvPr id="1" name=""/>
+        <p:cNvGrpSpPr/>
+        <p:nvPr/>
+      </p:nvGrpSpPr>
+      <p:grpSpPr>
+        <a:xfrm>
+          <a:off x="0" y="0"/>
+          <a:ext cx="0" cy="0"/>
+          <a:chOff x="0" y="0"/>
+          <a:chExt cx="0" cy="0"/>
+        </a:xfrm>
+      </p:grpSpPr>
+      <p:sp>
+        <p:nvSpPr>
+          <p:cNvPr id="2" name="Título 1">
+            <a:extLst>
+              <a:ext uri="{FF2B5EF4-FFF2-40B4-BE49-F238E27FC236}">
+                <a16:creationId xmlns:a16="http://schemas.microsoft.com/office/drawing/2014/main" id="{C101DECD-B1F9-3103-AA6B-8AF7003FFCE0}"/>
+              </a:ext>
+            </a:extLst>
+          </p:cNvPr>
+          <p:cNvSpPr>
+            <a:spLocks noGrp="1"/>
+          </p:cNvSpPr>
+          <p:nvPr>
+            <p:ph type="title"/>
+          </p:nvPr>
+        </p:nvSpPr>
+        <p:spPr/>
+        <p:txBody>
+          <a:bodyPr>
+            <a:normAutofit/>
+          </a:bodyPr>
+          <a:lstStyle/>
+          <a:p>
+            <a:r>
+              <a:rPr lang="es-MX" dirty="0"/>
+              <a:t>Estrategias para datos Desbalanceados (KNN)</a:t>
+            </a:r>
+            <a:endParaRPr lang="es-CO" dirty="0"/>
+          </a:p>
+        </p:txBody>
+      </p:sp>
+      <p:sp>
+        <p:nvSpPr>
+          <p:cNvPr id="3" name="Marcador de contenido 2">
+            <a:extLst>
+              <a:ext uri="{FF2B5EF4-FFF2-40B4-BE49-F238E27FC236}">
+                <a16:creationId xmlns:a16="http://schemas.microsoft.com/office/drawing/2014/main" id="{F69A258A-BA10-AE9F-2F53-5783A8682EC3}"/>
+              </a:ext>
+            </a:extLst>
+          </p:cNvPr>
+          <p:cNvSpPr>
+            <a:spLocks noGrp="1"/>
+          </p:cNvSpPr>
+          <p:nvPr>
+            <p:ph idx="1"/>
+          </p:nvPr>
+        </p:nvSpPr>
+        <p:spPr>
+          <a:xfrm>
+            <a:off x="838199" y="1452880"/>
+            <a:ext cx="4372928" cy="4724083"/>
+          </a:xfrm>
+        </p:spPr>
+        <p:txBody>
+          <a:bodyPr>
+            <a:normAutofit/>
+          </a:bodyPr>
+          <a:lstStyle/>
+          <a:p>
+            <a:r>
+              <a:rPr lang="es-CO" dirty="0" err="1"/>
+              <a:t>Subsampling</a:t>
+            </a:r>
+            <a:r>
+              <a:rPr lang="es-CO" dirty="0"/>
+              <a:t>:</a:t>
+            </a:r>
+          </a:p>
+          <a:p>
+            <a:pPr lvl="1"/>
+            <a:r>
+              <a:rPr lang="es-CO" dirty="0" err="1"/>
+              <a:t>Accuracy_score</a:t>
+            </a:r>
+            <a:r>
+              <a:rPr lang="es-CO" dirty="0"/>
+              <a:t>: 0.97</a:t>
+            </a:r>
+          </a:p>
+          <a:p>
+            <a:pPr lvl="1"/>
+            <a:r>
+              <a:rPr lang="es-CO" dirty="0" err="1"/>
+              <a:t>Recall_score</a:t>
+            </a:r>
+            <a:r>
+              <a:rPr lang="es-CO" dirty="0"/>
+              <a:t>: 0.99</a:t>
+            </a:r>
+          </a:p>
+          <a:p>
+            <a:pPr lvl="1"/>
+            <a:endParaRPr lang="es-CO" dirty="0"/>
+          </a:p>
+          <a:p>
+            <a:r>
+              <a:rPr lang="es-CO" dirty="0" err="1"/>
+              <a:t>Oversampling</a:t>
+            </a:r>
+            <a:r>
+              <a:rPr lang="es-CO" dirty="0"/>
+              <a:t>:</a:t>
+            </a:r>
+          </a:p>
+          <a:p>
+            <a:pPr lvl="1"/>
+            <a:r>
+              <a:rPr lang="es-CO" dirty="0" err="1"/>
+              <a:t>Accuracy_score</a:t>
+            </a:r>
+            <a:r>
+              <a:rPr lang="es-CO" dirty="0"/>
+              <a:t>: 0.97</a:t>
+            </a:r>
+          </a:p>
+          <a:p>
+            <a:pPr lvl="1"/>
+            <a:r>
+              <a:rPr lang="es-CO" dirty="0" err="1"/>
+              <a:t>Recall_score</a:t>
+            </a:r>
+            <a:r>
+              <a:rPr lang="es-CO" dirty="0"/>
+              <a:t>: 0.96</a:t>
+            </a:r>
+          </a:p>
+          <a:p>
+            <a:pPr lvl="1"/>
+            <a:endParaRPr lang="es-CO" dirty="0"/>
+          </a:p>
+          <a:p>
+            <a:r>
+              <a:rPr lang="es-CO" dirty="0" err="1"/>
+              <a:t>Smote-Tomek</a:t>
+            </a:r>
+            <a:r>
+              <a:rPr lang="es-CO" dirty="0"/>
+              <a:t>:</a:t>
+            </a:r>
+          </a:p>
+          <a:p>
+            <a:pPr lvl="1"/>
+            <a:r>
+              <a:rPr lang="es-CO" dirty="0" err="1"/>
+              <a:t>Accuracy_score</a:t>
+            </a:r>
+            <a:r>
+              <a:rPr lang="es-CO" dirty="0"/>
+              <a:t>: 0.97</a:t>
+            </a:r>
+          </a:p>
+          <a:p>
+            <a:pPr lvl="1"/>
+            <a:r>
+              <a:rPr lang="es-CO" dirty="0" err="1"/>
+              <a:t>Recall_score</a:t>
+            </a:r>
+            <a:r>
+              <a:rPr lang="es-CO" dirty="0"/>
+              <a:t>: 0.97</a:t>
+            </a:r>
+          </a:p>
+        </p:txBody>
+      </p:sp>
+      <p:pic>
+        <p:nvPicPr>
+          <p:cNvPr id="5" name="Imagen 4">
+            <a:extLst>
+              <a:ext uri="{FF2B5EF4-FFF2-40B4-BE49-F238E27FC236}">
+                <a16:creationId xmlns:a16="http://schemas.microsoft.com/office/drawing/2014/main" id="{E553C843-BFE9-136F-1217-7A3C554AB3FD}"/>
+              </a:ext>
+            </a:extLst>
+          </p:cNvPr>
+          <p:cNvPicPr>
+            <a:picLocks noChangeAspect="1"/>
+          </p:cNvPicPr>
+          <p:nvPr/>
+        </p:nvPicPr>
+        <p:blipFill>
+          <a:blip r:embed="rId2"/>
+          <a:stretch>
+            <a:fillRect/>
+          </a:stretch>
+        </p:blipFill>
+        <p:spPr>
+          <a:xfrm>
+            <a:off x="5211127" y="1649795"/>
+            <a:ext cx="5975033" cy="4634137"/>
+          </a:xfrm>
+          <a:prstGeom prst="rect">
+            <a:avLst/>
+          </a:prstGeom>
+        </p:spPr>
+      </p:pic>
+    </p:spTree>
+    <p:extLst>
+      <p:ext uri="{BB962C8B-B14F-4D97-AF65-F5344CB8AC3E}">
+        <p14:creationId xmlns:p14="http://schemas.microsoft.com/office/powerpoint/2010/main" val="3408325409"/>
+      </p:ext>
+    </p:extLst>
+  </p:cSld>
+  <p:clrMapOvr>
+    <a:masterClrMapping/>
+  </p:clrMapOvr>
+</p:sld>
+</file>
+
+<file path=ppt/slides/slide23.xml><?xml version="1.0" encoding="utf-8"?>
+<p:sld xmlns:a="http://schemas.openxmlformats.org/drawingml/2006/main" xmlns:r="http://schemas.openxmlformats.org/officeDocument/2006/relationships" xmlns:p="http://schemas.openxmlformats.org/presentationml/2006/main">
+  <p:cSld>
+    <p:spTree>
+      <p:nvGrpSpPr>
+        <p:cNvPr id="1" name=""/>
+        <p:cNvGrpSpPr/>
+        <p:nvPr/>
+      </p:nvGrpSpPr>
+      <p:grpSpPr>
+        <a:xfrm>
+          <a:off x="0" y="0"/>
+          <a:ext cx="0" cy="0"/>
+          <a:chOff x="0" y="0"/>
+          <a:chExt cx="0" cy="0"/>
+        </a:xfrm>
+      </p:grpSpPr>
+      <p:sp>
+        <p:nvSpPr>
+          <p:cNvPr id="2" name="Título 1">
+            <a:extLst>
+              <a:ext uri="{FF2B5EF4-FFF2-40B4-BE49-F238E27FC236}">
+                <a16:creationId xmlns:a16="http://schemas.microsoft.com/office/drawing/2014/main" id="{937EEB7B-C38E-8305-1E7E-595D98C44355}"/>
+              </a:ext>
+            </a:extLst>
+          </p:cNvPr>
+          <p:cNvSpPr>
+            <a:spLocks noGrp="1"/>
+          </p:cNvSpPr>
+          <p:nvPr>
+            <p:ph type="title"/>
+          </p:nvPr>
+        </p:nvSpPr>
+        <p:spPr>
+          <a:xfrm>
+            <a:off x="4209644" y="34978"/>
+            <a:ext cx="3772711" cy="913726"/>
+          </a:xfrm>
+        </p:spPr>
+        <p:txBody>
+          <a:bodyPr>
+            <a:normAutofit/>
+          </a:bodyPr>
+          <a:lstStyle/>
+          <a:p>
+            <a:r>
+              <a:rPr lang="es-CO" sz="4200" dirty="0"/>
+              <a:t>CONCLUSIONES</a:t>
+            </a:r>
           </a:p>
         </p:txBody>
       </p:sp>
@@ -10049,7 +10961,7 @@
         </p:nvSpPr>
         <p:spPr>
           <a:xfrm>
-            <a:off x="8020618" y="544394"/>
+            <a:off x="4670570" y="6255046"/>
             <a:ext cx="2263140" cy="369332"/>
           </a:xfrm>
           <a:prstGeom prst="rect">
@@ -10090,7 +11002,7 @@
         </p:nvSpPr>
         <p:spPr>
           <a:xfrm>
-            <a:off x="10558079" y="544394"/>
+            <a:off x="7137554" y="6255046"/>
             <a:ext cx="699230" cy="369332"/>
           </a:xfrm>
           <a:prstGeom prst="rect">
@@ -10132,14 +11044,14 @@
           <p:nvPr>
             <p:extLst>
               <p:ext uri="{D42A27DB-BD31-4B8C-83A1-F6EECF244321}">
-                <p14:modId xmlns:p14="http://schemas.microsoft.com/office/powerpoint/2010/main" val="2431135213"/>
+                <p14:modId xmlns:p14="http://schemas.microsoft.com/office/powerpoint/2010/main" val="2943788993"/>
               </p:ext>
             </p:extLst>
           </p:nvPr>
         </p:nvGraphicFramePr>
         <p:xfrm>
-          <a:off x="1366104" y="903484"/>
-          <a:ext cx="8761660" cy="4147117"/>
+          <a:off x="1570385" y="806801"/>
+          <a:ext cx="8761660" cy="5244397"/>
         </p:xfrm>
         <a:graphic>
           <a:graphicData uri="http://schemas.openxmlformats.org/drawingml/2006/table">
@@ -10236,10 +11148,9 @@
                     <a:p>
                       <a:pPr algn="ctr"/>
                       <a:r>
-                        <a:rPr lang="es-AR" b="1" dirty="0" err="1"/>
-                        <a:t>Precision</a:t>
+                        <a:rPr lang="es-AR" b="1" dirty="0"/>
+                        <a:t>Precisión</a:t>
                       </a:r>
-                      <a:endParaRPr lang="es-AR" b="1" dirty="0"/>
                     </a:p>
                   </a:txBody>
                   <a:tcPr/>
@@ -10743,7 +11654,17 @@
                     <a:lstStyle/>
                     <a:p>
                       <a:pPr algn="ctr"/>
-                      <a:endParaRPr lang="es-AR" sz="1200" dirty="0"/>
+                      <a:r>
+                        <a:rPr lang="es-AR" sz="1200" dirty="0"/>
+                        <a:t>0.96</a:t>
+                      </a:r>
+                    </a:p>
+                    <a:p>
+                      <a:pPr algn="ctr"/>
+                      <a:r>
+                        <a:rPr lang="es-AR" sz="1200" dirty="0"/>
+                        <a:t>0.94</a:t>
+                      </a:r>
                     </a:p>
                   </a:txBody>
                   <a:tcPr/>
@@ -10756,7 +11677,7 @@
                       <a:pPr algn="ctr"/>
                       <a:r>
                         <a:rPr lang="es-AR" sz="1200" dirty="0"/>
-                        <a:t>0.59</a:t>
+                        <a:t>0.60</a:t>
                       </a:r>
                     </a:p>
                     <a:p>
@@ -10775,7 +11696,17 @@
                     <a:lstStyle/>
                     <a:p>
                       <a:pPr algn="ctr"/>
-                      <a:endParaRPr lang="es-AR" sz="1200" dirty="0"/>
+                      <a:r>
+                        <a:rPr lang="es-AR" sz="1200" dirty="0"/>
+                        <a:t>0.78</a:t>
+                      </a:r>
+                    </a:p>
+                    <a:p>
+                      <a:pPr algn="ctr"/>
+                      <a:r>
+                        <a:rPr lang="es-AR" sz="1200" dirty="0"/>
+                        <a:t>0.62</a:t>
+                      </a:r>
                     </a:p>
                   </a:txBody>
                   <a:tcPr/>
@@ -10880,7 +11811,17 @@
                     <a:lstStyle/>
                     <a:p>
                       <a:pPr algn="ctr"/>
-                      <a:endParaRPr lang="es-AR" sz="1200" dirty="0"/>
+                      <a:r>
+                        <a:rPr lang="es-AR" sz="1200" dirty="0"/>
+                        <a:t>0.96</a:t>
+                      </a:r>
+                    </a:p>
+                    <a:p>
+                      <a:pPr algn="ctr"/>
+                      <a:r>
+                        <a:rPr lang="es-AR" sz="1200" dirty="0"/>
+                        <a:t>0.90</a:t>
+                      </a:r>
                     </a:p>
                   </a:txBody>
                   <a:tcPr/>
@@ -10900,7 +11841,7 @@
                       <a:pPr algn="ctr"/>
                       <a:r>
                         <a:rPr lang="es-AR" sz="1200" dirty="0"/>
-                        <a:t>0.24</a:t>
+                        <a:t>0.25</a:t>
                       </a:r>
                     </a:p>
                   </a:txBody>
@@ -10912,7 +11853,17 @@
                     <a:lstStyle/>
                     <a:p>
                       <a:pPr algn="ctr"/>
-                      <a:endParaRPr lang="es-AR" sz="1200" dirty="0"/>
+                      <a:r>
+                        <a:rPr lang="es-AR" sz="1200" dirty="0"/>
+                        <a:t>0.82</a:t>
+                      </a:r>
+                    </a:p>
+                    <a:p>
+                      <a:pPr algn="ctr"/>
+                      <a:r>
+                        <a:rPr lang="es-AR" sz="1200" dirty="0"/>
+                        <a:t>0.58</a:t>
+                      </a:r>
                     </a:p>
                   </a:txBody>
                   <a:tcPr/>
@@ -11001,7 +11952,17 @@
                     <a:lstStyle/>
                     <a:p>
                       <a:pPr algn="ctr"/>
-                      <a:endParaRPr lang="es-AR" sz="1200" dirty="0"/>
+                      <a:r>
+                        <a:rPr lang="es-AR" sz="1200" dirty="0"/>
+                        <a:t>0.99</a:t>
+                      </a:r>
+                    </a:p>
+                    <a:p>
+                      <a:pPr algn="ctr"/>
+                      <a:r>
+                        <a:rPr lang="es-AR" sz="1200" dirty="0"/>
+                        <a:t>0.97</a:t>
+                      </a:r>
                     </a:p>
                   </a:txBody>
                   <a:tcPr/>
@@ -11014,7 +11975,7 @@
                       <a:pPr algn="ctr"/>
                       <a:r>
                         <a:rPr lang="es-AR" sz="1200" dirty="0"/>
-                        <a:t>0.93</a:t>
+                        <a:t>0.94</a:t>
                       </a:r>
                     </a:p>
                     <a:p>
@@ -11033,7 +11994,17 @@
                     <a:lstStyle/>
                     <a:p>
                       <a:pPr algn="ctr"/>
-                      <a:endParaRPr lang="es-AR" sz="1200" dirty="0"/>
+                      <a:r>
+                        <a:rPr lang="es-AR" sz="1200" dirty="0"/>
+                        <a:t>0.97</a:t>
+                      </a:r>
+                    </a:p>
+                    <a:p>
+                      <a:pPr algn="ctr"/>
+                      <a:r>
+                        <a:rPr lang="es-AR" sz="1200" dirty="0"/>
+                        <a:t>0.83</a:t>
+                      </a:r>
                     </a:p>
                   </a:txBody>
                   <a:tcPr/>
@@ -11130,7 +12101,17 @@
                     <a:lstStyle/>
                     <a:p>
                       <a:pPr algn="ctr"/>
-                      <a:endParaRPr lang="es-AR" sz="1200" dirty="0"/>
+                      <a:r>
+                        <a:rPr lang="es-AR" sz="1200" dirty="0"/>
+                        <a:t>1.00</a:t>
+                      </a:r>
+                    </a:p>
+                    <a:p>
+                      <a:pPr algn="ctr"/>
+                      <a:r>
+                        <a:rPr lang="es-AR" sz="1200" dirty="0"/>
+                        <a:t>0.97</a:t>
+                      </a:r>
                     </a:p>
                   </a:txBody>
                   <a:tcPr/>
@@ -11150,7 +12131,7 @@
                       <a:pPr algn="ctr"/>
                       <a:r>
                         <a:rPr lang="es-AR" sz="1200" dirty="0"/>
-                        <a:t>0.69</a:t>
+                        <a:t>0.70</a:t>
                       </a:r>
                     </a:p>
                   </a:txBody>
@@ -11162,7 +12143,17 @@
                     <a:lstStyle/>
                     <a:p>
                       <a:pPr algn="ctr"/>
-                      <a:endParaRPr lang="es-AR" sz="1200" dirty="0"/>
+                      <a:r>
+                        <a:rPr lang="es-AR" sz="1200" dirty="0"/>
+                        <a:t>0.98</a:t>
+                      </a:r>
+                    </a:p>
+                    <a:p>
+                      <a:pPr algn="ctr"/>
+                      <a:r>
+                        <a:rPr lang="es-AR" sz="1200" dirty="0"/>
+                        <a:t>0.84</a:t>
+                      </a:r>
                     </a:p>
                   </a:txBody>
                   <a:tcPr/>
@@ -11211,7 +12202,17 @@
                     <a:lstStyle/>
                     <a:p>
                       <a:pPr algn="ctr"/>
-                      <a:endParaRPr lang="es-AR" sz="1200" dirty="0"/>
+                      <a:r>
+                        <a:rPr lang="es-AR" sz="1200" dirty="0"/>
+                        <a:t>0.96</a:t>
+                      </a:r>
+                    </a:p>
+                    <a:p>
+                      <a:pPr algn="ctr"/>
+                      <a:r>
+                        <a:rPr lang="es-AR" sz="1200" dirty="0"/>
+                        <a:t>0.86</a:t>
+                      </a:r>
                     </a:p>
                   </a:txBody>
                   <a:tcPr/>
@@ -11224,7 +12225,7 @@
                       <a:pPr algn="ctr"/>
                       <a:r>
                         <a:rPr lang="es-AR" sz="1200" dirty="0"/>
-                        <a:t>0.91</a:t>
+                        <a:t>0.92</a:t>
                       </a:r>
                     </a:p>
                     <a:p>
@@ -11243,7 +12244,17 @@
                     <a:lstStyle/>
                     <a:p>
                       <a:pPr algn="ctr"/>
-                      <a:endParaRPr lang="es-AR" sz="1200" dirty="0"/>
+                      <a:r>
+                        <a:rPr lang="es-AR" sz="1200" dirty="0"/>
+                        <a:t>0.94</a:t>
+                      </a:r>
+                    </a:p>
+                    <a:p>
+                      <a:pPr algn="ctr"/>
+                      <a:r>
+                        <a:rPr lang="es-AR" sz="1200" dirty="0"/>
+                        <a:t>0.75</a:t>
+                      </a:r>
                     </a:p>
                   </a:txBody>
                   <a:tcPr/>
@@ -11254,10 +12265,646 @@
                   </a:ext>
                 </a:extLst>
               </a:tr>
+              <a:tr h="129540">
+                <a:tc rowSpan="4">
+                  <a:txBody>
+                    <a:bodyPr/>
+                    <a:lstStyle/>
+                    <a:p>
+                      <a:pPr algn="ctr"/>
+                      <a:r>
+                        <a:rPr lang="es-AR" sz="2800" dirty="0"/>
+                        <a:t>KNN</a:t>
+                      </a:r>
+                    </a:p>
+                  </a:txBody>
+                  <a:tcPr anchor="ctr" anchorCtr="1"/>
+                </a:tc>
+                <a:tc>
+                  <a:txBody>
+                    <a:bodyPr/>
+                    <a:lstStyle/>
+                    <a:p>
+                      <a:pPr marL="0" marR="0" lvl="0" indent="0" algn="ctr" defTabSz="914400" rtl="0" eaLnBrk="1" fontAlgn="auto" latinLnBrk="0" hangingPunct="1">
+                        <a:lnSpc>
+                          <a:spcPct val="100000"/>
+                        </a:lnSpc>
+                        <a:spcBef>
+                          <a:spcPts val="0"/>
+                        </a:spcBef>
+                        <a:spcAft>
+                          <a:spcPts val="0"/>
+                        </a:spcAft>
+                        <a:buClrTx/>
+                        <a:buSzTx/>
+                        <a:buFontTx/>
+                        <a:buNone/>
+                        <a:tabLst/>
+                        <a:defRPr/>
+                      </a:pPr>
+                      <a:r>
+                        <a:rPr lang="es-AR" sz="1200" dirty="0" err="1"/>
+                        <a:t>NearMiss</a:t>
+                      </a:r>
+                      <a:r>
+                        <a:rPr lang="es-AR" sz="1200" dirty="0"/>
+                        <a:t> (</a:t>
+                      </a:r>
+                      <a:r>
+                        <a:rPr lang="es-AR" sz="1200" dirty="0" err="1"/>
+                        <a:t>us</a:t>
+                      </a:r>
+                      <a:r>
+                        <a:rPr lang="es-AR" sz="1200" dirty="0"/>
+                        <a:t>)</a:t>
+                      </a:r>
+                    </a:p>
+                  </a:txBody>
+                  <a:tcPr/>
+                </a:tc>
+                <a:tc>
+                  <a:txBody>
+                    <a:bodyPr/>
+                    <a:lstStyle/>
+                    <a:p>
+                      <a:pPr algn="ctr"/>
+                      <a:r>
+                        <a:rPr lang="es-AR" sz="1200" dirty="0"/>
+                        <a:t>1.00</a:t>
+                      </a:r>
+                    </a:p>
+                  </a:txBody>
+                  <a:tcPr/>
+                </a:tc>
+                <a:tc>
+                  <a:txBody>
+                    <a:bodyPr/>
+                    <a:lstStyle/>
+                    <a:p>
+                      <a:pPr algn="ctr"/>
+                      <a:r>
+                        <a:rPr lang="es-AR" sz="1200" dirty="0"/>
+                        <a:t>0.99</a:t>
+                      </a:r>
+                    </a:p>
+                  </a:txBody>
+                  <a:tcPr/>
+                </a:tc>
+                <a:tc>
+                  <a:txBody>
+                    <a:bodyPr/>
+                    <a:lstStyle/>
+                    <a:p>
+                      <a:pPr algn="ctr"/>
+                      <a:r>
+                        <a:rPr lang="es-AR" sz="1200" dirty="0"/>
+                        <a:t>0.99</a:t>
+                      </a:r>
+                    </a:p>
+                  </a:txBody>
+                  <a:tcPr/>
+                </a:tc>
+                <a:extLst>
+                  <a:ext uri="{0D108BD9-81ED-4DB2-BD59-A6C34878D82A}">
+                    <a16:rowId xmlns:a16="http://schemas.microsoft.com/office/drawing/2014/main" val="3168219191"/>
+                  </a:ext>
+                </a:extLst>
+              </a:tr>
+              <a:tr h="144780">
+                <a:tc vMerge="1">
+                  <a:txBody>
+                    <a:bodyPr/>
+                    <a:lstStyle/>
+                    <a:p>
+                      <a:endParaRPr lang="es-AR"/>
+                    </a:p>
+                  </a:txBody>
+                  <a:tcPr/>
+                </a:tc>
+                <a:tc>
+                  <a:txBody>
+                    <a:bodyPr/>
+                    <a:lstStyle/>
+                    <a:p>
+                      <a:pPr marL="0" marR="0" lvl="0" indent="0" algn="ctr" defTabSz="914400" rtl="0" eaLnBrk="1" fontAlgn="auto" latinLnBrk="0" hangingPunct="1">
+                        <a:lnSpc>
+                          <a:spcPct val="100000"/>
+                        </a:lnSpc>
+                        <a:spcBef>
+                          <a:spcPts val="0"/>
+                        </a:spcBef>
+                        <a:spcAft>
+                          <a:spcPts val="0"/>
+                        </a:spcAft>
+                        <a:buClrTx/>
+                        <a:buSzTx/>
+                        <a:buFontTx/>
+                        <a:buNone/>
+                        <a:tabLst/>
+                        <a:defRPr/>
+                      </a:pPr>
+                      <a:r>
+                        <a:rPr lang="es-AR" sz="1200" dirty="0" err="1"/>
+                        <a:t>RandomOverSampler</a:t>
+                      </a:r>
+                      <a:r>
+                        <a:rPr lang="es-AR" sz="1200" dirty="0"/>
+                        <a:t> (os)</a:t>
+                      </a:r>
+                    </a:p>
+                  </a:txBody>
+                  <a:tcPr/>
+                </a:tc>
+                <a:tc>
+                  <a:txBody>
+                    <a:bodyPr/>
+                    <a:lstStyle/>
+                    <a:p>
+                      <a:pPr algn="ctr"/>
+                      <a:r>
+                        <a:rPr lang="es-AR" sz="1200" dirty="0"/>
+                        <a:t>1.00</a:t>
+                      </a:r>
+                    </a:p>
+                  </a:txBody>
+                  <a:tcPr/>
+                </a:tc>
+                <a:tc>
+                  <a:txBody>
+                    <a:bodyPr/>
+                    <a:lstStyle/>
+                    <a:p>
+                      <a:pPr algn="ctr"/>
+                      <a:r>
+                        <a:rPr lang="es-AR" sz="1200" dirty="0"/>
+                        <a:t>0.99</a:t>
+                      </a:r>
+                    </a:p>
+                  </a:txBody>
+                  <a:tcPr/>
+                </a:tc>
+                <a:tc>
+                  <a:txBody>
+                    <a:bodyPr/>
+                    <a:lstStyle/>
+                    <a:p>
+                      <a:pPr algn="ctr"/>
+                      <a:r>
+                        <a:rPr lang="es-AR" sz="1200" dirty="0"/>
+                        <a:t>0.99</a:t>
+                      </a:r>
+                    </a:p>
+                  </a:txBody>
+                  <a:tcPr/>
+                </a:tc>
+                <a:extLst>
+                  <a:ext uri="{0D108BD9-81ED-4DB2-BD59-A6C34878D82A}">
+                    <a16:rowId xmlns:a16="http://schemas.microsoft.com/office/drawing/2014/main" val="2814457146"/>
+                  </a:ext>
+                </a:extLst>
+              </a:tr>
+              <a:tr h="129540">
+                <a:tc vMerge="1">
+                  <a:txBody>
+                    <a:bodyPr/>
+                    <a:lstStyle/>
+                    <a:p>
+                      <a:endParaRPr lang="es-AR"/>
+                    </a:p>
+                  </a:txBody>
+                  <a:tcPr/>
+                </a:tc>
+                <a:tc>
+                  <a:txBody>
+                    <a:bodyPr/>
+                    <a:lstStyle/>
+                    <a:p>
+                      <a:pPr marL="0" marR="0" lvl="0" indent="0" algn="ctr" defTabSz="914400" rtl="0" eaLnBrk="1" fontAlgn="auto" latinLnBrk="0" hangingPunct="1">
+                        <a:lnSpc>
+                          <a:spcPct val="100000"/>
+                        </a:lnSpc>
+                        <a:spcBef>
+                          <a:spcPts val="0"/>
+                        </a:spcBef>
+                        <a:spcAft>
+                          <a:spcPts val="0"/>
+                        </a:spcAft>
+                        <a:buClrTx/>
+                        <a:buSzTx/>
+                        <a:buFontTx/>
+                        <a:buNone/>
+                        <a:tabLst/>
+                        <a:defRPr/>
+                      </a:pPr>
+                      <a:r>
+                        <a:rPr lang="es-AR" sz="1200" dirty="0"/>
+                        <a:t>SMOTE-</a:t>
+                      </a:r>
+                      <a:r>
+                        <a:rPr lang="es-AR" sz="1200" dirty="0" err="1"/>
+                        <a:t>Tomek</a:t>
+                      </a:r>
+                      <a:endParaRPr lang="es-AR" sz="1200" dirty="0"/>
+                    </a:p>
+                  </a:txBody>
+                  <a:tcPr/>
+                </a:tc>
+                <a:tc>
+                  <a:txBody>
+                    <a:bodyPr/>
+                    <a:lstStyle/>
+                    <a:p>
+                      <a:pPr algn="ctr"/>
+                      <a:r>
+                        <a:rPr lang="es-AR" sz="1200" dirty="0"/>
+                        <a:t>1.00</a:t>
+                      </a:r>
+                    </a:p>
+                  </a:txBody>
+                  <a:tcPr/>
+                </a:tc>
+                <a:tc>
+                  <a:txBody>
+                    <a:bodyPr/>
+                    <a:lstStyle/>
+                    <a:p>
+                      <a:pPr algn="ctr"/>
+                      <a:r>
+                        <a:rPr lang="es-AR" sz="1200" dirty="0"/>
+                        <a:t>0.99</a:t>
+                      </a:r>
+                    </a:p>
+                  </a:txBody>
+                  <a:tcPr/>
+                </a:tc>
+                <a:tc>
+                  <a:txBody>
+                    <a:bodyPr/>
+                    <a:lstStyle/>
+                    <a:p>
+                      <a:pPr algn="ctr"/>
+                      <a:r>
+                        <a:rPr lang="es-AR" sz="1200" dirty="0"/>
+                        <a:t>0.99</a:t>
+                      </a:r>
+                    </a:p>
+                  </a:txBody>
+                  <a:tcPr/>
+                </a:tc>
+                <a:extLst>
+                  <a:ext uri="{0D108BD9-81ED-4DB2-BD59-A6C34878D82A}">
+                    <a16:rowId xmlns:a16="http://schemas.microsoft.com/office/drawing/2014/main" val="4179018055"/>
+                  </a:ext>
+                </a:extLst>
+              </a:tr>
+              <a:tr h="129540">
+                <a:tc vMerge="1">
+                  <a:txBody>
+                    <a:bodyPr/>
+                    <a:lstStyle/>
+                    <a:p>
+                      <a:endParaRPr lang="es-AR"/>
+                    </a:p>
+                  </a:txBody>
+                  <a:tcPr/>
+                </a:tc>
+                <a:tc>
+                  <a:txBody>
+                    <a:bodyPr/>
+                    <a:lstStyle/>
+                    <a:p>
+                      <a:pPr marL="0" marR="0" lvl="0" indent="0" algn="ctr" defTabSz="914400" rtl="0" eaLnBrk="1" fontAlgn="auto" latinLnBrk="0" hangingPunct="1">
+                        <a:lnSpc>
+                          <a:spcPct val="100000"/>
+                        </a:lnSpc>
+                        <a:spcBef>
+                          <a:spcPts val="0"/>
+                        </a:spcBef>
+                        <a:spcAft>
+                          <a:spcPts val="0"/>
+                        </a:spcAft>
+                        <a:buClrTx/>
+                        <a:buSzTx/>
+                        <a:buFontTx/>
+                        <a:buNone/>
+                        <a:tabLst/>
+                        <a:defRPr/>
+                      </a:pPr>
+                      <a:r>
+                        <a:rPr lang="es-AR" sz="1200" dirty="0"/>
+                        <a:t>KNN (Balanceado Manual)</a:t>
+                      </a:r>
+                    </a:p>
+                  </a:txBody>
+                  <a:tcPr/>
+                </a:tc>
+                <a:tc>
+                  <a:txBody>
+                    <a:bodyPr/>
+                    <a:lstStyle/>
+                    <a:p>
+                      <a:pPr algn="ctr"/>
+                      <a:r>
+                        <a:rPr lang="es-AR" sz="1200" dirty="0"/>
+                        <a:t>1.00</a:t>
+                      </a:r>
+                    </a:p>
+                  </a:txBody>
+                  <a:tcPr/>
+                </a:tc>
+                <a:tc>
+                  <a:txBody>
+                    <a:bodyPr/>
+                    <a:lstStyle/>
+                    <a:p>
+                      <a:pPr algn="ctr"/>
+                      <a:r>
+                        <a:rPr lang="es-AR" sz="1200" dirty="0"/>
+                        <a:t>0.99</a:t>
+                      </a:r>
+                    </a:p>
+                  </a:txBody>
+                  <a:tcPr/>
+                </a:tc>
+                <a:tc>
+                  <a:txBody>
+                    <a:bodyPr/>
+                    <a:lstStyle/>
+                    <a:p>
+                      <a:pPr algn="ctr"/>
+                      <a:r>
+                        <a:rPr lang="es-AR" sz="1200" dirty="0"/>
+                        <a:t>0.99</a:t>
+                      </a:r>
+                    </a:p>
+                  </a:txBody>
+                  <a:tcPr/>
+                </a:tc>
+                <a:extLst>
+                  <a:ext uri="{0D108BD9-81ED-4DB2-BD59-A6C34878D82A}">
+                    <a16:rowId xmlns:a16="http://schemas.microsoft.com/office/drawing/2014/main" val="415064531"/>
+                  </a:ext>
+                </a:extLst>
+              </a:tr>
             </a:tbl>
           </a:graphicData>
         </a:graphic>
       </p:graphicFrame>
+      <p:sp>
+        <p:nvSpPr>
+          <p:cNvPr id="3" name="Rectángulo 2">
+            <a:extLst>
+              <a:ext uri="{FF2B5EF4-FFF2-40B4-BE49-F238E27FC236}">
+                <a16:creationId xmlns:a16="http://schemas.microsoft.com/office/drawing/2014/main" id="{C9D7587E-B7A6-ECB9-DABD-42F6A9610325}"/>
+              </a:ext>
+            </a:extLst>
+          </p:cNvPr>
+          <p:cNvSpPr/>
+          <p:nvPr/>
+        </p:nvSpPr>
+        <p:spPr>
+          <a:xfrm>
+            <a:off x="6854289" y="2655571"/>
+            <a:ext cx="3477756" cy="932286"/>
+          </a:xfrm>
+          <a:prstGeom prst="rect">
+            <a:avLst/>
+          </a:prstGeom>
+          <a:solidFill>
+            <a:srgbClr val="FF0000">
+              <a:alpha val="25000"/>
+            </a:srgbClr>
+          </a:solidFill>
+        </p:spPr>
+        <p:style>
+          <a:lnRef idx="2">
+            <a:schemeClr val="accent1">
+              <a:shade val="50000"/>
+            </a:schemeClr>
+          </a:lnRef>
+          <a:fillRef idx="1">
+            <a:schemeClr val="accent1"/>
+          </a:fillRef>
+          <a:effectRef idx="0">
+            <a:schemeClr val="accent1"/>
+          </a:effectRef>
+          <a:fontRef idx="minor">
+            <a:schemeClr val="lt1"/>
+          </a:fontRef>
+        </p:style>
+        <p:txBody>
+          <a:bodyPr rtlCol="0" anchor="ctr"/>
+          <a:lstStyle/>
+          <a:p>
+            <a:pPr algn="ctr"/>
+            <a:endParaRPr lang="es-AR" dirty="0"/>
+          </a:p>
+        </p:txBody>
+      </p:sp>
+      <p:sp>
+        <p:nvSpPr>
+          <p:cNvPr id="5" name="Rectángulo 4">
+            <a:extLst>
+              <a:ext uri="{FF2B5EF4-FFF2-40B4-BE49-F238E27FC236}">
+                <a16:creationId xmlns:a16="http://schemas.microsoft.com/office/drawing/2014/main" id="{142E1F83-8773-7676-B50A-A4BB7206826E}"/>
+              </a:ext>
+            </a:extLst>
+          </p:cNvPr>
+          <p:cNvSpPr/>
+          <p:nvPr/>
+        </p:nvSpPr>
+        <p:spPr>
+          <a:xfrm>
+            <a:off x="6854289" y="1167239"/>
+            <a:ext cx="3477756" cy="316516"/>
+          </a:xfrm>
+          <a:prstGeom prst="rect">
+            <a:avLst/>
+          </a:prstGeom>
+          <a:solidFill>
+            <a:srgbClr val="FF0000">
+              <a:alpha val="25000"/>
+            </a:srgbClr>
+          </a:solidFill>
+        </p:spPr>
+        <p:style>
+          <a:lnRef idx="2">
+            <a:schemeClr val="accent1">
+              <a:shade val="50000"/>
+            </a:schemeClr>
+          </a:lnRef>
+          <a:fillRef idx="1">
+            <a:schemeClr val="accent1"/>
+          </a:fillRef>
+          <a:effectRef idx="0">
+            <a:schemeClr val="accent1"/>
+          </a:effectRef>
+          <a:fontRef idx="minor">
+            <a:schemeClr val="lt1"/>
+          </a:fontRef>
+        </p:style>
+        <p:txBody>
+          <a:bodyPr rtlCol="0" anchor="ctr"/>
+          <a:lstStyle/>
+          <a:p>
+            <a:pPr algn="ctr"/>
+            <a:endParaRPr lang="es-AR" dirty="0"/>
+          </a:p>
+        </p:txBody>
+      </p:sp>
+      <p:sp>
+        <p:nvSpPr>
+          <p:cNvPr id="6" name="Rectángulo 5">
+            <a:extLst>
+              <a:ext uri="{FF2B5EF4-FFF2-40B4-BE49-F238E27FC236}">
+                <a16:creationId xmlns:a16="http://schemas.microsoft.com/office/drawing/2014/main" id="{67889469-8D08-AA7B-E247-91CDD260C1B5}"/>
+              </a:ext>
+            </a:extLst>
+          </p:cNvPr>
+          <p:cNvSpPr/>
+          <p:nvPr/>
+        </p:nvSpPr>
+        <p:spPr>
+          <a:xfrm>
+            <a:off x="6854289" y="3788330"/>
+            <a:ext cx="3477756" cy="251811"/>
+          </a:xfrm>
+          <a:prstGeom prst="rect">
+            <a:avLst/>
+          </a:prstGeom>
+          <a:solidFill>
+            <a:srgbClr val="FF0000">
+              <a:alpha val="25000"/>
+            </a:srgbClr>
+          </a:solidFill>
+        </p:spPr>
+        <p:style>
+          <a:lnRef idx="2">
+            <a:schemeClr val="accent1">
+              <a:shade val="50000"/>
+            </a:schemeClr>
+          </a:lnRef>
+          <a:fillRef idx="1">
+            <a:schemeClr val="accent1"/>
+          </a:fillRef>
+          <a:effectRef idx="0">
+            <a:schemeClr val="accent1"/>
+          </a:effectRef>
+          <a:fontRef idx="minor">
+            <a:schemeClr val="lt1"/>
+          </a:fontRef>
+        </p:style>
+        <p:txBody>
+          <a:bodyPr rtlCol="0" anchor="ctr"/>
+          <a:lstStyle/>
+          <a:p>
+            <a:pPr algn="ctr"/>
+            <a:endParaRPr lang="es-AR" dirty="0"/>
+          </a:p>
+        </p:txBody>
+      </p:sp>
+      <p:sp>
+        <p:nvSpPr>
+          <p:cNvPr id="7" name="Rectángulo 6">
+            <a:extLst>
+              <a:ext uri="{FF2B5EF4-FFF2-40B4-BE49-F238E27FC236}">
+                <a16:creationId xmlns:a16="http://schemas.microsoft.com/office/drawing/2014/main" id="{2DACEA2A-5358-6CDE-A568-D83C702F4C1D}"/>
+              </a:ext>
+            </a:extLst>
+          </p:cNvPr>
+          <p:cNvSpPr/>
+          <p:nvPr/>
+        </p:nvSpPr>
+        <p:spPr>
+          <a:xfrm>
+            <a:off x="6854289" y="4261751"/>
+            <a:ext cx="3477756" cy="210670"/>
+          </a:xfrm>
+          <a:prstGeom prst="rect">
+            <a:avLst/>
+          </a:prstGeom>
+          <a:solidFill>
+            <a:srgbClr val="FF0000">
+              <a:alpha val="25000"/>
+            </a:srgbClr>
+          </a:solidFill>
+        </p:spPr>
+        <p:style>
+          <a:lnRef idx="2">
+            <a:schemeClr val="accent1">
+              <a:shade val="50000"/>
+            </a:schemeClr>
+          </a:lnRef>
+          <a:fillRef idx="1">
+            <a:schemeClr val="accent1"/>
+          </a:fillRef>
+          <a:effectRef idx="0">
+            <a:schemeClr val="accent1"/>
+          </a:effectRef>
+          <a:fontRef idx="minor">
+            <a:schemeClr val="lt1"/>
+          </a:fontRef>
+        </p:style>
+        <p:txBody>
+          <a:bodyPr rtlCol="0" anchor="ctr"/>
+          <a:lstStyle/>
+          <a:p>
+            <a:pPr algn="ctr"/>
+            <a:endParaRPr lang="es-AR" dirty="0"/>
+          </a:p>
+        </p:txBody>
+      </p:sp>
+      <p:sp>
+        <p:nvSpPr>
+          <p:cNvPr id="8" name="Rectángulo 7">
+            <a:extLst>
+              <a:ext uri="{FF2B5EF4-FFF2-40B4-BE49-F238E27FC236}">
+                <a16:creationId xmlns:a16="http://schemas.microsoft.com/office/drawing/2014/main" id="{C4B2F73E-0DAE-F631-0229-1D9F72A91D47}"/>
+              </a:ext>
+            </a:extLst>
+          </p:cNvPr>
+          <p:cNvSpPr/>
+          <p:nvPr/>
+        </p:nvSpPr>
+        <p:spPr>
+          <a:xfrm>
+            <a:off x="6854289" y="4714035"/>
+            <a:ext cx="3477756" cy="241535"/>
+          </a:xfrm>
+          <a:prstGeom prst="rect">
+            <a:avLst/>
+          </a:prstGeom>
+          <a:solidFill>
+            <a:srgbClr val="FF0000">
+              <a:alpha val="25000"/>
+            </a:srgbClr>
+          </a:solidFill>
+        </p:spPr>
+        <p:style>
+          <a:lnRef idx="2">
+            <a:schemeClr val="accent1">
+              <a:shade val="50000"/>
+            </a:schemeClr>
+          </a:lnRef>
+          <a:fillRef idx="1">
+            <a:schemeClr val="accent1"/>
+          </a:fillRef>
+          <a:effectRef idx="0">
+            <a:schemeClr val="accent1"/>
+          </a:effectRef>
+          <a:fontRef idx="minor">
+            <a:schemeClr val="lt1"/>
+          </a:fontRef>
+        </p:style>
+        <p:txBody>
+          <a:bodyPr rtlCol="0" anchor="ctr"/>
+          <a:lstStyle/>
+          <a:p>
+            <a:pPr algn="ctr"/>
+            <a:endParaRPr lang="es-AR" dirty="0"/>
+          </a:p>
+        </p:txBody>
+      </p:sp>
     </p:spTree>
     <p:extLst>
       <p:ext uri="{BB962C8B-B14F-4D97-AF65-F5344CB8AC3E}">
@@ -11268,10 +12915,200 @@
   <p:clrMapOvr>
     <a:masterClrMapping/>
   </p:clrMapOvr>
+  <p:timing>
+    <p:tnLst>
+      <p:par>
+        <p:cTn id="1" dur="indefinite" restart="never" nodeType="tmRoot">
+          <p:childTnLst>
+            <p:seq concurrent="1" nextAc="seek">
+              <p:cTn id="2" dur="indefinite" nodeType="mainSeq">
+                <p:childTnLst>
+                  <p:par>
+                    <p:cTn id="3" fill="hold">
+                      <p:stCondLst>
+                        <p:cond delay="indefinite"/>
+                      </p:stCondLst>
+                      <p:childTnLst>
+                        <p:par>
+                          <p:cTn id="4" fill="hold">
+                            <p:stCondLst>
+                              <p:cond delay="0"/>
+                            </p:stCondLst>
+                            <p:childTnLst>
+                              <p:par>
+                                <p:cTn id="5" presetID="1" presetClass="entr" presetSubtype="0" fill="hold" grpId="0" nodeType="clickEffect">
+                                  <p:stCondLst>
+                                    <p:cond delay="0"/>
+                                  </p:stCondLst>
+                                  <p:childTnLst>
+                                    <p:set>
+                                      <p:cBhvr>
+                                        <p:cTn id="6" dur="1" fill="hold">
+                                          <p:stCondLst>
+                                            <p:cond delay="0"/>
+                                          </p:stCondLst>
+                                        </p:cTn>
+                                        <p:tgtEl>
+                                          <p:spTgt spid="5"/>
+                                        </p:tgtEl>
+                                        <p:attrNameLst>
+                                          <p:attrName>style.visibility</p:attrName>
+                                        </p:attrNameLst>
+                                      </p:cBhvr>
+                                      <p:to>
+                                        <p:strVal val="visible"/>
+                                      </p:to>
+                                    </p:set>
+                                  </p:childTnLst>
+                                </p:cTn>
+                              </p:par>
+                              <p:par>
+                                <p:cTn id="7" presetID="1" presetClass="entr" presetSubtype="0" fill="hold" grpId="0" nodeType="withEffect">
+                                  <p:stCondLst>
+                                    <p:cond delay="0"/>
+                                  </p:stCondLst>
+                                  <p:childTnLst>
+                                    <p:set>
+                                      <p:cBhvr>
+                                        <p:cTn id="8" dur="1" fill="hold">
+                                          <p:stCondLst>
+                                            <p:cond delay="0"/>
+                                          </p:stCondLst>
+                                        </p:cTn>
+                                        <p:tgtEl>
+                                          <p:spTgt spid="3"/>
+                                        </p:tgtEl>
+                                        <p:attrNameLst>
+                                          <p:attrName>style.visibility</p:attrName>
+                                        </p:attrNameLst>
+                                      </p:cBhvr>
+                                      <p:to>
+                                        <p:strVal val="visible"/>
+                                      </p:to>
+                                    </p:set>
+                                  </p:childTnLst>
+                                </p:cTn>
+                              </p:par>
+                              <p:par>
+                                <p:cTn id="9" presetID="1" presetClass="entr" presetSubtype="0" fill="hold" grpId="0" nodeType="withEffect">
+                                  <p:stCondLst>
+                                    <p:cond delay="0"/>
+                                  </p:stCondLst>
+                                  <p:childTnLst>
+                                    <p:set>
+                                      <p:cBhvr>
+                                        <p:cTn id="10" dur="1" fill="hold">
+                                          <p:stCondLst>
+                                            <p:cond delay="0"/>
+                                          </p:stCondLst>
+                                        </p:cTn>
+                                        <p:tgtEl>
+                                          <p:spTgt spid="6"/>
+                                        </p:tgtEl>
+                                        <p:attrNameLst>
+                                          <p:attrName>style.visibility</p:attrName>
+                                        </p:attrNameLst>
+                                      </p:cBhvr>
+                                      <p:to>
+                                        <p:strVal val="visible"/>
+                                      </p:to>
+                                    </p:set>
+                                  </p:childTnLst>
+                                </p:cTn>
+                              </p:par>
+                              <p:par>
+                                <p:cTn id="11" presetID="1" presetClass="entr" presetSubtype="0" fill="hold" grpId="0" nodeType="withEffect">
+                                  <p:stCondLst>
+                                    <p:cond delay="0"/>
+                                  </p:stCondLst>
+                                  <p:childTnLst>
+                                    <p:set>
+                                      <p:cBhvr>
+                                        <p:cTn id="12" dur="1" fill="hold">
+                                          <p:stCondLst>
+                                            <p:cond delay="0"/>
+                                          </p:stCondLst>
+                                        </p:cTn>
+                                        <p:tgtEl>
+                                          <p:spTgt spid="7"/>
+                                        </p:tgtEl>
+                                        <p:attrNameLst>
+                                          <p:attrName>style.visibility</p:attrName>
+                                        </p:attrNameLst>
+                                      </p:cBhvr>
+                                      <p:to>
+                                        <p:strVal val="visible"/>
+                                      </p:to>
+                                    </p:set>
+                                  </p:childTnLst>
+                                </p:cTn>
+                              </p:par>
+                              <p:par>
+                                <p:cTn id="13" presetID="1" presetClass="entr" presetSubtype="0" fill="hold" grpId="0" nodeType="withEffect">
+                                  <p:stCondLst>
+                                    <p:cond delay="0"/>
+                                  </p:stCondLst>
+                                  <p:childTnLst>
+                                    <p:set>
+                                      <p:cBhvr>
+                                        <p:cTn id="14" dur="1" fill="hold">
+                                          <p:stCondLst>
+                                            <p:cond delay="0"/>
+                                          </p:stCondLst>
+                                        </p:cTn>
+                                        <p:tgtEl>
+                                          <p:spTgt spid="8"/>
+                                        </p:tgtEl>
+                                        <p:attrNameLst>
+                                          <p:attrName>style.visibility</p:attrName>
+                                        </p:attrNameLst>
+                                      </p:cBhvr>
+                                      <p:to>
+                                        <p:strVal val="visible"/>
+                                      </p:to>
+                                    </p:set>
+                                  </p:childTnLst>
+                                </p:cTn>
+                              </p:par>
+                            </p:childTnLst>
+                          </p:cTn>
+                        </p:par>
+                      </p:childTnLst>
+                    </p:cTn>
+                  </p:par>
+                </p:childTnLst>
+              </p:cTn>
+              <p:prevCondLst>
+                <p:cond evt="onPrev" delay="0">
+                  <p:tgtEl>
+                    <p:sldTgt/>
+                  </p:tgtEl>
+                </p:cond>
+              </p:prevCondLst>
+              <p:nextCondLst>
+                <p:cond evt="onNext" delay="0">
+                  <p:tgtEl>
+                    <p:sldTgt/>
+                  </p:tgtEl>
+                </p:cond>
+              </p:nextCondLst>
+            </p:seq>
+          </p:childTnLst>
+        </p:cTn>
+      </p:par>
+    </p:tnLst>
+    <p:bldLst>
+      <p:bldP spid="3" grpId="0" animBg="1"/>
+      <p:bldP spid="5" grpId="0" animBg="1"/>
+      <p:bldP spid="6" grpId="0" animBg="1"/>
+      <p:bldP spid="7" grpId="0" animBg="1"/>
+      <p:bldP spid="8" grpId="0" animBg="1"/>
+    </p:bldLst>
+  </p:timing>
 </p:sld>
 </file>
 
-<file path=ppt/slides/slide21.xml><?xml version="1.0" encoding="utf-8"?>
+<file path=ppt/slides/slide24.xml><?xml version="1.0" encoding="utf-8"?>
 <p:sld xmlns:a="http://schemas.openxmlformats.org/drawingml/2006/main" xmlns:r="http://schemas.openxmlformats.org/officeDocument/2006/relationships" xmlns:p="http://schemas.openxmlformats.org/presentationml/2006/main">
   <p:cSld>
     <p:spTree>
@@ -11988,12 +13825,12 @@
         <p:spPr>
           <a:xfrm>
             <a:off x="838200" y="1500887"/>
-            <a:ext cx="10515600" cy="4694814"/>
+            <a:ext cx="10820400" cy="4991988"/>
           </a:xfrm>
         </p:spPr>
         <p:txBody>
           <a:bodyPr>
-            <a:normAutofit fontScale="92500" lnSpcReduction="20000"/>
+            <a:normAutofit fontScale="92500"/>
           </a:bodyPr>
           <a:lstStyle/>
           <a:p>
@@ -12007,31 +13844,31 @@
               <a:buNone/>
             </a:pPr>
             <a:r>
-              <a:rPr lang="es-MX" sz="1800" dirty="0"/>
+              <a:rPr lang="es-MX" sz="2400" dirty="0"/>
               <a:t>Se seleccionó un </a:t>
             </a:r>
             <a:r>
-              <a:rPr lang="es-MX" sz="1800" dirty="0" err="1"/>
+              <a:rPr lang="es-MX" sz="2400" dirty="0" err="1"/>
               <a:t>dataset</a:t>
             </a:r>
             <a:r>
-              <a:rPr lang="es-MX" sz="1800" dirty="0"/>
+              <a:rPr lang="es-MX" sz="2400" dirty="0"/>
               <a:t>, de los disponibles en la página </a:t>
             </a:r>
             <a:r>
-              <a:rPr lang="es-MX" sz="1800" dirty="0" err="1"/>
+              <a:rPr lang="es-MX" sz="2400" dirty="0" err="1"/>
               <a:t>Kaggle</a:t>
             </a:r>
             <a:r>
-              <a:rPr lang="es-MX" sz="1800" dirty="0"/>
+              <a:rPr lang="es-MX" sz="2400" dirty="0"/>
               <a:t>, el cual se llama </a:t>
             </a:r>
             <a:r>
-              <a:rPr lang="es-MX" sz="1800" i="1" dirty="0" err="1"/>
+              <a:rPr lang="es-MX" sz="2400" i="1" dirty="0" err="1"/>
               <a:t>card_transdata</a:t>
             </a:r>
             <a:r>
-              <a:rPr lang="es-MX" sz="1800" dirty="0"/>
+              <a:rPr lang="es-MX" sz="2400" dirty="0"/>
               <a:t> el cual contiene información de transacciones con tarjetas de crédito.</a:t>
             </a:r>
           </a:p>
@@ -12045,7 +13882,7 @@
               </a:spcBef>
               <a:buNone/>
             </a:pPr>
-            <a:endParaRPr lang="es-MX" sz="1800" dirty="0"/>
+            <a:endParaRPr lang="es-MX" sz="2400" dirty="0"/>
           </a:p>
           <a:p>
             <a:pPr marL="0" indent="0">
@@ -12058,23 +13895,23 @@
               <a:buNone/>
             </a:pPr>
             <a:r>
-              <a:rPr lang="es-MX" sz="1800" dirty="0"/>
+              <a:rPr lang="es-MX" sz="2400" dirty="0"/>
               <a:t>El </a:t>
             </a:r>
             <a:r>
-              <a:rPr lang="es-MX" sz="1800" dirty="0" err="1"/>
+              <a:rPr lang="es-MX" sz="2400" dirty="0" err="1"/>
               <a:t>dataset</a:t>
             </a:r>
             <a:r>
-              <a:rPr lang="es-MX" sz="1800" dirty="0"/>
+              <a:rPr lang="es-MX" sz="2400" dirty="0"/>
               <a:t> es un archivo de extensión </a:t>
             </a:r>
             <a:r>
-              <a:rPr lang="es-MX" sz="1800" dirty="0" err="1"/>
+              <a:rPr lang="es-MX" sz="2400" dirty="0" err="1"/>
               <a:t>csv</a:t>
             </a:r>
             <a:r>
-              <a:rPr lang="es-MX" sz="1800" dirty="0"/>
+              <a:rPr lang="es-MX" sz="2400" dirty="0"/>
               <a:t> y consta de 8 columnas. Descritas a continuación:</a:t>
             </a:r>
           </a:p>
@@ -12088,7 +13925,7 @@
               </a:spcBef>
               <a:buNone/>
             </a:pPr>
-            <a:endParaRPr lang="es-MX" sz="1800" dirty="0"/>
+            <a:endParaRPr lang="es-MX" sz="2400" dirty="0"/>
           </a:p>
           <a:p>
             <a:pPr>
@@ -12100,13 +13937,10 @@
               </a:spcBef>
             </a:pPr>
             <a:r>
-              <a:rPr lang="es-MX" sz="1800" i="1" dirty="0" err="1"/>
+              <a:rPr lang="es-MX" i="1" dirty="0" err="1"/>
               <a:t>Distance_from_home</a:t>
             </a:r>
-            <a:r>
-              <a:rPr lang="es-MX" sz="1800" dirty="0"/>
-              <a:t>: la distancia desde casa respecto a donde ocurrió la transacción.</a:t>
-            </a:r>
+            <a:endParaRPr lang="es-MX" dirty="0"/>
           </a:p>
           <a:p>
             <a:pPr>
@@ -12118,13 +13952,10 @@
               </a:spcBef>
             </a:pPr>
             <a:r>
-              <a:rPr lang="es-MX" sz="1800" i="1" dirty="0" err="1"/>
+              <a:rPr lang="es-MX" i="1" dirty="0" err="1"/>
               <a:t>Distance_from_last_transaction</a:t>
             </a:r>
-            <a:r>
-              <a:rPr lang="es-MX" sz="1800" dirty="0"/>
-              <a:t>: indica la distancia entre el punto de la transacción con respecto a la última transacción registrada.</a:t>
-            </a:r>
+            <a:endParaRPr lang="es-MX" dirty="0"/>
           </a:p>
           <a:p>
             <a:pPr>
@@ -12136,13 +13967,10 @@
               </a:spcBef>
             </a:pPr>
             <a:r>
-              <a:rPr lang="es-MX" sz="1800" i="1" dirty="0" err="1"/>
+              <a:rPr lang="es-MX" i="1" dirty="0" err="1"/>
               <a:t>Radio_to_median_purchase_price</a:t>
             </a:r>
-            <a:r>
-              <a:rPr lang="es-MX" sz="1800" dirty="0"/>
-              <a:t>: es la relación entre el monto de la transacción y el precio medio de compra del cliente.</a:t>
-            </a:r>
+            <a:endParaRPr lang="es-MX" dirty="0"/>
           </a:p>
           <a:p>
             <a:pPr>
@@ -12154,21 +13982,10 @@
               </a:spcBef>
             </a:pPr>
             <a:r>
-              <a:rPr lang="es-MX" sz="1800" i="1" dirty="0" err="1"/>
+              <a:rPr lang="es-MX" i="1" dirty="0" err="1"/>
               <a:t>Repeat_retailer</a:t>
             </a:r>
-            <a:r>
-              <a:rPr lang="es-MX" sz="1800" dirty="0"/>
-              <a:t>: Es una variable </a:t>
-            </a:r>
-            <a:r>
-              <a:rPr lang="es-MX" sz="1800" dirty="0" err="1"/>
-              <a:t>dummy</a:t>
-            </a:r>
-            <a:r>
-              <a:rPr lang="es-MX" sz="1800" dirty="0"/>
-              <a:t> indica con 1 si la transacción se realizó desde el mismo minorista y con 0 si no.</a:t>
-            </a:r>
+            <a:endParaRPr lang="es-MX" dirty="0"/>
           </a:p>
           <a:p>
             <a:pPr>
@@ -12180,21 +13997,10 @@
               </a:spcBef>
             </a:pPr>
             <a:r>
-              <a:rPr lang="es-MX" sz="1800" i="1" dirty="0" err="1"/>
+              <a:rPr lang="es-MX" i="1" dirty="0" err="1"/>
               <a:t>Used_chip</a:t>
             </a:r>
-            <a:r>
-              <a:rPr lang="es-MX" sz="1800" dirty="0"/>
-              <a:t>: En esta columna </a:t>
-            </a:r>
-            <a:r>
-              <a:rPr lang="es-MX" sz="1800" dirty="0" err="1"/>
-              <a:t>dummy</a:t>
-            </a:r>
-            <a:r>
-              <a:rPr lang="es-MX" sz="1800" dirty="0"/>
-              <a:t> se indica con 1 si en la transacción se utilizó el chip de la tarjeta de crédito y con 0 si no se utilizó.</a:t>
-            </a:r>
+            <a:endParaRPr lang="es-MX" dirty="0"/>
           </a:p>
           <a:p>
             <a:pPr>
@@ -12206,21 +14012,10 @@
               </a:spcBef>
             </a:pPr>
             <a:r>
-              <a:rPr lang="es-MX" sz="1800" i="1" dirty="0" err="1"/>
+              <a:rPr lang="es-MX" i="1" dirty="0" err="1"/>
               <a:t>Used_pin_number</a:t>
             </a:r>
-            <a:r>
-              <a:rPr lang="es-MX" sz="1800" dirty="0"/>
-              <a:t>: En este campo </a:t>
-            </a:r>
-            <a:r>
-              <a:rPr lang="es-MX" sz="1800" dirty="0" err="1"/>
-              <a:t>dummy</a:t>
-            </a:r>
-            <a:r>
-              <a:rPr lang="es-MX" sz="1800" dirty="0"/>
-              <a:t> se señala con 1 si en la transacción se usó el número de pin y con 0 en caso contrario.</a:t>
-            </a:r>
+            <a:endParaRPr lang="es-MX" dirty="0"/>
           </a:p>
           <a:p>
             <a:pPr>
@@ -12232,21 +14027,10 @@
               </a:spcBef>
             </a:pPr>
             <a:r>
-              <a:rPr lang="es-MX" sz="1800" i="1" dirty="0" err="1"/>
+              <a:rPr lang="es-MX" i="1" dirty="0" err="1"/>
               <a:t>Online_order</a:t>
             </a:r>
-            <a:r>
-              <a:rPr lang="es-MX" sz="1800" dirty="0"/>
-              <a:t>: En esta variable </a:t>
-            </a:r>
-            <a:r>
-              <a:rPr lang="es-MX" sz="1800" dirty="0" err="1"/>
-              <a:t>dummy</a:t>
-            </a:r>
-            <a:r>
-              <a:rPr lang="es-MX" sz="1800" dirty="0"/>
-              <a:t> se indica con 1 si la transacción corresponde a un pedido en línea y 0 si no fue así.</a:t>
-            </a:r>
+            <a:endParaRPr lang="es-MX" dirty="0"/>
           </a:p>
           <a:p>
             <a:pPr>
@@ -12258,29 +14042,21 @@
               </a:spcBef>
             </a:pPr>
             <a:r>
-              <a:rPr lang="es-MX" sz="1800" i="1" dirty="0" err="1"/>
+              <a:rPr lang="es-MX" i="1" dirty="0" err="1"/>
               <a:t>Fraud</a:t>
             </a:r>
             <a:r>
-              <a:rPr lang="es-MX" sz="1800" dirty="0"/>
-              <a:t>: Es la variable </a:t>
-            </a:r>
-            <a:r>
-              <a:rPr lang="es-MX" sz="1800" i="1" dirty="0"/>
-              <a:t>target</a:t>
-            </a:r>
-            <a:r>
-              <a:rPr lang="es-MX" sz="1800" dirty="0"/>
-              <a:t>, indica si la transacción fue identificada como fraude o no, al igual que las columnas anteriores con los valores 1 para los casos fraude y 0 para los no fraude.</a:t>
-            </a:r>
-            <a:endParaRPr lang="es-CO" sz="1800" dirty="0"/>
+              <a:rPr lang="es-MX" i="1" dirty="0"/>
+              <a:t>         ---------------------------------------  Columna Target</a:t>
+            </a:r>
+            <a:endParaRPr lang="es-CO" dirty="0"/>
           </a:p>
         </p:txBody>
       </p:sp>
     </p:spTree>
     <p:extLst>
       <p:ext uri="{BB962C8B-B14F-4D97-AF65-F5344CB8AC3E}">
-        <p14:creationId xmlns:p14="http://schemas.microsoft.com/office/powerpoint/2010/main" val="712385808"/>
+        <p14:creationId xmlns:p14="http://schemas.microsoft.com/office/powerpoint/2010/main" val="1143637942"/>
       </p:ext>
     </p:extLst>
   </p:cSld>
@@ -12323,7 +14099,12 @@
             <p:ph type="title"/>
           </p:nvPr>
         </p:nvSpPr>
-        <p:spPr/>
+        <p:spPr>
+          <a:xfrm>
+            <a:off x="838200" y="0"/>
+            <a:ext cx="10515600" cy="1325563"/>
+          </a:xfrm>
+        </p:spPr>
         <p:txBody>
           <a:bodyPr/>
           <a:lstStyle/>
@@ -12358,7 +14139,7 @@
         </p:nvSpPr>
         <p:spPr>
           <a:xfrm>
-            <a:off x="838200" y="1825625"/>
+            <a:off x="838200" y="1060739"/>
             <a:ext cx="10515600" cy="529648"/>
           </a:xfrm>
         </p:spPr>
@@ -12403,8 +14184,8 @@
         </p:blipFill>
         <p:spPr>
           <a:xfrm>
-            <a:off x="1921163" y="2323487"/>
-            <a:ext cx="7601528" cy="4169388"/>
+            <a:off x="820160" y="1590387"/>
+            <a:ext cx="9397266" cy="5154339"/>
           </a:xfrm>
           <a:prstGeom prst="rect">
             <a:avLst/>
@@ -12414,7 +14195,7 @@
     </p:spTree>
     <p:extLst>
       <p:ext uri="{BB962C8B-B14F-4D97-AF65-F5344CB8AC3E}">
-        <p14:creationId xmlns:p14="http://schemas.microsoft.com/office/powerpoint/2010/main" val="1363672492"/>
+        <p14:creationId xmlns:p14="http://schemas.microsoft.com/office/powerpoint/2010/main" val="2546340724"/>
       </p:ext>
     </p:extLst>
   </p:cSld>
@@ -12457,18 +14238,284 @@
             <p:ph idx="1"/>
           </p:nvPr>
         </p:nvSpPr>
-        <p:spPr/>
+        <p:spPr>
+          <a:xfrm>
+            <a:off x="235087" y="528919"/>
+            <a:ext cx="4443918" cy="1650076"/>
+          </a:xfrm>
+        </p:spPr>
         <p:txBody>
-          <a:bodyPr/>
+          <a:bodyPr>
+            <a:normAutofit fontScale="92500"/>
+          </a:bodyPr>
           <a:lstStyle/>
           <a:p>
-            <a:r>
-              <a:rPr lang="es-MX" dirty="0"/>
+            <a:pPr algn="just"/>
+            <a:r>
+              <a:rPr lang="es-MX" sz="2400" dirty="0"/>
               <a:t>Para una población de 1000000 de transacciones, 87.403 son etiquetadas como casos de fraude. Representan aproximadamente el 9% de las muestras.</a:t>
             </a:r>
           </a:p>
           <a:p>
-            <a:endParaRPr lang="es-CO" dirty="0"/>
+            <a:pPr marL="0" indent="0" algn="just">
+              <a:buNone/>
+            </a:pPr>
+            <a:endParaRPr lang="es-MX" sz="2400" dirty="0"/>
+          </a:p>
+          <a:p>
+            <a:pPr algn="just"/>
+            <a:endParaRPr lang="es-CO" sz="2400" dirty="0"/>
+          </a:p>
+        </p:txBody>
+      </p:sp>
+      <p:pic>
+        <p:nvPicPr>
+          <p:cNvPr id="11" name="Imagen 10">
+            <a:extLst>
+              <a:ext uri="{FF2B5EF4-FFF2-40B4-BE49-F238E27FC236}">
+                <a16:creationId xmlns:a16="http://schemas.microsoft.com/office/drawing/2014/main" id="{872F65E2-48DF-855A-45DD-D448ED4C8C76}"/>
+              </a:ext>
+            </a:extLst>
+          </p:cNvPr>
+          <p:cNvPicPr>
+            <a:picLocks noChangeAspect="1"/>
+          </p:cNvPicPr>
+          <p:nvPr/>
+        </p:nvPicPr>
+        <p:blipFill>
+          <a:blip r:embed="rId2"/>
+          <a:stretch>
+            <a:fillRect/>
+          </a:stretch>
+        </p:blipFill>
+        <p:spPr>
+          <a:xfrm>
+            <a:off x="5101798" y="190154"/>
+            <a:ext cx="6729396" cy="6477692"/>
+          </a:xfrm>
+          <a:prstGeom prst="rect">
+            <a:avLst/>
+          </a:prstGeom>
+        </p:spPr>
+      </p:pic>
+      <p:sp>
+        <p:nvSpPr>
+          <p:cNvPr id="12" name="Marcador de contenido 2">
+            <a:extLst>
+              <a:ext uri="{FF2B5EF4-FFF2-40B4-BE49-F238E27FC236}">
+                <a16:creationId xmlns:a16="http://schemas.microsoft.com/office/drawing/2014/main" id="{6D987308-CA07-B2B6-34E3-F1E34459540F}"/>
+              </a:ext>
+            </a:extLst>
+          </p:cNvPr>
+          <p:cNvSpPr txBox="1">
+            <a:spLocks/>
+          </p:cNvSpPr>
+          <p:nvPr/>
+        </p:nvSpPr>
+        <p:spPr>
+          <a:xfrm>
+            <a:off x="497733" y="2442676"/>
+            <a:ext cx="4283191" cy="3685749"/>
+          </a:xfrm>
+          <a:prstGeom prst="rect">
+            <a:avLst/>
+          </a:prstGeom>
+        </p:spPr>
+        <p:txBody>
+          <a:bodyPr vert="horz" lIns="91440" tIns="45720" rIns="91440" bIns="45720" rtlCol="0">
+            <a:normAutofit/>
+          </a:bodyPr>
+          <a:lstStyle>
+            <a:lvl1pPr marL="228600" indent="-228600" algn="l" defTabSz="914400" rtl="0" eaLnBrk="1" latinLnBrk="0" hangingPunct="1">
+              <a:lnSpc>
+                <a:spcPct val="90000"/>
+              </a:lnSpc>
+              <a:spcBef>
+                <a:spcPts val="1000"/>
+              </a:spcBef>
+              <a:buFont typeface="Arial" panose="020B0604020202020204" pitchFamily="34" charset="0"/>
+              <a:buChar char="•"/>
+              <a:defRPr sz="2800" kern="1200">
+                <a:solidFill>
+                  <a:schemeClr val="tx1"/>
+                </a:solidFill>
+                <a:latin typeface="+mn-lt"/>
+                <a:ea typeface="+mn-ea"/>
+                <a:cs typeface="+mn-cs"/>
+              </a:defRPr>
+            </a:lvl1pPr>
+            <a:lvl2pPr marL="685800" indent="-228600" algn="l" defTabSz="914400" rtl="0" eaLnBrk="1" latinLnBrk="0" hangingPunct="1">
+              <a:lnSpc>
+                <a:spcPct val="90000"/>
+              </a:lnSpc>
+              <a:spcBef>
+                <a:spcPts val="500"/>
+              </a:spcBef>
+              <a:buFont typeface="Arial" panose="020B0604020202020204" pitchFamily="34" charset="0"/>
+              <a:buChar char="•"/>
+              <a:defRPr sz="2400" kern="1200">
+                <a:solidFill>
+                  <a:schemeClr val="tx1"/>
+                </a:solidFill>
+                <a:latin typeface="+mn-lt"/>
+                <a:ea typeface="+mn-ea"/>
+                <a:cs typeface="+mn-cs"/>
+              </a:defRPr>
+            </a:lvl2pPr>
+            <a:lvl3pPr marL="1143000" indent="-228600" algn="l" defTabSz="914400" rtl="0" eaLnBrk="1" latinLnBrk="0" hangingPunct="1">
+              <a:lnSpc>
+                <a:spcPct val="90000"/>
+              </a:lnSpc>
+              <a:spcBef>
+                <a:spcPts val="500"/>
+              </a:spcBef>
+              <a:buFont typeface="Arial" panose="020B0604020202020204" pitchFamily="34" charset="0"/>
+              <a:buChar char="•"/>
+              <a:defRPr sz="2000" kern="1200">
+                <a:solidFill>
+                  <a:schemeClr val="tx1"/>
+                </a:solidFill>
+                <a:latin typeface="+mn-lt"/>
+                <a:ea typeface="+mn-ea"/>
+                <a:cs typeface="+mn-cs"/>
+              </a:defRPr>
+            </a:lvl3pPr>
+            <a:lvl4pPr marL="1600200" indent="-228600" algn="l" defTabSz="914400" rtl="0" eaLnBrk="1" latinLnBrk="0" hangingPunct="1">
+              <a:lnSpc>
+                <a:spcPct val="90000"/>
+              </a:lnSpc>
+              <a:spcBef>
+                <a:spcPts val="500"/>
+              </a:spcBef>
+              <a:buFont typeface="Arial" panose="020B0604020202020204" pitchFamily="34" charset="0"/>
+              <a:buChar char="•"/>
+              <a:defRPr sz="1800" kern="1200">
+                <a:solidFill>
+                  <a:schemeClr val="tx1"/>
+                </a:solidFill>
+                <a:latin typeface="+mn-lt"/>
+                <a:ea typeface="+mn-ea"/>
+                <a:cs typeface="+mn-cs"/>
+              </a:defRPr>
+            </a:lvl4pPr>
+            <a:lvl5pPr marL="2057400" indent="-228600" algn="l" defTabSz="914400" rtl="0" eaLnBrk="1" latinLnBrk="0" hangingPunct="1">
+              <a:lnSpc>
+                <a:spcPct val="90000"/>
+              </a:lnSpc>
+              <a:spcBef>
+                <a:spcPts val="500"/>
+              </a:spcBef>
+              <a:buFont typeface="Arial" panose="020B0604020202020204" pitchFamily="34" charset="0"/>
+              <a:buChar char="•"/>
+              <a:defRPr sz="1800" kern="1200">
+                <a:solidFill>
+                  <a:schemeClr val="tx1"/>
+                </a:solidFill>
+                <a:latin typeface="+mn-lt"/>
+                <a:ea typeface="+mn-ea"/>
+                <a:cs typeface="+mn-cs"/>
+              </a:defRPr>
+            </a:lvl5pPr>
+            <a:lvl6pPr marL="2514600" indent="-228600" algn="l" defTabSz="914400" rtl="0" eaLnBrk="1" latinLnBrk="0" hangingPunct="1">
+              <a:lnSpc>
+                <a:spcPct val="90000"/>
+              </a:lnSpc>
+              <a:spcBef>
+                <a:spcPts val="500"/>
+              </a:spcBef>
+              <a:buFont typeface="Arial" panose="020B0604020202020204" pitchFamily="34" charset="0"/>
+              <a:buChar char="•"/>
+              <a:defRPr sz="1800" kern="1200">
+                <a:solidFill>
+                  <a:schemeClr val="tx1"/>
+                </a:solidFill>
+                <a:latin typeface="+mn-lt"/>
+                <a:ea typeface="+mn-ea"/>
+                <a:cs typeface="+mn-cs"/>
+              </a:defRPr>
+            </a:lvl6pPr>
+            <a:lvl7pPr marL="2971800" indent="-228600" algn="l" defTabSz="914400" rtl="0" eaLnBrk="1" latinLnBrk="0" hangingPunct="1">
+              <a:lnSpc>
+                <a:spcPct val="90000"/>
+              </a:lnSpc>
+              <a:spcBef>
+                <a:spcPts val="500"/>
+              </a:spcBef>
+              <a:buFont typeface="Arial" panose="020B0604020202020204" pitchFamily="34" charset="0"/>
+              <a:buChar char="•"/>
+              <a:defRPr sz="1800" kern="1200">
+                <a:solidFill>
+                  <a:schemeClr val="tx1"/>
+                </a:solidFill>
+                <a:latin typeface="+mn-lt"/>
+                <a:ea typeface="+mn-ea"/>
+                <a:cs typeface="+mn-cs"/>
+              </a:defRPr>
+            </a:lvl7pPr>
+            <a:lvl8pPr marL="3429000" indent="-228600" algn="l" defTabSz="914400" rtl="0" eaLnBrk="1" latinLnBrk="0" hangingPunct="1">
+              <a:lnSpc>
+                <a:spcPct val="90000"/>
+              </a:lnSpc>
+              <a:spcBef>
+                <a:spcPts val="500"/>
+              </a:spcBef>
+              <a:buFont typeface="Arial" panose="020B0604020202020204" pitchFamily="34" charset="0"/>
+              <a:buChar char="•"/>
+              <a:defRPr sz="1800" kern="1200">
+                <a:solidFill>
+                  <a:schemeClr val="tx1"/>
+                </a:solidFill>
+                <a:latin typeface="+mn-lt"/>
+                <a:ea typeface="+mn-ea"/>
+                <a:cs typeface="+mn-cs"/>
+              </a:defRPr>
+            </a:lvl8pPr>
+            <a:lvl9pPr marL="3886200" indent="-228600" algn="l" defTabSz="914400" rtl="0" eaLnBrk="1" latinLnBrk="0" hangingPunct="1">
+              <a:lnSpc>
+                <a:spcPct val="90000"/>
+              </a:lnSpc>
+              <a:spcBef>
+                <a:spcPts val="500"/>
+              </a:spcBef>
+              <a:buFont typeface="Arial" panose="020B0604020202020204" pitchFamily="34" charset="0"/>
+              <a:buChar char="•"/>
+              <a:defRPr sz="1800" kern="1200">
+                <a:solidFill>
+                  <a:schemeClr val="tx1"/>
+                </a:solidFill>
+                <a:latin typeface="+mn-lt"/>
+                <a:ea typeface="+mn-ea"/>
+                <a:cs typeface="+mn-cs"/>
+              </a:defRPr>
+            </a:lvl9pPr>
+          </a:lstStyle>
+          <a:p>
+            <a:r>
+              <a:rPr lang="es-MX" sz="2400" dirty="0"/>
+              <a:t>En el estudio de la correlación de las variables se aprecia:</a:t>
+            </a:r>
+          </a:p>
+          <a:p>
+            <a:pPr lvl="1"/>
+            <a:r>
+              <a:rPr lang="es-MX" sz="2000" dirty="0"/>
+              <a:t>Fuerte entre “distancia desde casa” y “mismo minorista”.</a:t>
+            </a:r>
+          </a:p>
+          <a:p>
+            <a:pPr lvl="1"/>
+            <a:r>
+              <a:rPr lang="es-MX" sz="2000" dirty="0"/>
+              <a:t>Influencia entre “fraude” con “compra media”,  “compra en línea” y “distancia desde casa”.</a:t>
+            </a:r>
+          </a:p>
+          <a:p>
+            <a:pPr lvl="1"/>
+            <a:r>
+              <a:rPr lang="es-MX" sz="2000" dirty="0"/>
+              <a:t>Correlación negativa con “fraude” son: “uso de chip” y “uso de número pin”.  Podría considerarse como métodos de seguridad efectivos.</a:t>
+            </a:r>
+            <a:endParaRPr lang="es-CO" sz="2400" dirty="0"/>
           </a:p>
         </p:txBody>
       </p:sp>
@@ -12502,41 +14549,6 @@
           <a:chExt cx="0" cy="0"/>
         </a:xfrm>
       </p:grpSpPr>
-      <p:pic>
-        <p:nvPicPr>
-          <p:cNvPr id="5" name="Picture 4" descr="Chart, calendar&#10;&#10;Description automatically generated">
-            <a:extLst>
-              <a:ext uri="{FF2B5EF4-FFF2-40B4-BE49-F238E27FC236}">
-                <a16:creationId xmlns:a16="http://schemas.microsoft.com/office/drawing/2014/main" id="{DD62FDDE-8CE3-E844-BD54-954A6F1FB3E5}"/>
-              </a:ext>
-            </a:extLst>
-          </p:cNvPr>
-          <p:cNvPicPr>
-            <a:picLocks noChangeAspect="1"/>
-          </p:cNvPicPr>
-          <p:nvPr/>
-        </p:nvPicPr>
-        <p:blipFill rotWithShape="1">
-          <a:blip r:embed="rId2">
-            <a:extLst>
-              <a:ext uri="{28A0092B-C50C-407E-A947-70E740481C1C}">
-                <a14:useLocalDpi xmlns:a14="http://schemas.microsoft.com/office/drawing/2010/main" val="0"/>
-              </a:ext>
-            </a:extLst>
-          </a:blip>
-          <a:srcRect r="-2613" b="58545"/>
-          <a:stretch/>
-        </p:blipFill>
-        <p:spPr>
-          <a:xfrm>
-            <a:off x="0" y="1479666"/>
-            <a:ext cx="12254622" cy="4921134"/>
-          </a:xfrm>
-          <a:prstGeom prst="rect">
-            <a:avLst/>
-          </a:prstGeom>
-        </p:spPr>
-      </p:pic>
       <p:sp>
         <p:nvSpPr>
           <p:cNvPr id="8" name="Título 1">
@@ -12555,7 +14567,7 @@
         </p:nvSpPr>
         <p:spPr>
           <a:xfrm>
-            <a:off x="838200" y="365125"/>
+            <a:off x="439366" y="0"/>
             <a:ext cx="10515600" cy="1325563"/>
           </a:xfrm>
         </p:spPr>
@@ -12570,6 +14582,70 @@
           </a:p>
         </p:txBody>
       </p:sp>
+      <p:pic>
+        <p:nvPicPr>
+          <p:cNvPr id="3" name="Imagen 2">
+            <a:extLst>
+              <a:ext uri="{FF2B5EF4-FFF2-40B4-BE49-F238E27FC236}">
+                <a16:creationId xmlns:a16="http://schemas.microsoft.com/office/drawing/2014/main" id="{1A088D11-2554-BABE-793A-49F065063C64}"/>
+              </a:ext>
+            </a:extLst>
+          </p:cNvPr>
+          <p:cNvPicPr>
+            <a:picLocks noChangeAspect="1"/>
+          </p:cNvPicPr>
+          <p:nvPr/>
+        </p:nvPicPr>
+        <p:blipFill rotWithShape="1">
+          <a:blip r:embed="rId2"/>
+          <a:srcRect t="13166" b="-1"/>
+          <a:stretch/>
+        </p:blipFill>
+        <p:spPr>
+          <a:xfrm>
+            <a:off x="264531" y="5982511"/>
+            <a:ext cx="11808541" cy="324252"/>
+          </a:xfrm>
+          <a:prstGeom prst="rect">
+            <a:avLst/>
+          </a:prstGeom>
+        </p:spPr>
+      </p:pic>
+      <p:pic>
+        <p:nvPicPr>
+          <p:cNvPr id="5" name="Picture 4" descr="Chart, calendar&#10;&#10;Description automatically generated">
+            <a:extLst>
+              <a:ext uri="{FF2B5EF4-FFF2-40B4-BE49-F238E27FC236}">
+                <a16:creationId xmlns:a16="http://schemas.microsoft.com/office/drawing/2014/main" id="{DD62FDDE-8CE3-E844-BD54-954A6F1FB3E5}"/>
+              </a:ext>
+            </a:extLst>
+          </p:cNvPr>
+          <p:cNvPicPr>
+            <a:picLocks noChangeAspect="1"/>
+          </p:cNvPicPr>
+          <p:nvPr/>
+        </p:nvPicPr>
+        <p:blipFill rotWithShape="1">
+          <a:blip r:embed="rId3">
+            <a:extLst>
+              <a:ext uri="{28A0092B-C50C-407E-A947-70E740481C1C}">
+                <a14:useLocalDpi xmlns:a14="http://schemas.microsoft.com/office/drawing/2010/main" val="0"/>
+              </a:ext>
+            </a:extLst>
+          </a:blip>
+          <a:srcRect r="-2613" b="58545"/>
+          <a:stretch/>
+        </p:blipFill>
+        <p:spPr>
+          <a:xfrm>
+            <a:off x="87549" y="1061377"/>
+            <a:ext cx="12254622" cy="4921134"/>
+          </a:xfrm>
+          <a:prstGeom prst="rect">
+            <a:avLst/>
+          </a:prstGeom>
+        </p:spPr>
+      </p:pic>
     </p:spTree>
     <p:extLst>
       <p:ext uri="{BB962C8B-B14F-4D97-AF65-F5344CB8AC3E}">
@@ -12622,13 +14698,13 @@
               </a:ext>
             </a:extLst>
           </a:blip>
-          <a:srcRect t="41939" r="-9842"/>
+          <a:srcRect l="1" t="41939" r="-1171"/>
           <a:stretch/>
         </p:blipFill>
         <p:spPr>
           <a:xfrm>
-            <a:off x="468426" y="254460"/>
-            <a:ext cx="12083792" cy="6349080"/>
+            <a:off x="184826" y="105451"/>
+            <a:ext cx="11644008" cy="6642368"/>
           </a:xfrm>
           <a:prstGeom prst="rect">
             <a:avLst/>
